--- a/blocks/pic16f1825/position_detector.pptx
+++ b/blocks/pic16f1825/position_detector.pptx
@@ -8526,6 +8526,57 @@
           </a:prstGeom>
           <a:solidFill>
             <a:srgbClr val="00B0F0">
+              <a:alpha val="50000"/>
+            </a:srgbClr>
+          </a:solidFill>
+        </p:spPr>
+        <p:style>
+          <a:lnRef idx="2">
+            <a:schemeClr val="accent1">
+              <a:shade val="50000"/>
+            </a:schemeClr>
+          </a:lnRef>
+          <a:fillRef idx="1">
+            <a:schemeClr val="accent1"/>
+          </a:fillRef>
+          <a:effectRef idx="0">
+            <a:schemeClr val="accent1"/>
+          </a:effectRef>
+          <a:fontRef idx="minor">
+            <a:schemeClr val="lt1"/>
+          </a:fontRef>
+        </p:style>
+        <p:txBody>
+          <a:bodyPr rtlCol="0" anchor="ctr"/>
+          <a:lstStyle/>
+          <a:p>
+            <a:pPr algn="ctr"/>
+            <a:endParaRPr lang="en-US" dirty="0"/>
+          </a:p>
+        </p:txBody>
+      </p:sp>
+      <p:sp>
+        <p:nvSpPr>
+          <p:cNvPr id="128" name="正方形/長方形 127">
+            <a:extLst>
+              <a:ext uri="{FF2B5EF4-FFF2-40B4-BE49-F238E27FC236}">
+                <a16:creationId xmlns:a16="http://schemas.microsoft.com/office/drawing/2014/main" id="{AA6EDCFD-D9DB-4147-A04C-24FC604CEB51}"/>
+              </a:ext>
+            </a:extLst>
+          </p:cNvPr>
+          <p:cNvSpPr/>
+          <p:nvPr/>
+        </p:nvSpPr>
+        <p:spPr>
+          <a:xfrm>
+            <a:off x="3313591" y="4362976"/>
+            <a:ext cx="504030" cy="224294"/>
+          </a:xfrm>
+          <a:prstGeom prst="rect">
+            <a:avLst/>
+          </a:prstGeom>
+          <a:solidFill>
+            <a:srgbClr val="00B050">
               <a:alpha val="50000"/>
             </a:srgbClr>
           </a:solidFill>

--- a/blocks/pic16f1825/position_detector.pptx
+++ b/blocks/pic16f1825/position_detector.pptx
@@ -6,6 +6,7 @@
   </p:sldMasterIdLst>
   <p:sldIdLst>
     <p:sldId id="257" r:id="rId2"/>
+    <p:sldId id="258" r:id="rId3"/>
   </p:sldIdLst>
   <p:sldSz cx="9144000" cy="6858000" type="screen4x3"/>
   <p:notesSz cx="6858000" cy="9945688"/>
@@ -8610,6 +8611,5152 @@
     <p:extLst>
       <p:ext uri="{BB962C8B-B14F-4D97-AF65-F5344CB8AC3E}">
         <p14:creationId xmlns:p14="http://schemas.microsoft.com/office/powerpoint/2010/main" val="2044281121"/>
+      </p:ext>
+    </p:extLst>
+  </p:cSld>
+  <p:clrMapOvr>
+    <a:masterClrMapping/>
+  </p:clrMapOvr>
+</p:sld>
+</file>
+
+<file path=ppt/slides/slide2.xml><?xml version="1.0" encoding="utf-8"?>
+<p:sld xmlns:a="http://schemas.openxmlformats.org/drawingml/2006/main" xmlns:r="http://schemas.openxmlformats.org/officeDocument/2006/relationships" xmlns:p="http://schemas.openxmlformats.org/presentationml/2006/main">
+  <p:cSld>
+    <p:spTree>
+      <p:nvGrpSpPr>
+        <p:cNvPr id="1" name=""/>
+        <p:cNvGrpSpPr/>
+        <p:nvPr/>
+      </p:nvGrpSpPr>
+      <p:grpSpPr>
+        <a:xfrm>
+          <a:off x="0" y="0"/>
+          <a:ext cx="0" cy="0"/>
+          <a:chOff x="0" y="0"/>
+          <a:chExt cx="0" cy="0"/>
+        </a:xfrm>
+      </p:grpSpPr>
+      <p:pic>
+        <p:nvPicPr>
+          <p:cNvPr id="1026" name="Picture 2" descr="board_pattern.png">
+            <a:extLst>
+              <a:ext uri="{FF2B5EF4-FFF2-40B4-BE49-F238E27FC236}">
+                <a16:creationId xmlns:a16="http://schemas.microsoft.com/office/drawing/2014/main" id="{BBB8F659-60F1-4B78-BCE4-4D32044AD634}"/>
+              </a:ext>
+            </a:extLst>
+          </p:cNvPr>
+          <p:cNvPicPr>
+            <a:picLocks noChangeAspect="1" noChangeArrowheads="1"/>
+          </p:cNvPicPr>
+          <p:nvPr/>
+        </p:nvPicPr>
+        <p:blipFill>
+          <a:blip r:embed="rId2">
+            <a:duotone>
+              <a:schemeClr val="bg2">
+                <a:shade val="45000"/>
+                <a:satMod val="135000"/>
+              </a:schemeClr>
+              <a:prstClr val="white"/>
+            </a:duotone>
+            <a:extLst>
+              <a:ext uri="{28A0092B-C50C-407E-A947-70E740481C1C}">
+                <a14:useLocalDpi xmlns:a14="http://schemas.microsoft.com/office/drawing/2010/main" val="0"/>
+              </a:ext>
+            </a:extLst>
+          </a:blip>
+          <a:srcRect/>
+          <a:stretch>
+            <a:fillRect/>
+          </a:stretch>
+        </p:blipFill>
+        <p:spPr bwMode="auto">
+          <a:xfrm rot="5400000" flipH="1">
+            <a:off x="3392941" y="1249686"/>
+            <a:ext cx="3686175" cy="4724400"/>
+          </a:xfrm>
+          <a:prstGeom prst="rect">
+            <a:avLst/>
+          </a:prstGeom>
+          <a:noFill/>
+          <a:extLst>
+            <a:ext uri="{909E8E84-426E-40DD-AFC4-6F175D3DCCD1}">
+              <a14:hiddenFill xmlns:a14="http://schemas.microsoft.com/office/drawing/2010/main">
+                <a:solidFill>
+                  <a:srgbClr val="FFFFFF"/>
+                </a:solidFill>
+              </a14:hiddenFill>
+            </a:ext>
+          </a:extLst>
+        </p:spPr>
+      </p:pic>
+      <p:sp>
+        <p:nvSpPr>
+          <p:cNvPr id="85" name="正方形/長方形 84">
+            <a:extLst>
+              <a:ext uri="{FF2B5EF4-FFF2-40B4-BE49-F238E27FC236}">
+                <a16:creationId xmlns:a16="http://schemas.microsoft.com/office/drawing/2014/main" id="{F6C28FDD-A8B9-433E-9DC5-8433E0A7FF3B}"/>
+              </a:ext>
+            </a:extLst>
+          </p:cNvPr>
+          <p:cNvSpPr/>
+          <p:nvPr/>
+        </p:nvSpPr>
+        <p:spPr>
+          <a:xfrm flipH="1">
+            <a:off x="6105784" y="4602466"/>
+            <a:ext cx="984081" cy="239494"/>
+          </a:xfrm>
+          <a:prstGeom prst="rect">
+            <a:avLst/>
+          </a:prstGeom>
+          <a:solidFill>
+            <a:srgbClr val="00B0F0">
+              <a:alpha val="50000"/>
+            </a:srgbClr>
+          </a:solidFill>
+        </p:spPr>
+        <p:style>
+          <a:lnRef idx="2">
+            <a:schemeClr val="accent1">
+              <a:shade val="50000"/>
+            </a:schemeClr>
+          </a:lnRef>
+          <a:fillRef idx="1">
+            <a:schemeClr val="accent1"/>
+          </a:fillRef>
+          <a:effectRef idx="0">
+            <a:schemeClr val="accent1"/>
+          </a:effectRef>
+          <a:fontRef idx="minor">
+            <a:schemeClr val="lt1"/>
+          </a:fontRef>
+        </p:style>
+        <p:txBody>
+          <a:bodyPr rtlCol="0" anchor="ctr"/>
+          <a:lstStyle/>
+          <a:p>
+            <a:pPr algn="ctr"/>
+            <a:endParaRPr lang="en-US" dirty="0"/>
+          </a:p>
+        </p:txBody>
+      </p:sp>
+      <p:cxnSp>
+        <p:nvCxnSpPr>
+          <p:cNvPr id="7" name="直線コネクタ 6">
+            <a:extLst>
+              <a:ext uri="{FF2B5EF4-FFF2-40B4-BE49-F238E27FC236}">
+                <a16:creationId xmlns:a16="http://schemas.microsoft.com/office/drawing/2014/main" id="{9A6DA596-E286-4F6F-8B4B-E1E067CB797D}"/>
+              </a:ext>
+            </a:extLst>
+          </p:cNvPr>
+          <p:cNvCxnSpPr>
+            <a:cxnSpLocks/>
+          </p:cNvCxnSpPr>
+          <p:nvPr/>
+        </p:nvCxnSpPr>
+        <p:spPr>
+          <a:xfrm flipH="1" flipV="1">
+            <a:off x="5487475" y="4737462"/>
+            <a:ext cx="0" cy="232945"/>
+          </a:xfrm>
+          <a:prstGeom prst="line">
+            <a:avLst/>
+          </a:prstGeom>
+          <a:ln>
+            <a:headEnd type="oval"/>
+            <a:tailEnd type="oval"/>
+          </a:ln>
+        </p:spPr>
+        <p:style>
+          <a:lnRef idx="1">
+            <a:schemeClr val="accent1"/>
+          </a:lnRef>
+          <a:fillRef idx="0">
+            <a:schemeClr val="accent1"/>
+          </a:fillRef>
+          <a:effectRef idx="0">
+            <a:schemeClr val="accent1"/>
+          </a:effectRef>
+          <a:fontRef idx="minor">
+            <a:schemeClr val="tx1"/>
+          </a:fontRef>
+        </p:style>
+      </p:cxnSp>
+      <p:cxnSp>
+        <p:nvCxnSpPr>
+          <p:cNvPr id="87" name="直線コネクタ 86">
+            <a:extLst>
+              <a:ext uri="{FF2B5EF4-FFF2-40B4-BE49-F238E27FC236}">
+                <a16:creationId xmlns:a16="http://schemas.microsoft.com/office/drawing/2014/main" id="{2B60FC76-E483-47B7-B2BA-F22EE3C800B1}"/>
+              </a:ext>
+            </a:extLst>
+          </p:cNvPr>
+          <p:cNvCxnSpPr>
+            <a:cxnSpLocks/>
+          </p:cNvCxnSpPr>
+          <p:nvPr/>
+        </p:nvCxnSpPr>
+        <p:spPr>
+          <a:xfrm flipH="1" flipV="1">
+            <a:off x="5980591" y="4458789"/>
+            <a:ext cx="7625" cy="520335"/>
+          </a:xfrm>
+          <a:prstGeom prst="line">
+            <a:avLst/>
+          </a:prstGeom>
+          <a:ln>
+            <a:headEnd type="oval"/>
+            <a:tailEnd type="oval"/>
+          </a:ln>
+        </p:spPr>
+        <p:style>
+          <a:lnRef idx="1">
+            <a:schemeClr val="accent1"/>
+          </a:lnRef>
+          <a:fillRef idx="0">
+            <a:schemeClr val="accent1"/>
+          </a:fillRef>
+          <a:effectRef idx="0">
+            <a:schemeClr val="accent1"/>
+          </a:effectRef>
+          <a:fontRef idx="minor">
+            <a:schemeClr val="tx1"/>
+          </a:fontRef>
+        </p:style>
+      </p:cxnSp>
+      <p:cxnSp>
+        <p:nvCxnSpPr>
+          <p:cNvPr id="88" name="直線コネクタ 87">
+            <a:extLst>
+              <a:ext uri="{FF2B5EF4-FFF2-40B4-BE49-F238E27FC236}">
+                <a16:creationId xmlns:a16="http://schemas.microsoft.com/office/drawing/2014/main" id="{631B8E8F-0A16-49D1-9D68-3CC19D35FDFE}"/>
+              </a:ext>
+            </a:extLst>
+          </p:cNvPr>
+          <p:cNvCxnSpPr>
+            <a:cxnSpLocks/>
+          </p:cNvCxnSpPr>
+          <p:nvPr/>
+        </p:nvCxnSpPr>
+        <p:spPr>
+          <a:xfrm flipH="1" flipV="1">
+            <a:off x="6227704" y="3975458"/>
+            <a:ext cx="0" cy="753295"/>
+          </a:xfrm>
+          <a:prstGeom prst="line">
+            <a:avLst/>
+          </a:prstGeom>
+          <a:ln>
+            <a:headEnd type="oval"/>
+            <a:tailEnd type="oval"/>
+          </a:ln>
+        </p:spPr>
+        <p:style>
+          <a:lnRef idx="1">
+            <a:schemeClr val="accent1"/>
+          </a:lnRef>
+          <a:fillRef idx="0">
+            <a:schemeClr val="accent1"/>
+          </a:fillRef>
+          <a:effectRef idx="0">
+            <a:schemeClr val="accent1"/>
+          </a:effectRef>
+          <a:fontRef idx="minor">
+            <a:schemeClr val="tx1"/>
+          </a:fontRef>
+        </p:style>
+      </p:cxnSp>
+      <p:cxnSp>
+        <p:nvCxnSpPr>
+          <p:cNvPr id="90" name="直線コネクタ 89">
+            <a:extLst>
+              <a:ext uri="{FF2B5EF4-FFF2-40B4-BE49-F238E27FC236}">
+                <a16:creationId xmlns:a16="http://schemas.microsoft.com/office/drawing/2014/main" id="{68F3E7AD-CBC0-4C2F-91AF-FA2A8F941717}"/>
+              </a:ext>
+            </a:extLst>
+          </p:cNvPr>
+          <p:cNvCxnSpPr>
+            <a:cxnSpLocks/>
+          </p:cNvCxnSpPr>
+          <p:nvPr/>
+        </p:nvCxnSpPr>
+        <p:spPr>
+          <a:xfrm flipH="1" flipV="1">
+            <a:off x="6467195" y="4737462"/>
+            <a:ext cx="4360" cy="232945"/>
+          </a:xfrm>
+          <a:prstGeom prst="line">
+            <a:avLst/>
+          </a:prstGeom>
+          <a:ln>
+            <a:headEnd type="oval"/>
+            <a:tailEnd type="oval"/>
+          </a:ln>
+        </p:spPr>
+        <p:style>
+          <a:lnRef idx="1">
+            <a:schemeClr val="accent1"/>
+          </a:lnRef>
+          <a:fillRef idx="0">
+            <a:schemeClr val="accent1"/>
+          </a:fillRef>
+          <a:effectRef idx="0">
+            <a:schemeClr val="accent1"/>
+          </a:effectRef>
+          <a:fontRef idx="minor">
+            <a:schemeClr val="tx1"/>
+          </a:fontRef>
+        </p:style>
+      </p:cxnSp>
+      <p:cxnSp>
+        <p:nvCxnSpPr>
+          <p:cNvPr id="93" name="直線コネクタ 92">
+            <a:extLst>
+              <a:ext uri="{FF2B5EF4-FFF2-40B4-BE49-F238E27FC236}">
+                <a16:creationId xmlns:a16="http://schemas.microsoft.com/office/drawing/2014/main" id="{658037B7-ADFB-4A61-8A1C-F80D812BC867}"/>
+              </a:ext>
+            </a:extLst>
+          </p:cNvPr>
+          <p:cNvCxnSpPr>
+            <a:cxnSpLocks/>
+          </p:cNvCxnSpPr>
+          <p:nvPr/>
+        </p:nvCxnSpPr>
+        <p:spPr>
+          <a:xfrm flipH="1" flipV="1">
+            <a:off x="6471555" y="3731622"/>
+            <a:ext cx="0" cy="1005840"/>
+          </a:xfrm>
+          <a:prstGeom prst="line">
+            <a:avLst/>
+          </a:prstGeom>
+          <a:ln>
+            <a:headEnd type="oval"/>
+            <a:tailEnd type="oval"/>
+          </a:ln>
+        </p:spPr>
+        <p:style>
+          <a:lnRef idx="1">
+            <a:schemeClr val="accent1"/>
+          </a:lnRef>
+          <a:fillRef idx="0">
+            <a:schemeClr val="accent1"/>
+          </a:fillRef>
+          <a:effectRef idx="0">
+            <a:schemeClr val="accent1"/>
+          </a:effectRef>
+          <a:fontRef idx="minor">
+            <a:schemeClr val="tx1"/>
+          </a:fontRef>
+        </p:style>
+      </p:cxnSp>
+      <p:cxnSp>
+        <p:nvCxnSpPr>
+          <p:cNvPr id="95" name="直線コネクタ 94">
+            <a:extLst>
+              <a:ext uri="{FF2B5EF4-FFF2-40B4-BE49-F238E27FC236}">
+                <a16:creationId xmlns:a16="http://schemas.microsoft.com/office/drawing/2014/main" id="{8EDCB8ED-5172-410D-853B-F6E5D2AC2018}"/>
+              </a:ext>
+            </a:extLst>
+          </p:cNvPr>
+          <p:cNvCxnSpPr>
+            <a:cxnSpLocks/>
+          </p:cNvCxnSpPr>
+          <p:nvPr/>
+        </p:nvCxnSpPr>
+        <p:spPr>
+          <a:xfrm flipH="1" flipV="1">
+            <a:off x="6227707" y="4733102"/>
+            <a:ext cx="0" cy="237305"/>
+          </a:xfrm>
+          <a:prstGeom prst="line">
+            <a:avLst/>
+          </a:prstGeom>
+          <a:ln>
+            <a:headEnd type="oval"/>
+            <a:tailEnd type="oval"/>
+          </a:ln>
+        </p:spPr>
+        <p:style>
+          <a:lnRef idx="1">
+            <a:schemeClr val="accent1"/>
+          </a:lnRef>
+          <a:fillRef idx="0">
+            <a:schemeClr val="accent1"/>
+          </a:fillRef>
+          <a:effectRef idx="0">
+            <a:schemeClr val="accent1"/>
+          </a:effectRef>
+          <a:fontRef idx="minor">
+            <a:schemeClr val="tx1"/>
+          </a:fontRef>
+        </p:style>
+      </p:cxnSp>
+      <p:cxnSp>
+        <p:nvCxnSpPr>
+          <p:cNvPr id="96" name="直線コネクタ 95">
+            <a:extLst>
+              <a:ext uri="{FF2B5EF4-FFF2-40B4-BE49-F238E27FC236}">
+                <a16:creationId xmlns:a16="http://schemas.microsoft.com/office/drawing/2014/main" id="{1226E045-A7DA-4A93-891E-F43D0EA504D7}"/>
+              </a:ext>
+            </a:extLst>
+          </p:cNvPr>
+          <p:cNvCxnSpPr>
+            <a:cxnSpLocks/>
+          </p:cNvCxnSpPr>
+          <p:nvPr/>
+        </p:nvCxnSpPr>
+        <p:spPr>
+          <a:xfrm flipH="1" flipV="1">
+            <a:off x="4742889" y="3966754"/>
+            <a:ext cx="0" cy="265612"/>
+          </a:xfrm>
+          <a:prstGeom prst="line">
+            <a:avLst/>
+          </a:prstGeom>
+          <a:ln>
+            <a:headEnd type="oval"/>
+            <a:tailEnd type="oval"/>
+          </a:ln>
+        </p:spPr>
+        <p:style>
+          <a:lnRef idx="1">
+            <a:schemeClr val="accent1"/>
+          </a:lnRef>
+          <a:fillRef idx="0">
+            <a:schemeClr val="accent1"/>
+          </a:fillRef>
+          <a:effectRef idx="0">
+            <a:schemeClr val="accent1"/>
+          </a:effectRef>
+          <a:fontRef idx="minor">
+            <a:schemeClr val="tx1"/>
+          </a:fontRef>
+        </p:style>
+      </p:cxnSp>
+      <p:cxnSp>
+        <p:nvCxnSpPr>
+          <p:cNvPr id="112" name="直線コネクタ 111">
+            <a:extLst>
+              <a:ext uri="{FF2B5EF4-FFF2-40B4-BE49-F238E27FC236}">
+                <a16:creationId xmlns:a16="http://schemas.microsoft.com/office/drawing/2014/main" id="{CE9FBAA1-AB33-43D1-8D79-B5A2A3A5DAFA}"/>
+              </a:ext>
+            </a:extLst>
+          </p:cNvPr>
+          <p:cNvCxnSpPr>
+            <a:cxnSpLocks/>
+          </p:cNvCxnSpPr>
+          <p:nvPr/>
+        </p:nvCxnSpPr>
+        <p:spPr>
+          <a:xfrm>
+            <a:off x="4250859" y="4228012"/>
+            <a:ext cx="492030" cy="0"/>
+          </a:xfrm>
+          <a:prstGeom prst="line">
+            <a:avLst/>
+          </a:prstGeom>
+          <a:ln>
+            <a:headEnd type="oval"/>
+            <a:tailEnd type="oval"/>
+          </a:ln>
+        </p:spPr>
+        <p:style>
+          <a:lnRef idx="1">
+            <a:schemeClr val="accent1"/>
+          </a:lnRef>
+          <a:fillRef idx="0">
+            <a:schemeClr val="accent1"/>
+          </a:fillRef>
+          <a:effectRef idx="0">
+            <a:schemeClr val="accent1"/>
+          </a:effectRef>
+          <a:fontRef idx="minor">
+            <a:schemeClr val="tx1"/>
+          </a:fontRef>
+        </p:style>
+      </p:cxnSp>
+      <p:cxnSp>
+        <p:nvCxnSpPr>
+          <p:cNvPr id="113" name="直線コネクタ 112">
+            <a:extLst>
+              <a:ext uri="{FF2B5EF4-FFF2-40B4-BE49-F238E27FC236}">
+                <a16:creationId xmlns:a16="http://schemas.microsoft.com/office/drawing/2014/main" id="{2B3AA499-1C33-4848-B4D6-4C7B41BE7C87}"/>
+              </a:ext>
+            </a:extLst>
+          </p:cNvPr>
+          <p:cNvCxnSpPr>
+            <a:cxnSpLocks/>
+          </p:cNvCxnSpPr>
+          <p:nvPr/>
+        </p:nvCxnSpPr>
+        <p:spPr>
+          <a:xfrm flipH="1" flipV="1">
+            <a:off x="4991087" y="3979814"/>
+            <a:ext cx="0" cy="478975"/>
+          </a:xfrm>
+          <a:prstGeom prst="line">
+            <a:avLst/>
+          </a:prstGeom>
+          <a:ln>
+            <a:headEnd type="oval"/>
+            <a:tailEnd type="oval"/>
+          </a:ln>
+        </p:spPr>
+        <p:style>
+          <a:lnRef idx="1">
+            <a:schemeClr val="accent1"/>
+          </a:lnRef>
+          <a:fillRef idx="0">
+            <a:schemeClr val="accent1"/>
+          </a:fillRef>
+          <a:effectRef idx="0">
+            <a:schemeClr val="accent1"/>
+          </a:effectRef>
+          <a:fontRef idx="minor">
+            <a:schemeClr val="tx1"/>
+          </a:fontRef>
+        </p:style>
+      </p:cxnSp>
+      <p:cxnSp>
+        <p:nvCxnSpPr>
+          <p:cNvPr id="114" name="直線コネクタ 113">
+            <a:extLst>
+              <a:ext uri="{FF2B5EF4-FFF2-40B4-BE49-F238E27FC236}">
+                <a16:creationId xmlns:a16="http://schemas.microsoft.com/office/drawing/2014/main" id="{9D3D8AE0-777A-42F3-9A05-01C2B4D1403F}"/>
+              </a:ext>
+            </a:extLst>
+          </p:cNvPr>
+          <p:cNvCxnSpPr>
+            <a:cxnSpLocks/>
+          </p:cNvCxnSpPr>
+          <p:nvPr/>
+        </p:nvCxnSpPr>
+        <p:spPr>
+          <a:xfrm>
+            <a:off x="3989602" y="4467498"/>
+            <a:ext cx="1018903" cy="3"/>
+          </a:xfrm>
+          <a:prstGeom prst="line">
+            <a:avLst/>
+          </a:prstGeom>
+          <a:ln>
+            <a:headEnd type="oval"/>
+            <a:tailEnd type="oval"/>
+          </a:ln>
+        </p:spPr>
+        <p:style>
+          <a:lnRef idx="1">
+            <a:schemeClr val="accent1"/>
+          </a:lnRef>
+          <a:fillRef idx="0">
+            <a:schemeClr val="accent1"/>
+          </a:fillRef>
+          <a:effectRef idx="0">
+            <a:schemeClr val="accent1"/>
+          </a:effectRef>
+          <a:fontRef idx="minor">
+            <a:schemeClr val="tx1"/>
+          </a:fontRef>
+        </p:style>
+      </p:cxnSp>
+      <p:cxnSp>
+        <p:nvCxnSpPr>
+          <p:cNvPr id="115" name="直線コネクタ 114">
+            <a:extLst>
+              <a:ext uri="{FF2B5EF4-FFF2-40B4-BE49-F238E27FC236}">
+                <a16:creationId xmlns:a16="http://schemas.microsoft.com/office/drawing/2014/main" id="{4F7B2204-636A-430C-AB41-D9A2F0B73DD2}"/>
+              </a:ext>
+            </a:extLst>
+          </p:cNvPr>
+          <p:cNvCxnSpPr>
+            <a:cxnSpLocks/>
+          </p:cNvCxnSpPr>
+          <p:nvPr/>
+        </p:nvCxnSpPr>
+        <p:spPr>
+          <a:xfrm flipH="1" flipV="1">
+            <a:off x="5230578" y="3975458"/>
+            <a:ext cx="0" cy="762004"/>
+          </a:xfrm>
+          <a:prstGeom prst="line">
+            <a:avLst/>
+          </a:prstGeom>
+          <a:ln>
+            <a:headEnd type="oval"/>
+            <a:tailEnd type="oval"/>
+          </a:ln>
+        </p:spPr>
+        <p:style>
+          <a:lnRef idx="1">
+            <a:schemeClr val="accent1"/>
+          </a:lnRef>
+          <a:fillRef idx="0">
+            <a:schemeClr val="accent1"/>
+          </a:fillRef>
+          <a:effectRef idx="0">
+            <a:schemeClr val="accent1"/>
+          </a:effectRef>
+          <a:fontRef idx="minor">
+            <a:schemeClr val="tx1"/>
+          </a:fontRef>
+        </p:style>
+      </p:cxnSp>
+      <p:cxnSp>
+        <p:nvCxnSpPr>
+          <p:cNvPr id="116" name="直線コネクタ 115">
+            <a:extLst>
+              <a:ext uri="{FF2B5EF4-FFF2-40B4-BE49-F238E27FC236}">
+                <a16:creationId xmlns:a16="http://schemas.microsoft.com/office/drawing/2014/main" id="{6353E168-37F4-43A9-AF32-8A6F95D69F73}"/>
+              </a:ext>
+            </a:extLst>
+          </p:cNvPr>
+          <p:cNvCxnSpPr>
+            <a:cxnSpLocks/>
+          </p:cNvCxnSpPr>
+          <p:nvPr/>
+        </p:nvCxnSpPr>
+        <p:spPr>
+          <a:xfrm>
+            <a:off x="3745761" y="4713518"/>
+            <a:ext cx="1484811" cy="2178"/>
+          </a:xfrm>
+          <a:prstGeom prst="line">
+            <a:avLst/>
+          </a:prstGeom>
+          <a:ln>
+            <a:headEnd type="oval"/>
+            <a:tailEnd type="oval"/>
+          </a:ln>
+        </p:spPr>
+        <p:style>
+          <a:lnRef idx="1">
+            <a:schemeClr val="accent1"/>
+          </a:lnRef>
+          <a:fillRef idx="0">
+            <a:schemeClr val="accent1"/>
+          </a:fillRef>
+          <a:effectRef idx="0">
+            <a:schemeClr val="accent1"/>
+          </a:effectRef>
+          <a:fontRef idx="minor">
+            <a:schemeClr val="tx1"/>
+          </a:fontRef>
+        </p:style>
+      </p:cxnSp>
+      <p:cxnSp>
+        <p:nvCxnSpPr>
+          <p:cNvPr id="127" name="直線コネクタ 126">
+            <a:extLst>
+              <a:ext uri="{FF2B5EF4-FFF2-40B4-BE49-F238E27FC236}">
+                <a16:creationId xmlns:a16="http://schemas.microsoft.com/office/drawing/2014/main" id="{18CCDA68-0B1E-4246-8E49-039CC40EE057}"/>
+              </a:ext>
+            </a:extLst>
+          </p:cNvPr>
+          <p:cNvCxnSpPr>
+            <a:cxnSpLocks/>
+          </p:cNvCxnSpPr>
+          <p:nvPr/>
+        </p:nvCxnSpPr>
+        <p:spPr>
+          <a:xfrm flipH="1" flipV="1">
+            <a:off x="3245018" y="2252805"/>
+            <a:ext cx="0" cy="976914"/>
+          </a:xfrm>
+          <a:prstGeom prst="line">
+            <a:avLst/>
+          </a:prstGeom>
+          <a:ln>
+            <a:headEnd type="oval"/>
+            <a:tailEnd type="oval"/>
+          </a:ln>
+        </p:spPr>
+        <p:style>
+          <a:lnRef idx="1">
+            <a:schemeClr val="accent1"/>
+          </a:lnRef>
+          <a:fillRef idx="0">
+            <a:schemeClr val="accent1"/>
+          </a:fillRef>
+          <a:effectRef idx="0">
+            <a:schemeClr val="accent1"/>
+          </a:effectRef>
+          <a:fontRef idx="minor">
+            <a:schemeClr val="tx1"/>
+          </a:fontRef>
+        </p:style>
+      </p:cxnSp>
+      <p:cxnSp>
+        <p:nvCxnSpPr>
+          <p:cNvPr id="129" name="直線コネクタ 128">
+            <a:extLst>
+              <a:ext uri="{FF2B5EF4-FFF2-40B4-BE49-F238E27FC236}">
+                <a16:creationId xmlns:a16="http://schemas.microsoft.com/office/drawing/2014/main" id="{95148E89-3779-48EC-B796-675D1B02DF64}"/>
+              </a:ext>
+            </a:extLst>
+          </p:cNvPr>
+          <p:cNvCxnSpPr>
+            <a:cxnSpLocks/>
+          </p:cNvCxnSpPr>
+          <p:nvPr/>
+        </p:nvCxnSpPr>
+        <p:spPr>
+          <a:xfrm>
+            <a:off x="3245018" y="3230883"/>
+            <a:ext cx="492030" cy="0"/>
+          </a:xfrm>
+          <a:prstGeom prst="line">
+            <a:avLst/>
+          </a:prstGeom>
+          <a:ln>
+            <a:solidFill>
+              <a:srgbClr val="FF0000"/>
+            </a:solidFill>
+            <a:headEnd type="oval"/>
+            <a:tailEnd type="oval"/>
+          </a:ln>
+        </p:spPr>
+        <p:style>
+          <a:lnRef idx="1">
+            <a:schemeClr val="accent1"/>
+          </a:lnRef>
+          <a:fillRef idx="0">
+            <a:schemeClr val="accent1"/>
+          </a:fillRef>
+          <a:effectRef idx="0">
+            <a:schemeClr val="accent1"/>
+          </a:effectRef>
+          <a:fontRef idx="minor">
+            <a:schemeClr val="tx1"/>
+          </a:fontRef>
+        </p:style>
+      </p:cxnSp>
+      <p:cxnSp>
+        <p:nvCxnSpPr>
+          <p:cNvPr id="130" name="直線コネクタ 129">
+            <a:extLst>
+              <a:ext uri="{FF2B5EF4-FFF2-40B4-BE49-F238E27FC236}">
+                <a16:creationId xmlns:a16="http://schemas.microsoft.com/office/drawing/2014/main" id="{6C151CF9-51C4-4669-8684-9483119B4834}"/>
+              </a:ext>
+            </a:extLst>
+          </p:cNvPr>
+          <p:cNvCxnSpPr>
+            <a:cxnSpLocks/>
+          </p:cNvCxnSpPr>
+          <p:nvPr/>
+        </p:nvCxnSpPr>
+        <p:spPr>
+          <a:xfrm>
+            <a:off x="4002660" y="2229379"/>
+            <a:ext cx="239490" cy="12"/>
+          </a:xfrm>
+          <a:prstGeom prst="line">
+            <a:avLst/>
+          </a:prstGeom>
+          <a:ln>
+            <a:headEnd type="oval"/>
+            <a:tailEnd type="oval"/>
+          </a:ln>
+        </p:spPr>
+        <p:style>
+          <a:lnRef idx="1">
+            <a:schemeClr val="accent1"/>
+          </a:lnRef>
+          <a:fillRef idx="0">
+            <a:schemeClr val="accent1"/>
+          </a:fillRef>
+          <a:effectRef idx="0">
+            <a:schemeClr val="accent1"/>
+          </a:effectRef>
+          <a:fontRef idx="minor">
+            <a:schemeClr val="tx1"/>
+          </a:fontRef>
+        </p:style>
+      </p:cxnSp>
+      <p:cxnSp>
+        <p:nvCxnSpPr>
+          <p:cNvPr id="136" name="直線コネクタ 135">
+            <a:extLst>
+              <a:ext uri="{FF2B5EF4-FFF2-40B4-BE49-F238E27FC236}">
+                <a16:creationId xmlns:a16="http://schemas.microsoft.com/office/drawing/2014/main" id="{4B8B0C54-006D-490E-89B5-F62D68777ED2}"/>
+              </a:ext>
+            </a:extLst>
+          </p:cNvPr>
+          <p:cNvCxnSpPr>
+            <a:cxnSpLocks/>
+          </p:cNvCxnSpPr>
+          <p:nvPr/>
+        </p:nvCxnSpPr>
+        <p:spPr>
+          <a:xfrm flipH="1" flipV="1">
+            <a:off x="5234929" y="2242463"/>
+            <a:ext cx="0" cy="248183"/>
+          </a:xfrm>
+          <a:prstGeom prst="line">
+            <a:avLst/>
+          </a:prstGeom>
+          <a:ln>
+            <a:headEnd type="oval"/>
+            <a:tailEnd type="oval"/>
+          </a:ln>
+        </p:spPr>
+        <p:style>
+          <a:lnRef idx="1">
+            <a:schemeClr val="accent1"/>
+          </a:lnRef>
+          <a:fillRef idx="0">
+            <a:schemeClr val="accent1"/>
+          </a:fillRef>
+          <a:effectRef idx="0">
+            <a:schemeClr val="accent1"/>
+          </a:effectRef>
+          <a:fontRef idx="minor">
+            <a:schemeClr val="tx1"/>
+          </a:fontRef>
+        </p:style>
+      </p:cxnSp>
+      <p:cxnSp>
+        <p:nvCxnSpPr>
+          <p:cNvPr id="149" name="直線コネクタ 148">
+            <a:extLst>
+              <a:ext uri="{FF2B5EF4-FFF2-40B4-BE49-F238E27FC236}">
+                <a16:creationId xmlns:a16="http://schemas.microsoft.com/office/drawing/2014/main" id="{311F56C1-1E2B-4F35-BD4C-F574D35415D6}"/>
+              </a:ext>
+            </a:extLst>
+          </p:cNvPr>
+          <p:cNvCxnSpPr>
+            <a:cxnSpLocks/>
+          </p:cNvCxnSpPr>
+          <p:nvPr/>
+        </p:nvCxnSpPr>
+        <p:spPr>
+          <a:xfrm flipH="1" flipV="1">
+            <a:off x="6223350" y="2238103"/>
+            <a:ext cx="17141" cy="760828"/>
+          </a:xfrm>
+          <a:prstGeom prst="line">
+            <a:avLst/>
+          </a:prstGeom>
+          <a:ln>
+            <a:headEnd type="oval"/>
+            <a:tailEnd type="oval"/>
+          </a:ln>
+        </p:spPr>
+        <p:style>
+          <a:lnRef idx="1">
+            <a:schemeClr val="accent1"/>
+          </a:lnRef>
+          <a:fillRef idx="0">
+            <a:schemeClr val="accent1"/>
+          </a:fillRef>
+          <a:effectRef idx="0">
+            <a:schemeClr val="accent1"/>
+          </a:effectRef>
+          <a:fontRef idx="minor">
+            <a:schemeClr val="tx1"/>
+          </a:fontRef>
+        </p:style>
+      </p:cxnSp>
+      <p:sp>
+        <p:nvSpPr>
+          <p:cNvPr id="252" name="四角形: 角を丸くする 251">
+            <a:extLst>
+              <a:ext uri="{FF2B5EF4-FFF2-40B4-BE49-F238E27FC236}">
+                <a16:creationId xmlns:a16="http://schemas.microsoft.com/office/drawing/2014/main" id="{1F2452ED-E1C5-422E-B62E-89586A73DC78}"/>
+              </a:ext>
+            </a:extLst>
+          </p:cNvPr>
+          <p:cNvSpPr/>
+          <p:nvPr/>
+        </p:nvSpPr>
+        <p:spPr>
+          <a:xfrm flipH="1">
+            <a:off x="6915679" y="1367246"/>
+            <a:ext cx="344014" cy="401552"/>
+          </a:xfrm>
+          <a:prstGeom prst="roundRect">
+            <a:avLst>
+              <a:gd name="adj" fmla="val 16284"/>
+            </a:avLst>
+          </a:prstGeom>
+          <a:solidFill>
+            <a:srgbClr val="FF0000"/>
+          </a:solidFill>
+        </p:spPr>
+        <p:style>
+          <a:lnRef idx="2">
+            <a:schemeClr val="accent1">
+              <a:shade val="50000"/>
+            </a:schemeClr>
+          </a:lnRef>
+          <a:fillRef idx="1">
+            <a:schemeClr val="accent1"/>
+          </a:fillRef>
+          <a:effectRef idx="0">
+            <a:schemeClr val="accent1"/>
+          </a:effectRef>
+          <a:fontRef idx="minor">
+            <a:schemeClr val="lt1"/>
+          </a:fontRef>
+        </p:style>
+        <p:txBody>
+          <a:bodyPr rtlCol="0" anchor="ctr"/>
+          <a:lstStyle/>
+          <a:p>
+            <a:pPr algn="ctr"/>
+            <a:endParaRPr lang="en-US"/>
+          </a:p>
+        </p:txBody>
+      </p:sp>
+      <p:cxnSp>
+        <p:nvCxnSpPr>
+          <p:cNvPr id="254" name="直線コネクタ 253">
+            <a:extLst>
+              <a:ext uri="{FF2B5EF4-FFF2-40B4-BE49-F238E27FC236}">
+                <a16:creationId xmlns:a16="http://schemas.microsoft.com/office/drawing/2014/main" id="{448BD04D-4F75-4CD8-A055-8518C6E2FD04}"/>
+              </a:ext>
+            </a:extLst>
+          </p:cNvPr>
+          <p:cNvCxnSpPr/>
+          <p:nvPr/>
+        </p:nvCxnSpPr>
+        <p:spPr>
+          <a:xfrm flipH="1" flipV="1">
+            <a:off x="7220481" y="1768798"/>
+            <a:ext cx="0" cy="251591"/>
+          </a:xfrm>
+          <a:prstGeom prst="line">
+            <a:avLst/>
+          </a:prstGeom>
+          <a:ln>
+            <a:headEnd type="oval"/>
+          </a:ln>
+        </p:spPr>
+        <p:style>
+          <a:lnRef idx="1">
+            <a:schemeClr val="accent1"/>
+          </a:lnRef>
+          <a:fillRef idx="0">
+            <a:schemeClr val="accent1"/>
+          </a:fillRef>
+          <a:effectRef idx="0">
+            <a:schemeClr val="accent1"/>
+          </a:effectRef>
+          <a:fontRef idx="minor">
+            <a:schemeClr val="tx1"/>
+          </a:fontRef>
+        </p:style>
+      </p:cxnSp>
+      <p:cxnSp>
+        <p:nvCxnSpPr>
+          <p:cNvPr id="154" name="直線コネクタ 153">
+            <a:extLst>
+              <a:ext uri="{FF2B5EF4-FFF2-40B4-BE49-F238E27FC236}">
+                <a16:creationId xmlns:a16="http://schemas.microsoft.com/office/drawing/2014/main" id="{CF9938AF-11F2-4DB7-8EF3-435605AE656B}"/>
+              </a:ext>
+            </a:extLst>
+          </p:cNvPr>
+          <p:cNvCxnSpPr>
+            <a:cxnSpLocks/>
+          </p:cNvCxnSpPr>
+          <p:nvPr/>
+        </p:nvCxnSpPr>
+        <p:spPr>
+          <a:xfrm flipH="1" flipV="1">
+            <a:off x="6972284" y="1764442"/>
+            <a:ext cx="0" cy="255947"/>
+          </a:xfrm>
+          <a:prstGeom prst="line">
+            <a:avLst/>
+          </a:prstGeom>
+          <a:ln>
+            <a:headEnd type="oval"/>
+          </a:ln>
+        </p:spPr>
+        <p:style>
+          <a:lnRef idx="1">
+            <a:schemeClr val="accent1"/>
+          </a:lnRef>
+          <a:fillRef idx="0">
+            <a:schemeClr val="accent1"/>
+          </a:fillRef>
+          <a:effectRef idx="0">
+            <a:schemeClr val="accent1"/>
+          </a:effectRef>
+          <a:fontRef idx="minor">
+            <a:schemeClr val="tx1"/>
+          </a:fontRef>
+        </p:style>
+      </p:cxnSp>
+      <p:cxnSp>
+        <p:nvCxnSpPr>
+          <p:cNvPr id="155" name="直線コネクタ 154">
+            <a:extLst>
+              <a:ext uri="{FF2B5EF4-FFF2-40B4-BE49-F238E27FC236}">
+                <a16:creationId xmlns:a16="http://schemas.microsoft.com/office/drawing/2014/main" id="{CF2FFA7C-EA43-4E7A-BE21-1178BBCAABE3}"/>
+              </a:ext>
+            </a:extLst>
+          </p:cNvPr>
+          <p:cNvCxnSpPr>
+            <a:cxnSpLocks/>
+          </p:cNvCxnSpPr>
+          <p:nvPr/>
+        </p:nvCxnSpPr>
+        <p:spPr>
+          <a:xfrm flipV="1">
+            <a:off x="5980589" y="2989208"/>
+            <a:ext cx="1108" cy="238405"/>
+          </a:xfrm>
+          <a:prstGeom prst="line">
+            <a:avLst/>
+          </a:prstGeom>
+          <a:ln>
+            <a:headEnd type="oval"/>
+            <a:tailEnd type="oval"/>
+          </a:ln>
+        </p:spPr>
+        <p:style>
+          <a:lnRef idx="1">
+            <a:schemeClr val="accent1"/>
+          </a:lnRef>
+          <a:fillRef idx="0">
+            <a:schemeClr val="accent1"/>
+          </a:fillRef>
+          <a:effectRef idx="0">
+            <a:schemeClr val="accent1"/>
+          </a:effectRef>
+          <a:fontRef idx="minor">
+            <a:schemeClr val="tx1"/>
+          </a:fontRef>
+        </p:style>
+      </p:cxnSp>
+      <p:cxnSp>
+        <p:nvCxnSpPr>
+          <p:cNvPr id="162" name="直線コネクタ 161">
+            <a:extLst>
+              <a:ext uri="{FF2B5EF4-FFF2-40B4-BE49-F238E27FC236}">
+                <a16:creationId xmlns:a16="http://schemas.microsoft.com/office/drawing/2014/main" id="{1186DB18-2779-465B-8264-D009E16391B3}"/>
+              </a:ext>
+            </a:extLst>
+          </p:cNvPr>
+          <p:cNvCxnSpPr>
+            <a:cxnSpLocks/>
+          </p:cNvCxnSpPr>
+          <p:nvPr/>
+        </p:nvCxnSpPr>
+        <p:spPr>
+          <a:xfrm flipH="1" flipV="1">
+            <a:off x="6967937" y="2007320"/>
+            <a:ext cx="0" cy="727163"/>
+          </a:xfrm>
+          <a:prstGeom prst="line">
+            <a:avLst/>
+          </a:prstGeom>
+          <a:ln>
+            <a:headEnd type="oval"/>
+            <a:tailEnd type="oval"/>
+          </a:ln>
+        </p:spPr>
+        <p:style>
+          <a:lnRef idx="1">
+            <a:schemeClr val="accent1"/>
+          </a:lnRef>
+          <a:fillRef idx="0">
+            <a:schemeClr val="accent1"/>
+          </a:fillRef>
+          <a:effectRef idx="0">
+            <a:schemeClr val="accent1"/>
+          </a:effectRef>
+          <a:fontRef idx="minor">
+            <a:schemeClr val="tx1"/>
+          </a:fontRef>
+        </p:style>
+      </p:cxnSp>
+      <p:cxnSp>
+        <p:nvCxnSpPr>
+          <p:cNvPr id="165" name="直線コネクタ 164">
+            <a:extLst>
+              <a:ext uri="{FF2B5EF4-FFF2-40B4-BE49-F238E27FC236}">
+                <a16:creationId xmlns:a16="http://schemas.microsoft.com/office/drawing/2014/main" id="{4706E0AC-F340-4588-9D0C-4281626221FD}"/>
+              </a:ext>
+            </a:extLst>
+          </p:cNvPr>
+          <p:cNvCxnSpPr>
+            <a:cxnSpLocks/>
+          </p:cNvCxnSpPr>
+          <p:nvPr/>
+        </p:nvCxnSpPr>
+        <p:spPr>
+          <a:xfrm flipH="1" flipV="1">
+            <a:off x="7216133" y="2002962"/>
+            <a:ext cx="5452" cy="971022"/>
+          </a:xfrm>
+          <a:prstGeom prst="line">
+            <a:avLst/>
+          </a:prstGeom>
+          <a:ln>
+            <a:headEnd type="oval"/>
+            <a:tailEnd type="oval"/>
+          </a:ln>
+        </p:spPr>
+        <p:style>
+          <a:lnRef idx="1">
+            <a:schemeClr val="accent1"/>
+          </a:lnRef>
+          <a:fillRef idx="0">
+            <a:schemeClr val="accent1"/>
+          </a:fillRef>
+          <a:effectRef idx="0">
+            <a:schemeClr val="accent1"/>
+          </a:effectRef>
+          <a:fontRef idx="minor">
+            <a:schemeClr val="tx1"/>
+          </a:fontRef>
+        </p:style>
+      </p:cxnSp>
+      <p:cxnSp>
+        <p:nvCxnSpPr>
+          <p:cNvPr id="166" name="直線コネクタ 165">
+            <a:extLst>
+              <a:ext uri="{FF2B5EF4-FFF2-40B4-BE49-F238E27FC236}">
+                <a16:creationId xmlns:a16="http://schemas.microsoft.com/office/drawing/2014/main" id="{12974F11-A2E7-497B-9EC8-E916B338EF44}"/>
+              </a:ext>
+            </a:extLst>
+          </p:cNvPr>
+          <p:cNvCxnSpPr>
+            <a:cxnSpLocks/>
+          </p:cNvCxnSpPr>
+          <p:nvPr/>
+        </p:nvCxnSpPr>
+        <p:spPr>
+          <a:xfrm flipH="1" flipV="1">
+            <a:off x="6471545" y="2242453"/>
+            <a:ext cx="16472" cy="512726"/>
+          </a:xfrm>
+          <a:prstGeom prst="line">
+            <a:avLst/>
+          </a:prstGeom>
+          <a:ln>
+            <a:headEnd type="oval"/>
+            <a:tailEnd type="oval"/>
+          </a:ln>
+        </p:spPr>
+        <p:style>
+          <a:lnRef idx="1">
+            <a:schemeClr val="accent1"/>
+          </a:lnRef>
+          <a:fillRef idx="0">
+            <a:schemeClr val="accent1"/>
+          </a:fillRef>
+          <a:effectRef idx="0">
+            <a:schemeClr val="accent1"/>
+          </a:effectRef>
+          <a:fontRef idx="minor">
+            <a:schemeClr val="tx1"/>
+          </a:fontRef>
+        </p:style>
+      </p:cxnSp>
+      <p:cxnSp>
+        <p:nvCxnSpPr>
+          <p:cNvPr id="168" name="直線コネクタ 167">
+            <a:extLst>
+              <a:ext uri="{FF2B5EF4-FFF2-40B4-BE49-F238E27FC236}">
+                <a16:creationId xmlns:a16="http://schemas.microsoft.com/office/drawing/2014/main" id="{F9087193-5B42-4EA5-A49A-ED714AECE790}"/>
+              </a:ext>
+            </a:extLst>
+          </p:cNvPr>
+          <p:cNvCxnSpPr>
+            <a:cxnSpLocks/>
+          </p:cNvCxnSpPr>
+          <p:nvPr/>
+        </p:nvCxnSpPr>
+        <p:spPr>
+          <a:xfrm flipH="1" flipV="1">
+            <a:off x="6728452" y="2238098"/>
+            <a:ext cx="2179" cy="1245331"/>
+          </a:xfrm>
+          <a:prstGeom prst="line">
+            <a:avLst/>
+          </a:prstGeom>
+          <a:ln>
+            <a:headEnd type="oval"/>
+            <a:tailEnd type="oval"/>
+          </a:ln>
+        </p:spPr>
+        <p:style>
+          <a:lnRef idx="1">
+            <a:schemeClr val="accent1"/>
+          </a:lnRef>
+          <a:fillRef idx="0">
+            <a:schemeClr val="accent1"/>
+          </a:fillRef>
+          <a:effectRef idx="0">
+            <a:schemeClr val="accent1"/>
+          </a:effectRef>
+          <a:fontRef idx="minor">
+            <a:schemeClr val="tx1"/>
+          </a:fontRef>
+        </p:style>
+      </p:cxnSp>
+      <p:cxnSp>
+        <p:nvCxnSpPr>
+          <p:cNvPr id="173" name="直線コネクタ 172">
+            <a:extLst>
+              <a:ext uri="{FF2B5EF4-FFF2-40B4-BE49-F238E27FC236}">
+                <a16:creationId xmlns:a16="http://schemas.microsoft.com/office/drawing/2014/main" id="{9C96C0B1-5D16-4EAB-9650-A58E22B1DCE3}"/>
+              </a:ext>
+            </a:extLst>
+          </p:cNvPr>
+          <p:cNvCxnSpPr>
+            <a:cxnSpLocks/>
+          </p:cNvCxnSpPr>
+          <p:nvPr/>
+        </p:nvCxnSpPr>
+        <p:spPr>
+          <a:xfrm flipH="1" flipV="1">
+            <a:off x="6972840" y="2972340"/>
+            <a:ext cx="228060" cy="5992"/>
+          </a:xfrm>
+          <a:prstGeom prst="line">
+            <a:avLst/>
+          </a:prstGeom>
+          <a:ln>
+            <a:solidFill>
+              <a:srgbClr val="0070C0"/>
+            </a:solidFill>
+            <a:headEnd type="oval"/>
+            <a:tailEnd type="oval"/>
+          </a:ln>
+        </p:spPr>
+        <p:style>
+          <a:lnRef idx="1">
+            <a:schemeClr val="accent1"/>
+          </a:lnRef>
+          <a:fillRef idx="0">
+            <a:schemeClr val="accent1"/>
+          </a:fillRef>
+          <a:effectRef idx="0">
+            <a:schemeClr val="accent1"/>
+          </a:effectRef>
+          <a:fontRef idx="minor">
+            <a:schemeClr val="tx1"/>
+          </a:fontRef>
+        </p:style>
+      </p:cxnSp>
+      <p:cxnSp>
+        <p:nvCxnSpPr>
+          <p:cNvPr id="188" name="直線コネクタ 187">
+            <a:extLst>
+              <a:ext uri="{FF2B5EF4-FFF2-40B4-BE49-F238E27FC236}">
+                <a16:creationId xmlns:a16="http://schemas.microsoft.com/office/drawing/2014/main" id="{03BB3688-8C5D-4DAE-BACC-BEAF064E1694}"/>
+              </a:ext>
+            </a:extLst>
+          </p:cNvPr>
+          <p:cNvCxnSpPr>
+            <a:cxnSpLocks/>
+          </p:cNvCxnSpPr>
+          <p:nvPr/>
+        </p:nvCxnSpPr>
+        <p:spPr>
+          <a:xfrm flipH="1" flipV="1">
+            <a:off x="5735671" y="2238109"/>
+            <a:ext cx="0" cy="248183"/>
+          </a:xfrm>
+          <a:prstGeom prst="line">
+            <a:avLst/>
+          </a:prstGeom>
+          <a:ln>
+            <a:headEnd type="oval"/>
+            <a:tailEnd type="oval"/>
+          </a:ln>
+        </p:spPr>
+        <p:style>
+          <a:lnRef idx="1">
+            <a:schemeClr val="accent1"/>
+          </a:lnRef>
+          <a:fillRef idx="0">
+            <a:schemeClr val="accent1"/>
+          </a:fillRef>
+          <a:effectRef idx="0">
+            <a:schemeClr val="accent1"/>
+          </a:effectRef>
+          <a:fontRef idx="minor">
+            <a:schemeClr val="tx1"/>
+          </a:fontRef>
+        </p:style>
+      </p:cxnSp>
+      <p:cxnSp>
+        <p:nvCxnSpPr>
+          <p:cNvPr id="193" name="直線コネクタ 192">
+            <a:extLst>
+              <a:ext uri="{FF2B5EF4-FFF2-40B4-BE49-F238E27FC236}">
+                <a16:creationId xmlns:a16="http://schemas.microsoft.com/office/drawing/2014/main" id="{A2FFDA48-F7F9-4DAA-A48D-5E7BC3815D1D}"/>
+              </a:ext>
+            </a:extLst>
+          </p:cNvPr>
+          <p:cNvCxnSpPr>
+            <a:cxnSpLocks/>
+          </p:cNvCxnSpPr>
+          <p:nvPr/>
+        </p:nvCxnSpPr>
+        <p:spPr>
+          <a:xfrm flipH="1" flipV="1">
+            <a:off x="5487475" y="2233753"/>
+            <a:ext cx="0" cy="248183"/>
+          </a:xfrm>
+          <a:prstGeom prst="line">
+            <a:avLst/>
+          </a:prstGeom>
+          <a:ln>
+            <a:headEnd type="oval"/>
+            <a:tailEnd type="oval"/>
+          </a:ln>
+        </p:spPr>
+        <p:style>
+          <a:lnRef idx="1">
+            <a:schemeClr val="accent1"/>
+          </a:lnRef>
+          <a:fillRef idx="0">
+            <a:schemeClr val="accent1"/>
+          </a:fillRef>
+          <a:effectRef idx="0">
+            <a:schemeClr val="accent1"/>
+          </a:effectRef>
+          <a:fontRef idx="minor">
+            <a:schemeClr val="tx1"/>
+          </a:fontRef>
+        </p:style>
+      </p:cxnSp>
+      <p:cxnSp>
+        <p:nvCxnSpPr>
+          <p:cNvPr id="51" name="直線コネクタ 50">
+            <a:extLst>
+              <a:ext uri="{FF2B5EF4-FFF2-40B4-BE49-F238E27FC236}">
+                <a16:creationId xmlns:a16="http://schemas.microsoft.com/office/drawing/2014/main" id="{3AA4236E-2FC3-4A77-B2FD-6496EBD48464}"/>
+              </a:ext>
+            </a:extLst>
+          </p:cNvPr>
+          <p:cNvCxnSpPr>
+            <a:cxnSpLocks/>
+          </p:cNvCxnSpPr>
+          <p:nvPr/>
+        </p:nvCxnSpPr>
+        <p:spPr>
+          <a:xfrm flipH="1" flipV="1">
+            <a:off x="4483812" y="3475378"/>
+            <a:ext cx="2238110" cy="18736"/>
+          </a:xfrm>
+          <a:prstGeom prst="line">
+            <a:avLst/>
+          </a:prstGeom>
+          <a:ln>
+            <a:headEnd type="oval"/>
+            <a:tailEnd type="oval"/>
+          </a:ln>
+        </p:spPr>
+        <p:style>
+          <a:lnRef idx="1">
+            <a:schemeClr val="accent1"/>
+          </a:lnRef>
+          <a:fillRef idx="0">
+            <a:schemeClr val="accent1"/>
+          </a:fillRef>
+          <a:effectRef idx="0">
+            <a:schemeClr val="accent1"/>
+          </a:effectRef>
+          <a:fontRef idx="minor">
+            <a:schemeClr val="tx1"/>
+          </a:fontRef>
+        </p:style>
+      </p:cxnSp>
+      <p:cxnSp>
+        <p:nvCxnSpPr>
+          <p:cNvPr id="204" name="直線コネクタ 203">
+            <a:extLst>
+              <a:ext uri="{FF2B5EF4-FFF2-40B4-BE49-F238E27FC236}">
+                <a16:creationId xmlns:a16="http://schemas.microsoft.com/office/drawing/2014/main" id="{34341033-3259-465A-A1E1-30A38800ADCC}"/>
+              </a:ext>
+            </a:extLst>
+          </p:cNvPr>
+          <p:cNvCxnSpPr>
+            <a:cxnSpLocks/>
+          </p:cNvCxnSpPr>
+          <p:nvPr/>
+        </p:nvCxnSpPr>
+        <p:spPr>
+          <a:xfrm flipH="1" flipV="1">
+            <a:off x="3491033" y="3719377"/>
+            <a:ext cx="2978342" cy="14337"/>
+          </a:xfrm>
+          <a:prstGeom prst="line">
+            <a:avLst/>
+          </a:prstGeom>
+          <a:ln>
+            <a:headEnd type="oval"/>
+            <a:tailEnd type="oval"/>
+          </a:ln>
+        </p:spPr>
+        <p:style>
+          <a:lnRef idx="1">
+            <a:schemeClr val="accent1"/>
+          </a:lnRef>
+          <a:fillRef idx="0">
+            <a:schemeClr val="accent1"/>
+          </a:fillRef>
+          <a:effectRef idx="0">
+            <a:schemeClr val="accent1"/>
+          </a:effectRef>
+          <a:fontRef idx="minor">
+            <a:schemeClr val="tx1"/>
+          </a:fontRef>
+        </p:style>
+      </p:cxnSp>
+      <p:cxnSp>
+        <p:nvCxnSpPr>
+          <p:cNvPr id="202" name="直線コネクタ 201">
+            <a:extLst>
+              <a:ext uri="{FF2B5EF4-FFF2-40B4-BE49-F238E27FC236}">
+                <a16:creationId xmlns:a16="http://schemas.microsoft.com/office/drawing/2014/main" id="{6493B52C-9564-4150-A17C-CF5AF72EEEFC}"/>
+              </a:ext>
+            </a:extLst>
+          </p:cNvPr>
+          <p:cNvCxnSpPr>
+            <a:cxnSpLocks/>
+          </p:cNvCxnSpPr>
+          <p:nvPr/>
+        </p:nvCxnSpPr>
+        <p:spPr>
+          <a:xfrm flipH="1" flipV="1">
+            <a:off x="6469379" y="2734300"/>
+            <a:ext cx="8706" cy="992970"/>
+          </a:xfrm>
+          <a:prstGeom prst="line">
+            <a:avLst/>
+          </a:prstGeom>
+          <a:ln>
+            <a:solidFill>
+              <a:srgbClr val="FF0000"/>
+            </a:solidFill>
+            <a:headEnd type="oval"/>
+            <a:tailEnd type="oval"/>
+          </a:ln>
+        </p:spPr>
+        <p:style>
+          <a:lnRef idx="1">
+            <a:schemeClr val="accent1"/>
+          </a:lnRef>
+          <a:fillRef idx="0">
+            <a:schemeClr val="accent1"/>
+          </a:fillRef>
+          <a:effectRef idx="0">
+            <a:schemeClr val="accent1"/>
+          </a:effectRef>
+          <a:fontRef idx="minor">
+            <a:schemeClr val="tx1"/>
+          </a:fontRef>
+        </p:style>
+      </p:cxnSp>
+      <p:cxnSp>
+        <p:nvCxnSpPr>
+          <p:cNvPr id="203" name="直線コネクタ 202">
+            <a:extLst>
+              <a:ext uri="{FF2B5EF4-FFF2-40B4-BE49-F238E27FC236}">
+                <a16:creationId xmlns:a16="http://schemas.microsoft.com/office/drawing/2014/main" id="{FD98DC0B-C1B3-4259-91A7-D15172B03BD5}"/>
+              </a:ext>
+            </a:extLst>
+          </p:cNvPr>
+          <p:cNvCxnSpPr>
+            <a:cxnSpLocks/>
+          </p:cNvCxnSpPr>
+          <p:nvPr/>
+        </p:nvCxnSpPr>
+        <p:spPr>
+          <a:xfrm flipH="1" flipV="1">
+            <a:off x="6234241" y="3462746"/>
+            <a:ext cx="4358" cy="504013"/>
+          </a:xfrm>
+          <a:prstGeom prst="line">
+            <a:avLst/>
+          </a:prstGeom>
+          <a:ln>
+            <a:solidFill>
+              <a:srgbClr val="FF0000"/>
+            </a:solidFill>
+            <a:headEnd type="oval"/>
+            <a:tailEnd type="oval"/>
+          </a:ln>
+        </p:spPr>
+        <p:style>
+          <a:lnRef idx="1">
+            <a:schemeClr val="accent1"/>
+          </a:lnRef>
+          <a:fillRef idx="0">
+            <a:schemeClr val="accent1"/>
+          </a:fillRef>
+          <a:effectRef idx="0">
+            <a:schemeClr val="accent1"/>
+          </a:effectRef>
+          <a:fontRef idx="minor">
+            <a:schemeClr val="tx1"/>
+          </a:fontRef>
+        </p:style>
+      </p:cxnSp>
+      <p:cxnSp>
+        <p:nvCxnSpPr>
+          <p:cNvPr id="171" name="直線コネクタ 170">
+            <a:extLst>
+              <a:ext uri="{FF2B5EF4-FFF2-40B4-BE49-F238E27FC236}">
+                <a16:creationId xmlns:a16="http://schemas.microsoft.com/office/drawing/2014/main" id="{8C697AEE-73D5-460D-8FCF-1A76944CD5C4}"/>
+              </a:ext>
+            </a:extLst>
+          </p:cNvPr>
+          <p:cNvCxnSpPr>
+            <a:cxnSpLocks/>
+          </p:cNvCxnSpPr>
+          <p:nvPr/>
+        </p:nvCxnSpPr>
+        <p:spPr>
+          <a:xfrm flipH="1" flipV="1">
+            <a:off x="6967966" y="2972341"/>
+            <a:ext cx="8675" cy="1251316"/>
+          </a:xfrm>
+          <a:prstGeom prst="line">
+            <a:avLst/>
+          </a:prstGeom>
+          <a:ln>
+            <a:solidFill>
+              <a:srgbClr val="0070C0"/>
+            </a:solidFill>
+            <a:headEnd type="oval"/>
+            <a:tailEnd type="oval"/>
+          </a:ln>
+        </p:spPr>
+        <p:style>
+          <a:lnRef idx="1">
+            <a:schemeClr val="accent1"/>
+          </a:lnRef>
+          <a:fillRef idx="0">
+            <a:schemeClr val="accent1"/>
+          </a:fillRef>
+          <a:effectRef idx="0">
+            <a:schemeClr val="accent1"/>
+          </a:effectRef>
+          <a:fontRef idx="minor">
+            <a:schemeClr val="tx1"/>
+          </a:fontRef>
+        </p:style>
+      </p:cxnSp>
+      <p:cxnSp>
+        <p:nvCxnSpPr>
+          <p:cNvPr id="117" name="直線コネクタ 116">
+            <a:extLst>
+              <a:ext uri="{FF2B5EF4-FFF2-40B4-BE49-F238E27FC236}">
+                <a16:creationId xmlns:a16="http://schemas.microsoft.com/office/drawing/2014/main" id="{CB341658-3244-4313-8ABF-B45D8CCA3018}"/>
+              </a:ext>
+            </a:extLst>
+          </p:cNvPr>
+          <p:cNvCxnSpPr>
+            <a:cxnSpLocks/>
+          </p:cNvCxnSpPr>
+          <p:nvPr/>
+        </p:nvCxnSpPr>
+        <p:spPr>
+          <a:xfrm flipV="1">
+            <a:off x="3993953" y="2225016"/>
+            <a:ext cx="10890" cy="2233778"/>
+          </a:xfrm>
+          <a:prstGeom prst="line">
+            <a:avLst/>
+          </a:prstGeom>
+          <a:ln>
+            <a:solidFill>
+              <a:srgbClr val="FF0000"/>
+            </a:solidFill>
+            <a:headEnd type="oval"/>
+            <a:tailEnd type="oval"/>
+          </a:ln>
+        </p:spPr>
+        <p:style>
+          <a:lnRef idx="1">
+            <a:schemeClr val="accent1"/>
+          </a:lnRef>
+          <a:fillRef idx="0">
+            <a:schemeClr val="accent1"/>
+          </a:fillRef>
+          <a:effectRef idx="0">
+            <a:schemeClr val="accent1"/>
+          </a:effectRef>
+          <a:fontRef idx="minor">
+            <a:schemeClr val="tx1"/>
+          </a:fontRef>
+        </p:style>
+      </p:cxnSp>
+      <p:cxnSp>
+        <p:nvCxnSpPr>
+          <p:cNvPr id="111" name="直線コネクタ 110">
+            <a:extLst>
+              <a:ext uri="{FF2B5EF4-FFF2-40B4-BE49-F238E27FC236}">
+                <a16:creationId xmlns:a16="http://schemas.microsoft.com/office/drawing/2014/main" id="{FC81FF3D-A6DB-4899-992E-5273EEA31FBA}"/>
+              </a:ext>
+            </a:extLst>
+          </p:cNvPr>
+          <p:cNvCxnSpPr>
+            <a:cxnSpLocks/>
+          </p:cNvCxnSpPr>
+          <p:nvPr/>
+        </p:nvCxnSpPr>
+        <p:spPr>
+          <a:xfrm flipH="1" flipV="1">
+            <a:off x="4250859" y="2490646"/>
+            <a:ext cx="0" cy="1737367"/>
+          </a:xfrm>
+          <a:prstGeom prst="line">
+            <a:avLst/>
+          </a:prstGeom>
+          <a:ln>
+            <a:solidFill>
+              <a:srgbClr val="FF0000"/>
+            </a:solidFill>
+            <a:headEnd type="oval"/>
+            <a:tailEnd type="oval"/>
+          </a:ln>
+        </p:spPr>
+        <p:style>
+          <a:lnRef idx="1">
+            <a:schemeClr val="accent1"/>
+          </a:lnRef>
+          <a:fillRef idx="0">
+            <a:schemeClr val="accent1"/>
+          </a:fillRef>
+          <a:effectRef idx="0">
+            <a:schemeClr val="accent1"/>
+          </a:effectRef>
+          <a:fontRef idx="minor">
+            <a:schemeClr val="tx1"/>
+          </a:fontRef>
+        </p:style>
+      </p:cxnSp>
+      <p:cxnSp>
+        <p:nvCxnSpPr>
+          <p:cNvPr id="180" name="直線コネクタ 179">
+            <a:extLst>
+              <a:ext uri="{FF2B5EF4-FFF2-40B4-BE49-F238E27FC236}">
+                <a16:creationId xmlns:a16="http://schemas.microsoft.com/office/drawing/2014/main" id="{DB4AB19B-D558-4A63-849A-1128DD045CA8}"/>
+              </a:ext>
+            </a:extLst>
+          </p:cNvPr>
+          <p:cNvCxnSpPr>
+            <a:cxnSpLocks/>
+          </p:cNvCxnSpPr>
+          <p:nvPr/>
+        </p:nvCxnSpPr>
+        <p:spPr>
+          <a:xfrm flipH="1" flipV="1">
+            <a:off x="5487004" y="2475887"/>
+            <a:ext cx="7013" cy="287846"/>
+          </a:xfrm>
+          <a:prstGeom prst="line">
+            <a:avLst/>
+          </a:prstGeom>
+          <a:ln>
+            <a:solidFill>
+              <a:srgbClr val="FF0000"/>
+            </a:solidFill>
+            <a:headEnd type="none"/>
+            <a:tailEnd type="oval"/>
+          </a:ln>
+        </p:spPr>
+        <p:style>
+          <a:lnRef idx="1">
+            <a:schemeClr val="accent1"/>
+          </a:lnRef>
+          <a:fillRef idx="0">
+            <a:schemeClr val="accent1"/>
+          </a:fillRef>
+          <a:effectRef idx="0">
+            <a:schemeClr val="accent1"/>
+          </a:effectRef>
+          <a:fontRef idx="minor">
+            <a:schemeClr val="tx1"/>
+          </a:fontRef>
+        </p:style>
+      </p:cxnSp>
+      <p:cxnSp>
+        <p:nvCxnSpPr>
+          <p:cNvPr id="187" name="直線コネクタ 186">
+            <a:extLst>
+              <a:ext uri="{FF2B5EF4-FFF2-40B4-BE49-F238E27FC236}">
+                <a16:creationId xmlns:a16="http://schemas.microsoft.com/office/drawing/2014/main" id="{C49D0E0C-AC64-47CF-AC9E-ECA3A7D76344}"/>
+              </a:ext>
+            </a:extLst>
+          </p:cNvPr>
+          <p:cNvCxnSpPr>
+            <a:cxnSpLocks/>
+          </p:cNvCxnSpPr>
+          <p:nvPr/>
+        </p:nvCxnSpPr>
+        <p:spPr>
+          <a:xfrm flipV="1">
+            <a:off x="5733495" y="2485065"/>
+            <a:ext cx="986258" cy="4346"/>
+          </a:xfrm>
+          <a:prstGeom prst="line">
+            <a:avLst/>
+          </a:prstGeom>
+          <a:ln>
+            <a:solidFill>
+              <a:srgbClr val="FF0000"/>
+            </a:solidFill>
+            <a:headEnd type="oval"/>
+            <a:tailEnd type="oval"/>
+          </a:ln>
+        </p:spPr>
+        <p:style>
+          <a:lnRef idx="1">
+            <a:schemeClr val="accent1"/>
+          </a:lnRef>
+          <a:fillRef idx="0">
+            <a:schemeClr val="accent1"/>
+          </a:fillRef>
+          <a:effectRef idx="0">
+            <a:schemeClr val="accent1"/>
+          </a:effectRef>
+          <a:fontRef idx="minor">
+            <a:schemeClr val="tx1"/>
+          </a:fontRef>
+        </p:style>
+      </p:cxnSp>
+      <p:cxnSp>
+        <p:nvCxnSpPr>
+          <p:cNvPr id="118" name="直線コネクタ 117">
+            <a:extLst>
+              <a:ext uri="{FF2B5EF4-FFF2-40B4-BE49-F238E27FC236}">
+                <a16:creationId xmlns:a16="http://schemas.microsoft.com/office/drawing/2014/main" id="{21F832B9-5619-4B22-BCB3-61399BCCD601}"/>
+              </a:ext>
+            </a:extLst>
+          </p:cNvPr>
+          <p:cNvCxnSpPr>
+            <a:cxnSpLocks/>
+          </p:cNvCxnSpPr>
+          <p:nvPr/>
+        </p:nvCxnSpPr>
+        <p:spPr>
+          <a:xfrm flipH="1" flipV="1">
+            <a:off x="3754466" y="3223256"/>
+            <a:ext cx="0" cy="1483734"/>
+          </a:xfrm>
+          <a:prstGeom prst="line">
+            <a:avLst/>
+          </a:prstGeom>
+          <a:ln>
+            <a:solidFill>
+              <a:srgbClr val="FF0000"/>
+            </a:solidFill>
+            <a:headEnd type="oval"/>
+            <a:tailEnd type="oval"/>
+          </a:ln>
+        </p:spPr>
+        <p:style>
+          <a:lnRef idx="1">
+            <a:schemeClr val="accent1"/>
+          </a:lnRef>
+          <a:fillRef idx="0">
+            <a:schemeClr val="accent1"/>
+          </a:fillRef>
+          <a:effectRef idx="0">
+            <a:schemeClr val="accent1"/>
+          </a:effectRef>
+          <a:fontRef idx="minor">
+            <a:schemeClr val="tx1"/>
+          </a:fontRef>
+        </p:style>
+      </p:cxnSp>
+      <p:cxnSp>
+        <p:nvCxnSpPr>
+          <p:cNvPr id="56" name="直線コネクタ 55">
+            <a:extLst>
+              <a:ext uri="{FF2B5EF4-FFF2-40B4-BE49-F238E27FC236}">
+                <a16:creationId xmlns:a16="http://schemas.microsoft.com/office/drawing/2014/main" id="{538FC88E-4821-4C92-804B-81B6BDD9934B}"/>
+              </a:ext>
+            </a:extLst>
+          </p:cNvPr>
+          <p:cNvCxnSpPr/>
+          <p:nvPr/>
+        </p:nvCxnSpPr>
+        <p:spPr>
+          <a:xfrm flipH="1">
+            <a:off x="3491033" y="2734483"/>
+            <a:ext cx="997139" cy="0"/>
+          </a:xfrm>
+          <a:prstGeom prst="line">
+            <a:avLst/>
+          </a:prstGeom>
+          <a:ln>
+            <a:headEnd type="oval"/>
+            <a:tailEnd type="oval"/>
+          </a:ln>
+        </p:spPr>
+        <p:style>
+          <a:lnRef idx="1">
+            <a:schemeClr val="accent1"/>
+          </a:lnRef>
+          <a:fillRef idx="0">
+            <a:schemeClr val="accent1"/>
+          </a:fillRef>
+          <a:effectRef idx="0">
+            <a:schemeClr val="accent1"/>
+          </a:effectRef>
+          <a:fontRef idx="minor">
+            <a:schemeClr val="tx1"/>
+          </a:fontRef>
+        </p:style>
+      </p:cxnSp>
+      <p:cxnSp>
+        <p:nvCxnSpPr>
+          <p:cNvPr id="207" name="直線コネクタ 206">
+            <a:extLst>
+              <a:ext uri="{FF2B5EF4-FFF2-40B4-BE49-F238E27FC236}">
+                <a16:creationId xmlns:a16="http://schemas.microsoft.com/office/drawing/2014/main" id="{FA5F84F1-B8BD-4A36-85B1-6E00DC01BF31}"/>
+              </a:ext>
+            </a:extLst>
+          </p:cNvPr>
+          <p:cNvCxnSpPr>
+            <a:cxnSpLocks/>
+          </p:cNvCxnSpPr>
+          <p:nvPr/>
+        </p:nvCxnSpPr>
+        <p:spPr>
+          <a:xfrm flipH="1" flipV="1">
+            <a:off x="4483811" y="2240260"/>
+            <a:ext cx="7616" cy="490960"/>
+          </a:xfrm>
+          <a:prstGeom prst="line">
+            <a:avLst/>
+          </a:prstGeom>
+          <a:ln>
+            <a:headEnd type="oval"/>
+            <a:tailEnd type="oval"/>
+          </a:ln>
+        </p:spPr>
+        <p:style>
+          <a:lnRef idx="1">
+            <a:schemeClr val="accent1"/>
+          </a:lnRef>
+          <a:fillRef idx="0">
+            <a:schemeClr val="accent1"/>
+          </a:fillRef>
+          <a:effectRef idx="0">
+            <a:schemeClr val="accent1"/>
+          </a:effectRef>
+          <a:fontRef idx="minor">
+            <a:schemeClr val="tx1"/>
+          </a:fontRef>
+        </p:style>
+      </p:cxnSp>
+      <p:cxnSp>
+        <p:nvCxnSpPr>
+          <p:cNvPr id="208" name="直線コネクタ 207">
+            <a:extLst>
+              <a:ext uri="{FF2B5EF4-FFF2-40B4-BE49-F238E27FC236}">
+                <a16:creationId xmlns:a16="http://schemas.microsoft.com/office/drawing/2014/main" id="{C9BD45CD-6E92-4374-BCD5-3EA8D7FBF13A}"/>
+              </a:ext>
+            </a:extLst>
+          </p:cNvPr>
+          <p:cNvCxnSpPr>
+            <a:cxnSpLocks/>
+          </p:cNvCxnSpPr>
+          <p:nvPr/>
+        </p:nvCxnSpPr>
+        <p:spPr>
+          <a:xfrm flipH="1" flipV="1">
+            <a:off x="3504097" y="2235906"/>
+            <a:ext cx="7616" cy="490960"/>
+          </a:xfrm>
+          <a:prstGeom prst="line">
+            <a:avLst/>
+          </a:prstGeom>
+          <a:ln>
+            <a:headEnd type="oval"/>
+            <a:tailEnd type="oval"/>
+          </a:ln>
+        </p:spPr>
+        <p:style>
+          <a:lnRef idx="1">
+            <a:schemeClr val="accent1"/>
+          </a:lnRef>
+          <a:fillRef idx="0">
+            <a:schemeClr val="accent1"/>
+          </a:fillRef>
+          <a:effectRef idx="0">
+            <a:schemeClr val="accent1"/>
+          </a:effectRef>
+          <a:fontRef idx="minor">
+            <a:schemeClr val="tx1"/>
+          </a:fontRef>
+        </p:style>
+      </p:cxnSp>
+      <p:cxnSp>
+        <p:nvCxnSpPr>
+          <p:cNvPr id="205" name="直線コネクタ 204">
+            <a:extLst>
+              <a:ext uri="{FF2B5EF4-FFF2-40B4-BE49-F238E27FC236}">
+                <a16:creationId xmlns:a16="http://schemas.microsoft.com/office/drawing/2014/main" id="{08DC4EEB-EFFE-4C14-8687-74E8FEF13139}"/>
+              </a:ext>
+            </a:extLst>
+          </p:cNvPr>
+          <p:cNvCxnSpPr>
+            <a:cxnSpLocks/>
+          </p:cNvCxnSpPr>
+          <p:nvPr/>
+        </p:nvCxnSpPr>
+        <p:spPr>
+          <a:xfrm flipH="1" flipV="1">
+            <a:off x="3508442" y="2734483"/>
+            <a:ext cx="0" cy="990472"/>
+          </a:xfrm>
+          <a:prstGeom prst="line">
+            <a:avLst/>
+          </a:prstGeom>
+          <a:ln>
+            <a:solidFill>
+              <a:srgbClr val="0070C0"/>
+            </a:solidFill>
+            <a:headEnd type="oval"/>
+            <a:tailEnd type="oval"/>
+          </a:ln>
+        </p:spPr>
+        <p:style>
+          <a:lnRef idx="1">
+            <a:schemeClr val="accent1"/>
+          </a:lnRef>
+          <a:fillRef idx="0">
+            <a:schemeClr val="accent1"/>
+          </a:fillRef>
+          <a:effectRef idx="0">
+            <a:schemeClr val="accent1"/>
+          </a:effectRef>
+          <a:fontRef idx="minor">
+            <a:schemeClr val="tx1"/>
+          </a:fontRef>
+        </p:style>
+      </p:cxnSp>
+      <p:cxnSp>
+        <p:nvCxnSpPr>
+          <p:cNvPr id="215" name="直線コネクタ 214">
+            <a:extLst>
+              <a:ext uri="{FF2B5EF4-FFF2-40B4-BE49-F238E27FC236}">
+                <a16:creationId xmlns:a16="http://schemas.microsoft.com/office/drawing/2014/main" id="{F2E9E38A-DE75-43D9-ABC8-12851EE262BA}"/>
+              </a:ext>
+            </a:extLst>
+          </p:cNvPr>
+          <p:cNvCxnSpPr>
+            <a:cxnSpLocks/>
+          </p:cNvCxnSpPr>
+          <p:nvPr/>
+        </p:nvCxnSpPr>
+        <p:spPr>
+          <a:xfrm rot="16200000" flipH="1" flipV="1">
+            <a:off x="6104700" y="2849338"/>
+            <a:ext cx="6514" cy="265065"/>
+          </a:xfrm>
+          <a:prstGeom prst="line">
+            <a:avLst/>
+          </a:prstGeom>
+          <a:ln>
+            <a:headEnd type="oval"/>
+            <a:tailEnd type="oval"/>
+          </a:ln>
+        </p:spPr>
+        <p:style>
+          <a:lnRef idx="1">
+            <a:schemeClr val="accent1"/>
+          </a:lnRef>
+          <a:fillRef idx="0">
+            <a:schemeClr val="accent1"/>
+          </a:fillRef>
+          <a:effectRef idx="0">
+            <a:schemeClr val="accent1"/>
+          </a:effectRef>
+          <a:fontRef idx="minor">
+            <a:schemeClr val="tx1"/>
+          </a:fontRef>
+        </p:style>
+      </p:cxnSp>
+      <p:cxnSp>
+        <p:nvCxnSpPr>
+          <p:cNvPr id="256" name="直線コネクタ 255">
+            <a:extLst>
+              <a:ext uri="{FF2B5EF4-FFF2-40B4-BE49-F238E27FC236}">
+                <a16:creationId xmlns:a16="http://schemas.microsoft.com/office/drawing/2014/main" id="{72BF2665-3B8F-4D65-8069-A419FDA23CF3}"/>
+              </a:ext>
+            </a:extLst>
+          </p:cNvPr>
+          <p:cNvCxnSpPr>
+            <a:cxnSpLocks/>
+          </p:cNvCxnSpPr>
+          <p:nvPr/>
+        </p:nvCxnSpPr>
+        <p:spPr>
+          <a:xfrm flipH="1" flipV="1">
+            <a:off x="5225139" y="2988669"/>
+            <a:ext cx="6514" cy="265065"/>
+          </a:xfrm>
+          <a:prstGeom prst="line">
+            <a:avLst/>
+          </a:prstGeom>
+          <a:ln>
+            <a:headEnd type="oval"/>
+            <a:tailEnd type="oval"/>
+          </a:ln>
+        </p:spPr>
+        <p:style>
+          <a:lnRef idx="1">
+            <a:schemeClr val="accent1"/>
+          </a:lnRef>
+          <a:fillRef idx="0">
+            <a:schemeClr val="accent1"/>
+          </a:fillRef>
+          <a:effectRef idx="0">
+            <a:schemeClr val="accent1"/>
+          </a:effectRef>
+          <a:fontRef idx="minor">
+            <a:schemeClr val="tx1"/>
+          </a:fontRef>
+        </p:style>
+      </p:cxnSp>
+      <p:cxnSp>
+        <p:nvCxnSpPr>
+          <p:cNvPr id="257" name="直線コネクタ 256">
+            <a:extLst>
+              <a:ext uri="{FF2B5EF4-FFF2-40B4-BE49-F238E27FC236}">
+                <a16:creationId xmlns:a16="http://schemas.microsoft.com/office/drawing/2014/main" id="{F478CF75-DDC8-45FD-BB9D-FA8F791284EE}"/>
+              </a:ext>
+            </a:extLst>
+          </p:cNvPr>
+          <p:cNvCxnSpPr>
+            <a:cxnSpLocks/>
+          </p:cNvCxnSpPr>
+          <p:nvPr/>
+        </p:nvCxnSpPr>
+        <p:spPr>
+          <a:xfrm flipH="1" flipV="1">
+            <a:off x="4489258" y="2975604"/>
+            <a:ext cx="6514" cy="265065"/>
+          </a:xfrm>
+          <a:prstGeom prst="line">
+            <a:avLst/>
+          </a:prstGeom>
+          <a:ln>
+            <a:headEnd type="oval"/>
+            <a:tailEnd type="oval"/>
+          </a:ln>
+        </p:spPr>
+        <p:style>
+          <a:lnRef idx="1">
+            <a:schemeClr val="accent1"/>
+          </a:lnRef>
+          <a:fillRef idx="0">
+            <a:schemeClr val="accent1"/>
+          </a:fillRef>
+          <a:effectRef idx="0">
+            <a:schemeClr val="accent1"/>
+          </a:effectRef>
+          <a:fontRef idx="minor">
+            <a:schemeClr val="tx1"/>
+          </a:fontRef>
+        </p:style>
+      </p:cxnSp>
+      <p:sp>
+        <p:nvSpPr>
+          <p:cNvPr id="4" name="正方形/長方形 3">
+            <a:extLst>
+              <a:ext uri="{FF2B5EF4-FFF2-40B4-BE49-F238E27FC236}">
+                <a16:creationId xmlns:a16="http://schemas.microsoft.com/office/drawing/2014/main" id="{6972C71B-21E5-4FD2-988F-77F8CAE64C30}"/>
+              </a:ext>
+            </a:extLst>
+          </p:cNvPr>
+          <p:cNvSpPr/>
+          <p:nvPr/>
+        </p:nvSpPr>
+        <p:spPr>
+          <a:xfrm flipH="1">
+            <a:off x="4372778" y="3100255"/>
+            <a:ext cx="1733006" cy="1010194"/>
+          </a:xfrm>
+          <a:prstGeom prst="rect">
+            <a:avLst/>
+          </a:prstGeom>
+          <a:solidFill>
+            <a:schemeClr val="tx1">
+              <a:alpha val="50000"/>
+            </a:schemeClr>
+          </a:solidFill>
+        </p:spPr>
+        <p:style>
+          <a:lnRef idx="2">
+            <a:schemeClr val="accent1">
+              <a:shade val="50000"/>
+            </a:schemeClr>
+          </a:lnRef>
+          <a:fillRef idx="1">
+            <a:schemeClr val="accent1"/>
+          </a:fillRef>
+          <a:effectRef idx="0">
+            <a:schemeClr val="accent1"/>
+          </a:effectRef>
+          <a:fontRef idx="minor">
+            <a:schemeClr val="lt1"/>
+          </a:fontRef>
+        </p:style>
+        <p:txBody>
+          <a:bodyPr rtlCol="0" anchor="ctr"/>
+          <a:lstStyle/>
+          <a:p>
+            <a:pPr algn="ctr"/>
+            <a:endParaRPr lang="en-US"/>
+          </a:p>
+        </p:txBody>
+      </p:sp>
+      <p:cxnSp>
+        <p:nvCxnSpPr>
+          <p:cNvPr id="259" name="直線コネクタ 258">
+            <a:extLst>
+              <a:ext uri="{FF2B5EF4-FFF2-40B4-BE49-F238E27FC236}">
+                <a16:creationId xmlns:a16="http://schemas.microsoft.com/office/drawing/2014/main" id="{6C2AF8CE-A375-405F-8CD2-21F30949E384}"/>
+              </a:ext>
+            </a:extLst>
+          </p:cNvPr>
+          <p:cNvCxnSpPr>
+            <a:cxnSpLocks/>
+          </p:cNvCxnSpPr>
+          <p:nvPr/>
+        </p:nvCxnSpPr>
+        <p:spPr>
+          <a:xfrm flipV="1">
+            <a:off x="4483811" y="2738859"/>
+            <a:ext cx="254733" cy="249810"/>
+          </a:xfrm>
+          <a:prstGeom prst="line">
+            <a:avLst/>
+          </a:prstGeom>
+          <a:ln>
+            <a:headEnd type="oval"/>
+            <a:tailEnd type="oval"/>
+          </a:ln>
+        </p:spPr>
+        <p:style>
+          <a:lnRef idx="1">
+            <a:schemeClr val="accent1"/>
+          </a:lnRef>
+          <a:fillRef idx="0">
+            <a:schemeClr val="accent1"/>
+          </a:fillRef>
+          <a:effectRef idx="0">
+            <a:schemeClr val="accent1"/>
+          </a:effectRef>
+          <a:fontRef idx="minor">
+            <a:schemeClr val="tx1"/>
+          </a:fontRef>
+        </p:style>
+      </p:cxnSp>
+      <p:cxnSp>
+        <p:nvCxnSpPr>
+          <p:cNvPr id="176" name="直線コネクタ 175">
+            <a:extLst>
+              <a:ext uri="{FF2B5EF4-FFF2-40B4-BE49-F238E27FC236}">
+                <a16:creationId xmlns:a16="http://schemas.microsoft.com/office/drawing/2014/main" id="{FCDF77AB-EB69-4225-BA64-FF95B2F8B2ED}"/>
+              </a:ext>
+            </a:extLst>
+          </p:cNvPr>
+          <p:cNvCxnSpPr>
+            <a:cxnSpLocks/>
+          </p:cNvCxnSpPr>
+          <p:nvPr/>
+        </p:nvCxnSpPr>
+        <p:spPr>
+          <a:xfrm flipV="1">
+            <a:off x="5494005" y="2733262"/>
+            <a:ext cx="986258" cy="4346"/>
+          </a:xfrm>
+          <a:prstGeom prst="line">
+            <a:avLst/>
+          </a:prstGeom>
+          <a:ln>
+            <a:solidFill>
+              <a:srgbClr val="FF0000"/>
+            </a:solidFill>
+            <a:headEnd type="none"/>
+            <a:tailEnd type="oval"/>
+          </a:ln>
+        </p:spPr>
+        <p:style>
+          <a:lnRef idx="1">
+            <a:schemeClr val="accent1"/>
+          </a:lnRef>
+          <a:fillRef idx="0">
+            <a:schemeClr val="accent1"/>
+          </a:fillRef>
+          <a:effectRef idx="0">
+            <a:schemeClr val="accent1"/>
+          </a:effectRef>
+          <a:fontRef idx="minor">
+            <a:schemeClr val="tx1"/>
+          </a:fontRef>
+        </p:style>
+      </p:cxnSp>
+      <p:cxnSp>
+        <p:nvCxnSpPr>
+          <p:cNvPr id="260" name="直線コネクタ 259">
+            <a:extLst>
+              <a:ext uri="{FF2B5EF4-FFF2-40B4-BE49-F238E27FC236}">
+                <a16:creationId xmlns:a16="http://schemas.microsoft.com/office/drawing/2014/main" id="{7682526E-8BE3-4990-9A03-A3F2DACF8061}"/>
+              </a:ext>
+            </a:extLst>
+          </p:cNvPr>
+          <p:cNvCxnSpPr>
+            <a:cxnSpLocks/>
+          </p:cNvCxnSpPr>
+          <p:nvPr/>
+        </p:nvCxnSpPr>
+        <p:spPr>
+          <a:xfrm flipV="1">
+            <a:off x="3745761" y="2973984"/>
+            <a:ext cx="744581" cy="1620"/>
+          </a:xfrm>
+          <a:prstGeom prst="line">
+            <a:avLst/>
+          </a:prstGeom>
+          <a:ln>
+            <a:headEnd type="oval"/>
+            <a:tailEnd type="oval"/>
+          </a:ln>
+        </p:spPr>
+        <p:style>
+          <a:lnRef idx="1">
+            <a:schemeClr val="accent1"/>
+          </a:lnRef>
+          <a:fillRef idx="0">
+            <a:schemeClr val="accent1"/>
+          </a:fillRef>
+          <a:effectRef idx="0">
+            <a:schemeClr val="accent1"/>
+          </a:effectRef>
+          <a:fontRef idx="minor">
+            <a:schemeClr val="tx1"/>
+          </a:fontRef>
+        </p:style>
+      </p:cxnSp>
+      <p:cxnSp>
+        <p:nvCxnSpPr>
+          <p:cNvPr id="262" name="直線コネクタ 261">
+            <a:extLst>
+              <a:ext uri="{FF2B5EF4-FFF2-40B4-BE49-F238E27FC236}">
+                <a16:creationId xmlns:a16="http://schemas.microsoft.com/office/drawing/2014/main" id="{5E3C4BC8-2C3D-44D1-931A-42C95B6E63BD}"/>
+              </a:ext>
+            </a:extLst>
+          </p:cNvPr>
+          <p:cNvCxnSpPr>
+            <a:cxnSpLocks/>
+          </p:cNvCxnSpPr>
+          <p:nvPr/>
+        </p:nvCxnSpPr>
+        <p:spPr>
+          <a:xfrm flipH="1" flipV="1">
+            <a:off x="3754461" y="2229392"/>
+            <a:ext cx="0" cy="265612"/>
+          </a:xfrm>
+          <a:prstGeom prst="line">
+            <a:avLst/>
+          </a:prstGeom>
+          <a:ln>
+            <a:headEnd type="oval"/>
+            <a:tailEnd type="oval"/>
+          </a:ln>
+        </p:spPr>
+        <p:style>
+          <a:lnRef idx="1">
+            <a:schemeClr val="accent1"/>
+          </a:lnRef>
+          <a:fillRef idx="0">
+            <a:schemeClr val="accent1"/>
+          </a:fillRef>
+          <a:effectRef idx="0">
+            <a:schemeClr val="accent1"/>
+          </a:effectRef>
+          <a:fontRef idx="minor">
+            <a:schemeClr val="tx1"/>
+          </a:fontRef>
+        </p:style>
+      </p:cxnSp>
+      <p:cxnSp>
+        <p:nvCxnSpPr>
+          <p:cNvPr id="261" name="直線コネクタ 260">
+            <a:extLst>
+              <a:ext uri="{FF2B5EF4-FFF2-40B4-BE49-F238E27FC236}">
+                <a16:creationId xmlns:a16="http://schemas.microsoft.com/office/drawing/2014/main" id="{8154BFE2-C6E9-416F-96D7-44B2D11DB229}"/>
+              </a:ext>
+            </a:extLst>
+          </p:cNvPr>
+          <p:cNvCxnSpPr>
+            <a:cxnSpLocks/>
+          </p:cNvCxnSpPr>
+          <p:nvPr/>
+        </p:nvCxnSpPr>
+        <p:spPr>
+          <a:xfrm flipV="1">
+            <a:off x="3745761" y="2485065"/>
+            <a:ext cx="9789" cy="488920"/>
+          </a:xfrm>
+          <a:prstGeom prst="line">
+            <a:avLst/>
+          </a:prstGeom>
+          <a:ln>
+            <a:solidFill>
+              <a:srgbClr val="FF0000"/>
+            </a:solidFill>
+            <a:headEnd type="oval"/>
+            <a:tailEnd type="oval"/>
+          </a:ln>
+        </p:spPr>
+        <p:style>
+          <a:lnRef idx="1">
+            <a:schemeClr val="accent1"/>
+          </a:lnRef>
+          <a:fillRef idx="0">
+            <a:schemeClr val="accent1"/>
+          </a:fillRef>
+          <a:effectRef idx="0">
+            <a:schemeClr val="accent1"/>
+          </a:effectRef>
+          <a:fontRef idx="minor">
+            <a:schemeClr val="tx1"/>
+          </a:fontRef>
+        </p:style>
+      </p:cxnSp>
+      <p:cxnSp>
+        <p:nvCxnSpPr>
+          <p:cNvPr id="223" name="直線コネクタ 222">
+            <a:extLst>
+              <a:ext uri="{FF2B5EF4-FFF2-40B4-BE49-F238E27FC236}">
+                <a16:creationId xmlns:a16="http://schemas.microsoft.com/office/drawing/2014/main" id="{B6007776-5C14-482C-9E20-D6309CD34B16}"/>
+              </a:ext>
+            </a:extLst>
+          </p:cNvPr>
+          <p:cNvCxnSpPr>
+            <a:cxnSpLocks/>
+          </p:cNvCxnSpPr>
+          <p:nvPr/>
+        </p:nvCxnSpPr>
+        <p:spPr>
+          <a:xfrm>
+            <a:off x="4487083" y="2985124"/>
+            <a:ext cx="741316" cy="4084"/>
+          </a:xfrm>
+          <a:prstGeom prst="line">
+            <a:avLst/>
+          </a:prstGeom>
+          <a:ln>
+            <a:solidFill>
+              <a:srgbClr val="FF0000"/>
+            </a:solidFill>
+            <a:headEnd type="oval"/>
+            <a:tailEnd type="oval"/>
+          </a:ln>
+        </p:spPr>
+        <p:style>
+          <a:lnRef idx="1">
+            <a:schemeClr val="accent1"/>
+          </a:lnRef>
+          <a:fillRef idx="0">
+            <a:schemeClr val="accent1"/>
+          </a:fillRef>
+          <a:effectRef idx="0">
+            <a:schemeClr val="accent1"/>
+          </a:effectRef>
+          <a:fontRef idx="minor">
+            <a:schemeClr val="tx1"/>
+          </a:fontRef>
+        </p:style>
+      </p:cxnSp>
+      <p:cxnSp>
+        <p:nvCxnSpPr>
+          <p:cNvPr id="216" name="直線コネクタ 215">
+            <a:extLst>
+              <a:ext uri="{FF2B5EF4-FFF2-40B4-BE49-F238E27FC236}">
+                <a16:creationId xmlns:a16="http://schemas.microsoft.com/office/drawing/2014/main" id="{434214D8-0648-45D8-99F1-7EFFFFC6B91C}"/>
+              </a:ext>
+            </a:extLst>
+          </p:cNvPr>
+          <p:cNvCxnSpPr>
+            <a:cxnSpLocks/>
+          </p:cNvCxnSpPr>
+          <p:nvPr/>
+        </p:nvCxnSpPr>
+        <p:spPr>
+          <a:xfrm flipH="1" flipV="1">
+            <a:off x="4740713" y="2235898"/>
+            <a:ext cx="7616" cy="490960"/>
+          </a:xfrm>
+          <a:prstGeom prst="line">
+            <a:avLst/>
+          </a:prstGeom>
+          <a:ln>
+            <a:headEnd type="oval"/>
+            <a:tailEnd type="oval"/>
+          </a:ln>
+        </p:spPr>
+        <p:style>
+          <a:lnRef idx="1">
+            <a:schemeClr val="accent1"/>
+          </a:lnRef>
+          <a:fillRef idx="0">
+            <a:schemeClr val="accent1"/>
+          </a:fillRef>
+          <a:effectRef idx="0">
+            <a:schemeClr val="accent1"/>
+          </a:effectRef>
+          <a:fontRef idx="minor">
+            <a:schemeClr val="tx1"/>
+          </a:fontRef>
+        </p:style>
+      </p:cxnSp>
+      <p:sp>
+        <p:nvSpPr>
+          <p:cNvPr id="222" name="正方形/長方形 221">
+            <a:extLst>
+              <a:ext uri="{FF2B5EF4-FFF2-40B4-BE49-F238E27FC236}">
+                <a16:creationId xmlns:a16="http://schemas.microsoft.com/office/drawing/2014/main" id="{178452CF-AA11-43B1-A168-F7E391E03DE8}"/>
+              </a:ext>
+            </a:extLst>
+          </p:cNvPr>
+          <p:cNvSpPr/>
+          <p:nvPr/>
+        </p:nvSpPr>
+        <p:spPr>
+          <a:xfrm flipH="1">
+            <a:off x="4646012" y="2892188"/>
+            <a:ext cx="408207" cy="188468"/>
+          </a:xfrm>
+          <a:prstGeom prst="rect">
+            <a:avLst/>
+          </a:prstGeom>
+        </p:spPr>
+        <p:style>
+          <a:lnRef idx="2">
+            <a:schemeClr val="accent1">
+              <a:shade val="50000"/>
+            </a:schemeClr>
+          </a:lnRef>
+          <a:fillRef idx="1">
+            <a:schemeClr val="accent1"/>
+          </a:fillRef>
+          <a:effectRef idx="0">
+            <a:schemeClr val="accent1"/>
+          </a:effectRef>
+          <a:fontRef idx="minor">
+            <a:schemeClr val="lt1"/>
+          </a:fontRef>
+        </p:style>
+        <p:txBody>
+          <a:bodyPr rtlCol="0" anchor="ctr"/>
+          <a:lstStyle/>
+          <a:p>
+            <a:pPr algn="ctr"/>
+            <a:endParaRPr lang="en-US"/>
+          </a:p>
+        </p:txBody>
+      </p:sp>
+      <p:cxnSp>
+        <p:nvCxnSpPr>
+          <p:cNvPr id="134" name="直線コネクタ 133">
+            <a:extLst>
+              <a:ext uri="{FF2B5EF4-FFF2-40B4-BE49-F238E27FC236}">
+                <a16:creationId xmlns:a16="http://schemas.microsoft.com/office/drawing/2014/main" id="{205E6DE0-59B5-47F1-856C-B795D5F1A9A4}"/>
+              </a:ext>
+            </a:extLst>
+          </p:cNvPr>
+          <p:cNvCxnSpPr>
+            <a:cxnSpLocks/>
+          </p:cNvCxnSpPr>
+          <p:nvPr/>
+        </p:nvCxnSpPr>
+        <p:spPr>
+          <a:xfrm flipV="1">
+            <a:off x="4242149" y="2490646"/>
+            <a:ext cx="979720" cy="4347"/>
+          </a:xfrm>
+          <a:prstGeom prst="line">
+            <a:avLst/>
+          </a:prstGeom>
+          <a:ln>
+            <a:solidFill>
+              <a:srgbClr val="FF0000"/>
+            </a:solidFill>
+            <a:headEnd type="oval"/>
+            <a:tailEnd type="oval"/>
+          </a:ln>
+        </p:spPr>
+        <p:style>
+          <a:lnRef idx="1">
+            <a:schemeClr val="accent1"/>
+          </a:lnRef>
+          <a:fillRef idx="0">
+            <a:schemeClr val="accent1"/>
+          </a:fillRef>
+          <a:effectRef idx="0">
+            <a:schemeClr val="accent1"/>
+          </a:effectRef>
+          <a:fontRef idx="minor">
+            <a:schemeClr val="tx1"/>
+          </a:fontRef>
+        </p:style>
+      </p:cxnSp>
+      <p:cxnSp>
+        <p:nvCxnSpPr>
+          <p:cNvPr id="79" name="直線コネクタ 78">
+            <a:extLst>
+              <a:ext uri="{FF2B5EF4-FFF2-40B4-BE49-F238E27FC236}">
+                <a16:creationId xmlns:a16="http://schemas.microsoft.com/office/drawing/2014/main" id="{F223450F-5C39-4231-A7C7-917448C08803}"/>
+              </a:ext>
+            </a:extLst>
+          </p:cNvPr>
+          <p:cNvCxnSpPr>
+            <a:cxnSpLocks/>
+          </p:cNvCxnSpPr>
+          <p:nvPr/>
+        </p:nvCxnSpPr>
+        <p:spPr>
+          <a:xfrm flipH="1">
+            <a:off x="7218318" y="4970407"/>
+            <a:ext cx="0" cy="942713"/>
+          </a:xfrm>
+          <a:prstGeom prst="line">
+            <a:avLst/>
+          </a:prstGeom>
+          <a:ln w="57150">
+            <a:solidFill>
+              <a:schemeClr val="tx1">
+                <a:lumMod val="65000"/>
+                <a:lumOff val="35000"/>
+              </a:schemeClr>
+            </a:solidFill>
+          </a:ln>
+        </p:spPr>
+        <p:style>
+          <a:lnRef idx="1">
+            <a:schemeClr val="accent1"/>
+          </a:lnRef>
+          <a:fillRef idx="0">
+            <a:schemeClr val="accent1"/>
+          </a:fillRef>
+          <a:effectRef idx="0">
+            <a:schemeClr val="accent1"/>
+          </a:effectRef>
+          <a:fontRef idx="minor">
+            <a:schemeClr val="tx1"/>
+          </a:fontRef>
+        </p:style>
+      </p:cxnSp>
+      <p:cxnSp>
+        <p:nvCxnSpPr>
+          <p:cNvPr id="263" name="直線コネクタ 262">
+            <a:extLst>
+              <a:ext uri="{FF2B5EF4-FFF2-40B4-BE49-F238E27FC236}">
+                <a16:creationId xmlns:a16="http://schemas.microsoft.com/office/drawing/2014/main" id="{42D56775-A7F1-4937-A39C-168DB25F694E}"/>
+              </a:ext>
+            </a:extLst>
+          </p:cNvPr>
+          <p:cNvCxnSpPr>
+            <a:cxnSpLocks/>
+          </p:cNvCxnSpPr>
+          <p:nvPr/>
+        </p:nvCxnSpPr>
+        <p:spPr>
+          <a:xfrm flipH="1">
+            <a:off x="6970119" y="4974755"/>
+            <a:ext cx="0" cy="942713"/>
+          </a:xfrm>
+          <a:prstGeom prst="line">
+            <a:avLst/>
+          </a:prstGeom>
+          <a:ln w="57150">
+            <a:solidFill>
+              <a:schemeClr val="tx1">
+                <a:lumMod val="65000"/>
+                <a:lumOff val="35000"/>
+              </a:schemeClr>
+            </a:solidFill>
+          </a:ln>
+        </p:spPr>
+        <p:style>
+          <a:lnRef idx="1">
+            <a:schemeClr val="accent1"/>
+          </a:lnRef>
+          <a:fillRef idx="0">
+            <a:schemeClr val="accent1"/>
+          </a:fillRef>
+          <a:effectRef idx="0">
+            <a:schemeClr val="accent1"/>
+          </a:effectRef>
+          <a:fontRef idx="minor">
+            <a:schemeClr val="tx1"/>
+          </a:fontRef>
+        </p:style>
+      </p:cxnSp>
+      <p:cxnSp>
+        <p:nvCxnSpPr>
+          <p:cNvPr id="264" name="直線コネクタ 263">
+            <a:extLst>
+              <a:ext uri="{FF2B5EF4-FFF2-40B4-BE49-F238E27FC236}">
+                <a16:creationId xmlns:a16="http://schemas.microsoft.com/office/drawing/2014/main" id="{14394992-B5CE-4159-9936-A09EB8974F2F}"/>
+              </a:ext>
+            </a:extLst>
+          </p:cNvPr>
+          <p:cNvCxnSpPr>
+            <a:cxnSpLocks/>
+          </p:cNvCxnSpPr>
+          <p:nvPr/>
+        </p:nvCxnSpPr>
+        <p:spPr>
+          <a:xfrm flipH="1">
+            <a:off x="6721922" y="4970403"/>
+            <a:ext cx="0" cy="942713"/>
+          </a:xfrm>
+          <a:prstGeom prst="line">
+            <a:avLst/>
+          </a:prstGeom>
+          <a:ln w="57150">
+            <a:solidFill>
+              <a:schemeClr val="tx1">
+                <a:lumMod val="65000"/>
+                <a:lumOff val="35000"/>
+              </a:schemeClr>
+            </a:solidFill>
+          </a:ln>
+        </p:spPr>
+        <p:style>
+          <a:lnRef idx="1">
+            <a:schemeClr val="accent1"/>
+          </a:lnRef>
+          <a:fillRef idx="0">
+            <a:schemeClr val="accent1"/>
+          </a:fillRef>
+          <a:effectRef idx="0">
+            <a:schemeClr val="accent1"/>
+          </a:effectRef>
+          <a:fontRef idx="minor">
+            <a:schemeClr val="tx1"/>
+          </a:fontRef>
+        </p:style>
+      </p:cxnSp>
+      <p:cxnSp>
+        <p:nvCxnSpPr>
+          <p:cNvPr id="265" name="直線コネクタ 264">
+            <a:extLst>
+              <a:ext uri="{FF2B5EF4-FFF2-40B4-BE49-F238E27FC236}">
+                <a16:creationId xmlns:a16="http://schemas.microsoft.com/office/drawing/2014/main" id="{8B01017C-E202-4645-9461-DB55F5D1B490}"/>
+              </a:ext>
+            </a:extLst>
+          </p:cNvPr>
+          <p:cNvCxnSpPr>
+            <a:cxnSpLocks/>
+          </p:cNvCxnSpPr>
+          <p:nvPr/>
+        </p:nvCxnSpPr>
+        <p:spPr>
+          <a:xfrm flipH="1">
+            <a:off x="6482437" y="4974755"/>
+            <a:ext cx="0" cy="942713"/>
+          </a:xfrm>
+          <a:prstGeom prst="line">
+            <a:avLst/>
+          </a:prstGeom>
+          <a:ln w="57150">
+            <a:solidFill>
+              <a:schemeClr val="tx1">
+                <a:lumMod val="65000"/>
+                <a:lumOff val="35000"/>
+              </a:schemeClr>
+            </a:solidFill>
+          </a:ln>
+        </p:spPr>
+        <p:style>
+          <a:lnRef idx="1">
+            <a:schemeClr val="accent1"/>
+          </a:lnRef>
+          <a:fillRef idx="0">
+            <a:schemeClr val="accent1"/>
+          </a:fillRef>
+          <a:effectRef idx="0">
+            <a:schemeClr val="accent1"/>
+          </a:effectRef>
+          <a:fontRef idx="minor">
+            <a:schemeClr val="tx1"/>
+          </a:fontRef>
+        </p:style>
+      </p:cxnSp>
+      <p:cxnSp>
+        <p:nvCxnSpPr>
+          <p:cNvPr id="266" name="直線コネクタ 265">
+            <a:extLst>
+              <a:ext uri="{FF2B5EF4-FFF2-40B4-BE49-F238E27FC236}">
+                <a16:creationId xmlns:a16="http://schemas.microsoft.com/office/drawing/2014/main" id="{30860E7B-92EF-4541-B377-EB63C066A71A}"/>
+              </a:ext>
+            </a:extLst>
+          </p:cNvPr>
+          <p:cNvCxnSpPr>
+            <a:cxnSpLocks/>
+          </p:cNvCxnSpPr>
+          <p:nvPr/>
+        </p:nvCxnSpPr>
+        <p:spPr>
+          <a:xfrm flipH="1">
+            <a:off x="6225530" y="4970398"/>
+            <a:ext cx="0" cy="942713"/>
+          </a:xfrm>
+          <a:prstGeom prst="line">
+            <a:avLst/>
+          </a:prstGeom>
+          <a:ln w="57150">
+            <a:solidFill>
+              <a:schemeClr val="tx1">
+                <a:lumMod val="65000"/>
+                <a:lumOff val="35000"/>
+              </a:schemeClr>
+            </a:solidFill>
+          </a:ln>
+        </p:spPr>
+        <p:style>
+          <a:lnRef idx="1">
+            <a:schemeClr val="accent1"/>
+          </a:lnRef>
+          <a:fillRef idx="0">
+            <a:schemeClr val="accent1"/>
+          </a:fillRef>
+          <a:effectRef idx="0">
+            <a:schemeClr val="accent1"/>
+          </a:effectRef>
+          <a:fontRef idx="minor">
+            <a:schemeClr val="tx1"/>
+          </a:fontRef>
+        </p:style>
+      </p:cxnSp>
+      <p:cxnSp>
+        <p:nvCxnSpPr>
+          <p:cNvPr id="267" name="直線コネクタ 266">
+            <a:extLst>
+              <a:ext uri="{FF2B5EF4-FFF2-40B4-BE49-F238E27FC236}">
+                <a16:creationId xmlns:a16="http://schemas.microsoft.com/office/drawing/2014/main" id="{7EACC93A-8B36-4B6D-A4A6-C6DC874DD726}"/>
+              </a:ext>
+            </a:extLst>
+          </p:cNvPr>
+          <p:cNvCxnSpPr>
+            <a:cxnSpLocks/>
+          </p:cNvCxnSpPr>
+          <p:nvPr/>
+        </p:nvCxnSpPr>
+        <p:spPr>
+          <a:xfrm flipH="1">
+            <a:off x="5986042" y="4974753"/>
+            <a:ext cx="0" cy="942713"/>
+          </a:xfrm>
+          <a:prstGeom prst="line">
+            <a:avLst/>
+          </a:prstGeom>
+          <a:ln w="57150">
+            <a:solidFill>
+              <a:schemeClr val="tx1">
+                <a:lumMod val="65000"/>
+                <a:lumOff val="35000"/>
+              </a:schemeClr>
+            </a:solidFill>
+          </a:ln>
+        </p:spPr>
+        <p:style>
+          <a:lnRef idx="1">
+            <a:schemeClr val="accent1"/>
+          </a:lnRef>
+          <a:fillRef idx="0">
+            <a:schemeClr val="accent1"/>
+          </a:fillRef>
+          <a:effectRef idx="0">
+            <a:schemeClr val="accent1"/>
+          </a:effectRef>
+          <a:fontRef idx="minor">
+            <a:schemeClr val="tx1"/>
+          </a:fontRef>
+        </p:style>
+      </p:cxnSp>
+      <p:cxnSp>
+        <p:nvCxnSpPr>
+          <p:cNvPr id="268" name="直線コネクタ 267">
+            <a:extLst>
+              <a:ext uri="{FF2B5EF4-FFF2-40B4-BE49-F238E27FC236}">
+                <a16:creationId xmlns:a16="http://schemas.microsoft.com/office/drawing/2014/main" id="{87532656-79C1-4467-A1FB-6D0DA07EB2DB}"/>
+              </a:ext>
+            </a:extLst>
+          </p:cNvPr>
+          <p:cNvCxnSpPr>
+            <a:cxnSpLocks/>
+          </p:cNvCxnSpPr>
+          <p:nvPr/>
+        </p:nvCxnSpPr>
+        <p:spPr>
+          <a:xfrm flipH="1">
+            <a:off x="5729136" y="4970403"/>
+            <a:ext cx="0" cy="942713"/>
+          </a:xfrm>
+          <a:prstGeom prst="line">
+            <a:avLst/>
+          </a:prstGeom>
+          <a:ln w="57150">
+            <a:solidFill>
+              <a:schemeClr val="tx1">
+                <a:lumMod val="65000"/>
+                <a:lumOff val="35000"/>
+              </a:schemeClr>
+            </a:solidFill>
+          </a:ln>
+        </p:spPr>
+        <p:style>
+          <a:lnRef idx="1">
+            <a:schemeClr val="accent1"/>
+          </a:lnRef>
+          <a:fillRef idx="0">
+            <a:schemeClr val="accent1"/>
+          </a:fillRef>
+          <a:effectRef idx="0">
+            <a:schemeClr val="accent1"/>
+          </a:effectRef>
+          <a:fontRef idx="minor">
+            <a:schemeClr val="tx1"/>
+          </a:fontRef>
+        </p:style>
+      </p:cxnSp>
+      <p:cxnSp>
+        <p:nvCxnSpPr>
+          <p:cNvPr id="269" name="直線コネクタ 268">
+            <a:extLst>
+              <a:ext uri="{FF2B5EF4-FFF2-40B4-BE49-F238E27FC236}">
+                <a16:creationId xmlns:a16="http://schemas.microsoft.com/office/drawing/2014/main" id="{8772459B-B8DD-44BA-B93F-71956B2860DB}"/>
+              </a:ext>
+            </a:extLst>
+          </p:cNvPr>
+          <p:cNvCxnSpPr>
+            <a:cxnSpLocks/>
+          </p:cNvCxnSpPr>
+          <p:nvPr/>
+        </p:nvCxnSpPr>
+        <p:spPr>
+          <a:xfrm flipH="1">
+            <a:off x="5489647" y="4974754"/>
+            <a:ext cx="0" cy="942713"/>
+          </a:xfrm>
+          <a:prstGeom prst="line">
+            <a:avLst/>
+          </a:prstGeom>
+          <a:ln w="57150">
+            <a:solidFill>
+              <a:schemeClr val="tx1">
+                <a:lumMod val="65000"/>
+                <a:lumOff val="35000"/>
+              </a:schemeClr>
+            </a:solidFill>
+          </a:ln>
+        </p:spPr>
+        <p:style>
+          <a:lnRef idx="1">
+            <a:schemeClr val="accent1"/>
+          </a:lnRef>
+          <a:fillRef idx="0">
+            <a:schemeClr val="accent1"/>
+          </a:fillRef>
+          <a:effectRef idx="0">
+            <a:schemeClr val="accent1"/>
+          </a:effectRef>
+          <a:fontRef idx="minor">
+            <a:schemeClr val="tx1"/>
+          </a:fontRef>
+        </p:style>
+      </p:cxnSp>
+      <p:cxnSp>
+        <p:nvCxnSpPr>
+          <p:cNvPr id="270" name="直線コネクタ 269">
+            <a:extLst>
+              <a:ext uri="{FF2B5EF4-FFF2-40B4-BE49-F238E27FC236}">
+                <a16:creationId xmlns:a16="http://schemas.microsoft.com/office/drawing/2014/main" id="{E1587415-994A-428D-A198-436F972EBFA5}"/>
+              </a:ext>
+            </a:extLst>
+          </p:cNvPr>
+          <p:cNvCxnSpPr>
+            <a:cxnSpLocks/>
+          </p:cNvCxnSpPr>
+          <p:nvPr/>
+        </p:nvCxnSpPr>
+        <p:spPr>
+          <a:xfrm flipH="1">
+            <a:off x="5241448" y="4970395"/>
+            <a:ext cx="0" cy="942713"/>
+          </a:xfrm>
+          <a:prstGeom prst="line">
+            <a:avLst/>
+          </a:prstGeom>
+          <a:ln w="57150">
+            <a:solidFill>
+              <a:schemeClr val="tx1">
+                <a:lumMod val="65000"/>
+                <a:lumOff val="35000"/>
+              </a:schemeClr>
+            </a:solidFill>
+          </a:ln>
+        </p:spPr>
+        <p:style>
+          <a:lnRef idx="1">
+            <a:schemeClr val="accent1"/>
+          </a:lnRef>
+          <a:fillRef idx="0">
+            <a:schemeClr val="accent1"/>
+          </a:fillRef>
+          <a:effectRef idx="0">
+            <a:schemeClr val="accent1"/>
+          </a:effectRef>
+          <a:fontRef idx="minor">
+            <a:schemeClr val="tx1"/>
+          </a:fontRef>
+        </p:style>
+      </p:cxnSp>
+      <p:sp>
+        <p:nvSpPr>
+          <p:cNvPr id="2" name="正方形/長方形 1">
+            <a:extLst>
+              <a:ext uri="{FF2B5EF4-FFF2-40B4-BE49-F238E27FC236}">
+                <a16:creationId xmlns:a16="http://schemas.microsoft.com/office/drawing/2014/main" id="{B6CC9217-3CE6-496B-A049-8D99441CBBFB}"/>
+              </a:ext>
+            </a:extLst>
+          </p:cNvPr>
+          <p:cNvSpPr/>
+          <p:nvPr/>
+        </p:nvSpPr>
+        <p:spPr>
+          <a:xfrm flipH="1">
+            <a:off x="5113006" y="5103225"/>
+            <a:ext cx="2233762" cy="235130"/>
+          </a:xfrm>
+          <a:prstGeom prst="rect">
+            <a:avLst/>
+          </a:prstGeom>
+          <a:solidFill>
+            <a:schemeClr val="bg1">
+              <a:lumMod val="50000"/>
+              <a:alpha val="95000"/>
+            </a:schemeClr>
+          </a:solidFill>
+        </p:spPr>
+        <p:style>
+          <a:lnRef idx="2">
+            <a:schemeClr val="accent1">
+              <a:shade val="50000"/>
+            </a:schemeClr>
+          </a:lnRef>
+          <a:fillRef idx="1">
+            <a:schemeClr val="accent1"/>
+          </a:fillRef>
+          <a:effectRef idx="0">
+            <a:schemeClr val="accent1"/>
+          </a:effectRef>
+          <a:fontRef idx="minor">
+            <a:schemeClr val="lt1"/>
+          </a:fontRef>
+        </p:style>
+        <p:txBody>
+          <a:bodyPr rtlCol="0" anchor="ctr"/>
+          <a:lstStyle/>
+          <a:p>
+            <a:pPr algn="ctr"/>
+            <a:endParaRPr lang="en-US" dirty="0"/>
+          </a:p>
+        </p:txBody>
+      </p:sp>
+      <p:cxnSp>
+        <p:nvCxnSpPr>
+          <p:cNvPr id="271" name="直線コネクタ 270">
+            <a:extLst>
+              <a:ext uri="{FF2B5EF4-FFF2-40B4-BE49-F238E27FC236}">
+                <a16:creationId xmlns:a16="http://schemas.microsoft.com/office/drawing/2014/main" id="{CE526DFD-A4F5-40C3-BF28-ED6E688A5132}"/>
+              </a:ext>
+            </a:extLst>
+          </p:cNvPr>
+          <p:cNvCxnSpPr>
+            <a:cxnSpLocks/>
+          </p:cNvCxnSpPr>
+          <p:nvPr/>
+        </p:nvCxnSpPr>
+        <p:spPr>
+          <a:xfrm flipH="1">
+            <a:off x="6726280" y="1291024"/>
+            <a:ext cx="0" cy="942713"/>
+          </a:xfrm>
+          <a:prstGeom prst="line">
+            <a:avLst/>
+          </a:prstGeom>
+          <a:ln w="57150">
+            <a:solidFill>
+              <a:schemeClr val="tx1">
+                <a:lumMod val="65000"/>
+                <a:lumOff val="35000"/>
+              </a:schemeClr>
+            </a:solidFill>
+          </a:ln>
+        </p:spPr>
+        <p:style>
+          <a:lnRef idx="1">
+            <a:schemeClr val="accent1"/>
+          </a:lnRef>
+          <a:fillRef idx="0">
+            <a:schemeClr val="accent1"/>
+          </a:fillRef>
+          <a:effectRef idx="0">
+            <a:schemeClr val="accent1"/>
+          </a:effectRef>
+          <a:fontRef idx="minor">
+            <a:schemeClr val="tx1"/>
+          </a:fontRef>
+        </p:style>
+      </p:cxnSp>
+      <p:cxnSp>
+        <p:nvCxnSpPr>
+          <p:cNvPr id="272" name="直線コネクタ 271">
+            <a:extLst>
+              <a:ext uri="{FF2B5EF4-FFF2-40B4-BE49-F238E27FC236}">
+                <a16:creationId xmlns:a16="http://schemas.microsoft.com/office/drawing/2014/main" id="{22637D95-6EA8-4A38-A487-784E7D0B02CC}"/>
+              </a:ext>
+            </a:extLst>
+          </p:cNvPr>
+          <p:cNvCxnSpPr>
+            <a:cxnSpLocks/>
+          </p:cNvCxnSpPr>
+          <p:nvPr/>
+        </p:nvCxnSpPr>
+        <p:spPr>
+          <a:xfrm flipH="1">
+            <a:off x="6469375" y="1286667"/>
+            <a:ext cx="0" cy="942713"/>
+          </a:xfrm>
+          <a:prstGeom prst="line">
+            <a:avLst/>
+          </a:prstGeom>
+          <a:ln w="57150">
+            <a:solidFill>
+              <a:schemeClr val="tx1">
+                <a:lumMod val="65000"/>
+                <a:lumOff val="35000"/>
+              </a:schemeClr>
+            </a:solidFill>
+          </a:ln>
+        </p:spPr>
+        <p:style>
+          <a:lnRef idx="1">
+            <a:schemeClr val="accent1"/>
+          </a:lnRef>
+          <a:fillRef idx="0">
+            <a:schemeClr val="accent1"/>
+          </a:fillRef>
+          <a:effectRef idx="0">
+            <a:schemeClr val="accent1"/>
+          </a:effectRef>
+          <a:fontRef idx="minor">
+            <a:schemeClr val="tx1"/>
+          </a:fontRef>
+        </p:style>
+      </p:cxnSp>
+      <p:cxnSp>
+        <p:nvCxnSpPr>
+          <p:cNvPr id="273" name="直線コネクタ 272">
+            <a:extLst>
+              <a:ext uri="{FF2B5EF4-FFF2-40B4-BE49-F238E27FC236}">
+                <a16:creationId xmlns:a16="http://schemas.microsoft.com/office/drawing/2014/main" id="{DE9E1E69-C1D3-4767-8D70-A21243F03E04}"/>
+              </a:ext>
+            </a:extLst>
+          </p:cNvPr>
+          <p:cNvCxnSpPr>
+            <a:cxnSpLocks/>
+          </p:cNvCxnSpPr>
+          <p:nvPr/>
+        </p:nvCxnSpPr>
+        <p:spPr>
+          <a:xfrm flipH="1">
+            <a:off x="6229885" y="1291018"/>
+            <a:ext cx="0" cy="942713"/>
+          </a:xfrm>
+          <a:prstGeom prst="line">
+            <a:avLst/>
+          </a:prstGeom>
+          <a:ln w="57150">
+            <a:solidFill>
+              <a:schemeClr val="tx1">
+                <a:lumMod val="65000"/>
+                <a:lumOff val="35000"/>
+              </a:schemeClr>
+            </a:solidFill>
+          </a:ln>
+        </p:spPr>
+        <p:style>
+          <a:lnRef idx="1">
+            <a:schemeClr val="accent1"/>
+          </a:lnRef>
+          <a:fillRef idx="0">
+            <a:schemeClr val="accent1"/>
+          </a:fillRef>
+          <a:effectRef idx="0">
+            <a:schemeClr val="accent1"/>
+          </a:effectRef>
+          <a:fontRef idx="minor">
+            <a:schemeClr val="tx1"/>
+          </a:fontRef>
+        </p:style>
+      </p:cxnSp>
+      <p:cxnSp>
+        <p:nvCxnSpPr>
+          <p:cNvPr id="275" name="直線コネクタ 274">
+            <a:extLst>
+              <a:ext uri="{FF2B5EF4-FFF2-40B4-BE49-F238E27FC236}">
+                <a16:creationId xmlns:a16="http://schemas.microsoft.com/office/drawing/2014/main" id="{0BB734BC-5514-4363-B2FE-161E0F7F8530}"/>
+              </a:ext>
+            </a:extLst>
+          </p:cNvPr>
+          <p:cNvCxnSpPr>
+            <a:cxnSpLocks/>
+          </p:cNvCxnSpPr>
+          <p:nvPr/>
+        </p:nvCxnSpPr>
+        <p:spPr>
+          <a:xfrm flipH="1">
+            <a:off x="5729143" y="1277963"/>
+            <a:ext cx="0" cy="942713"/>
+          </a:xfrm>
+          <a:prstGeom prst="line">
+            <a:avLst/>
+          </a:prstGeom>
+          <a:ln w="57150">
+            <a:solidFill>
+              <a:schemeClr val="tx1">
+                <a:lumMod val="65000"/>
+                <a:lumOff val="35000"/>
+              </a:schemeClr>
+            </a:solidFill>
+          </a:ln>
+        </p:spPr>
+        <p:style>
+          <a:lnRef idx="1">
+            <a:schemeClr val="accent1"/>
+          </a:lnRef>
+          <a:fillRef idx="0">
+            <a:schemeClr val="accent1"/>
+          </a:fillRef>
+          <a:effectRef idx="0">
+            <a:schemeClr val="accent1"/>
+          </a:effectRef>
+          <a:fontRef idx="minor">
+            <a:schemeClr val="tx1"/>
+          </a:fontRef>
+        </p:style>
+      </p:cxnSp>
+      <p:cxnSp>
+        <p:nvCxnSpPr>
+          <p:cNvPr id="276" name="直線コネクタ 275">
+            <a:extLst>
+              <a:ext uri="{FF2B5EF4-FFF2-40B4-BE49-F238E27FC236}">
+                <a16:creationId xmlns:a16="http://schemas.microsoft.com/office/drawing/2014/main" id="{05325686-D20B-4B92-A6D1-01B764B38DCF}"/>
+              </a:ext>
+            </a:extLst>
+          </p:cNvPr>
+          <p:cNvCxnSpPr>
+            <a:cxnSpLocks/>
+          </p:cNvCxnSpPr>
+          <p:nvPr/>
+        </p:nvCxnSpPr>
+        <p:spPr>
+          <a:xfrm flipH="1">
+            <a:off x="5480947" y="1282315"/>
+            <a:ext cx="0" cy="942713"/>
+          </a:xfrm>
+          <a:prstGeom prst="line">
+            <a:avLst/>
+          </a:prstGeom>
+          <a:ln w="57150">
+            <a:solidFill>
+              <a:schemeClr val="tx1">
+                <a:lumMod val="65000"/>
+                <a:lumOff val="35000"/>
+              </a:schemeClr>
+            </a:solidFill>
+          </a:ln>
+        </p:spPr>
+        <p:style>
+          <a:lnRef idx="1">
+            <a:schemeClr val="accent1"/>
+          </a:lnRef>
+          <a:fillRef idx="0">
+            <a:schemeClr val="accent1"/>
+          </a:fillRef>
+          <a:effectRef idx="0">
+            <a:schemeClr val="accent1"/>
+          </a:effectRef>
+          <a:fontRef idx="minor">
+            <a:schemeClr val="tx1"/>
+          </a:fontRef>
+        </p:style>
+      </p:cxnSp>
+      <p:cxnSp>
+        <p:nvCxnSpPr>
+          <p:cNvPr id="277" name="直線コネクタ 276">
+            <a:extLst>
+              <a:ext uri="{FF2B5EF4-FFF2-40B4-BE49-F238E27FC236}">
+                <a16:creationId xmlns:a16="http://schemas.microsoft.com/office/drawing/2014/main" id="{1D88400D-3475-4F25-BA1B-59ABE8E19B10}"/>
+              </a:ext>
+            </a:extLst>
+          </p:cNvPr>
+          <p:cNvCxnSpPr>
+            <a:cxnSpLocks/>
+          </p:cNvCxnSpPr>
+          <p:nvPr/>
+        </p:nvCxnSpPr>
+        <p:spPr>
+          <a:xfrm flipH="1">
+            <a:off x="5232748" y="1277957"/>
+            <a:ext cx="0" cy="942713"/>
+          </a:xfrm>
+          <a:prstGeom prst="line">
+            <a:avLst/>
+          </a:prstGeom>
+          <a:ln w="57150">
+            <a:solidFill>
+              <a:schemeClr val="tx1">
+                <a:lumMod val="65000"/>
+                <a:lumOff val="35000"/>
+              </a:schemeClr>
+            </a:solidFill>
+          </a:ln>
+        </p:spPr>
+        <p:style>
+          <a:lnRef idx="1">
+            <a:schemeClr val="accent1"/>
+          </a:lnRef>
+          <a:fillRef idx="0">
+            <a:schemeClr val="accent1"/>
+          </a:fillRef>
+          <a:effectRef idx="0">
+            <a:schemeClr val="accent1"/>
+          </a:effectRef>
+          <a:fontRef idx="minor">
+            <a:schemeClr val="tx1"/>
+          </a:fontRef>
+        </p:style>
+      </p:cxnSp>
+      <p:cxnSp>
+        <p:nvCxnSpPr>
+          <p:cNvPr id="278" name="直線コネクタ 277">
+            <a:extLst>
+              <a:ext uri="{FF2B5EF4-FFF2-40B4-BE49-F238E27FC236}">
+                <a16:creationId xmlns:a16="http://schemas.microsoft.com/office/drawing/2014/main" id="{3F195726-F4F5-4D12-ADD2-145EE1FDF3E1}"/>
+              </a:ext>
+            </a:extLst>
+          </p:cNvPr>
+          <p:cNvCxnSpPr>
+            <a:cxnSpLocks/>
+          </p:cNvCxnSpPr>
+          <p:nvPr/>
+        </p:nvCxnSpPr>
+        <p:spPr>
+          <a:xfrm flipH="1">
+            <a:off x="4740717" y="1282316"/>
+            <a:ext cx="0" cy="942713"/>
+          </a:xfrm>
+          <a:prstGeom prst="line">
+            <a:avLst/>
+          </a:prstGeom>
+          <a:ln w="57150">
+            <a:solidFill>
+              <a:schemeClr val="tx1">
+                <a:lumMod val="65000"/>
+                <a:lumOff val="35000"/>
+              </a:schemeClr>
+            </a:solidFill>
+          </a:ln>
+        </p:spPr>
+        <p:style>
+          <a:lnRef idx="1">
+            <a:schemeClr val="accent1"/>
+          </a:lnRef>
+          <a:fillRef idx="0">
+            <a:schemeClr val="accent1"/>
+          </a:fillRef>
+          <a:effectRef idx="0">
+            <a:schemeClr val="accent1"/>
+          </a:effectRef>
+          <a:fontRef idx="minor">
+            <a:schemeClr val="tx1"/>
+          </a:fontRef>
+        </p:style>
+      </p:cxnSp>
+      <p:cxnSp>
+        <p:nvCxnSpPr>
+          <p:cNvPr id="279" name="直線コネクタ 278">
+            <a:extLst>
+              <a:ext uri="{FF2B5EF4-FFF2-40B4-BE49-F238E27FC236}">
+                <a16:creationId xmlns:a16="http://schemas.microsoft.com/office/drawing/2014/main" id="{4803F6BF-5BD3-4E07-BF98-365CBAD9FA78}"/>
+              </a:ext>
+            </a:extLst>
+          </p:cNvPr>
+          <p:cNvCxnSpPr>
+            <a:cxnSpLocks/>
+          </p:cNvCxnSpPr>
+          <p:nvPr/>
+        </p:nvCxnSpPr>
+        <p:spPr>
+          <a:xfrm flipH="1">
+            <a:off x="4483812" y="1277959"/>
+            <a:ext cx="0" cy="942713"/>
+          </a:xfrm>
+          <a:prstGeom prst="line">
+            <a:avLst/>
+          </a:prstGeom>
+          <a:ln w="57150">
+            <a:solidFill>
+              <a:schemeClr val="tx1">
+                <a:lumMod val="65000"/>
+                <a:lumOff val="35000"/>
+              </a:schemeClr>
+            </a:solidFill>
+          </a:ln>
+        </p:spPr>
+        <p:style>
+          <a:lnRef idx="1">
+            <a:schemeClr val="accent1"/>
+          </a:lnRef>
+          <a:fillRef idx="0">
+            <a:schemeClr val="accent1"/>
+          </a:fillRef>
+          <a:effectRef idx="0">
+            <a:schemeClr val="accent1"/>
+          </a:effectRef>
+          <a:fontRef idx="minor">
+            <a:schemeClr val="tx1"/>
+          </a:fontRef>
+        </p:style>
+      </p:cxnSp>
+      <p:cxnSp>
+        <p:nvCxnSpPr>
+          <p:cNvPr id="280" name="直線コネクタ 279">
+            <a:extLst>
+              <a:ext uri="{FF2B5EF4-FFF2-40B4-BE49-F238E27FC236}">
+                <a16:creationId xmlns:a16="http://schemas.microsoft.com/office/drawing/2014/main" id="{1BE4D317-4CD6-4B83-8AD4-AC98E70F2E49}"/>
+              </a:ext>
+            </a:extLst>
+          </p:cNvPr>
+          <p:cNvCxnSpPr>
+            <a:cxnSpLocks/>
+          </p:cNvCxnSpPr>
+          <p:nvPr/>
+        </p:nvCxnSpPr>
+        <p:spPr>
+          <a:xfrm flipH="1">
+            <a:off x="4244322" y="1282310"/>
+            <a:ext cx="0" cy="942713"/>
+          </a:xfrm>
+          <a:prstGeom prst="line">
+            <a:avLst/>
+          </a:prstGeom>
+          <a:ln w="57150">
+            <a:solidFill>
+              <a:schemeClr val="tx1">
+                <a:lumMod val="65000"/>
+                <a:lumOff val="35000"/>
+              </a:schemeClr>
+            </a:solidFill>
+          </a:ln>
+        </p:spPr>
+        <p:style>
+          <a:lnRef idx="1">
+            <a:schemeClr val="accent1"/>
+          </a:lnRef>
+          <a:fillRef idx="0">
+            <a:schemeClr val="accent1"/>
+          </a:fillRef>
+          <a:effectRef idx="0">
+            <a:schemeClr val="accent1"/>
+          </a:effectRef>
+          <a:fontRef idx="minor">
+            <a:schemeClr val="tx1"/>
+          </a:fontRef>
+        </p:style>
+      </p:cxnSp>
+      <p:cxnSp>
+        <p:nvCxnSpPr>
+          <p:cNvPr id="281" name="直線コネクタ 280">
+            <a:extLst>
+              <a:ext uri="{FF2B5EF4-FFF2-40B4-BE49-F238E27FC236}">
+                <a16:creationId xmlns:a16="http://schemas.microsoft.com/office/drawing/2014/main" id="{80EB2DC4-DEDD-44AA-B553-75261376D6BF}"/>
+              </a:ext>
+            </a:extLst>
+          </p:cNvPr>
+          <p:cNvCxnSpPr>
+            <a:cxnSpLocks/>
+          </p:cNvCxnSpPr>
+          <p:nvPr/>
+        </p:nvCxnSpPr>
+        <p:spPr>
+          <a:xfrm flipH="1">
+            <a:off x="3752288" y="1286669"/>
+            <a:ext cx="0" cy="942713"/>
+          </a:xfrm>
+          <a:prstGeom prst="line">
+            <a:avLst/>
+          </a:prstGeom>
+          <a:ln w="57150">
+            <a:solidFill>
+              <a:schemeClr val="tx1">
+                <a:lumMod val="65000"/>
+                <a:lumOff val="35000"/>
+              </a:schemeClr>
+            </a:solidFill>
+          </a:ln>
+        </p:spPr>
+        <p:style>
+          <a:lnRef idx="1">
+            <a:schemeClr val="accent1"/>
+          </a:lnRef>
+          <a:fillRef idx="0">
+            <a:schemeClr val="accent1"/>
+          </a:fillRef>
+          <a:effectRef idx="0">
+            <a:schemeClr val="accent1"/>
+          </a:effectRef>
+          <a:fontRef idx="minor">
+            <a:schemeClr val="tx1"/>
+          </a:fontRef>
+        </p:style>
+      </p:cxnSp>
+      <p:cxnSp>
+        <p:nvCxnSpPr>
+          <p:cNvPr id="282" name="直線コネクタ 281">
+            <a:extLst>
+              <a:ext uri="{FF2B5EF4-FFF2-40B4-BE49-F238E27FC236}">
+                <a16:creationId xmlns:a16="http://schemas.microsoft.com/office/drawing/2014/main" id="{EB3A1E8B-BAA3-4995-9E85-BD207F616684}"/>
+              </a:ext>
+            </a:extLst>
+          </p:cNvPr>
+          <p:cNvCxnSpPr>
+            <a:cxnSpLocks/>
+          </p:cNvCxnSpPr>
+          <p:nvPr/>
+        </p:nvCxnSpPr>
+        <p:spPr>
+          <a:xfrm flipH="1">
+            <a:off x="3504092" y="1291021"/>
+            <a:ext cx="0" cy="942713"/>
+          </a:xfrm>
+          <a:prstGeom prst="line">
+            <a:avLst/>
+          </a:prstGeom>
+          <a:ln w="57150">
+            <a:solidFill>
+              <a:schemeClr val="tx1">
+                <a:lumMod val="65000"/>
+                <a:lumOff val="35000"/>
+              </a:schemeClr>
+            </a:solidFill>
+          </a:ln>
+        </p:spPr>
+        <p:style>
+          <a:lnRef idx="1">
+            <a:schemeClr val="accent1"/>
+          </a:lnRef>
+          <a:fillRef idx="0">
+            <a:schemeClr val="accent1"/>
+          </a:fillRef>
+          <a:effectRef idx="0">
+            <a:schemeClr val="accent1"/>
+          </a:effectRef>
+          <a:fontRef idx="minor">
+            <a:schemeClr val="tx1"/>
+          </a:fontRef>
+        </p:style>
+      </p:cxnSp>
+      <p:cxnSp>
+        <p:nvCxnSpPr>
+          <p:cNvPr id="283" name="直線コネクタ 282">
+            <a:extLst>
+              <a:ext uri="{FF2B5EF4-FFF2-40B4-BE49-F238E27FC236}">
+                <a16:creationId xmlns:a16="http://schemas.microsoft.com/office/drawing/2014/main" id="{520522D6-3ED7-4F92-9668-A8D117D8D227}"/>
+              </a:ext>
+            </a:extLst>
+          </p:cNvPr>
+          <p:cNvCxnSpPr>
+            <a:cxnSpLocks/>
+          </p:cNvCxnSpPr>
+          <p:nvPr/>
+        </p:nvCxnSpPr>
+        <p:spPr>
+          <a:xfrm flipH="1">
+            <a:off x="3255893" y="1286663"/>
+            <a:ext cx="0" cy="942713"/>
+          </a:xfrm>
+          <a:prstGeom prst="line">
+            <a:avLst/>
+          </a:prstGeom>
+          <a:ln w="57150">
+            <a:solidFill>
+              <a:schemeClr val="tx1">
+                <a:lumMod val="65000"/>
+                <a:lumOff val="35000"/>
+              </a:schemeClr>
+            </a:solidFill>
+          </a:ln>
+        </p:spPr>
+        <p:style>
+          <a:lnRef idx="1">
+            <a:schemeClr val="accent1"/>
+          </a:lnRef>
+          <a:fillRef idx="0">
+            <a:schemeClr val="accent1"/>
+          </a:fillRef>
+          <a:effectRef idx="0">
+            <a:schemeClr val="accent1"/>
+          </a:effectRef>
+          <a:fontRef idx="minor">
+            <a:schemeClr val="tx1"/>
+          </a:fontRef>
+        </p:style>
+      </p:cxnSp>
+      <p:sp>
+        <p:nvSpPr>
+          <p:cNvPr id="122" name="正方形/長方形 121">
+            <a:extLst>
+              <a:ext uri="{FF2B5EF4-FFF2-40B4-BE49-F238E27FC236}">
+                <a16:creationId xmlns:a16="http://schemas.microsoft.com/office/drawing/2014/main" id="{7720A955-1A08-455A-A098-C53BFBC7433F}"/>
+              </a:ext>
+            </a:extLst>
+          </p:cNvPr>
+          <p:cNvSpPr/>
+          <p:nvPr/>
+        </p:nvSpPr>
+        <p:spPr>
+          <a:xfrm flipH="1">
+            <a:off x="3140504" y="1889738"/>
+            <a:ext cx="753293" cy="226444"/>
+          </a:xfrm>
+          <a:prstGeom prst="rect">
+            <a:avLst/>
+          </a:prstGeom>
+          <a:solidFill>
+            <a:schemeClr val="bg1">
+              <a:lumMod val="50000"/>
+            </a:schemeClr>
+          </a:solidFill>
+        </p:spPr>
+        <p:style>
+          <a:lnRef idx="2">
+            <a:schemeClr val="accent1">
+              <a:shade val="50000"/>
+            </a:schemeClr>
+          </a:lnRef>
+          <a:fillRef idx="1">
+            <a:schemeClr val="accent1"/>
+          </a:fillRef>
+          <a:effectRef idx="0">
+            <a:schemeClr val="accent1"/>
+          </a:effectRef>
+          <a:fontRef idx="minor">
+            <a:schemeClr val="lt1"/>
+          </a:fontRef>
+        </p:style>
+        <p:txBody>
+          <a:bodyPr rtlCol="0" anchor="ctr"/>
+          <a:lstStyle/>
+          <a:p>
+            <a:pPr algn="ctr"/>
+            <a:endParaRPr lang="en-US" dirty="0"/>
+          </a:p>
+        </p:txBody>
+      </p:sp>
+      <p:sp>
+        <p:nvSpPr>
+          <p:cNvPr id="123" name="正方形/長方形 122">
+            <a:extLst>
+              <a:ext uri="{FF2B5EF4-FFF2-40B4-BE49-F238E27FC236}">
+                <a16:creationId xmlns:a16="http://schemas.microsoft.com/office/drawing/2014/main" id="{515FBDC7-9FA8-49A2-882C-C73D3935D2F5}"/>
+              </a:ext>
+            </a:extLst>
+          </p:cNvPr>
+          <p:cNvSpPr/>
+          <p:nvPr/>
+        </p:nvSpPr>
+        <p:spPr>
+          <a:xfrm flipH="1">
+            <a:off x="4111525" y="1894088"/>
+            <a:ext cx="753293" cy="226444"/>
+          </a:xfrm>
+          <a:prstGeom prst="rect">
+            <a:avLst/>
+          </a:prstGeom>
+          <a:solidFill>
+            <a:schemeClr val="bg1">
+              <a:lumMod val="50000"/>
+              <a:alpha val="95000"/>
+            </a:schemeClr>
+          </a:solidFill>
+        </p:spPr>
+        <p:style>
+          <a:lnRef idx="2">
+            <a:schemeClr val="accent1">
+              <a:shade val="50000"/>
+            </a:schemeClr>
+          </a:lnRef>
+          <a:fillRef idx="1">
+            <a:schemeClr val="accent1"/>
+          </a:fillRef>
+          <a:effectRef idx="0">
+            <a:schemeClr val="accent1"/>
+          </a:effectRef>
+          <a:fontRef idx="minor">
+            <a:schemeClr val="lt1"/>
+          </a:fontRef>
+        </p:style>
+        <p:txBody>
+          <a:bodyPr rtlCol="0" anchor="ctr"/>
+          <a:lstStyle/>
+          <a:p>
+            <a:pPr algn="ctr"/>
+            <a:endParaRPr lang="en-US" dirty="0"/>
+          </a:p>
+        </p:txBody>
+      </p:sp>
+      <p:sp>
+        <p:nvSpPr>
+          <p:cNvPr id="124" name="正方形/長方形 123">
+            <a:extLst>
+              <a:ext uri="{FF2B5EF4-FFF2-40B4-BE49-F238E27FC236}">
+                <a16:creationId xmlns:a16="http://schemas.microsoft.com/office/drawing/2014/main" id="{87903B16-5F81-4650-B15E-2EBDFAD42CEA}"/>
+              </a:ext>
+            </a:extLst>
+          </p:cNvPr>
+          <p:cNvSpPr/>
+          <p:nvPr/>
+        </p:nvSpPr>
+        <p:spPr>
+          <a:xfrm flipH="1">
+            <a:off x="5117358" y="1889729"/>
+            <a:ext cx="753293" cy="226444"/>
+          </a:xfrm>
+          <a:prstGeom prst="rect">
+            <a:avLst/>
+          </a:prstGeom>
+          <a:solidFill>
+            <a:schemeClr val="bg1">
+              <a:lumMod val="50000"/>
+            </a:schemeClr>
+          </a:solidFill>
+        </p:spPr>
+        <p:style>
+          <a:lnRef idx="2">
+            <a:schemeClr val="accent1">
+              <a:shade val="50000"/>
+            </a:schemeClr>
+          </a:lnRef>
+          <a:fillRef idx="1">
+            <a:schemeClr val="accent1"/>
+          </a:fillRef>
+          <a:effectRef idx="0">
+            <a:schemeClr val="accent1"/>
+          </a:effectRef>
+          <a:fontRef idx="minor">
+            <a:schemeClr val="lt1"/>
+          </a:fontRef>
+        </p:style>
+        <p:txBody>
+          <a:bodyPr rtlCol="0" anchor="ctr"/>
+          <a:lstStyle/>
+          <a:p>
+            <a:pPr algn="ctr"/>
+            <a:endParaRPr lang="en-US" dirty="0"/>
+          </a:p>
+        </p:txBody>
+      </p:sp>
+      <p:sp>
+        <p:nvSpPr>
+          <p:cNvPr id="125" name="正方形/長方形 124">
+            <a:extLst>
+              <a:ext uri="{FF2B5EF4-FFF2-40B4-BE49-F238E27FC236}">
+                <a16:creationId xmlns:a16="http://schemas.microsoft.com/office/drawing/2014/main" id="{383EF5AF-3E70-4AD9-9B35-BFD03B232037}"/>
+              </a:ext>
+            </a:extLst>
+          </p:cNvPr>
+          <p:cNvSpPr/>
+          <p:nvPr/>
+        </p:nvSpPr>
+        <p:spPr>
+          <a:xfrm flipH="1">
+            <a:off x="6088366" y="1894082"/>
+            <a:ext cx="753293" cy="226444"/>
+          </a:xfrm>
+          <a:prstGeom prst="rect">
+            <a:avLst/>
+          </a:prstGeom>
+          <a:solidFill>
+            <a:schemeClr val="bg1">
+              <a:lumMod val="50000"/>
+              <a:alpha val="95000"/>
+            </a:schemeClr>
+          </a:solidFill>
+        </p:spPr>
+        <p:style>
+          <a:lnRef idx="2">
+            <a:schemeClr val="accent1">
+              <a:shade val="50000"/>
+            </a:schemeClr>
+          </a:lnRef>
+          <a:fillRef idx="1">
+            <a:schemeClr val="accent1"/>
+          </a:fillRef>
+          <a:effectRef idx="0">
+            <a:schemeClr val="accent1"/>
+          </a:effectRef>
+          <a:fontRef idx="minor">
+            <a:schemeClr val="lt1"/>
+          </a:fontRef>
+        </p:style>
+        <p:txBody>
+          <a:bodyPr rtlCol="0" anchor="ctr"/>
+          <a:lstStyle/>
+          <a:p>
+            <a:pPr algn="ctr"/>
+            <a:endParaRPr lang="en-US" dirty="0"/>
+          </a:p>
+        </p:txBody>
+      </p:sp>
+      <p:sp>
+        <p:nvSpPr>
+          <p:cNvPr id="89" name="テキスト ボックス 88">
+            <a:extLst>
+              <a:ext uri="{FF2B5EF4-FFF2-40B4-BE49-F238E27FC236}">
+                <a16:creationId xmlns:a16="http://schemas.microsoft.com/office/drawing/2014/main" id="{A1E0AC93-9C92-4601-847A-F3EFBD89C1C3}"/>
+              </a:ext>
+            </a:extLst>
+          </p:cNvPr>
+          <p:cNvSpPr txBox="1"/>
+          <p:nvPr/>
+        </p:nvSpPr>
+        <p:spPr>
+          <a:xfrm flipH="1">
+            <a:off x="4512122" y="4216948"/>
+            <a:ext cx="650963" cy="246221"/>
+          </a:xfrm>
+          <a:prstGeom prst="rect">
+            <a:avLst/>
+          </a:prstGeom>
+          <a:noFill/>
+        </p:spPr>
+        <p:txBody>
+          <a:bodyPr wrap="square" rtlCol="0">
+            <a:spAutoFit/>
+          </a:bodyPr>
+          <a:lstStyle/>
+          <a:p>
+            <a:r>
+              <a:rPr lang="en-US" sz="1000" dirty="0"/>
+              <a:t>AN0</a:t>
+            </a:r>
+          </a:p>
+        </p:txBody>
+      </p:sp>
+      <p:sp>
+        <p:nvSpPr>
+          <p:cNvPr id="284" name="テキスト ボックス 283">
+            <a:extLst>
+              <a:ext uri="{FF2B5EF4-FFF2-40B4-BE49-F238E27FC236}">
+                <a16:creationId xmlns:a16="http://schemas.microsoft.com/office/drawing/2014/main" id="{7D9615D7-6055-46E0-802E-C7F9C428C687}"/>
+              </a:ext>
+            </a:extLst>
+          </p:cNvPr>
+          <p:cNvSpPr txBox="1"/>
+          <p:nvPr/>
+        </p:nvSpPr>
+        <p:spPr>
+          <a:xfrm flipH="1">
+            <a:off x="4777731" y="4447728"/>
+            <a:ext cx="650963" cy="246221"/>
+          </a:xfrm>
+          <a:prstGeom prst="rect">
+            <a:avLst/>
+          </a:prstGeom>
+          <a:noFill/>
+        </p:spPr>
+        <p:txBody>
+          <a:bodyPr wrap="square" rtlCol="0">
+            <a:spAutoFit/>
+          </a:bodyPr>
+          <a:lstStyle/>
+          <a:p>
+            <a:r>
+              <a:rPr lang="en-US" sz="1000" dirty="0"/>
+              <a:t>AN1</a:t>
+            </a:r>
+          </a:p>
+        </p:txBody>
+      </p:sp>
+      <p:sp>
+        <p:nvSpPr>
+          <p:cNvPr id="285" name="テキスト ボックス 284">
+            <a:extLst>
+              <a:ext uri="{FF2B5EF4-FFF2-40B4-BE49-F238E27FC236}">
+                <a16:creationId xmlns:a16="http://schemas.microsoft.com/office/drawing/2014/main" id="{9F893F44-6DA6-4029-ADC2-2F5505C5BE24}"/>
+              </a:ext>
+            </a:extLst>
+          </p:cNvPr>
+          <p:cNvSpPr txBox="1"/>
+          <p:nvPr/>
+        </p:nvSpPr>
+        <p:spPr>
+          <a:xfrm flipH="1">
+            <a:off x="4999799" y="4704633"/>
+            <a:ext cx="650963" cy="246221"/>
+          </a:xfrm>
+          <a:prstGeom prst="rect">
+            <a:avLst/>
+          </a:prstGeom>
+          <a:noFill/>
+        </p:spPr>
+        <p:txBody>
+          <a:bodyPr wrap="square" rtlCol="0">
+            <a:spAutoFit/>
+          </a:bodyPr>
+          <a:lstStyle/>
+          <a:p>
+            <a:r>
+              <a:rPr lang="en-US" sz="1000" dirty="0"/>
+              <a:t>AN2</a:t>
+            </a:r>
+          </a:p>
+        </p:txBody>
+      </p:sp>
+      <p:sp>
+        <p:nvSpPr>
+          <p:cNvPr id="286" name="テキスト ボックス 285">
+            <a:extLst>
+              <a:ext uri="{FF2B5EF4-FFF2-40B4-BE49-F238E27FC236}">
+                <a16:creationId xmlns:a16="http://schemas.microsoft.com/office/drawing/2014/main" id="{028B484C-9CD3-4921-90FE-A87F0D118FCC}"/>
+              </a:ext>
+            </a:extLst>
+          </p:cNvPr>
+          <p:cNvSpPr txBox="1"/>
+          <p:nvPr/>
+        </p:nvSpPr>
+        <p:spPr>
+          <a:xfrm flipH="1">
+            <a:off x="6066610" y="3054359"/>
+            <a:ext cx="579115" cy="246221"/>
+          </a:xfrm>
+          <a:prstGeom prst="rect">
+            <a:avLst/>
+          </a:prstGeom>
+          <a:noFill/>
+        </p:spPr>
+        <p:txBody>
+          <a:bodyPr wrap="square" rtlCol="0">
+            <a:spAutoFit/>
+          </a:bodyPr>
+          <a:lstStyle/>
+          <a:p>
+            <a:r>
+              <a:rPr lang="en-US" sz="1000" dirty="0"/>
+              <a:t>AN7</a:t>
+            </a:r>
+          </a:p>
+        </p:txBody>
+      </p:sp>
+      <p:cxnSp>
+        <p:nvCxnSpPr>
+          <p:cNvPr id="288" name="直線コネクタ 287">
+            <a:extLst>
+              <a:ext uri="{FF2B5EF4-FFF2-40B4-BE49-F238E27FC236}">
+                <a16:creationId xmlns:a16="http://schemas.microsoft.com/office/drawing/2014/main" id="{5C728AE8-A9D9-415B-B52D-A678684563C7}"/>
+              </a:ext>
+            </a:extLst>
+          </p:cNvPr>
+          <p:cNvCxnSpPr>
+            <a:cxnSpLocks/>
+          </p:cNvCxnSpPr>
+          <p:nvPr/>
+        </p:nvCxnSpPr>
+        <p:spPr>
+          <a:xfrm rot="16200000" flipH="1" flipV="1">
+            <a:off x="6854721" y="2595152"/>
+            <a:ext cx="0" cy="265612"/>
+          </a:xfrm>
+          <a:prstGeom prst="line">
+            <a:avLst/>
+          </a:prstGeom>
+          <a:ln>
+            <a:headEnd type="oval"/>
+            <a:tailEnd type="oval"/>
+          </a:ln>
+        </p:spPr>
+        <p:style>
+          <a:lnRef idx="1">
+            <a:schemeClr val="accent1"/>
+          </a:lnRef>
+          <a:fillRef idx="0">
+            <a:schemeClr val="accent1"/>
+          </a:fillRef>
+          <a:effectRef idx="0">
+            <a:schemeClr val="accent1"/>
+          </a:effectRef>
+          <a:fontRef idx="minor">
+            <a:schemeClr val="tx1"/>
+          </a:fontRef>
+        </p:style>
+      </p:cxnSp>
+      <p:cxnSp>
+        <p:nvCxnSpPr>
+          <p:cNvPr id="295" name="直線コネクタ 294">
+            <a:extLst>
+              <a:ext uri="{FF2B5EF4-FFF2-40B4-BE49-F238E27FC236}">
+                <a16:creationId xmlns:a16="http://schemas.microsoft.com/office/drawing/2014/main" id="{4E218A26-36DC-41B4-8E1E-702C43A5FAE6}"/>
+              </a:ext>
+            </a:extLst>
+          </p:cNvPr>
+          <p:cNvCxnSpPr>
+            <a:cxnSpLocks/>
+          </p:cNvCxnSpPr>
+          <p:nvPr/>
+        </p:nvCxnSpPr>
+        <p:spPr>
+          <a:xfrm flipH="1" flipV="1">
+            <a:off x="5983867" y="3962403"/>
+            <a:ext cx="0" cy="265612"/>
+          </a:xfrm>
+          <a:prstGeom prst="line">
+            <a:avLst/>
+          </a:prstGeom>
+          <a:ln>
+            <a:headEnd type="oval"/>
+            <a:tailEnd type="oval"/>
+          </a:ln>
+        </p:spPr>
+        <p:style>
+          <a:lnRef idx="1">
+            <a:schemeClr val="accent1"/>
+          </a:lnRef>
+          <a:fillRef idx="0">
+            <a:schemeClr val="accent1"/>
+          </a:fillRef>
+          <a:effectRef idx="0">
+            <a:schemeClr val="accent1"/>
+          </a:effectRef>
+          <a:fontRef idx="minor">
+            <a:schemeClr val="tx1"/>
+          </a:fontRef>
+        </p:style>
+      </p:cxnSp>
+      <p:sp>
+        <p:nvSpPr>
+          <p:cNvPr id="298" name="正方形/長方形 297">
+            <a:extLst>
+              <a:ext uri="{FF2B5EF4-FFF2-40B4-BE49-F238E27FC236}">
+                <a16:creationId xmlns:a16="http://schemas.microsoft.com/office/drawing/2014/main" id="{19630D47-7AC8-488C-8748-C99255A7451D}"/>
+              </a:ext>
+            </a:extLst>
+          </p:cNvPr>
+          <p:cNvSpPr/>
+          <p:nvPr/>
+        </p:nvSpPr>
+        <p:spPr>
+          <a:xfrm flipH="1">
+            <a:off x="5353571" y="2873802"/>
+            <a:ext cx="504030" cy="224294"/>
+          </a:xfrm>
+          <a:prstGeom prst="rect">
+            <a:avLst/>
+          </a:prstGeom>
+          <a:solidFill>
+            <a:srgbClr val="00B050">
+              <a:alpha val="50000"/>
+            </a:srgbClr>
+          </a:solidFill>
+        </p:spPr>
+        <p:style>
+          <a:lnRef idx="2">
+            <a:schemeClr val="accent1">
+              <a:shade val="50000"/>
+            </a:schemeClr>
+          </a:lnRef>
+          <a:fillRef idx="1">
+            <a:schemeClr val="accent1"/>
+          </a:fillRef>
+          <a:effectRef idx="0">
+            <a:schemeClr val="accent1"/>
+          </a:effectRef>
+          <a:fontRef idx="minor">
+            <a:schemeClr val="lt1"/>
+          </a:fontRef>
+        </p:style>
+        <p:txBody>
+          <a:bodyPr rtlCol="0" anchor="ctr"/>
+          <a:lstStyle/>
+          <a:p>
+            <a:pPr algn="ctr"/>
+            <a:endParaRPr lang="en-US" dirty="0"/>
+          </a:p>
+        </p:txBody>
+      </p:sp>
+      <p:sp>
+        <p:nvSpPr>
+          <p:cNvPr id="299" name="テキスト ボックス 298">
+            <a:extLst>
+              <a:ext uri="{FF2B5EF4-FFF2-40B4-BE49-F238E27FC236}">
+                <a16:creationId xmlns:a16="http://schemas.microsoft.com/office/drawing/2014/main" id="{94A1D61D-AA9B-4EB5-AF81-0490325DF205}"/>
+              </a:ext>
+            </a:extLst>
+          </p:cNvPr>
+          <p:cNvSpPr txBox="1"/>
+          <p:nvPr/>
+        </p:nvSpPr>
+        <p:spPr>
+          <a:xfrm flipH="1">
+            <a:off x="6079679" y="1064441"/>
+            <a:ext cx="579115" cy="246221"/>
+          </a:xfrm>
+          <a:prstGeom prst="rect">
+            <a:avLst/>
+          </a:prstGeom>
+          <a:noFill/>
+        </p:spPr>
+        <p:txBody>
+          <a:bodyPr wrap="square" rtlCol="0">
+            <a:spAutoFit/>
+          </a:bodyPr>
+          <a:lstStyle/>
+          <a:p>
+            <a:r>
+              <a:rPr lang="en-US" sz="1000" dirty="0"/>
+              <a:t>AN7</a:t>
+            </a:r>
+          </a:p>
+        </p:txBody>
+      </p:sp>
+      <p:sp>
+        <p:nvSpPr>
+          <p:cNvPr id="300" name="テキスト ボックス 299">
+            <a:extLst>
+              <a:ext uri="{FF2B5EF4-FFF2-40B4-BE49-F238E27FC236}">
+                <a16:creationId xmlns:a16="http://schemas.microsoft.com/office/drawing/2014/main" id="{F57783A6-7D8F-4206-9B19-3EC08789851F}"/>
+              </a:ext>
+            </a:extLst>
+          </p:cNvPr>
+          <p:cNvSpPr txBox="1"/>
+          <p:nvPr/>
+        </p:nvSpPr>
+        <p:spPr>
+          <a:xfrm flipH="1">
+            <a:off x="5030293" y="1051372"/>
+            <a:ext cx="650963" cy="246221"/>
+          </a:xfrm>
+          <a:prstGeom prst="rect">
+            <a:avLst/>
+          </a:prstGeom>
+          <a:noFill/>
+        </p:spPr>
+        <p:txBody>
+          <a:bodyPr wrap="square" rtlCol="0">
+            <a:spAutoFit/>
+          </a:bodyPr>
+          <a:lstStyle/>
+          <a:p>
+            <a:r>
+              <a:rPr lang="en-US" sz="1000" dirty="0"/>
+              <a:t>AN0</a:t>
+            </a:r>
+          </a:p>
+        </p:txBody>
+      </p:sp>
+      <p:sp>
+        <p:nvSpPr>
+          <p:cNvPr id="301" name="テキスト ボックス 300">
+            <a:extLst>
+              <a:ext uri="{FF2B5EF4-FFF2-40B4-BE49-F238E27FC236}">
+                <a16:creationId xmlns:a16="http://schemas.microsoft.com/office/drawing/2014/main" id="{A3023DB7-A650-4477-B1D9-ACCDA8B0B6AA}"/>
+              </a:ext>
+            </a:extLst>
+          </p:cNvPr>
+          <p:cNvSpPr txBox="1"/>
+          <p:nvPr/>
+        </p:nvSpPr>
+        <p:spPr>
+          <a:xfrm flipH="1">
+            <a:off x="4041858" y="1055729"/>
+            <a:ext cx="650963" cy="246221"/>
+          </a:xfrm>
+          <a:prstGeom prst="rect">
+            <a:avLst/>
+          </a:prstGeom>
+          <a:noFill/>
+        </p:spPr>
+        <p:txBody>
+          <a:bodyPr wrap="square" rtlCol="0">
+            <a:spAutoFit/>
+          </a:bodyPr>
+          <a:lstStyle/>
+          <a:p>
+            <a:r>
+              <a:rPr lang="en-US" sz="1000" dirty="0"/>
+              <a:t>AN1</a:t>
+            </a:r>
+          </a:p>
+        </p:txBody>
+      </p:sp>
+      <p:sp>
+        <p:nvSpPr>
+          <p:cNvPr id="302" name="テキスト ボックス 301">
+            <a:extLst>
+              <a:ext uri="{FF2B5EF4-FFF2-40B4-BE49-F238E27FC236}">
+                <a16:creationId xmlns:a16="http://schemas.microsoft.com/office/drawing/2014/main" id="{82894F80-102B-4EAA-901D-073A0D3E32A9}"/>
+              </a:ext>
+            </a:extLst>
+          </p:cNvPr>
+          <p:cNvSpPr txBox="1"/>
+          <p:nvPr/>
+        </p:nvSpPr>
+        <p:spPr>
+          <a:xfrm flipH="1">
+            <a:off x="3062149" y="1051374"/>
+            <a:ext cx="650963" cy="246221"/>
+          </a:xfrm>
+          <a:prstGeom prst="rect">
+            <a:avLst/>
+          </a:prstGeom>
+          <a:noFill/>
+        </p:spPr>
+        <p:txBody>
+          <a:bodyPr wrap="square" rtlCol="0">
+            <a:spAutoFit/>
+          </a:bodyPr>
+          <a:lstStyle/>
+          <a:p>
+            <a:r>
+              <a:rPr lang="en-US" sz="1000" dirty="0"/>
+              <a:t>AN2</a:t>
+            </a:r>
+          </a:p>
+        </p:txBody>
+      </p:sp>
+      <p:sp>
+        <p:nvSpPr>
+          <p:cNvPr id="303" name="楕円 302">
+            <a:extLst>
+              <a:ext uri="{FF2B5EF4-FFF2-40B4-BE49-F238E27FC236}">
+                <a16:creationId xmlns:a16="http://schemas.microsoft.com/office/drawing/2014/main" id="{281E1256-3D6C-4376-8A24-E47BFC3927D7}"/>
+              </a:ext>
+            </a:extLst>
+          </p:cNvPr>
+          <p:cNvSpPr/>
+          <p:nvPr/>
+        </p:nvSpPr>
+        <p:spPr>
+          <a:xfrm flipH="1">
+            <a:off x="4557827" y="3419201"/>
+            <a:ext cx="263452" cy="363735"/>
+          </a:xfrm>
+          <a:prstGeom prst="ellipse">
+            <a:avLst/>
+          </a:prstGeom>
+          <a:solidFill>
+            <a:schemeClr val="accent6">
+              <a:lumMod val="40000"/>
+              <a:lumOff val="60000"/>
+            </a:schemeClr>
+          </a:solidFill>
+        </p:spPr>
+        <p:style>
+          <a:lnRef idx="2">
+            <a:schemeClr val="accent1">
+              <a:shade val="50000"/>
+            </a:schemeClr>
+          </a:lnRef>
+          <a:fillRef idx="1">
+            <a:schemeClr val="accent1"/>
+          </a:fillRef>
+          <a:effectRef idx="0">
+            <a:schemeClr val="accent1"/>
+          </a:effectRef>
+          <a:fontRef idx="minor">
+            <a:schemeClr val="lt1"/>
+          </a:fontRef>
+        </p:style>
+        <p:txBody>
+          <a:bodyPr rtlCol="0" anchor="ctr"/>
+          <a:lstStyle/>
+          <a:p>
+            <a:pPr algn="ctr"/>
+            <a:endParaRPr lang="en-US"/>
+          </a:p>
+        </p:txBody>
+      </p:sp>
+      <p:cxnSp>
+        <p:nvCxnSpPr>
+          <p:cNvPr id="305" name="直線コネクタ 304">
+            <a:extLst>
+              <a:ext uri="{FF2B5EF4-FFF2-40B4-BE49-F238E27FC236}">
+                <a16:creationId xmlns:a16="http://schemas.microsoft.com/office/drawing/2014/main" id="{797A8445-A287-4DAB-B5E6-FC70912E6408}"/>
+              </a:ext>
+            </a:extLst>
+          </p:cNvPr>
+          <p:cNvCxnSpPr>
+            <a:stCxn id="303" idx="4"/>
+          </p:cNvCxnSpPr>
+          <p:nvPr/>
+        </p:nvCxnSpPr>
+        <p:spPr>
+          <a:xfrm flipH="1">
+            <a:off x="4495772" y="3782936"/>
+            <a:ext cx="193781" cy="192522"/>
+          </a:xfrm>
+          <a:prstGeom prst="line">
+            <a:avLst/>
+          </a:prstGeom>
+          <a:ln>
+            <a:tailEnd type="oval"/>
+          </a:ln>
+        </p:spPr>
+        <p:style>
+          <a:lnRef idx="1">
+            <a:schemeClr val="accent1"/>
+          </a:lnRef>
+          <a:fillRef idx="0">
+            <a:schemeClr val="accent1"/>
+          </a:fillRef>
+          <a:effectRef idx="0">
+            <a:schemeClr val="accent1"/>
+          </a:effectRef>
+          <a:fontRef idx="minor">
+            <a:schemeClr val="tx1"/>
+          </a:fontRef>
+        </p:style>
+      </p:cxnSp>
+      <p:cxnSp>
+        <p:nvCxnSpPr>
+          <p:cNvPr id="306" name="直線コネクタ 305">
+            <a:extLst>
+              <a:ext uri="{FF2B5EF4-FFF2-40B4-BE49-F238E27FC236}">
+                <a16:creationId xmlns:a16="http://schemas.microsoft.com/office/drawing/2014/main" id="{C1C19914-2A3E-439B-972B-BE29089B93EC}"/>
+              </a:ext>
+            </a:extLst>
+          </p:cNvPr>
+          <p:cNvCxnSpPr>
+            <a:cxnSpLocks/>
+          </p:cNvCxnSpPr>
+          <p:nvPr/>
+        </p:nvCxnSpPr>
+        <p:spPr>
+          <a:xfrm flipH="1" flipV="1">
+            <a:off x="4483812" y="3247197"/>
+            <a:ext cx="183972" cy="200455"/>
+          </a:xfrm>
+          <a:prstGeom prst="line">
+            <a:avLst/>
+          </a:prstGeom>
+          <a:ln>
+            <a:tailEnd type="oval"/>
+          </a:ln>
+        </p:spPr>
+        <p:style>
+          <a:lnRef idx="1">
+            <a:schemeClr val="accent1"/>
+          </a:lnRef>
+          <a:fillRef idx="0">
+            <a:schemeClr val="accent1"/>
+          </a:fillRef>
+          <a:effectRef idx="0">
+            <a:schemeClr val="accent1"/>
+          </a:effectRef>
+          <a:fontRef idx="minor">
+            <a:schemeClr val="tx1"/>
+          </a:fontRef>
+        </p:style>
+      </p:cxnSp>
+      <p:cxnSp>
+        <p:nvCxnSpPr>
+          <p:cNvPr id="309" name="直線コネクタ 308">
+            <a:extLst>
+              <a:ext uri="{FF2B5EF4-FFF2-40B4-BE49-F238E27FC236}">
+                <a16:creationId xmlns:a16="http://schemas.microsoft.com/office/drawing/2014/main" id="{4B60241F-5385-45B4-AEA0-B897BBA4D945}"/>
+              </a:ext>
+            </a:extLst>
+          </p:cNvPr>
+          <p:cNvCxnSpPr>
+            <a:stCxn id="303" idx="0"/>
+          </p:cNvCxnSpPr>
+          <p:nvPr/>
+        </p:nvCxnSpPr>
+        <p:spPr>
+          <a:xfrm flipH="1">
+            <a:off x="4489258" y="3419201"/>
+            <a:ext cx="200295" cy="28451"/>
+          </a:xfrm>
+          <a:prstGeom prst="line">
+            <a:avLst/>
+          </a:prstGeom>
+          <a:ln>
+            <a:tailEnd type="oval"/>
+          </a:ln>
+        </p:spPr>
+        <p:style>
+          <a:lnRef idx="1">
+            <a:schemeClr val="accent1"/>
+          </a:lnRef>
+          <a:fillRef idx="0">
+            <a:schemeClr val="accent1"/>
+          </a:fillRef>
+          <a:effectRef idx="0">
+            <a:schemeClr val="accent1"/>
+          </a:effectRef>
+          <a:fontRef idx="minor">
+            <a:schemeClr val="tx1"/>
+          </a:fontRef>
+        </p:style>
+      </p:cxnSp>
+      <p:cxnSp>
+        <p:nvCxnSpPr>
+          <p:cNvPr id="310" name="直線コネクタ 309">
+            <a:extLst>
+              <a:ext uri="{FF2B5EF4-FFF2-40B4-BE49-F238E27FC236}">
+                <a16:creationId xmlns:a16="http://schemas.microsoft.com/office/drawing/2014/main" id="{3CF1ACC7-E05F-49CE-8E8B-BF038A081C92}"/>
+              </a:ext>
+            </a:extLst>
+          </p:cNvPr>
+          <p:cNvCxnSpPr>
+            <a:cxnSpLocks/>
+            <a:stCxn id="303" idx="4"/>
+          </p:cNvCxnSpPr>
+          <p:nvPr/>
+        </p:nvCxnSpPr>
+        <p:spPr>
+          <a:xfrm flipH="1" flipV="1">
+            <a:off x="4496882" y="3758802"/>
+            <a:ext cx="192671" cy="24134"/>
+          </a:xfrm>
+          <a:prstGeom prst="line">
+            <a:avLst/>
+          </a:prstGeom>
+          <a:ln>
+            <a:headEnd type="none"/>
+            <a:tailEnd type="oval"/>
+          </a:ln>
+        </p:spPr>
+        <p:style>
+          <a:lnRef idx="1">
+            <a:schemeClr val="accent1"/>
+          </a:lnRef>
+          <a:fillRef idx="0">
+            <a:schemeClr val="accent1"/>
+          </a:fillRef>
+          <a:effectRef idx="0">
+            <a:schemeClr val="accent1"/>
+          </a:effectRef>
+          <a:fontRef idx="minor">
+            <a:schemeClr val="tx1"/>
+          </a:fontRef>
+        </p:style>
+      </p:cxnSp>
+      <p:sp>
+        <p:nvSpPr>
+          <p:cNvPr id="313" name="テキスト ボックス 312">
+            <a:extLst>
+              <a:ext uri="{FF2B5EF4-FFF2-40B4-BE49-F238E27FC236}">
+                <a16:creationId xmlns:a16="http://schemas.microsoft.com/office/drawing/2014/main" id="{3573712E-88F7-4144-9BA3-30ED8BC25173}"/>
+              </a:ext>
+            </a:extLst>
+          </p:cNvPr>
+          <p:cNvSpPr txBox="1"/>
+          <p:nvPr/>
+        </p:nvSpPr>
+        <p:spPr>
+          <a:xfrm flipH="1">
+            <a:off x="4446802" y="3481075"/>
+            <a:ext cx="650963" cy="246221"/>
+          </a:xfrm>
+          <a:prstGeom prst="rect">
+            <a:avLst/>
+          </a:prstGeom>
+          <a:noFill/>
+        </p:spPr>
+        <p:txBody>
+          <a:bodyPr wrap="square" rtlCol="0">
+            <a:spAutoFit/>
+          </a:bodyPr>
+          <a:lstStyle/>
+          <a:p>
+            <a:r>
+              <a:rPr lang="en-US" sz="1000" dirty="0"/>
+              <a:t>0.1</a:t>
+            </a:r>
+            <a:r>
+              <a:rPr lang="en-US" altLang="ja-JP" sz="1000" dirty="0"/>
+              <a:t>μF</a:t>
+            </a:r>
+            <a:endParaRPr lang="en-US" sz="1000" dirty="0"/>
+          </a:p>
+        </p:txBody>
+      </p:sp>
+      <p:sp>
+        <p:nvSpPr>
+          <p:cNvPr id="314" name="テキスト ボックス 313">
+            <a:extLst>
+              <a:ext uri="{FF2B5EF4-FFF2-40B4-BE49-F238E27FC236}">
+                <a16:creationId xmlns:a16="http://schemas.microsoft.com/office/drawing/2014/main" id="{0A8CF72A-FE33-4D8A-9B27-387BB4EFB098}"/>
+              </a:ext>
+            </a:extLst>
+          </p:cNvPr>
+          <p:cNvSpPr txBox="1"/>
+          <p:nvPr/>
+        </p:nvSpPr>
+        <p:spPr>
+          <a:xfrm flipH="1">
+            <a:off x="4607914" y="2875821"/>
+            <a:ext cx="650963" cy="246221"/>
+          </a:xfrm>
+          <a:prstGeom prst="rect">
+            <a:avLst/>
+          </a:prstGeom>
+          <a:noFill/>
+        </p:spPr>
+        <p:txBody>
+          <a:bodyPr wrap="square" rtlCol="0">
+            <a:spAutoFit/>
+          </a:bodyPr>
+          <a:lstStyle/>
+          <a:p>
+            <a:r>
+              <a:rPr lang="en-US" sz="1000" dirty="0"/>
+              <a:t>51k</a:t>
+            </a:r>
+            <a:r>
+              <a:rPr lang="en-US" altLang="ja-JP" sz="1000" dirty="0"/>
+              <a:t>Ω</a:t>
+            </a:r>
+            <a:endParaRPr lang="en-US" sz="1000" dirty="0"/>
+          </a:p>
+        </p:txBody>
+      </p:sp>
+      <p:cxnSp>
+        <p:nvCxnSpPr>
+          <p:cNvPr id="293" name="直線コネクタ 292">
+            <a:extLst>
+              <a:ext uri="{FF2B5EF4-FFF2-40B4-BE49-F238E27FC236}">
+                <a16:creationId xmlns:a16="http://schemas.microsoft.com/office/drawing/2014/main" id="{A03E6133-FCE0-4B0B-A97F-A726829567EA}"/>
+              </a:ext>
+            </a:extLst>
+          </p:cNvPr>
+          <p:cNvCxnSpPr>
+            <a:cxnSpLocks/>
+          </p:cNvCxnSpPr>
+          <p:nvPr/>
+        </p:nvCxnSpPr>
+        <p:spPr>
+          <a:xfrm flipH="1" flipV="1">
+            <a:off x="5991491" y="4218104"/>
+            <a:ext cx="987338" cy="3177"/>
+          </a:xfrm>
+          <a:prstGeom prst="line">
+            <a:avLst/>
+          </a:prstGeom>
+          <a:ln>
+            <a:solidFill>
+              <a:srgbClr val="FF0000"/>
+            </a:solidFill>
+            <a:headEnd type="oval"/>
+            <a:tailEnd type="oval"/>
+          </a:ln>
+        </p:spPr>
+        <p:style>
+          <a:lnRef idx="1">
+            <a:schemeClr val="accent1"/>
+          </a:lnRef>
+          <a:fillRef idx="0">
+            <a:schemeClr val="accent1"/>
+          </a:fillRef>
+          <a:effectRef idx="0">
+            <a:schemeClr val="accent1"/>
+          </a:effectRef>
+          <a:fontRef idx="minor">
+            <a:schemeClr val="tx1"/>
+          </a:fontRef>
+        </p:style>
+      </p:cxnSp>
+      <p:sp>
+        <p:nvSpPr>
+          <p:cNvPr id="37" name="正方形/長方形 36">
+            <a:extLst>
+              <a:ext uri="{FF2B5EF4-FFF2-40B4-BE49-F238E27FC236}">
+                <a16:creationId xmlns:a16="http://schemas.microsoft.com/office/drawing/2014/main" id="{4CE3A305-7EDF-4F12-8C87-368FB07F02B7}"/>
+              </a:ext>
+            </a:extLst>
+          </p:cNvPr>
+          <p:cNvSpPr/>
+          <p:nvPr/>
+        </p:nvSpPr>
+        <p:spPr>
+          <a:xfrm flipH="1">
+            <a:off x="6313710" y="4133163"/>
+            <a:ext cx="408207" cy="188468"/>
+          </a:xfrm>
+          <a:prstGeom prst="rect">
+            <a:avLst/>
+          </a:prstGeom>
+        </p:spPr>
+        <p:style>
+          <a:lnRef idx="2">
+            <a:schemeClr val="accent1">
+              <a:shade val="50000"/>
+            </a:schemeClr>
+          </a:lnRef>
+          <a:fillRef idx="1">
+            <a:schemeClr val="accent1"/>
+          </a:fillRef>
+          <a:effectRef idx="0">
+            <a:schemeClr val="accent1"/>
+          </a:effectRef>
+          <a:fontRef idx="minor">
+            <a:schemeClr val="lt1"/>
+          </a:fontRef>
+        </p:style>
+        <p:txBody>
+          <a:bodyPr rtlCol="0" anchor="ctr"/>
+          <a:lstStyle/>
+          <a:p>
+            <a:pPr algn="ctr"/>
+            <a:endParaRPr lang="en-US"/>
+          </a:p>
+        </p:txBody>
+      </p:sp>
+      <p:sp>
+        <p:nvSpPr>
+          <p:cNvPr id="315" name="テキスト ボックス 314">
+            <a:extLst>
+              <a:ext uri="{FF2B5EF4-FFF2-40B4-BE49-F238E27FC236}">
+                <a16:creationId xmlns:a16="http://schemas.microsoft.com/office/drawing/2014/main" id="{4353E7A0-533B-41D5-98AC-2E14E4DBD976}"/>
+              </a:ext>
+            </a:extLst>
+          </p:cNvPr>
+          <p:cNvSpPr txBox="1"/>
+          <p:nvPr/>
+        </p:nvSpPr>
+        <p:spPr>
+          <a:xfrm flipH="1">
+            <a:off x="6310441" y="4099379"/>
+            <a:ext cx="650963" cy="246221"/>
+          </a:xfrm>
+          <a:prstGeom prst="rect">
+            <a:avLst/>
+          </a:prstGeom>
+          <a:noFill/>
+        </p:spPr>
+        <p:txBody>
+          <a:bodyPr wrap="square" rtlCol="0">
+            <a:spAutoFit/>
+          </a:bodyPr>
+          <a:lstStyle/>
+          <a:p>
+            <a:r>
+              <a:rPr lang="en-US" sz="1000" dirty="0"/>
+              <a:t>1k</a:t>
+            </a:r>
+            <a:r>
+              <a:rPr lang="en-US" altLang="ja-JP" sz="1000" dirty="0"/>
+              <a:t>Ω</a:t>
+            </a:r>
+            <a:endParaRPr lang="en-US" sz="1000" dirty="0"/>
+          </a:p>
+        </p:txBody>
+      </p:sp>
+      <p:cxnSp>
+        <p:nvCxnSpPr>
+          <p:cNvPr id="320" name="直線コネクタ 319">
+            <a:extLst>
+              <a:ext uri="{FF2B5EF4-FFF2-40B4-BE49-F238E27FC236}">
+                <a16:creationId xmlns:a16="http://schemas.microsoft.com/office/drawing/2014/main" id="{34B39BDD-CF94-426D-87B1-873D19677BC6}"/>
+              </a:ext>
+            </a:extLst>
+          </p:cNvPr>
+          <p:cNvCxnSpPr>
+            <a:cxnSpLocks/>
+          </p:cNvCxnSpPr>
+          <p:nvPr/>
+        </p:nvCxnSpPr>
+        <p:spPr>
+          <a:xfrm flipH="1" flipV="1">
+            <a:off x="5731323" y="3971101"/>
+            <a:ext cx="0" cy="762004"/>
+          </a:xfrm>
+          <a:prstGeom prst="line">
+            <a:avLst/>
+          </a:prstGeom>
+          <a:ln>
+            <a:headEnd type="oval"/>
+            <a:tailEnd type="oval"/>
+          </a:ln>
+        </p:spPr>
+        <p:style>
+          <a:lnRef idx="1">
+            <a:schemeClr val="accent1"/>
+          </a:lnRef>
+          <a:fillRef idx="0">
+            <a:schemeClr val="accent1"/>
+          </a:fillRef>
+          <a:effectRef idx="0">
+            <a:schemeClr val="accent1"/>
+          </a:effectRef>
+          <a:fontRef idx="minor">
+            <a:schemeClr val="tx1"/>
+          </a:fontRef>
+        </p:style>
+      </p:cxnSp>
+      <p:cxnSp>
+        <p:nvCxnSpPr>
+          <p:cNvPr id="321" name="直線コネクタ 320">
+            <a:extLst>
+              <a:ext uri="{FF2B5EF4-FFF2-40B4-BE49-F238E27FC236}">
+                <a16:creationId xmlns:a16="http://schemas.microsoft.com/office/drawing/2014/main" id="{FACC7192-B79C-4B7C-B894-988D4005C208}"/>
+              </a:ext>
+            </a:extLst>
+          </p:cNvPr>
+          <p:cNvCxnSpPr>
+            <a:cxnSpLocks/>
+          </p:cNvCxnSpPr>
+          <p:nvPr/>
+        </p:nvCxnSpPr>
+        <p:spPr>
+          <a:xfrm flipH="1" flipV="1">
+            <a:off x="5483127" y="3975454"/>
+            <a:ext cx="4348" cy="492044"/>
+          </a:xfrm>
+          <a:prstGeom prst="line">
+            <a:avLst/>
+          </a:prstGeom>
+          <a:ln>
+            <a:headEnd type="oval"/>
+            <a:tailEnd type="oval"/>
+          </a:ln>
+        </p:spPr>
+        <p:style>
+          <a:lnRef idx="1">
+            <a:schemeClr val="accent1"/>
+          </a:lnRef>
+          <a:fillRef idx="0">
+            <a:schemeClr val="accent1"/>
+          </a:fillRef>
+          <a:effectRef idx="0">
+            <a:schemeClr val="accent1"/>
+          </a:effectRef>
+          <a:fontRef idx="minor">
+            <a:schemeClr val="tx1"/>
+          </a:fontRef>
+        </p:style>
+      </p:cxnSp>
+      <p:cxnSp>
+        <p:nvCxnSpPr>
+          <p:cNvPr id="322" name="直線コネクタ 321">
+            <a:extLst>
+              <a:ext uri="{FF2B5EF4-FFF2-40B4-BE49-F238E27FC236}">
+                <a16:creationId xmlns:a16="http://schemas.microsoft.com/office/drawing/2014/main" id="{9471A317-DADD-41FF-8F92-E189A846B2C6}"/>
+              </a:ext>
+            </a:extLst>
+          </p:cNvPr>
+          <p:cNvCxnSpPr>
+            <a:cxnSpLocks/>
+          </p:cNvCxnSpPr>
+          <p:nvPr/>
+        </p:nvCxnSpPr>
+        <p:spPr>
+          <a:xfrm flipV="1">
+            <a:off x="5494017" y="4463139"/>
+            <a:ext cx="489864" cy="5433"/>
+          </a:xfrm>
+          <a:prstGeom prst="line">
+            <a:avLst/>
+          </a:prstGeom>
+          <a:ln>
+            <a:solidFill>
+              <a:srgbClr val="FF0000"/>
+            </a:solidFill>
+            <a:headEnd type="oval"/>
+            <a:tailEnd type="oval"/>
+          </a:ln>
+        </p:spPr>
+        <p:style>
+          <a:lnRef idx="1">
+            <a:schemeClr val="accent1"/>
+          </a:lnRef>
+          <a:fillRef idx="0">
+            <a:schemeClr val="accent1"/>
+          </a:fillRef>
+          <a:effectRef idx="0">
+            <a:schemeClr val="accent1"/>
+          </a:effectRef>
+          <a:fontRef idx="minor">
+            <a:schemeClr val="tx1"/>
+          </a:fontRef>
+        </p:style>
+      </p:cxnSp>
+      <p:cxnSp>
+        <p:nvCxnSpPr>
+          <p:cNvPr id="323" name="直線コネクタ 322">
+            <a:extLst>
+              <a:ext uri="{FF2B5EF4-FFF2-40B4-BE49-F238E27FC236}">
+                <a16:creationId xmlns:a16="http://schemas.microsoft.com/office/drawing/2014/main" id="{269F7E0B-DF86-4F44-B3FE-CABE3200BDF5}"/>
+              </a:ext>
+            </a:extLst>
+          </p:cNvPr>
+          <p:cNvCxnSpPr>
+            <a:cxnSpLocks/>
+          </p:cNvCxnSpPr>
+          <p:nvPr/>
+        </p:nvCxnSpPr>
+        <p:spPr>
+          <a:xfrm rot="16200000" flipH="1" flipV="1">
+            <a:off x="5622458" y="4593771"/>
+            <a:ext cx="0" cy="265612"/>
+          </a:xfrm>
+          <a:prstGeom prst="line">
+            <a:avLst/>
+          </a:prstGeom>
+          <a:ln>
+            <a:headEnd type="oval"/>
+            <a:tailEnd type="oval"/>
+          </a:ln>
+        </p:spPr>
+        <p:style>
+          <a:lnRef idx="1">
+            <a:schemeClr val="accent1"/>
+          </a:lnRef>
+          <a:fillRef idx="0">
+            <a:schemeClr val="accent1"/>
+          </a:fillRef>
+          <a:effectRef idx="0">
+            <a:schemeClr val="accent1"/>
+          </a:effectRef>
+          <a:fontRef idx="minor">
+            <a:schemeClr val="tx1"/>
+          </a:fontRef>
+        </p:style>
+      </p:cxnSp>
+      <p:sp>
+        <p:nvSpPr>
+          <p:cNvPr id="324" name="テキスト ボックス 323">
+            <a:extLst>
+              <a:ext uri="{FF2B5EF4-FFF2-40B4-BE49-F238E27FC236}">
+                <a16:creationId xmlns:a16="http://schemas.microsoft.com/office/drawing/2014/main" id="{03F5E967-B063-44B7-A785-82FB4FFB3A05}"/>
+              </a:ext>
+            </a:extLst>
+          </p:cNvPr>
+          <p:cNvSpPr txBox="1"/>
+          <p:nvPr/>
+        </p:nvSpPr>
+        <p:spPr>
+          <a:xfrm flipH="1">
+            <a:off x="5282840" y="5884651"/>
+            <a:ext cx="650963" cy="246221"/>
+          </a:xfrm>
+          <a:prstGeom prst="rect">
+            <a:avLst/>
+          </a:prstGeom>
+          <a:noFill/>
+        </p:spPr>
+        <p:txBody>
+          <a:bodyPr wrap="square" rtlCol="0">
+            <a:spAutoFit/>
+          </a:bodyPr>
+          <a:lstStyle/>
+          <a:p>
+            <a:r>
+              <a:rPr lang="en-US" sz="1000" dirty="0"/>
+              <a:t>SDA</a:t>
+            </a:r>
+          </a:p>
+        </p:txBody>
+      </p:sp>
+      <p:sp>
+        <p:nvSpPr>
+          <p:cNvPr id="325" name="テキスト ボックス 324">
+            <a:extLst>
+              <a:ext uri="{FF2B5EF4-FFF2-40B4-BE49-F238E27FC236}">
+                <a16:creationId xmlns:a16="http://schemas.microsoft.com/office/drawing/2014/main" id="{235896EC-241B-4123-B939-717EAFD5EE02}"/>
+              </a:ext>
+            </a:extLst>
+          </p:cNvPr>
+          <p:cNvSpPr txBox="1"/>
+          <p:nvPr/>
+        </p:nvSpPr>
+        <p:spPr>
+          <a:xfrm flipH="1">
+            <a:off x="5835833" y="5897710"/>
+            <a:ext cx="650963" cy="246221"/>
+          </a:xfrm>
+          <a:prstGeom prst="rect">
+            <a:avLst/>
+          </a:prstGeom>
+          <a:noFill/>
+        </p:spPr>
+        <p:txBody>
+          <a:bodyPr wrap="square" rtlCol="0">
+            <a:spAutoFit/>
+          </a:bodyPr>
+          <a:lstStyle/>
+          <a:p>
+            <a:r>
+              <a:rPr lang="en-US" sz="1000" dirty="0"/>
+              <a:t>SCL</a:t>
+            </a:r>
+          </a:p>
+        </p:txBody>
+      </p:sp>
+      <p:sp>
+        <p:nvSpPr>
+          <p:cNvPr id="326" name="テキスト ボックス 325">
+            <a:extLst>
+              <a:ext uri="{FF2B5EF4-FFF2-40B4-BE49-F238E27FC236}">
+                <a16:creationId xmlns:a16="http://schemas.microsoft.com/office/drawing/2014/main" id="{DAA06BCF-BCDC-45C4-ACEE-BC43921244B8}"/>
+              </a:ext>
+            </a:extLst>
+          </p:cNvPr>
+          <p:cNvSpPr txBox="1"/>
+          <p:nvPr/>
+        </p:nvSpPr>
+        <p:spPr>
+          <a:xfrm flipH="1">
+            <a:off x="6057912" y="5875934"/>
+            <a:ext cx="650963" cy="246221"/>
+          </a:xfrm>
+          <a:prstGeom prst="rect">
+            <a:avLst/>
+          </a:prstGeom>
+          <a:noFill/>
+        </p:spPr>
+        <p:txBody>
+          <a:bodyPr wrap="square" rtlCol="0">
+            <a:spAutoFit/>
+          </a:bodyPr>
+          <a:lstStyle/>
+          <a:p>
+            <a:r>
+              <a:rPr lang="en-US" sz="1000" dirty="0"/>
+              <a:t>5V</a:t>
+            </a:r>
+          </a:p>
+        </p:txBody>
+      </p:sp>
+      <p:sp>
+        <p:nvSpPr>
+          <p:cNvPr id="327" name="テキスト ボックス 326">
+            <a:extLst>
+              <a:ext uri="{FF2B5EF4-FFF2-40B4-BE49-F238E27FC236}">
+                <a16:creationId xmlns:a16="http://schemas.microsoft.com/office/drawing/2014/main" id="{76EFBD10-33A2-4607-9291-DE12C7DA0B1C}"/>
+              </a:ext>
+            </a:extLst>
+          </p:cNvPr>
+          <p:cNvSpPr txBox="1"/>
+          <p:nvPr/>
+        </p:nvSpPr>
+        <p:spPr>
+          <a:xfrm flipH="1">
+            <a:off x="6217919" y="5888994"/>
+            <a:ext cx="747857" cy="246221"/>
+          </a:xfrm>
+          <a:prstGeom prst="rect">
+            <a:avLst/>
+          </a:prstGeom>
+          <a:noFill/>
+        </p:spPr>
+        <p:txBody>
+          <a:bodyPr wrap="square" rtlCol="0">
+            <a:spAutoFit/>
+          </a:bodyPr>
+          <a:lstStyle/>
+          <a:p>
+            <a:r>
+              <a:rPr lang="en-US" sz="1000" dirty="0"/>
+              <a:t>GND</a:t>
+            </a:r>
+          </a:p>
+        </p:txBody>
+      </p:sp>
+      <p:sp>
+        <p:nvSpPr>
+          <p:cNvPr id="328" name="テキスト ボックス 327">
+            <a:extLst>
+              <a:ext uri="{FF2B5EF4-FFF2-40B4-BE49-F238E27FC236}">
+                <a16:creationId xmlns:a16="http://schemas.microsoft.com/office/drawing/2014/main" id="{3623DB97-9BAF-4A64-89B0-F1B67FAAC8A5}"/>
+              </a:ext>
+            </a:extLst>
+          </p:cNvPr>
+          <p:cNvSpPr txBox="1"/>
+          <p:nvPr/>
+        </p:nvSpPr>
+        <p:spPr>
+          <a:xfrm flipH="1">
+            <a:off x="6362709" y="1669683"/>
+            <a:ext cx="650963" cy="246221"/>
+          </a:xfrm>
+          <a:prstGeom prst="rect">
+            <a:avLst/>
+          </a:prstGeom>
+          <a:noFill/>
+        </p:spPr>
+        <p:txBody>
+          <a:bodyPr wrap="square" rtlCol="0">
+            <a:spAutoFit/>
+          </a:bodyPr>
+          <a:lstStyle/>
+          <a:p>
+            <a:r>
+              <a:rPr lang="en-US" sz="1000" dirty="0"/>
+              <a:t>A</a:t>
+            </a:r>
+          </a:p>
+        </p:txBody>
+      </p:sp>
+      <p:sp>
+        <p:nvSpPr>
+          <p:cNvPr id="330" name="テキスト ボックス 329">
+            <a:extLst>
+              <a:ext uri="{FF2B5EF4-FFF2-40B4-BE49-F238E27FC236}">
+                <a16:creationId xmlns:a16="http://schemas.microsoft.com/office/drawing/2014/main" id="{BB4BBEC4-F701-41D9-8F39-55390FE88168}"/>
+              </a:ext>
+            </a:extLst>
+          </p:cNvPr>
+          <p:cNvSpPr txBox="1"/>
+          <p:nvPr/>
+        </p:nvSpPr>
+        <p:spPr>
+          <a:xfrm>
+            <a:off x="3108969" y="717742"/>
+            <a:ext cx="1058081" cy="281424"/>
+          </a:xfrm>
+          <a:prstGeom prst="rect">
+            <a:avLst/>
+          </a:prstGeom>
+          <a:noFill/>
+        </p:spPr>
+        <p:txBody>
+          <a:bodyPr wrap="square" rtlCol="0">
+            <a:spAutoFit/>
+          </a:bodyPr>
+          <a:lstStyle/>
+          <a:p>
+            <a:r>
+              <a:rPr lang="en-US" sz="1200" dirty="0"/>
+              <a:t>hall sensor 0</a:t>
+            </a:r>
+          </a:p>
+        </p:txBody>
+      </p:sp>
+      <p:sp>
+        <p:nvSpPr>
+          <p:cNvPr id="331" name="テキスト ボックス 330">
+            <a:extLst>
+              <a:ext uri="{FF2B5EF4-FFF2-40B4-BE49-F238E27FC236}">
+                <a16:creationId xmlns:a16="http://schemas.microsoft.com/office/drawing/2014/main" id="{A27FF014-C2B3-4F9C-86EF-81996CCC1EC5}"/>
+              </a:ext>
+            </a:extLst>
+          </p:cNvPr>
+          <p:cNvSpPr txBox="1"/>
+          <p:nvPr/>
+        </p:nvSpPr>
+        <p:spPr>
+          <a:xfrm>
+            <a:off x="4132236" y="722094"/>
+            <a:ext cx="1058081" cy="281424"/>
+          </a:xfrm>
+          <a:prstGeom prst="rect">
+            <a:avLst/>
+          </a:prstGeom>
+          <a:noFill/>
+        </p:spPr>
+        <p:txBody>
+          <a:bodyPr wrap="square" rtlCol="0">
+            <a:spAutoFit/>
+          </a:bodyPr>
+          <a:lstStyle/>
+          <a:p>
+            <a:r>
+              <a:rPr lang="en-US" sz="1200" dirty="0"/>
+              <a:t>hall sensor 1</a:t>
+            </a:r>
+          </a:p>
+        </p:txBody>
+      </p:sp>
+      <p:sp>
+        <p:nvSpPr>
+          <p:cNvPr id="332" name="テキスト ボックス 331">
+            <a:extLst>
+              <a:ext uri="{FF2B5EF4-FFF2-40B4-BE49-F238E27FC236}">
+                <a16:creationId xmlns:a16="http://schemas.microsoft.com/office/drawing/2014/main" id="{369259F4-81EA-4259-9DC2-06205412F768}"/>
+              </a:ext>
+            </a:extLst>
+          </p:cNvPr>
+          <p:cNvSpPr txBox="1"/>
+          <p:nvPr/>
+        </p:nvSpPr>
+        <p:spPr>
+          <a:xfrm>
+            <a:off x="5103241" y="709027"/>
+            <a:ext cx="1058081" cy="281424"/>
+          </a:xfrm>
+          <a:prstGeom prst="rect">
+            <a:avLst/>
+          </a:prstGeom>
+          <a:noFill/>
+        </p:spPr>
+        <p:txBody>
+          <a:bodyPr wrap="square" rtlCol="0">
+            <a:spAutoFit/>
+          </a:bodyPr>
+          <a:lstStyle/>
+          <a:p>
+            <a:r>
+              <a:rPr lang="en-US" sz="1200" dirty="0"/>
+              <a:t>hall sensor 2</a:t>
+            </a:r>
+          </a:p>
+        </p:txBody>
+      </p:sp>
+      <p:sp>
+        <p:nvSpPr>
+          <p:cNvPr id="333" name="テキスト ボックス 332">
+            <a:extLst>
+              <a:ext uri="{FF2B5EF4-FFF2-40B4-BE49-F238E27FC236}">
+                <a16:creationId xmlns:a16="http://schemas.microsoft.com/office/drawing/2014/main" id="{07B5B38F-A075-48CE-B825-7342AF8724F3}"/>
+              </a:ext>
+            </a:extLst>
+          </p:cNvPr>
+          <p:cNvSpPr txBox="1"/>
+          <p:nvPr/>
+        </p:nvSpPr>
+        <p:spPr>
+          <a:xfrm>
+            <a:off x="6065539" y="713380"/>
+            <a:ext cx="1058081" cy="281424"/>
+          </a:xfrm>
+          <a:prstGeom prst="rect">
+            <a:avLst/>
+          </a:prstGeom>
+          <a:noFill/>
+        </p:spPr>
+        <p:txBody>
+          <a:bodyPr wrap="square" rtlCol="0">
+            <a:spAutoFit/>
+          </a:bodyPr>
+          <a:lstStyle/>
+          <a:p>
+            <a:r>
+              <a:rPr lang="en-US" sz="1200" dirty="0"/>
+              <a:t>hall sensor 3</a:t>
+            </a:r>
+          </a:p>
+        </p:txBody>
+      </p:sp>
+      <p:sp>
+        <p:nvSpPr>
+          <p:cNvPr id="334" name="テキスト ボックス 333">
+            <a:extLst>
+              <a:ext uri="{FF2B5EF4-FFF2-40B4-BE49-F238E27FC236}">
+                <a16:creationId xmlns:a16="http://schemas.microsoft.com/office/drawing/2014/main" id="{F8828FCC-742A-4C69-87C9-AEE2CE6C30EB}"/>
+              </a:ext>
+            </a:extLst>
+          </p:cNvPr>
+          <p:cNvSpPr txBox="1"/>
+          <p:nvPr/>
+        </p:nvSpPr>
+        <p:spPr>
+          <a:xfrm>
+            <a:off x="6791590" y="1074786"/>
+            <a:ext cx="876318" cy="276999"/>
+          </a:xfrm>
+          <a:prstGeom prst="rect">
+            <a:avLst/>
+          </a:prstGeom>
+          <a:noFill/>
+        </p:spPr>
+        <p:txBody>
+          <a:bodyPr wrap="square" rtlCol="0">
+            <a:spAutoFit/>
+          </a:bodyPr>
+          <a:lstStyle/>
+          <a:p>
+            <a:r>
+              <a:rPr lang="en-US" sz="1200" dirty="0"/>
+              <a:t>LED(red)</a:t>
+            </a:r>
+          </a:p>
+        </p:txBody>
+      </p:sp>
+      <p:sp>
+        <p:nvSpPr>
+          <p:cNvPr id="128" name="正方形/長方形 127">
+            <a:extLst>
+              <a:ext uri="{FF2B5EF4-FFF2-40B4-BE49-F238E27FC236}">
+                <a16:creationId xmlns:a16="http://schemas.microsoft.com/office/drawing/2014/main" id="{AA6EDCFD-D9DB-4147-A04C-24FC604CEB51}"/>
+              </a:ext>
+            </a:extLst>
+          </p:cNvPr>
+          <p:cNvSpPr/>
+          <p:nvPr/>
+        </p:nvSpPr>
+        <p:spPr>
+          <a:xfrm flipH="1">
+            <a:off x="6590197" y="4362976"/>
+            <a:ext cx="504030" cy="224294"/>
+          </a:xfrm>
+          <a:prstGeom prst="rect">
+            <a:avLst/>
+          </a:prstGeom>
+          <a:solidFill>
+            <a:srgbClr val="00B050">
+              <a:alpha val="50000"/>
+            </a:srgbClr>
+          </a:solidFill>
+        </p:spPr>
+        <p:style>
+          <a:lnRef idx="2">
+            <a:schemeClr val="accent1">
+              <a:shade val="50000"/>
+            </a:schemeClr>
+          </a:lnRef>
+          <a:fillRef idx="1">
+            <a:schemeClr val="accent1"/>
+          </a:fillRef>
+          <a:effectRef idx="0">
+            <a:schemeClr val="accent1"/>
+          </a:effectRef>
+          <a:fontRef idx="minor">
+            <a:schemeClr val="lt1"/>
+          </a:fontRef>
+        </p:style>
+        <p:txBody>
+          <a:bodyPr rtlCol="0" anchor="ctr"/>
+          <a:lstStyle/>
+          <a:p>
+            <a:pPr algn="ctr"/>
+            <a:endParaRPr lang="en-US" dirty="0"/>
+          </a:p>
+        </p:txBody>
+      </p:sp>
+    </p:spTree>
+    <p:extLst>
+      <p:ext uri="{BB962C8B-B14F-4D97-AF65-F5344CB8AC3E}">
+        <p14:creationId xmlns:p14="http://schemas.microsoft.com/office/powerpoint/2010/main" val="349064015"/>
       </p:ext>
     </p:extLst>
   </p:cSld>

--- a/blocks/pic16f1825/position_detector.pptx
+++ b/blocks/pic16f1825/position_detector.pptx
@@ -7,6 +7,7 @@
   <p:sldIdLst>
     <p:sldId id="257" r:id="rId2"/>
     <p:sldId id="258" r:id="rId3"/>
+    <p:sldId id="259" r:id="rId4"/>
   </p:sldIdLst>
   <p:sldSz cx="9144000" cy="6858000" type="screen4x3"/>
   <p:notesSz cx="6858000" cy="9945688"/>
@@ -248,7 +249,7 @@
           <a:p>
             <a:fld id="{13D11AC7-A88F-49D3-AEAF-1BE21B915F4C}" type="datetimeFigureOut">
               <a:rPr lang="en-US" smtClean="0"/>
-              <a:t>10/1/2017</a:t>
+              <a:t>10/7/2017</a:t>
             </a:fld>
             <a:endParaRPr lang="en-US"/>
           </a:p>
@@ -450,7 +451,7 @@
           <a:p>
             <a:fld id="{13D11AC7-A88F-49D3-AEAF-1BE21B915F4C}" type="datetimeFigureOut">
               <a:rPr lang="en-US" smtClean="0"/>
-              <a:t>10/1/2017</a:t>
+              <a:t>10/7/2017</a:t>
             </a:fld>
             <a:endParaRPr lang="en-US"/>
           </a:p>
@@ -662,7 +663,7 @@
           <a:p>
             <a:fld id="{13D11AC7-A88F-49D3-AEAF-1BE21B915F4C}" type="datetimeFigureOut">
               <a:rPr lang="en-US" smtClean="0"/>
-              <a:t>10/1/2017</a:t>
+              <a:t>10/7/2017</a:t>
             </a:fld>
             <a:endParaRPr lang="en-US"/>
           </a:p>
@@ -864,7 +865,7 @@
           <a:p>
             <a:fld id="{13D11AC7-A88F-49D3-AEAF-1BE21B915F4C}" type="datetimeFigureOut">
               <a:rPr lang="en-US" smtClean="0"/>
-              <a:t>10/1/2017</a:t>
+              <a:t>10/7/2017</a:t>
             </a:fld>
             <a:endParaRPr lang="en-US"/>
           </a:p>
@@ -1108,7 +1109,7 @@
           <a:p>
             <a:fld id="{13D11AC7-A88F-49D3-AEAF-1BE21B915F4C}" type="datetimeFigureOut">
               <a:rPr lang="en-US" smtClean="0"/>
-              <a:t>10/1/2017</a:t>
+              <a:t>10/7/2017</a:t>
             </a:fld>
             <a:endParaRPr lang="en-US"/>
           </a:p>
@@ -1404,7 +1405,7 @@
           <a:p>
             <a:fld id="{13D11AC7-A88F-49D3-AEAF-1BE21B915F4C}" type="datetimeFigureOut">
               <a:rPr lang="en-US" smtClean="0"/>
-              <a:t>10/1/2017</a:t>
+              <a:t>10/7/2017</a:t>
             </a:fld>
             <a:endParaRPr lang="en-US"/>
           </a:p>
@@ -1835,7 +1836,7 @@
           <a:p>
             <a:fld id="{13D11AC7-A88F-49D3-AEAF-1BE21B915F4C}" type="datetimeFigureOut">
               <a:rPr lang="en-US" smtClean="0"/>
-              <a:t>10/1/2017</a:t>
+              <a:t>10/7/2017</a:t>
             </a:fld>
             <a:endParaRPr lang="en-US"/>
           </a:p>
@@ -1953,7 +1954,7 @@
           <a:p>
             <a:fld id="{13D11AC7-A88F-49D3-AEAF-1BE21B915F4C}" type="datetimeFigureOut">
               <a:rPr lang="en-US" smtClean="0"/>
-              <a:t>10/1/2017</a:t>
+              <a:t>10/7/2017</a:t>
             </a:fld>
             <a:endParaRPr lang="en-US"/>
           </a:p>
@@ -2048,7 +2049,7 @@
           <a:p>
             <a:fld id="{13D11AC7-A88F-49D3-AEAF-1BE21B915F4C}" type="datetimeFigureOut">
               <a:rPr lang="en-US" smtClean="0"/>
-              <a:t>10/1/2017</a:t>
+              <a:t>10/7/2017</a:t>
             </a:fld>
             <a:endParaRPr lang="en-US"/>
           </a:p>
@@ -2357,7 +2358,7 @@
           <a:p>
             <a:fld id="{13D11AC7-A88F-49D3-AEAF-1BE21B915F4C}" type="datetimeFigureOut">
               <a:rPr lang="en-US" smtClean="0"/>
-              <a:t>10/1/2017</a:t>
+              <a:t>10/7/2017</a:t>
             </a:fld>
             <a:endParaRPr lang="en-US"/>
           </a:p>
@@ -2614,7 +2615,7 @@
           <a:p>
             <a:fld id="{13D11AC7-A88F-49D3-AEAF-1BE21B915F4C}" type="datetimeFigureOut">
               <a:rPr lang="en-US" smtClean="0"/>
-              <a:t>10/1/2017</a:t>
+              <a:t>10/7/2017</a:t>
             </a:fld>
             <a:endParaRPr lang="en-US"/>
           </a:p>
@@ -2859,7 +2860,7 @@
           <a:p>
             <a:fld id="{13D11AC7-A88F-49D3-AEAF-1BE21B915F4C}" type="datetimeFigureOut">
               <a:rPr lang="en-US" smtClean="0"/>
-              <a:t>10/1/2017</a:t>
+              <a:t>10/7/2017</a:t>
             </a:fld>
             <a:endParaRPr lang="en-US"/>
           </a:p>
@@ -8168,7 +8169,7 @@
         </p:nvSpPr>
         <p:spPr>
           <a:xfrm flipH="1">
-            <a:off x="290659" y="173705"/>
+            <a:off x="290659" y="156288"/>
             <a:ext cx="2656086" cy="1015663"/>
           </a:xfrm>
           <a:prstGeom prst="rect">
@@ -8607,6 +8608,174 @@
           </a:p>
         </p:txBody>
       </p:sp>
+      <p:cxnSp>
+        <p:nvCxnSpPr>
+          <p:cNvPr id="131" name="直線コネクタ 130">
+            <a:extLst>
+              <a:ext uri="{FF2B5EF4-FFF2-40B4-BE49-F238E27FC236}">
+                <a16:creationId xmlns:a16="http://schemas.microsoft.com/office/drawing/2014/main" id="{94604761-BFB7-4575-BA52-550E708E61DF}"/>
+              </a:ext>
+            </a:extLst>
+          </p:cNvPr>
+          <p:cNvCxnSpPr>
+            <a:cxnSpLocks/>
+          </p:cNvCxnSpPr>
+          <p:nvPr/>
+        </p:nvCxnSpPr>
+        <p:spPr>
+          <a:xfrm flipV="1">
+            <a:off x="3431178" y="4458791"/>
+            <a:ext cx="0" cy="265612"/>
+          </a:xfrm>
+          <a:prstGeom prst="line">
+            <a:avLst/>
+          </a:prstGeom>
+          <a:ln>
+            <a:headEnd type="oval"/>
+            <a:tailEnd type="oval"/>
+          </a:ln>
+        </p:spPr>
+        <p:style>
+          <a:lnRef idx="1">
+            <a:schemeClr val="accent1"/>
+          </a:lnRef>
+          <a:fillRef idx="0">
+            <a:schemeClr val="accent1"/>
+          </a:fillRef>
+          <a:effectRef idx="0">
+            <a:schemeClr val="accent1"/>
+          </a:effectRef>
+          <a:fontRef idx="minor">
+            <a:schemeClr val="tx1"/>
+          </a:fontRef>
+        </p:style>
+      </p:cxnSp>
+      <p:cxnSp>
+        <p:nvCxnSpPr>
+          <p:cNvPr id="132" name="直線コネクタ 131">
+            <a:extLst>
+              <a:ext uri="{FF2B5EF4-FFF2-40B4-BE49-F238E27FC236}">
+                <a16:creationId xmlns:a16="http://schemas.microsoft.com/office/drawing/2014/main" id="{6EE09E36-5DD2-454C-88E3-CB1E2E90A1B2}"/>
+              </a:ext>
+            </a:extLst>
+          </p:cNvPr>
+          <p:cNvCxnSpPr>
+            <a:cxnSpLocks/>
+          </p:cNvCxnSpPr>
+          <p:nvPr/>
+        </p:nvCxnSpPr>
+        <p:spPr>
+          <a:xfrm flipV="1">
+            <a:off x="3679377" y="4463141"/>
+            <a:ext cx="0" cy="265612"/>
+          </a:xfrm>
+          <a:prstGeom prst="line">
+            <a:avLst/>
+          </a:prstGeom>
+          <a:ln>
+            <a:headEnd type="oval"/>
+            <a:tailEnd type="oval"/>
+          </a:ln>
+        </p:spPr>
+        <p:style>
+          <a:lnRef idx="1">
+            <a:schemeClr val="accent1"/>
+          </a:lnRef>
+          <a:fillRef idx="0">
+            <a:schemeClr val="accent1"/>
+          </a:fillRef>
+          <a:effectRef idx="0">
+            <a:schemeClr val="accent1"/>
+          </a:effectRef>
+          <a:fontRef idx="minor">
+            <a:schemeClr val="tx1"/>
+          </a:fontRef>
+        </p:style>
+      </p:cxnSp>
+      <p:cxnSp>
+        <p:nvCxnSpPr>
+          <p:cNvPr id="133" name="直線コネクタ 132">
+            <a:extLst>
+              <a:ext uri="{FF2B5EF4-FFF2-40B4-BE49-F238E27FC236}">
+                <a16:creationId xmlns:a16="http://schemas.microsoft.com/office/drawing/2014/main" id="{7BECF253-C33B-4ADD-9CB6-05D7E5A094CF}"/>
+              </a:ext>
+            </a:extLst>
+          </p:cNvPr>
+          <p:cNvCxnSpPr>
+            <a:cxnSpLocks/>
+          </p:cNvCxnSpPr>
+          <p:nvPr/>
+        </p:nvCxnSpPr>
+        <p:spPr>
+          <a:xfrm flipV="1">
+            <a:off x="4672150" y="2982685"/>
+            <a:ext cx="0" cy="265612"/>
+          </a:xfrm>
+          <a:prstGeom prst="line">
+            <a:avLst/>
+          </a:prstGeom>
+          <a:ln>
+            <a:headEnd type="oval"/>
+            <a:tailEnd type="oval"/>
+          </a:ln>
+        </p:spPr>
+        <p:style>
+          <a:lnRef idx="1">
+            <a:schemeClr val="accent1"/>
+          </a:lnRef>
+          <a:fillRef idx="0">
+            <a:schemeClr val="accent1"/>
+          </a:fillRef>
+          <a:effectRef idx="0">
+            <a:schemeClr val="accent1"/>
+          </a:effectRef>
+          <a:fontRef idx="minor">
+            <a:schemeClr val="tx1"/>
+          </a:fontRef>
+        </p:style>
+      </p:cxnSp>
+      <p:cxnSp>
+        <p:nvCxnSpPr>
+          <p:cNvPr id="135" name="直線コネクタ 134">
+            <a:extLst>
+              <a:ext uri="{FF2B5EF4-FFF2-40B4-BE49-F238E27FC236}">
+                <a16:creationId xmlns:a16="http://schemas.microsoft.com/office/drawing/2014/main" id="{4CDA817C-4C43-495F-9A00-5C08E389CD26}"/>
+              </a:ext>
+            </a:extLst>
+          </p:cNvPr>
+          <p:cNvCxnSpPr>
+            <a:cxnSpLocks/>
+          </p:cNvCxnSpPr>
+          <p:nvPr/>
+        </p:nvCxnSpPr>
+        <p:spPr>
+          <a:xfrm flipV="1">
+            <a:off x="4920349" y="2978326"/>
+            <a:ext cx="0" cy="265612"/>
+          </a:xfrm>
+          <a:prstGeom prst="line">
+            <a:avLst/>
+          </a:prstGeom>
+          <a:ln>
+            <a:headEnd type="oval"/>
+            <a:tailEnd type="oval"/>
+          </a:ln>
+        </p:spPr>
+        <p:style>
+          <a:lnRef idx="1">
+            <a:schemeClr val="accent1"/>
+          </a:lnRef>
+          <a:fillRef idx="0">
+            <a:schemeClr val="accent1"/>
+          </a:fillRef>
+          <a:effectRef idx="0">
+            <a:schemeClr val="accent1"/>
+          </a:effectRef>
+          <a:fontRef idx="minor">
+            <a:schemeClr val="tx1"/>
+          </a:fontRef>
+        </p:style>
+      </p:cxnSp>
     </p:spTree>
     <p:extLst>
       <p:ext uri="{BB962C8B-B14F-4D97-AF65-F5344CB8AC3E}">
@@ -13753,10 +13922,485 @@
           </a:p>
         </p:txBody>
       </p:sp>
+      <p:cxnSp>
+        <p:nvCxnSpPr>
+          <p:cNvPr id="121" name="直線コネクタ 120">
+            <a:extLst>
+              <a:ext uri="{FF2B5EF4-FFF2-40B4-BE49-F238E27FC236}">
+                <a16:creationId xmlns:a16="http://schemas.microsoft.com/office/drawing/2014/main" id="{8AD3E836-6BEC-41B6-8A87-76459A4651EB}"/>
+              </a:ext>
+            </a:extLst>
+          </p:cNvPr>
+          <p:cNvCxnSpPr>
+            <a:cxnSpLocks/>
+          </p:cNvCxnSpPr>
+          <p:nvPr/>
+        </p:nvCxnSpPr>
+        <p:spPr>
+          <a:xfrm flipV="1">
+            <a:off x="5477695" y="2978326"/>
+            <a:ext cx="0" cy="265612"/>
+          </a:xfrm>
+          <a:prstGeom prst="line">
+            <a:avLst/>
+          </a:prstGeom>
+          <a:ln>
+            <a:headEnd type="oval"/>
+            <a:tailEnd type="oval"/>
+          </a:ln>
+        </p:spPr>
+        <p:style>
+          <a:lnRef idx="1">
+            <a:schemeClr val="accent1"/>
+          </a:lnRef>
+          <a:fillRef idx="0">
+            <a:schemeClr val="accent1"/>
+          </a:fillRef>
+          <a:effectRef idx="0">
+            <a:schemeClr val="accent1"/>
+          </a:effectRef>
+          <a:fontRef idx="minor">
+            <a:schemeClr val="tx1"/>
+          </a:fontRef>
+        </p:style>
+      </p:cxnSp>
+      <p:cxnSp>
+        <p:nvCxnSpPr>
+          <p:cNvPr id="126" name="直線コネクタ 125">
+            <a:extLst>
+              <a:ext uri="{FF2B5EF4-FFF2-40B4-BE49-F238E27FC236}">
+                <a16:creationId xmlns:a16="http://schemas.microsoft.com/office/drawing/2014/main" id="{A0ADF950-1295-43C0-8004-0ECE76EE14F6}"/>
+              </a:ext>
+            </a:extLst>
+          </p:cNvPr>
+          <p:cNvCxnSpPr>
+            <a:cxnSpLocks/>
+          </p:cNvCxnSpPr>
+          <p:nvPr/>
+        </p:nvCxnSpPr>
+        <p:spPr>
+          <a:xfrm flipV="1">
+            <a:off x="5717185" y="2973968"/>
+            <a:ext cx="0" cy="265612"/>
+          </a:xfrm>
+          <a:prstGeom prst="line">
+            <a:avLst/>
+          </a:prstGeom>
+          <a:ln>
+            <a:headEnd type="oval"/>
+            <a:tailEnd type="oval"/>
+          </a:ln>
+        </p:spPr>
+        <p:style>
+          <a:lnRef idx="1">
+            <a:schemeClr val="accent1"/>
+          </a:lnRef>
+          <a:fillRef idx="0">
+            <a:schemeClr val="accent1"/>
+          </a:fillRef>
+          <a:effectRef idx="0">
+            <a:schemeClr val="accent1"/>
+          </a:effectRef>
+          <a:fontRef idx="minor">
+            <a:schemeClr val="tx1"/>
+          </a:fontRef>
+        </p:style>
+      </p:cxnSp>
+      <p:cxnSp>
+        <p:nvCxnSpPr>
+          <p:cNvPr id="131" name="直線コネクタ 130">
+            <a:extLst>
+              <a:ext uri="{FF2B5EF4-FFF2-40B4-BE49-F238E27FC236}">
+                <a16:creationId xmlns:a16="http://schemas.microsoft.com/office/drawing/2014/main" id="{C704CAB6-E2E0-4C09-B76F-BAFF16D63699}"/>
+              </a:ext>
+            </a:extLst>
+          </p:cNvPr>
+          <p:cNvCxnSpPr>
+            <a:cxnSpLocks/>
+          </p:cNvCxnSpPr>
+          <p:nvPr/>
+        </p:nvCxnSpPr>
+        <p:spPr>
+          <a:xfrm flipV="1">
+            <a:off x="6723028" y="4467491"/>
+            <a:ext cx="0" cy="265612"/>
+          </a:xfrm>
+          <a:prstGeom prst="line">
+            <a:avLst/>
+          </a:prstGeom>
+          <a:ln>
+            <a:headEnd type="oval"/>
+            <a:tailEnd type="oval"/>
+          </a:ln>
+        </p:spPr>
+        <p:style>
+          <a:lnRef idx="1">
+            <a:schemeClr val="accent1"/>
+          </a:lnRef>
+          <a:fillRef idx="0">
+            <a:schemeClr val="accent1"/>
+          </a:fillRef>
+          <a:effectRef idx="0">
+            <a:schemeClr val="accent1"/>
+          </a:effectRef>
+          <a:fontRef idx="minor">
+            <a:schemeClr val="tx1"/>
+          </a:fontRef>
+        </p:style>
+      </p:cxnSp>
+      <p:cxnSp>
+        <p:nvCxnSpPr>
+          <p:cNvPr id="132" name="直線コネクタ 131">
+            <a:extLst>
+              <a:ext uri="{FF2B5EF4-FFF2-40B4-BE49-F238E27FC236}">
+                <a16:creationId xmlns:a16="http://schemas.microsoft.com/office/drawing/2014/main" id="{72694337-AB1C-4F33-86A6-DC9F9BA9B613}"/>
+              </a:ext>
+            </a:extLst>
+          </p:cNvPr>
+          <p:cNvCxnSpPr>
+            <a:cxnSpLocks/>
+          </p:cNvCxnSpPr>
+          <p:nvPr/>
+        </p:nvCxnSpPr>
+        <p:spPr>
+          <a:xfrm flipV="1">
+            <a:off x="6962515" y="4471843"/>
+            <a:ext cx="0" cy="265612"/>
+          </a:xfrm>
+          <a:prstGeom prst="line">
+            <a:avLst/>
+          </a:prstGeom>
+          <a:ln>
+            <a:headEnd type="oval"/>
+            <a:tailEnd type="oval"/>
+          </a:ln>
+        </p:spPr>
+        <p:style>
+          <a:lnRef idx="1">
+            <a:schemeClr val="accent1"/>
+          </a:lnRef>
+          <a:fillRef idx="0">
+            <a:schemeClr val="accent1"/>
+          </a:fillRef>
+          <a:effectRef idx="0">
+            <a:schemeClr val="accent1"/>
+          </a:effectRef>
+          <a:fontRef idx="minor">
+            <a:schemeClr val="tx1"/>
+          </a:fontRef>
+        </p:style>
+      </p:cxnSp>
+      <p:sp>
+        <p:nvSpPr>
+          <p:cNvPr id="133" name="テキスト ボックス 132">
+            <a:extLst>
+              <a:ext uri="{FF2B5EF4-FFF2-40B4-BE49-F238E27FC236}">
+                <a16:creationId xmlns:a16="http://schemas.microsoft.com/office/drawing/2014/main" id="{6A4C4347-91A6-4CB2-BF7C-C18A6EED5724}"/>
+              </a:ext>
+            </a:extLst>
+          </p:cNvPr>
+          <p:cNvSpPr txBox="1"/>
+          <p:nvPr/>
+        </p:nvSpPr>
+        <p:spPr>
+          <a:xfrm flipH="1">
+            <a:off x="290659" y="156288"/>
+            <a:ext cx="2656086" cy="400110"/>
+          </a:xfrm>
+          <a:prstGeom prst="rect">
+            <a:avLst/>
+          </a:prstGeom>
+          <a:noFill/>
+        </p:spPr>
+        <p:txBody>
+          <a:bodyPr wrap="square" rtlCol="0">
+            <a:spAutoFit/>
+          </a:bodyPr>
+          <a:lstStyle/>
+          <a:p>
+            <a:r>
+              <a:rPr lang="en-US" sz="2000" dirty="0"/>
+              <a:t>Back</a:t>
+            </a:r>
+          </a:p>
+        </p:txBody>
+      </p:sp>
     </p:spTree>
     <p:extLst>
       <p:ext uri="{BB962C8B-B14F-4D97-AF65-F5344CB8AC3E}">
         <p14:creationId xmlns:p14="http://schemas.microsoft.com/office/powerpoint/2010/main" val="349064015"/>
+      </p:ext>
+    </p:extLst>
+  </p:cSld>
+  <p:clrMapOvr>
+    <a:masterClrMapping/>
+  </p:clrMapOvr>
+</p:sld>
+</file>
+
+<file path=ppt/slides/slide3.xml><?xml version="1.0" encoding="utf-8"?>
+<p:sld xmlns:a="http://schemas.openxmlformats.org/drawingml/2006/main" xmlns:r="http://schemas.openxmlformats.org/officeDocument/2006/relationships" xmlns:p="http://schemas.openxmlformats.org/presentationml/2006/main">
+  <p:cSld>
+    <p:spTree>
+      <p:nvGrpSpPr>
+        <p:cNvPr id="1" name=""/>
+        <p:cNvGrpSpPr/>
+        <p:nvPr/>
+      </p:nvGrpSpPr>
+      <p:grpSpPr>
+        <a:xfrm>
+          <a:off x="0" y="0"/>
+          <a:ext cx="0" cy="0"/>
+          <a:chOff x="0" y="0"/>
+          <a:chExt cx="0" cy="0"/>
+        </a:xfrm>
+      </p:grpSpPr>
+      <p:sp>
+        <p:nvSpPr>
+          <p:cNvPr id="7" name="正方形/長方形 6">
+            <a:extLst>
+              <a:ext uri="{FF2B5EF4-FFF2-40B4-BE49-F238E27FC236}">
+                <a16:creationId xmlns:a16="http://schemas.microsoft.com/office/drawing/2014/main" id="{12D89C0D-38E0-4D84-8BD1-17968C12119B}"/>
+              </a:ext>
+            </a:extLst>
+          </p:cNvPr>
+          <p:cNvSpPr/>
+          <p:nvPr/>
+        </p:nvSpPr>
+        <p:spPr>
+          <a:xfrm>
+            <a:off x="2612568" y="5233857"/>
+            <a:ext cx="3936274" cy="1219200"/>
+          </a:xfrm>
+          <a:prstGeom prst="rect">
+            <a:avLst/>
+          </a:prstGeom>
+          <a:solidFill>
+            <a:schemeClr val="bg2">
+              <a:lumMod val="75000"/>
+            </a:schemeClr>
+          </a:solidFill>
+        </p:spPr>
+        <p:style>
+          <a:lnRef idx="2">
+            <a:schemeClr val="accent1">
+              <a:shade val="50000"/>
+            </a:schemeClr>
+          </a:lnRef>
+          <a:fillRef idx="1">
+            <a:schemeClr val="accent1"/>
+          </a:fillRef>
+          <a:effectRef idx="0">
+            <a:schemeClr val="accent1"/>
+          </a:effectRef>
+          <a:fontRef idx="minor">
+            <a:schemeClr val="lt1"/>
+          </a:fontRef>
+        </p:style>
+        <p:txBody>
+          <a:bodyPr rtlCol="0" anchor="ctr"/>
+          <a:lstStyle/>
+          <a:p>
+            <a:r>
+              <a:rPr lang="en-US" dirty="0"/>
+              <a:t>I2C</a:t>
+            </a:r>
+          </a:p>
+          <a:p>
+            <a:r>
+              <a:rPr lang="en-US" dirty="0"/>
+              <a:t>Backplane</a:t>
+            </a:r>
+          </a:p>
+        </p:txBody>
+      </p:sp>
+      <p:sp>
+        <p:nvSpPr>
+          <p:cNvPr id="4" name="正方形/長方形 3">
+            <a:extLst>
+              <a:ext uri="{FF2B5EF4-FFF2-40B4-BE49-F238E27FC236}">
+                <a16:creationId xmlns:a16="http://schemas.microsoft.com/office/drawing/2014/main" id="{2BCFFB73-1B2A-4943-B945-85ADC4E423F4}"/>
+              </a:ext>
+            </a:extLst>
+          </p:cNvPr>
+          <p:cNvSpPr/>
+          <p:nvPr/>
+        </p:nvSpPr>
+        <p:spPr>
+          <a:xfrm>
+            <a:off x="3735973" y="3709857"/>
+            <a:ext cx="705394" cy="2865120"/>
+          </a:xfrm>
+          <a:prstGeom prst="rect">
+            <a:avLst/>
+          </a:prstGeom>
+        </p:spPr>
+        <p:style>
+          <a:lnRef idx="2">
+            <a:schemeClr val="accent1">
+              <a:shade val="50000"/>
+            </a:schemeClr>
+          </a:lnRef>
+          <a:fillRef idx="1">
+            <a:schemeClr val="accent1"/>
+          </a:fillRef>
+          <a:effectRef idx="0">
+            <a:schemeClr val="accent1"/>
+          </a:effectRef>
+          <a:fontRef idx="minor">
+            <a:schemeClr val="lt1"/>
+          </a:fontRef>
+        </p:style>
+        <p:txBody>
+          <a:bodyPr vert="vert270" rtlCol="0" anchor="ctr"/>
+          <a:lstStyle/>
+          <a:p>
+            <a:pPr algn="ctr"/>
+            <a:r>
+              <a:rPr lang="en-US" dirty="0"/>
+              <a:t>Position detector card #1</a:t>
+            </a:r>
+          </a:p>
+        </p:txBody>
+      </p:sp>
+      <p:sp>
+        <p:nvSpPr>
+          <p:cNvPr id="5" name="正方形/長方形 4">
+            <a:extLst>
+              <a:ext uri="{FF2B5EF4-FFF2-40B4-BE49-F238E27FC236}">
+                <a16:creationId xmlns:a16="http://schemas.microsoft.com/office/drawing/2014/main" id="{727B32B0-392F-4A6D-8839-18BEC33641E7}"/>
+              </a:ext>
+            </a:extLst>
+          </p:cNvPr>
+          <p:cNvSpPr/>
+          <p:nvPr/>
+        </p:nvSpPr>
+        <p:spPr>
+          <a:xfrm>
+            <a:off x="4706981" y="3714209"/>
+            <a:ext cx="705394" cy="2865120"/>
+          </a:xfrm>
+          <a:prstGeom prst="rect">
+            <a:avLst/>
+          </a:prstGeom>
+        </p:spPr>
+        <p:style>
+          <a:lnRef idx="2">
+            <a:schemeClr val="accent1">
+              <a:shade val="50000"/>
+            </a:schemeClr>
+          </a:lnRef>
+          <a:fillRef idx="1">
+            <a:schemeClr val="accent1"/>
+          </a:fillRef>
+          <a:effectRef idx="0">
+            <a:schemeClr val="accent1"/>
+          </a:effectRef>
+          <a:fontRef idx="minor">
+            <a:schemeClr val="lt1"/>
+          </a:fontRef>
+        </p:style>
+        <p:txBody>
+          <a:bodyPr vert="vert270" rtlCol="0" anchor="ctr"/>
+          <a:lstStyle/>
+          <a:p>
+            <a:pPr algn="ctr"/>
+            <a:r>
+              <a:rPr lang="en-US" dirty="0"/>
+              <a:t>Position detector card #0</a:t>
+            </a:r>
+          </a:p>
+        </p:txBody>
+      </p:sp>
+      <p:sp>
+        <p:nvSpPr>
+          <p:cNvPr id="6" name="正方形/長方形 5">
+            <a:extLst>
+              <a:ext uri="{FF2B5EF4-FFF2-40B4-BE49-F238E27FC236}">
+                <a16:creationId xmlns:a16="http://schemas.microsoft.com/office/drawing/2014/main" id="{3CA33D4D-0BC2-4C03-81ED-1D3088F1E79A}"/>
+              </a:ext>
+            </a:extLst>
+          </p:cNvPr>
+          <p:cNvSpPr/>
+          <p:nvPr/>
+        </p:nvSpPr>
+        <p:spPr>
+          <a:xfrm>
+            <a:off x="5678002" y="3709852"/>
+            <a:ext cx="705394" cy="2865120"/>
+          </a:xfrm>
+          <a:prstGeom prst="rect">
+            <a:avLst/>
+          </a:prstGeom>
+        </p:spPr>
+        <p:style>
+          <a:lnRef idx="2">
+            <a:schemeClr val="accent1">
+              <a:shade val="50000"/>
+            </a:schemeClr>
+          </a:lnRef>
+          <a:fillRef idx="1">
+            <a:schemeClr val="accent1"/>
+          </a:fillRef>
+          <a:effectRef idx="0">
+            <a:schemeClr val="accent1"/>
+          </a:effectRef>
+          <a:fontRef idx="minor">
+            <a:schemeClr val="lt1"/>
+          </a:fontRef>
+        </p:style>
+        <p:txBody>
+          <a:bodyPr vert="vert270" rtlCol="0" anchor="ctr"/>
+          <a:lstStyle/>
+          <a:p>
+            <a:pPr algn="ctr"/>
+            <a:r>
+              <a:rPr lang="en-US" dirty="0"/>
+              <a:t>I2C backplane master</a:t>
+            </a:r>
+          </a:p>
+        </p:txBody>
+      </p:sp>
+      <p:pic>
+        <p:nvPicPr>
+          <p:cNvPr id="13" name="図 12">
+            <a:extLst>
+              <a:ext uri="{FF2B5EF4-FFF2-40B4-BE49-F238E27FC236}">
+                <a16:creationId xmlns:a16="http://schemas.microsoft.com/office/drawing/2014/main" id="{975D646D-7FBE-473C-B2EA-87D288E601A2}"/>
+              </a:ext>
+            </a:extLst>
+          </p:cNvPr>
+          <p:cNvPicPr>
+            <a:picLocks noChangeAspect="1"/>
+          </p:cNvPicPr>
+          <p:nvPr/>
+        </p:nvPicPr>
+        <p:blipFill>
+          <a:blip r:embed="rId2">
+            <a:extLst>
+              <a:ext uri="{28A0092B-C50C-407E-A947-70E740481C1C}">
+                <a14:useLocalDpi xmlns:a14="http://schemas.microsoft.com/office/drawing/2010/main" val="0"/>
+              </a:ext>
+            </a:extLst>
+          </a:blip>
+          <a:stretch>
+            <a:fillRect/>
+          </a:stretch>
+        </p:blipFill>
+        <p:spPr>
+          <a:xfrm>
+            <a:off x="2341282" y="404960"/>
+            <a:ext cx="4914286" cy="3034921"/>
+          </a:xfrm>
+          <a:prstGeom prst="rect">
+            <a:avLst/>
+          </a:prstGeom>
+        </p:spPr>
+      </p:pic>
+    </p:spTree>
+    <p:extLst>
+      <p:ext uri="{BB962C8B-B14F-4D97-AF65-F5344CB8AC3E}">
+        <p14:creationId xmlns:p14="http://schemas.microsoft.com/office/powerpoint/2010/main" val="2062653117"/>
       </p:ext>
     </p:extLst>
   </p:cSld>

--- a/blocks/pic16f1825/position_detector.pptx
+++ b/blocks/pic16f1825/position_detector.pptx
@@ -14169,7 +14169,7 @@
         </p:nvSpPr>
         <p:spPr>
           <a:xfrm>
-            <a:off x="2612568" y="5233857"/>
+            <a:off x="4058193" y="5233857"/>
             <a:ext cx="3936274" cy="1219200"/>
           </a:xfrm>
           <a:prstGeom prst="rect">
@@ -14228,7 +14228,7 @@
         </p:nvSpPr>
         <p:spPr>
           <a:xfrm>
-            <a:off x="3735973" y="3709857"/>
+            <a:off x="5181598" y="3709857"/>
             <a:ext cx="705394" cy="2865120"/>
           </a:xfrm>
           <a:prstGeom prst="rect">
@@ -14277,7 +14277,7 @@
         </p:nvSpPr>
         <p:spPr>
           <a:xfrm>
-            <a:off x="4706981" y="3714209"/>
+            <a:off x="6152606" y="3714209"/>
             <a:ext cx="705394" cy="2865120"/>
           </a:xfrm>
           <a:prstGeom prst="rect">
@@ -14326,7 +14326,7 @@
         </p:nvSpPr>
         <p:spPr>
           <a:xfrm>
-            <a:off x="5678002" y="3709852"/>
+            <a:off x="7123627" y="3709852"/>
             <a:ext cx="705394" cy="2865120"/>
           </a:xfrm>
           <a:prstGeom prst="rect">
@@ -14389,7 +14389,7 @@
         </p:blipFill>
         <p:spPr>
           <a:xfrm>
-            <a:off x="2341282" y="404960"/>
+            <a:off x="3786907" y="404960"/>
             <a:ext cx="4914286" cy="3034921"/>
           </a:xfrm>
           <a:prstGeom prst="rect">
@@ -14397,6 +14397,4813 @@
           </a:prstGeom>
         </p:spPr>
       </p:pic>
+      <p:grpSp>
+        <p:nvGrpSpPr>
+          <p:cNvPr id="8" name="グループ化 7">
+            <a:extLst>
+              <a:ext uri="{FF2B5EF4-FFF2-40B4-BE49-F238E27FC236}">
+                <a16:creationId xmlns:a16="http://schemas.microsoft.com/office/drawing/2014/main" id="{D577099A-E313-4C15-925C-0B2622F65C5A}"/>
+              </a:ext>
+            </a:extLst>
+          </p:cNvPr>
+          <p:cNvGrpSpPr/>
+          <p:nvPr/>
+        </p:nvGrpSpPr>
+        <p:grpSpPr>
+          <a:xfrm>
+            <a:off x="913301" y="2908663"/>
+            <a:ext cx="1402079" cy="801189"/>
+            <a:chOff x="2481944" y="1985554"/>
+            <a:chExt cx="1410789" cy="801189"/>
+          </a:xfrm>
+          <a:solidFill>
+            <a:schemeClr val="bg1"/>
+          </a:solidFill>
+        </p:grpSpPr>
+        <p:sp>
+          <p:nvSpPr>
+            <p:cNvPr id="9" name="正方形/長方形 8">
+              <a:extLst>
+                <a:ext uri="{FF2B5EF4-FFF2-40B4-BE49-F238E27FC236}">
+                  <a16:creationId xmlns:a16="http://schemas.microsoft.com/office/drawing/2014/main" id="{F9331275-283A-4535-9955-1240B142102D}"/>
+                </a:ext>
+              </a:extLst>
+            </p:cNvPr>
+            <p:cNvSpPr/>
+            <p:nvPr/>
+          </p:nvSpPr>
+          <p:spPr>
+            <a:xfrm>
+              <a:off x="2481944" y="1985554"/>
+              <a:ext cx="1410789" cy="801189"/>
+            </a:xfrm>
+            <a:prstGeom prst="rect">
+              <a:avLst/>
+            </a:prstGeom>
+            <a:grpFill/>
+            <a:ln>
+              <a:solidFill>
+                <a:srgbClr val="00B050"/>
+              </a:solidFill>
+            </a:ln>
+          </p:spPr>
+          <p:style>
+            <a:lnRef idx="2">
+              <a:schemeClr val="accent1">
+                <a:shade val="50000"/>
+              </a:schemeClr>
+            </a:lnRef>
+            <a:fillRef idx="1">
+              <a:schemeClr val="accent1"/>
+            </a:fillRef>
+            <a:effectRef idx="0">
+              <a:schemeClr val="accent1"/>
+            </a:effectRef>
+            <a:fontRef idx="minor">
+              <a:schemeClr val="lt1"/>
+            </a:fontRef>
+          </p:style>
+          <p:txBody>
+            <a:bodyPr rtlCol="0" anchor="ctr"/>
+            <a:lstStyle/>
+            <a:p>
+              <a:pPr algn="ctr"/>
+              <a:endParaRPr lang="en-US"/>
+            </a:p>
+          </p:txBody>
+        </p:sp>
+        <p:sp>
+          <p:nvSpPr>
+            <p:cNvPr id="10" name="楕円 9">
+              <a:extLst>
+                <a:ext uri="{FF2B5EF4-FFF2-40B4-BE49-F238E27FC236}">
+                  <a16:creationId xmlns:a16="http://schemas.microsoft.com/office/drawing/2014/main" id="{4F6CDEAA-D250-4D36-816B-C471888FCB53}"/>
+                </a:ext>
+              </a:extLst>
+            </p:cNvPr>
+            <p:cNvSpPr/>
+            <p:nvPr/>
+          </p:nvSpPr>
+          <p:spPr>
+            <a:xfrm>
+              <a:off x="3204756" y="2046511"/>
+              <a:ext cx="130629" cy="139330"/>
+            </a:xfrm>
+            <a:prstGeom prst="ellipse">
+              <a:avLst/>
+            </a:prstGeom>
+            <a:grpFill/>
+            <a:ln>
+              <a:solidFill>
+                <a:srgbClr val="00B050"/>
+              </a:solidFill>
+            </a:ln>
+          </p:spPr>
+          <p:style>
+            <a:lnRef idx="2">
+              <a:schemeClr val="accent1">
+                <a:shade val="50000"/>
+              </a:schemeClr>
+            </a:lnRef>
+            <a:fillRef idx="1">
+              <a:schemeClr val="accent1"/>
+            </a:fillRef>
+            <a:effectRef idx="0">
+              <a:schemeClr val="accent1"/>
+            </a:effectRef>
+            <a:fontRef idx="minor">
+              <a:schemeClr val="lt1"/>
+            </a:fontRef>
+          </p:style>
+          <p:txBody>
+            <a:bodyPr rtlCol="0" anchor="ctr"/>
+            <a:lstStyle/>
+            <a:p>
+              <a:pPr algn="ctr"/>
+              <a:endParaRPr lang="en-US"/>
+            </a:p>
+          </p:txBody>
+        </p:sp>
+        <p:sp>
+          <p:nvSpPr>
+            <p:cNvPr id="11" name="楕円 10">
+              <a:extLst>
+                <a:ext uri="{FF2B5EF4-FFF2-40B4-BE49-F238E27FC236}">
+                  <a16:creationId xmlns:a16="http://schemas.microsoft.com/office/drawing/2014/main" id="{8BC407D5-43F4-4FCB-8AC6-A9C2967E8452}"/>
+                </a:ext>
+              </a:extLst>
+            </p:cNvPr>
+            <p:cNvSpPr/>
+            <p:nvPr/>
+          </p:nvSpPr>
+          <p:spPr>
+            <a:xfrm>
+              <a:off x="3209108" y="2233747"/>
+              <a:ext cx="130629" cy="139330"/>
+            </a:xfrm>
+            <a:prstGeom prst="ellipse">
+              <a:avLst/>
+            </a:prstGeom>
+            <a:grpFill/>
+            <a:ln>
+              <a:solidFill>
+                <a:srgbClr val="00B050"/>
+              </a:solidFill>
+            </a:ln>
+          </p:spPr>
+          <p:style>
+            <a:lnRef idx="2">
+              <a:schemeClr val="accent1">
+                <a:shade val="50000"/>
+              </a:schemeClr>
+            </a:lnRef>
+            <a:fillRef idx="1">
+              <a:schemeClr val="accent1"/>
+            </a:fillRef>
+            <a:effectRef idx="0">
+              <a:schemeClr val="accent1"/>
+            </a:effectRef>
+            <a:fontRef idx="minor">
+              <a:schemeClr val="lt1"/>
+            </a:fontRef>
+          </p:style>
+          <p:txBody>
+            <a:bodyPr rtlCol="0" anchor="ctr"/>
+            <a:lstStyle/>
+            <a:p>
+              <a:pPr algn="ctr"/>
+              <a:endParaRPr lang="en-US"/>
+            </a:p>
+          </p:txBody>
+        </p:sp>
+        <p:sp>
+          <p:nvSpPr>
+            <p:cNvPr id="12" name="楕円 11">
+              <a:extLst>
+                <a:ext uri="{FF2B5EF4-FFF2-40B4-BE49-F238E27FC236}">
+                  <a16:creationId xmlns:a16="http://schemas.microsoft.com/office/drawing/2014/main" id="{C5266C92-0D2F-4967-A3EC-2CC8A336DDA0}"/>
+                </a:ext>
+              </a:extLst>
+            </p:cNvPr>
+            <p:cNvSpPr/>
+            <p:nvPr/>
+          </p:nvSpPr>
+          <p:spPr>
+            <a:xfrm>
+              <a:off x="3204749" y="2420983"/>
+              <a:ext cx="130629" cy="139330"/>
+            </a:xfrm>
+            <a:prstGeom prst="ellipse">
+              <a:avLst/>
+            </a:prstGeom>
+            <a:grpFill/>
+            <a:ln>
+              <a:solidFill>
+                <a:srgbClr val="00B050"/>
+              </a:solidFill>
+            </a:ln>
+          </p:spPr>
+          <p:style>
+            <a:lnRef idx="2">
+              <a:schemeClr val="accent1">
+                <a:shade val="50000"/>
+              </a:schemeClr>
+            </a:lnRef>
+            <a:fillRef idx="1">
+              <a:schemeClr val="accent1"/>
+            </a:fillRef>
+            <a:effectRef idx="0">
+              <a:schemeClr val="accent1"/>
+            </a:effectRef>
+            <a:fontRef idx="minor">
+              <a:schemeClr val="lt1"/>
+            </a:fontRef>
+          </p:style>
+          <p:txBody>
+            <a:bodyPr rtlCol="0" anchor="ctr"/>
+            <a:lstStyle/>
+            <a:p>
+              <a:pPr algn="ctr"/>
+              <a:endParaRPr lang="en-US"/>
+            </a:p>
+          </p:txBody>
+        </p:sp>
+        <p:sp>
+          <p:nvSpPr>
+            <p:cNvPr id="14" name="楕円 13">
+              <a:extLst>
+                <a:ext uri="{FF2B5EF4-FFF2-40B4-BE49-F238E27FC236}">
+                  <a16:creationId xmlns:a16="http://schemas.microsoft.com/office/drawing/2014/main" id="{6B8ABF44-D7E7-4BF2-BD4F-F241D3952E76}"/>
+                </a:ext>
+              </a:extLst>
+            </p:cNvPr>
+            <p:cNvSpPr/>
+            <p:nvPr/>
+          </p:nvSpPr>
+          <p:spPr>
+            <a:xfrm>
+              <a:off x="3209102" y="2608219"/>
+              <a:ext cx="130629" cy="139330"/>
+            </a:xfrm>
+            <a:prstGeom prst="ellipse">
+              <a:avLst/>
+            </a:prstGeom>
+            <a:grpFill/>
+            <a:ln>
+              <a:solidFill>
+                <a:srgbClr val="00B050"/>
+              </a:solidFill>
+            </a:ln>
+          </p:spPr>
+          <p:style>
+            <a:lnRef idx="2">
+              <a:schemeClr val="accent1">
+                <a:shade val="50000"/>
+              </a:schemeClr>
+            </a:lnRef>
+            <a:fillRef idx="1">
+              <a:schemeClr val="accent1"/>
+            </a:fillRef>
+            <a:effectRef idx="0">
+              <a:schemeClr val="accent1"/>
+            </a:effectRef>
+            <a:fontRef idx="minor">
+              <a:schemeClr val="lt1"/>
+            </a:fontRef>
+          </p:style>
+          <p:txBody>
+            <a:bodyPr rtlCol="0" anchor="ctr"/>
+            <a:lstStyle/>
+            <a:p>
+              <a:pPr algn="ctr"/>
+              <a:endParaRPr lang="en-US"/>
+            </a:p>
+          </p:txBody>
+        </p:sp>
+        <p:sp>
+          <p:nvSpPr>
+            <p:cNvPr id="15" name="楕円 14">
+              <a:extLst>
+                <a:ext uri="{FF2B5EF4-FFF2-40B4-BE49-F238E27FC236}">
+                  <a16:creationId xmlns:a16="http://schemas.microsoft.com/office/drawing/2014/main" id="{4816FEE0-0576-43FA-B870-B288DB909249}"/>
+                </a:ext>
+              </a:extLst>
+            </p:cNvPr>
+            <p:cNvSpPr/>
+            <p:nvPr/>
+          </p:nvSpPr>
+          <p:spPr>
+            <a:xfrm>
+              <a:off x="3374574" y="2050861"/>
+              <a:ext cx="130629" cy="139330"/>
+            </a:xfrm>
+            <a:prstGeom prst="ellipse">
+              <a:avLst/>
+            </a:prstGeom>
+            <a:grpFill/>
+            <a:ln>
+              <a:solidFill>
+                <a:srgbClr val="00B050"/>
+              </a:solidFill>
+            </a:ln>
+          </p:spPr>
+          <p:style>
+            <a:lnRef idx="2">
+              <a:schemeClr val="accent1">
+                <a:shade val="50000"/>
+              </a:schemeClr>
+            </a:lnRef>
+            <a:fillRef idx="1">
+              <a:schemeClr val="accent1"/>
+            </a:fillRef>
+            <a:effectRef idx="0">
+              <a:schemeClr val="accent1"/>
+            </a:effectRef>
+            <a:fontRef idx="minor">
+              <a:schemeClr val="lt1"/>
+            </a:fontRef>
+          </p:style>
+          <p:txBody>
+            <a:bodyPr rtlCol="0" anchor="ctr"/>
+            <a:lstStyle/>
+            <a:p>
+              <a:pPr algn="ctr"/>
+              <a:endParaRPr lang="en-US"/>
+            </a:p>
+          </p:txBody>
+        </p:sp>
+        <p:sp>
+          <p:nvSpPr>
+            <p:cNvPr id="16" name="楕円 15">
+              <a:extLst>
+                <a:ext uri="{FF2B5EF4-FFF2-40B4-BE49-F238E27FC236}">
+                  <a16:creationId xmlns:a16="http://schemas.microsoft.com/office/drawing/2014/main" id="{2AEFB3BA-A679-4F37-9256-D166A6C738B6}"/>
+                </a:ext>
+              </a:extLst>
+            </p:cNvPr>
+            <p:cNvSpPr/>
+            <p:nvPr/>
+          </p:nvSpPr>
+          <p:spPr>
+            <a:xfrm>
+              <a:off x="3378926" y="2238097"/>
+              <a:ext cx="130629" cy="139330"/>
+            </a:xfrm>
+            <a:prstGeom prst="ellipse">
+              <a:avLst/>
+            </a:prstGeom>
+            <a:grpFill/>
+            <a:ln>
+              <a:solidFill>
+                <a:srgbClr val="00B050"/>
+              </a:solidFill>
+            </a:ln>
+          </p:spPr>
+          <p:style>
+            <a:lnRef idx="2">
+              <a:schemeClr val="accent1">
+                <a:shade val="50000"/>
+              </a:schemeClr>
+            </a:lnRef>
+            <a:fillRef idx="1">
+              <a:schemeClr val="accent1"/>
+            </a:fillRef>
+            <a:effectRef idx="0">
+              <a:schemeClr val="accent1"/>
+            </a:effectRef>
+            <a:fontRef idx="minor">
+              <a:schemeClr val="lt1"/>
+            </a:fontRef>
+          </p:style>
+          <p:txBody>
+            <a:bodyPr rtlCol="0" anchor="ctr"/>
+            <a:lstStyle/>
+            <a:p>
+              <a:pPr algn="ctr"/>
+              <a:endParaRPr lang="en-US"/>
+            </a:p>
+          </p:txBody>
+        </p:sp>
+        <p:sp>
+          <p:nvSpPr>
+            <p:cNvPr id="17" name="楕円 16">
+              <a:extLst>
+                <a:ext uri="{FF2B5EF4-FFF2-40B4-BE49-F238E27FC236}">
+                  <a16:creationId xmlns:a16="http://schemas.microsoft.com/office/drawing/2014/main" id="{7E2A3DCB-79A5-461E-BBF2-9DB7B70A765E}"/>
+                </a:ext>
+              </a:extLst>
+            </p:cNvPr>
+            <p:cNvSpPr/>
+            <p:nvPr/>
+          </p:nvSpPr>
+          <p:spPr>
+            <a:xfrm>
+              <a:off x="3383276" y="2425333"/>
+              <a:ext cx="130629" cy="139330"/>
+            </a:xfrm>
+            <a:prstGeom prst="ellipse">
+              <a:avLst/>
+            </a:prstGeom>
+            <a:grpFill/>
+            <a:ln>
+              <a:solidFill>
+                <a:srgbClr val="00B050"/>
+              </a:solidFill>
+            </a:ln>
+          </p:spPr>
+          <p:style>
+            <a:lnRef idx="2">
+              <a:schemeClr val="accent1">
+                <a:shade val="50000"/>
+              </a:schemeClr>
+            </a:lnRef>
+            <a:fillRef idx="1">
+              <a:schemeClr val="accent1"/>
+            </a:fillRef>
+            <a:effectRef idx="0">
+              <a:schemeClr val="accent1"/>
+            </a:effectRef>
+            <a:fontRef idx="minor">
+              <a:schemeClr val="lt1"/>
+            </a:fontRef>
+          </p:style>
+          <p:txBody>
+            <a:bodyPr rtlCol="0" anchor="ctr"/>
+            <a:lstStyle/>
+            <a:p>
+              <a:pPr algn="ctr"/>
+              <a:endParaRPr lang="en-US"/>
+            </a:p>
+          </p:txBody>
+        </p:sp>
+        <p:sp>
+          <p:nvSpPr>
+            <p:cNvPr id="18" name="楕円 17">
+              <a:extLst>
+                <a:ext uri="{FF2B5EF4-FFF2-40B4-BE49-F238E27FC236}">
+                  <a16:creationId xmlns:a16="http://schemas.microsoft.com/office/drawing/2014/main" id="{9FD148D5-7EFC-48EE-8B5F-FC9816CEAC7A}"/>
+                </a:ext>
+              </a:extLst>
+            </p:cNvPr>
+            <p:cNvSpPr/>
+            <p:nvPr/>
+          </p:nvSpPr>
+          <p:spPr>
+            <a:xfrm>
+              <a:off x="3378920" y="2612569"/>
+              <a:ext cx="130629" cy="139330"/>
+            </a:xfrm>
+            <a:prstGeom prst="ellipse">
+              <a:avLst/>
+            </a:prstGeom>
+            <a:grpFill/>
+            <a:ln>
+              <a:solidFill>
+                <a:srgbClr val="00B050"/>
+              </a:solidFill>
+            </a:ln>
+          </p:spPr>
+          <p:style>
+            <a:lnRef idx="2">
+              <a:schemeClr val="accent1">
+                <a:shade val="50000"/>
+              </a:schemeClr>
+            </a:lnRef>
+            <a:fillRef idx="1">
+              <a:schemeClr val="accent1"/>
+            </a:fillRef>
+            <a:effectRef idx="0">
+              <a:schemeClr val="accent1"/>
+            </a:effectRef>
+            <a:fontRef idx="minor">
+              <a:schemeClr val="lt1"/>
+            </a:fontRef>
+          </p:style>
+          <p:txBody>
+            <a:bodyPr rtlCol="0" anchor="ctr"/>
+            <a:lstStyle/>
+            <a:p>
+              <a:pPr algn="ctr"/>
+              <a:endParaRPr lang="en-US"/>
+            </a:p>
+          </p:txBody>
+        </p:sp>
+        <p:sp>
+          <p:nvSpPr>
+            <p:cNvPr id="19" name="楕円 18">
+              <a:extLst>
+                <a:ext uri="{FF2B5EF4-FFF2-40B4-BE49-F238E27FC236}">
+                  <a16:creationId xmlns:a16="http://schemas.microsoft.com/office/drawing/2014/main" id="{3AD227F9-94B1-4EB5-8AD2-CA9C6C64D25F}"/>
+                </a:ext>
+              </a:extLst>
+            </p:cNvPr>
+            <p:cNvSpPr/>
+            <p:nvPr/>
+          </p:nvSpPr>
+          <p:spPr>
+            <a:xfrm>
+              <a:off x="3548749" y="2050864"/>
+              <a:ext cx="130629" cy="139330"/>
+            </a:xfrm>
+            <a:prstGeom prst="ellipse">
+              <a:avLst/>
+            </a:prstGeom>
+            <a:grpFill/>
+            <a:ln>
+              <a:solidFill>
+                <a:srgbClr val="00B050"/>
+              </a:solidFill>
+            </a:ln>
+          </p:spPr>
+          <p:style>
+            <a:lnRef idx="2">
+              <a:schemeClr val="accent1">
+                <a:shade val="50000"/>
+              </a:schemeClr>
+            </a:lnRef>
+            <a:fillRef idx="1">
+              <a:schemeClr val="accent1"/>
+            </a:fillRef>
+            <a:effectRef idx="0">
+              <a:schemeClr val="accent1"/>
+            </a:effectRef>
+            <a:fontRef idx="minor">
+              <a:schemeClr val="lt1"/>
+            </a:fontRef>
+          </p:style>
+          <p:txBody>
+            <a:bodyPr rtlCol="0" anchor="ctr"/>
+            <a:lstStyle/>
+            <a:p>
+              <a:pPr algn="ctr"/>
+              <a:endParaRPr lang="en-US"/>
+            </a:p>
+          </p:txBody>
+        </p:sp>
+        <p:sp>
+          <p:nvSpPr>
+            <p:cNvPr id="20" name="楕円 19">
+              <a:extLst>
+                <a:ext uri="{FF2B5EF4-FFF2-40B4-BE49-F238E27FC236}">
+                  <a16:creationId xmlns:a16="http://schemas.microsoft.com/office/drawing/2014/main" id="{004C505E-7C69-4C15-82D4-214D67270866}"/>
+                </a:ext>
+              </a:extLst>
+            </p:cNvPr>
+            <p:cNvSpPr/>
+            <p:nvPr/>
+          </p:nvSpPr>
+          <p:spPr>
+            <a:xfrm>
+              <a:off x="3544392" y="2238100"/>
+              <a:ext cx="130629" cy="139330"/>
+            </a:xfrm>
+            <a:prstGeom prst="ellipse">
+              <a:avLst/>
+            </a:prstGeom>
+            <a:grpFill/>
+            <a:ln>
+              <a:solidFill>
+                <a:srgbClr val="00B050"/>
+              </a:solidFill>
+            </a:ln>
+          </p:spPr>
+          <p:style>
+            <a:lnRef idx="2">
+              <a:schemeClr val="accent1">
+                <a:shade val="50000"/>
+              </a:schemeClr>
+            </a:lnRef>
+            <a:fillRef idx="1">
+              <a:schemeClr val="accent1"/>
+            </a:fillRef>
+            <a:effectRef idx="0">
+              <a:schemeClr val="accent1"/>
+            </a:effectRef>
+            <a:fontRef idx="minor">
+              <a:schemeClr val="lt1"/>
+            </a:fontRef>
+          </p:style>
+          <p:txBody>
+            <a:bodyPr rtlCol="0" anchor="ctr"/>
+            <a:lstStyle/>
+            <a:p>
+              <a:pPr algn="ctr"/>
+              <a:endParaRPr lang="en-US"/>
+            </a:p>
+          </p:txBody>
+        </p:sp>
+        <p:sp>
+          <p:nvSpPr>
+            <p:cNvPr id="21" name="楕円 20">
+              <a:extLst>
+                <a:ext uri="{FF2B5EF4-FFF2-40B4-BE49-F238E27FC236}">
+                  <a16:creationId xmlns:a16="http://schemas.microsoft.com/office/drawing/2014/main" id="{5E880866-9ACC-4797-908F-2E42C5DC57B2}"/>
+                </a:ext>
+              </a:extLst>
+            </p:cNvPr>
+            <p:cNvSpPr/>
+            <p:nvPr/>
+          </p:nvSpPr>
+          <p:spPr>
+            <a:xfrm>
+              <a:off x="3548742" y="2425336"/>
+              <a:ext cx="130629" cy="139330"/>
+            </a:xfrm>
+            <a:prstGeom prst="ellipse">
+              <a:avLst/>
+            </a:prstGeom>
+            <a:grpFill/>
+            <a:ln>
+              <a:solidFill>
+                <a:srgbClr val="00B050"/>
+              </a:solidFill>
+            </a:ln>
+          </p:spPr>
+          <p:style>
+            <a:lnRef idx="2">
+              <a:schemeClr val="accent1">
+                <a:shade val="50000"/>
+              </a:schemeClr>
+            </a:lnRef>
+            <a:fillRef idx="1">
+              <a:schemeClr val="accent1"/>
+            </a:fillRef>
+            <a:effectRef idx="0">
+              <a:schemeClr val="accent1"/>
+            </a:effectRef>
+            <a:fontRef idx="minor">
+              <a:schemeClr val="lt1"/>
+            </a:fontRef>
+          </p:style>
+          <p:txBody>
+            <a:bodyPr rtlCol="0" anchor="ctr"/>
+            <a:lstStyle/>
+            <a:p>
+              <a:pPr algn="ctr"/>
+              <a:endParaRPr lang="en-US"/>
+            </a:p>
+          </p:txBody>
+        </p:sp>
+        <p:sp>
+          <p:nvSpPr>
+            <p:cNvPr id="22" name="楕円 21">
+              <a:extLst>
+                <a:ext uri="{FF2B5EF4-FFF2-40B4-BE49-F238E27FC236}">
+                  <a16:creationId xmlns:a16="http://schemas.microsoft.com/office/drawing/2014/main" id="{95A0C3FC-3060-4984-8646-1A89D04CE782}"/>
+                </a:ext>
+              </a:extLst>
+            </p:cNvPr>
+            <p:cNvSpPr/>
+            <p:nvPr/>
+          </p:nvSpPr>
+          <p:spPr>
+            <a:xfrm>
+              <a:off x="3553095" y="2612572"/>
+              <a:ext cx="130629" cy="139330"/>
+            </a:xfrm>
+            <a:prstGeom prst="ellipse">
+              <a:avLst/>
+            </a:prstGeom>
+            <a:grpFill/>
+            <a:ln>
+              <a:solidFill>
+                <a:srgbClr val="00B050"/>
+              </a:solidFill>
+            </a:ln>
+          </p:spPr>
+          <p:style>
+            <a:lnRef idx="2">
+              <a:schemeClr val="accent1">
+                <a:shade val="50000"/>
+              </a:schemeClr>
+            </a:lnRef>
+            <a:fillRef idx="1">
+              <a:schemeClr val="accent1"/>
+            </a:fillRef>
+            <a:effectRef idx="0">
+              <a:schemeClr val="accent1"/>
+            </a:effectRef>
+            <a:fontRef idx="minor">
+              <a:schemeClr val="lt1"/>
+            </a:fontRef>
+          </p:style>
+          <p:txBody>
+            <a:bodyPr rtlCol="0" anchor="ctr"/>
+            <a:lstStyle/>
+            <a:p>
+              <a:pPr algn="ctr"/>
+              <a:endParaRPr lang="en-US"/>
+            </a:p>
+          </p:txBody>
+        </p:sp>
+        <p:sp>
+          <p:nvSpPr>
+            <p:cNvPr id="23" name="楕円 22">
+              <a:extLst>
+                <a:ext uri="{FF2B5EF4-FFF2-40B4-BE49-F238E27FC236}">
+                  <a16:creationId xmlns:a16="http://schemas.microsoft.com/office/drawing/2014/main" id="{A383C0BA-8234-40B3-9D0A-EDBB1EAD9FFA}"/>
+                </a:ext>
+              </a:extLst>
+            </p:cNvPr>
+            <p:cNvSpPr/>
+            <p:nvPr/>
+          </p:nvSpPr>
+          <p:spPr>
+            <a:xfrm>
+              <a:off x="3718567" y="2055214"/>
+              <a:ext cx="130629" cy="139330"/>
+            </a:xfrm>
+            <a:prstGeom prst="ellipse">
+              <a:avLst/>
+            </a:prstGeom>
+            <a:grpFill/>
+            <a:ln>
+              <a:solidFill>
+                <a:srgbClr val="00B050"/>
+              </a:solidFill>
+            </a:ln>
+          </p:spPr>
+          <p:style>
+            <a:lnRef idx="2">
+              <a:schemeClr val="accent1">
+                <a:shade val="50000"/>
+              </a:schemeClr>
+            </a:lnRef>
+            <a:fillRef idx="1">
+              <a:schemeClr val="accent1"/>
+            </a:fillRef>
+            <a:effectRef idx="0">
+              <a:schemeClr val="accent1"/>
+            </a:effectRef>
+            <a:fontRef idx="minor">
+              <a:schemeClr val="lt1"/>
+            </a:fontRef>
+          </p:style>
+          <p:txBody>
+            <a:bodyPr rtlCol="0" anchor="ctr"/>
+            <a:lstStyle/>
+            <a:p>
+              <a:pPr algn="ctr"/>
+              <a:endParaRPr lang="en-US"/>
+            </a:p>
+          </p:txBody>
+        </p:sp>
+        <p:sp>
+          <p:nvSpPr>
+            <p:cNvPr id="24" name="楕円 23">
+              <a:extLst>
+                <a:ext uri="{FF2B5EF4-FFF2-40B4-BE49-F238E27FC236}">
+                  <a16:creationId xmlns:a16="http://schemas.microsoft.com/office/drawing/2014/main" id="{C3FBA166-C751-4617-8A65-A4962F7DC878}"/>
+                </a:ext>
+              </a:extLst>
+            </p:cNvPr>
+            <p:cNvSpPr/>
+            <p:nvPr/>
+          </p:nvSpPr>
+          <p:spPr>
+            <a:xfrm>
+              <a:off x="3714210" y="2242450"/>
+              <a:ext cx="130629" cy="139330"/>
+            </a:xfrm>
+            <a:prstGeom prst="ellipse">
+              <a:avLst/>
+            </a:prstGeom>
+            <a:grpFill/>
+            <a:ln>
+              <a:solidFill>
+                <a:srgbClr val="00B050"/>
+              </a:solidFill>
+            </a:ln>
+          </p:spPr>
+          <p:style>
+            <a:lnRef idx="2">
+              <a:schemeClr val="accent1">
+                <a:shade val="50000"/>
+              </a:schemeClr>
+            </a:lnRef>
+            <a:fillRef idx="1">
+              <a:schemeClr val="accent1"/>
+            </a:fillRef>
+            <a:effectRef idx="0">
+              <a:schemeClr val="accent1"/>
+            </a:effectRef>
+            <a:fontRef idx="minor">
+              <a:schemeClr val="lt1"/>
+            </a:fontRef>
+          </p:style>
+          <p:txBody>
+            <a:bodyPr rtlCol="0" anchor="ctr"/>
+            <a:lstStyle/>
+            <a:p>
+              <a:pPr algn="ctr"/>
+              <a:endParaRPr lang="en-US"/>
+            </a:p>
+          </p:txBody>
+        </p:sp>
+        <p:sp>
+          <p:nvSpPr>
+            <p:cNvPr id="25" name="楕円 24">
+              <a:extLst>
+                <a:ext uri="{FF2B5EF4-FFF2-40B4-BE49-F238E27FC236}">
+                  <a16:creationId xmlns:a16="http://schemas.microsoft.com/office/drawing/2014/main" id="{1197507B-5ADD-4FA1-B4A3-2B6F46A305D7}"/>
+                </a:ext>
+              </a:extLst>
+            </p:cNvPr>
+            <p:cNvSpPr/>
+            <p:nvPr/>
+          </p:nvSpPr>
+          <p:spPr>
+            <a:xfrm>
+              <a:off x="3718560" y="2429686"/>
+              <a:ext cx="130629" cy="139330"/>
+            </a:xfrm>
+            <a:prstGeom prst="ellipse">
+              <a:avLst/>
+            </a:prstGeom>
+            <a:grpFill/>
+            <a:ln>
+              <a:solidFill>
+                <a:srgbClr val="00B050"/>
+              </a:solidFill>
+            </a:ln>
+          </p:spPr>
+          <p:style>
+            <a:lnRef idx="2">
+              <a:schemeClr val="accent1">
+                <a:shade val="50000"/>
+              </a:schemeClr>
+            </a:lnRef>
+            <a:fillRef idx="1">
+              <a:schemeClr val="accent1"/>
+            </a:fillRef>
+            <a:effectRef idx="0">
+              <a:schemeClr val="accent1"/>
+            </a:effectRef>
+            <a:fontRef idx="minor">
+              <a:schemeClr val="lt1"/>
+            </a:fontRef>
+          </p:style>
+          <p:txBody>
+            <a:bodyPr rtlCol="0" anchor="ctr"/>
+            <a:lstStyle/>
+            <a:p>
+              <a:pPr algn="ctr"/>
+              <a:endParaRPr lang="en-US"/>
+            </a:p>
+          </p:txBody>
+        </p:sp>
+        <p:sp>
+          <p:nvSpPr>
+            <p:cNvPr id="26" name="楕円 25">
+              <a:extLst>
+                <a:ext uri="{FF2B5EF4-FFF2-40B4-BE49-F238E27FC236}">
+                  <a16:creationId xmlns:a16="http://schemas.microsoft.com/office/drawing/2014/main" id="{BF462A71-83F1-41E8-AD80-98B3CC8BC223}"/>
+                </a:ext>
+              </a:extLst>
+            </p:cNvPr>
+            <p:cNvSpPr/>
+            <p:nvPr/>
+          </p:nvSpPr>
+          <p:spPr>
+            <a:xfrm>
+              <a:off x="3722913" y="2616922"/>
+              <a:ext cx="130629" cy="139330"/>
+            </a:xfrm>
+            <a:prstGeom prst="ellipse">
+              <a:avLst/>
+            </a:prstGeom>
+            <a:grpFill/>
+            <a:ln>
+              <a:solidFill>
+                <a:srgbClr val="00B050"/>
+              </a:solidFill>
+            </a:ln>
+          </p:spPr>
+          <p:style>
+            <a:lnRef idx="2">
+              <a:schemeClr val="accent1">
+                <a:shade val="50000"/>
+              </a:schemeClr>
+            </a:lnRef>
+            <a:fillRef idx="1">
+              <a:schemeClr val="accent1"/>
+            </a:fillRef>
+            <a:effectRef idx="0">
+              <a:schemeClr val="accent1"/>
+            </a:effectRef>
+            <a:fontRef idx="minor">
+              <a:schemeClr val="lt1"/>
+            </a:fontRef>
+          </p:style>
+          <p:txBody>
+            <a:bodyPr rtlCol="0" anchor="ctr"/>
+            <a:lstStyle/>
+            <a:p>
+              <a:pPr algn="ctr"/>
+              <a:endParaRPr lang="en-US"/>
+            </a:p>
+          </p:txBody>
+        </p:sp>
+        <p:sp>
+          <p:nvSpPr>
+            <p:cNvPr id="27" name="楕円 26">
+              <a:extLst>
+                <a:ext uri="{FF2B5EF4-FFF2-40B4-BE49-F238E27FC236}">
+                  <a16:creationId xmlns:a16="http://schemas.microsoft.com/office/drawing/2014/main" id="{E60057A7-98F0-4588-A88A-B7B7B1F0A637}"/>
+                </a:ext>
+              </a:extLst>
+            </p:cNvPr>
+            <p:cNvSpPr/>
+            <p:nvPr/>
+          </p:nvSpPr>
+          <p:spPr>
+            <a:xfrm>
+              <a:off x="2521124" y="2042163"/>
+              <a:ext cx="130629" cy="139330"/>
+            </a:xfrm>
+            <a:prstGeom prst="ellipse">
+              <a:avLst/>
+            </a:prstGeom>
+            <a:grpFill/>
+            <a:ln>
+              <a:solidFill>
+                <a:srgbClr val="00B050"/>
+              </a:solidFill>
+            </a:ln>
+          </p:spPr>
+          <p:style>
+            <a:lnRef idx="2">
+              <a:schemeClr val="accent1">
+                <a:shade val="50000"/>
+              </a:schemeClr>
+            </a:lnRef>
+            <a:fillRef idx="1">
+              <a:schemeClr val="accent1"/>
+            </a:fillRef>
+            <a:effectRef idx="0">
+              <a:schemeClr val="accent1"/>
+            </a:effectRef>
+            <a:fontRef idx="minor">
+              <a:schemeClr val="lt1"/>
+            </a:fontRef>
+          </p:style>
+          <p:txBody>
+            <a:bodyPr rtlCol="0" anchor="ctr"/>
+            <a:lstStyle/>
+            <a:p>
+              <a:pPr algn="ctr"/>
+              <a:endParaRPr lang="en-US"/>
+            </a:p>
+          </p:txBody>
+        </p:sp>
+        <p:sp>
+          <p:nvSpPr>
+            <p:cNvPr id="28" name="楕円 27">
+              <a:extLst>
+                <a:ext uri="{FF2B5EF4-FFF2-40B4-BE49-F238E27FC236}">
+                  <a16:creationId xmlns:a16="http://schemas.microsoft.com/office/drawing/2014/main" id="{C6D66D13-C982-4D58-96E6-E87689C5977B}"/>
+                </a:ext>
+              </a:extLst>
+            </p:cNvPr>
+            <p:cNvSpPr/>
+            <p:nvPr/>
+          </p:nvSpPr>
+          <p:spPr>
+            <a:xfrm>
+              <a:off x="2525476" y="2229399"/>
+              <a:ext cx="130629" cy="139330"/>
+            </a:xfrm>
+            <a:prstGeom prst="ellipse">
+              <a:avLst/>
+            </a:prstGeom>
+            <a:grpFill/>
+            <a:ln>
+              <a:solidFill>
+                <a:srgbClr val="00B050"/>
+              </a:solidFill>
+            </a:ln>
+          </p:spPr>
+          <p:style>
+            <a:lnRef idx="2">
+              <a:schemeClr val="accent1">
+                <a:shade val="50000"/>
+              </a:schemeClr>
+            </a:lnRef>
+            <a:fillRef idx="1">
+              <a:schemeClr val="accent1"/>
+            </a:fillRef>
+            <a:effectRef idx="0">
+              <a:schemeClr val="accent1"/>
+            </a:effectRef>
+            <a:fontRef idx="minor">
+              <a:schemeClr val="lt1"/>
+            </a:fontRef>
+          </p:style>
+          <p:txBody>
+            <a:bodyPr rtlCol="0" anchor="ctr"/>
+            <a:lstStyle/>
+            <a:p>
+              <a:pPr algn="ctr"/>
+              <a:endParaRPr lang="en-US"/>
+            </a:p>
+          </p:txBody>
+        </p:sp>
+        <p:sp>
+          <p:nvSpPr>
+            <p:cNvPr id="29" name="楕円 28">
+              <a:extLst>
+                <a:ext uri="{FF2B5EF4-FFF2-40B4-BE49-F238E27FC236}">
+                  <a16:creationId xmlns:a16="http://schemas.microsoft.com/office/drawing/2014/main" id="{86A09412-33DD-4E7D-A38D-6017B98D3FC2}"/>
+                </a:ext>
+              </a:extLst>
+            </p:cNvPr>
+            <p:cNvSpPr/>
+            <p:nvPr/>
+          </p:nvSpPr>
+          <p:spPr>
+            <a:xfrm>
+              <a:off x="2521117" y="2416635"/>
+              <a:ext cx="130629" cy="139330"/>
+            </a:xfrm>
+            <a:prstGeom prst="ellipse">
+              <a:avLst/>
+            </a:prstGeom>
+            <a:grpFill/>
+            <a:ln>
+              <a:solidFill>
+                <a:srgbClr val="00B050"/>
+              </a:solidFill>
+            </a:ln>
+          </p:spPr>
+          <p:style>
+            <a:lnRef idx="2">
+              <a:schemeClr val="accent1">
+                <a:shade val="50000"/>
+              </a:schemeClr>
+            </a:lnRef>
+            <a:fillRef idx="1">
+              <a:schemeClr val="accent1"/>
+            </a:fillRef>
+            <a:effectRef idx="0">
+              <a:schemeClr val="accent1"/>
+            </a:effectRef>
+            <a:fontRef idx="minor">
+              <a:schemeClr val="lt1"/>
+            </a:fontRef>
+          </p:style>
+          <p:txBody>
+            <a:bodyPr rtlCol="0" anchor="ctr"/>
+            <a:lstStyle/>
+            <a:p>
+              <a:pPr algn="ctr"/>
+              <a:endParaRPr lang="en-US"/>
+            </a:p>
+          </p:txBody>
+        </p:sp>
+        <p:sp>
+          <p:nvSpPr>
+            <p:cNvPr id="30" name="楕円 29">
+              <a:extLst>
+                <a:ext uri="{FF2B5EF4-FFF2-40B4-BE49-F238E27FC236}">
+                  <a16:creationId xmlns:a16="http://schemas.microsoft.com/office/drawing/2014/main" id="{547015B7-F9C3-4C56-AADE-C3B03858E737}"/>
+                </a:ext>
+              </a:extLst>
+            </p:cNvPr>
+            <p:cNvSpPr/>
+            <p:nvPr/>
+          </p:nvSpPr>
+          <p:spPr>
+            <a:xfrm>
+              <a:off x="2525470" y="2603871"/>
+              <a:ext cx="130629" cy="139330"/>
+            </a:xfrm>
+            <a:prstGeom prst="ellipse">
+              <a:avLst/>
+            </a:prstGeom>
+            <a:grpFill/>
+            <a:ln>
+              <a:solidFill>
+                <a:srgbClr val="00B050"/>
+              </a:solidFill>
+            </a:ln>
+          </p:spPr>
+          <p:style>
+            <a:lnRef idx="2">
+              <a:schemeClr val="accent1">
+                <a:shade val="50000"/>
+              </a:schemeClr>
+            </a:lnRef>
+            <a:fillRef idx="1">
+              <a:schemeClr val="accent1"/>
+            </a:fillRef>
+            <a:effectRef idx="0">
+              <a:schemeClr val="accent1"/>
+            </a:effectRef>
+            <a:fontRef idx="minor">
+              <a:schemeClr val="lt1"/>
+            </a:fontRef>
+          </p:style>
+          <p:txBody>
+            <a:bodyPr rtlCol="0" anchor="ctr"/>
+            <a:lstStyle/>
+            <a:p>
+              <a:pPr algn="ctr"/>
+              <a:endParaRPr lang="en-US"/>
+            </a:p>
+          </p:txBody>
+        </p:sp>
+        <p:sp>
+          <p:nvSpPr>
+            <p:cNvPr id="31" name="楕円 30">
+              <a:extLst>
+                <a:ext uri="{FF2B5EF4-FFF2-40B4-BE49-F238E27FC236}">
+                  <a16:creationId xmlns:a16="http://schemas.microsoft.com/office/drawing/2014/main" id="{40FF3BB0-92A6-492F-8C69-37AE0C0C159F}"/>
+                </a:ext>
+              </a:extLst>
+            </p:cNvPr>
+            <p:cNvSpPr/>
+            <p:nvPr/>
+          </p:nvSpPr>
+          <p:spPr>
+            <a:xfrm>
+              <a:off x="2690942" y="2046513"/>
+              <a:ext cx="130629" cy="139330"/>
+            </a:xfrm>
+            <a:prstGeom prst="ellipse">
+              <a:avLst/>
+            </a:prstGeom>
+            <a:grpFill/>
+            <a:ln>
+              <a:solidFill>
+                <a:srgbClr val="00B050"/>
+              </a:solidFill>
+            </a:ln>
+          </p:spPr>
+          <p:style>
+            <a:lnRef idx="2">
+              <a:schemeClr val="accent1">
+                <a:shade val="50000"/>
+              </a:schemeClr>
+            </a:lnRef>
+            <a:fillRef idx="1">
+              <a:schemeClr val="accent1"/>
+            </a:fillRef>
+            <a:effectRef idx="0">
+              <a:schemeClr val="accent1"/>
+            </a:effectRef>
+            <a:fontRef idx="minor">
+              <a:schemeClr val="lt1"/>
+            </a:fontRef>
+          </p:style>
+          <p:txBody>
+            <a:bodyPr rtlCol="0" anchor="ctr"/>
+            <a:lstStyle/>
+            <a:p>
+              <a:pPr algn="ctr"/>
+              <a:endParaRPr lang="en-US"/>
+            </a:p>
+          </p:txBody>
+        </p:sp>
+        <p:sp>
+          <p:nvSpPr>
+            <p:cNvPr id="32" name="楕円 31">
+              <a:extLst>
+                <a:ext uri="{FF2B5EF4-FFF2-40B4-BE49-F238E27FC236}">
+                  <a16:creationId xmlns:a16="http://schemas.microsoft.com/office/drawing/2014/main" id="{CA7E3707-A551-401E-92D9-4E1465DB3D04}"/>
+                </a:ext>
+              </a:extLst>
+            </p:cNvPr>
+            <p:cNvSpPr/>
+            <p:nvPr/>
+          </p:nvSpPr>
+          <p:spPr>
+            <a:xfrm>
+              <a:off x="2695294" y="2233749"/>
+              <a:ext cx="130629" cy="139330"/>
+            </a:xfrm>
+            <a:prstGeom prst="ellipse">
+              <a:avLst/>
+            </a:prstGeom>
+            <a:grpFill/>
+            <a:ln>
+              <a:solidFill>
+                <a:srgbClr val="00B050"/>
+              </a:solidFill>
+            </a:ln>
+          </p:spPr>
+          <p:style>
+            <a:lnRef idx="2">
+              <a:schemeClr val="accent1">
+                <a:shade val="50000"/>
+              </a:schemeClr>
+            </a:lnRef>
+            <a:fillRef idx="1">
+              <a:schemeClr val="accent1"/>
+            </a:fillRef>
+            <a:effectRef idx="0">
+              <a:schemeClr val="accent1"/>
+            </a:effectRef>
+            <a:fontRef idx="minor">
+              <a:schemeClr val="lt1"/>
+            </a:fontRef>
+          </p:style>
+          <p:txBody>
+            <a:bodyPr rtlCol="0" anchor="ctr"/>
+            <a:lstStyle/>
+            <a:p>
+              <a:pPr algn="ctr"/>
+              <a:endParaRPr lang="en-US"/>
+            </a:p>
+          </p:txBody>
+        </p:sp>
+        <p:sp>
+          <p:nvSpPr>
+            <p:cNvPr id="33" name="楕円 32">
+              <a:extLst>
+                <a:ext uri="{FF2B5EF4-FFF2-40B4-BE49-F238E27FC236}">
+                  <a16:creationId xmlns:a16="http://schemas.microsoft.com/office/drawing/2014/main" id="{05950A12-C690-4A81-86EA-4D8DE015E7E6}"/>
+                </a:ext>
+              </a:extLst>
+            </p:cNvPr>
+            <p:cNvSpPr/>
+            <p:nvPr/>
+          </p:nvSpPr>
+          <p:spPr>
+            <a:xfrm>
+              <a:off x="2699644" y="2420985"/>
+              <a:ext cx="130629" cy="139330"/>
+            </a:xfrm>
+            <a:prstGeom prst="ellipse">
+              <a:avLst/>
+            </a:prstGeom>
+            <a:grpFill/>
+            <a:ln>
+              <a:solidFill>
+                <a:srgbClr val="00B050"/>
+              </a:solidFill>
+            </a:ln>
+          </p:spPr>
+          <p:style>
+            <a:lnRef idx="2">
+              <a:schemeClr val="accent1">
+                <a:shade val="50000"/>
+              </a:schemeClr>
+            </a:lnRef>
+            <a:fillRef idx="1">
+              <a:schemeClr val="accent1"/>
+            </a:fillRef>
+            <a:effectRef idx="0">
+              <a:schemeClr val="accent1"/>
+            </a:effectRef>
+            <a:fontRef idx="minor">
+              <a:schemeClr val="lt1"/>
+            </a:fontRef>
+          </p:style>
+          <p:txBody>
+            <a:bodyPr rtlCol="0" anchor="ctr"/>
+            <a:lstStyle/>
+            <a:p>
+              <a:pPr algn="ctr"/>
+              <a:endParaRPr lang="en-US"/>
+            </a:p>
+          </p:txBody>
+        </p:sp>
+        <p:sp>
+          <p:nvSpPr>
+            <p:cNvPr id="34" name="楕円 33">
+              <a:extLst>
+                <a:ext uri="{FF2B5EF4-FFF2-40B4-BE49-F238E27FC236}">
+                  <a16:creationId xmlns:a16="http://schemas.microsoft.com/office/drawing/2014/main" id="{7F8CF8CC-1B46-4192-BAD0-041172D4DE60}"/>
+                </a:ext>
+              </a:extLst>
+            </p:cNvPr>
+            <p:cNvSpPr/>
+            <p:nvPr/>
+          </p:nvSpPr>
+          <p:spPr>
+            <a:xfrm>
+              <a:off x="2695288" y="2608221"/>
+              <a:ext cx="130629" cy="139330"/>
+            </a:xfrm>
+            <a:prstGeom prst="ellipse">
+              <a:avLst/>
+            </a:prstGeom>
+            <a:grpFill/>
+            <a:ln>
+              <a:solidFill>
+                <a:srgbClr val="00B050"/>
+              </a:solidFill>
+            </a:ln>
+          </p:spPr>
+          <p:style>
+            <a:lnRef idx="2">
+              <a:schemeClr val="accent1">
+                <a:shade val="50000"/>
+              </a:schemeClr>
+            </a:lnRef>
+            <a:fillRef idx="1">
+              <a:schemeClr val="accent1"/>
+            </a:fillRef>
+            <a:effectRef idx="0">
+              <a:schemeClr val="accent1"/>
+            </a:effectRef>
+            <a:fontRef idx="minor">
+              <a:schemeClr val="lt1"/>
+            </a:fontRef>
+          </p:style>
+          <p:txBody>
+            <a:bodyPr rtlCol="0" anchor="ctr"/>
+            <a:lstStyle/>
+            <a:p>
+              <a:pPr algn="ctr"/>
+              <a:endParaRPr lang="en-US"/>
+            </a:p>
+          </p:txBody>
+        </p:sp>
+        <p:sp>
+          <p:nvSpPr>
+            <p:cNvPr id="35" name="楕円 34">
+              <a:extLst>
+                <a:ext uri="{FF2B5EF4-FFF2-40B4-BE49-F238E27FC236}">
+                  <a16:creationId xmlns:a16="http://schemas.microsoft.com/office/drawing/2014/main" id="{EA3BFF3B-422E-4A90-90A1-1A9642C4C85E}"/>
+                </a:ext>
+              </a:extLst>
+            </p:cNvPr>
+            <p:cNvSpPr/>
+            <p:nvPr/>
+          </p:nvSpPr>
+          <p:spPr>
+            <a:xfrm>
+              <a:off x="2865117" y="2046516"/>
+              <a:ext cx="130629" cy="139330"/>
+            </a:xfrm>
+            <a:prstGeom prst="ellipse">
+              <a:avLst/>
+            </a:prstGeom>
+            <a:grpFill/>
+            <a:ln>
+              <a:solidFill>
+                <a:srgbClr val="00B050"/>
+              </a:solidFill>
+            </a:ln>
+          </p:spPr>
+          <p:style>
+            <a:lnRef idx="2">
+              <a:schemeClr val="accent1">
+                <a:shade val="50000"/>
+              </a:schemeClr>
+            </a:lnRef>
+            <a:fillRef idx="1">
+              <a:schemeClr val="accent1"/>
+            </a:fillRef>
+            <a:effectRef idx="0">
+              <a:schemeClr val="accent1"/>
+            </a:effectRef>
+            <a:fontRef idx="minor">
+              <a:schemeClr val="lt1"/>
+            </a:fontRef>
+          </p:style>
+          <p:txBody>
+            <a:bodyPr rtlCol="0" anchor="ctr"/>
+            <a:lstStyle/>
+            <a:p>
+              <a:pPr algn="ctr"/>
+              <a:endParaRPr lang="en-US"/>
+            </a:p>
+          </p:txBody>
+        </p:sp>
+        <p:sp>
+          <p:nvSpPr>
+            <p:cNvPr id="36" name="楕円 35">
+              <a:extLst>
+                <a:ext uri="{FF2B5EF4-FFF2-40B4-BE49-F238E27FC236}">
+                  <a16:creationId xmlns:a16="http://schemas.microsoft.com/office/drawing/2014/main" id="{C90A38C4-8946-419A-9439-DBBE3A283354}"/>
+                </a:ext>
+              </a:extLst>
+            </p:cNvPr>
+            <p:cNvSpPr/>
+            <p:nvPr/>
+          </p:nvSpPr>
+          <p:spPr>
+            <a:xfrm>
+              <a:off x="2860760" y="2233752"/>
+              <a:ext cx="130629" cy="139330"/>
+            </a:xfrm>
+            <a:prstGeom prst="ellipse">
+              <a:avLst/>
+            </a:prstGeom>
+            <a:grpFill/>
+            <a:ln>
+              <a:solidFill>
+                <a:srgbClr val="00B050"/>
+              </a:solidFill>
+            </a:ln>
+          </p:spPr>
+          <p:style>
+            <a:lnRef idx="2">
+              <a:schemeClr val="accent1">
+                <a:shade val="50000"/>
+              </a:schemeClr>
+            </a:lnRef>
+            <a:fillRef idx="1">
+              <a:schemeClr val="accent1"/>
+            </a:fillRef>
+            <a:effectRef idx="0">
+              <a:schemeClr val="accent1"/>
+            </a:effectRef>
+            <a:fontRef idx="minor">
+              <a:schemeClr val="lt1"/>
+            </a:fontRef>
+          </p:style>
+          <p:txBody>
+            <a:bodyPr rtlCol="0" anchor="ctr"/>
+            <a:lstStyle/>
+            <a:p>
+              <a:pPr algn="ctr"/>
+              <a:endParaRPr lang="en-US"/>
+            </a:p>
+          </p:txBody>
+        </p:sp>
+        <p:sp>
+          <p:nvSpPr>
+            <p:cNvPr id="37" name="楕円 36">
+              <a:extLst>
+                <a:ext uri="{FF2B5EF4-FFF2-40B4-BE49-F238E27FC236}">
+                  <a16:creationId xmlns:a16="http://schemas.microsoft.com/office/drawing/2014/main" id="{15E4298E-3EDE-40FA-8473-E57A937D42A1}"/>
+                </a:ext>
+              </a:extLst>
+            </p:cNvPr>
+            <p:cNvSpPr/>
+            <p:nvPr/>
+          </p:nvSpPr>
+          <p:spPr>
+            <a:xfrm>
+              <a:off x="2865110" y="2420988"/>
+              <a:ext cx="130629" cy="139330"/>
+            </a:xfrm>
+            <a:prstGeom prst="ellipse">
+              <a:avLst/>
+            </a:prstGeom>
+            <a:grpFill/>
+            <a:ln>
+              <a:solidFill>
+                <a:srgbClr val="00B050"/>
+              </a:solidFill>
+            </a:ln>
+          </p:spPr>
+          <p:style>
+            <a:lnRef idx="2">
+              <a:schemeClr val="accent1">
+                <a:shade val="50000"/>
+              </a:schemeClr>
+            </a:lnRef>
+            <a:fillRef idx="1">
+              <a:schemeClr val="accent1"/>
+            </a:fillRef>
+            <a:effectRef idx="0">
+              <a:schemeClr val="accent1"/>
+            </a:effectRef>
+            <a:fontRef idx="minor">
+              <a:schemeClr val="lt1"/>
+            </a:fontRef>
+          </p:style>
+          <p:txBody>
+            <a:bodyPr rtlCol="0" anchor="ctr"/>
+            <a:lstStyle/>
+            <a:p>
+              <a:pPr algn="ctr"/>
+              <a:endParaRPr lang="en-US"/>
+            </a:p>
+          </p:txBody>
+        </p:sp>
+        <p:sp>
+          <p:nvSpPr>
+            <p:cNvPr id="38" name="楕円 37">
+              <a:extLst>
+                <a:ext uri="{FF2B5EF4-FFF2-40B4-BE49-F238E27FC236}">
+                  <a16:creationId xmlns:a16="http://schemas.microsoft.com/office/drawing/2014/main" id="{58CB32B0-EF9A-4D71-8B65-23E0CC9108E7}"/>
+                </a:ext>
+              </a:extLst>
+            </p:cNvPr>
+            <p:cNvSpPr/>
+            <p:nvPr/>
+          </p:nvSpPr>
+          <p:spPr>
+            <a:xfrm>
+              <a:off x="2869463" y="2608224"/>
+              <a:ext cx="130629" cy="139330"/>
+            </a:xfrm>
+            <a:prstGeom prst="ellipse">
+              <a:avLst/>
+            </a:prstGeom>
+            <a:grpFill/>
+            <a:ln>
+              <a:solidFill>
+                <a:srgbClr val="00B050"/>
+              </a:solidFill>
+            </a:ln>
+          </p:spPr>
+          <p:style>
+            <a:lnRef idx="2">
+              <a:schemeClr val="accent1">
+                <a:shade val="50000"/>
+              </a:schemeClr>
+            </a:lnRef>
+            <a:fillRef idx="1">
+              <a:schemeClr val="accent1"/>
+            </a:fillRef>
+            <a:effectRef idx="0">
+              <a:schemeClr val="accent1"/>
+            </a:effectRef>
+            <a:fontRef idx="minor">
+              <a:schemeClr val="lt1"/>
+            </a:fontRef>
+          </p:style>
+          <p:txBody>
+            <a:bodyPr rtlCol="0" anchor="ctr"/>
+            <a:lstStyle/>
+            <a:p>
+              <a:pPr algn="ctr"/>
+              <a:endParaRPr lang="en-US"/>
+            </a:p>
+          </p:txBody>
+        </p:sp>
+        <p:sp>
+          <p:nvSpPr>
+            <p:cNvPr id="39" name="楕円 38">
+              <a:extLst>
+                <a:ext uri="{FF2B5EF4-FFF2-40B4-BE49-F238E27FC236}">
+                  <a16:creationId xmlns:a16="http://schemas.microsoft.com/office/drawing/2014/main" id="{60362970-E521-4412-B3F4-DCC2D2CCA808}"/>
+                </a:ext>
+              </a:extLst>
+            </p:cNvPr>
+            <p:cNvSpPr/>
+            <p:nvPr/>
+          </p:nvSpPr>
+          <p:spPr>
+            <a:xfrm>
+              <a:off x="3034935" y="2050866"/>
+              <a:ext cx="130629" cy="139330"/>
+            </a:xfrm>
+            <a:prstGeom prst="ellipse">
+              <a:avLst/>
+            </a:prstGeom>
+            <a:grpFill/>
+            <a:ln>
+              <a:solidFill>
+                <a:srgbClr val="00B050"/>
+              </a:solidFill>
+            </a:ln>
+          </p:spPr>
+          <p:style>
+            <a:lnRef idx="2">
+              <a:schemeClr val="accent1">
+                <a:shade val="50000"/>
+              </a:schemeClr>
+            </a:lnRef>
+            <a:fillRef idx="1">
+              <a:schemeClr val="accent1"/>
+            </a:fillRef>
+            <a:effectRef idx="0">
+              <a:schemeClr val="accent1"/>
+            </a:effectRef>
+            <a:fontRef idx="minor">
+              <a:schemeClr val="lt1"/>
+            </a:fontRef>
+          </p:style>
+          <p:txBody>
+            <a:bodyPr rtlCol="0" anchor="ctr"/>
+            <a:lstStyle/>
+            <a:p>
+              <a:pPr algn="ctr"/>
+              <a:endParaRPr lang="en-US"/>
+            </a:p>
+          </p:txBody>
+        </p:sp>
+        <p:sp>
+          <p:nvSpPr>
+            <p:cNvPr id="40" name="楕円 39">
+              <a:extLst>
+                <a:ext uri="{FF2B5EF4-FFF2-40B4-BE49-F238E27FC236}">
+                  <a16:creationId xmlns:a16="http://schemas.microsoft.com/office/drawing/2014/main" id="{CDA24FF9-D121-4821-B1AE-4E4D7B0F11E9}"/>
+                </a:ext>
+              </a:extLst>
+            </p:cNvPr>
+            <p:cNvSpPr/>
+            <p:nvPr/>
+          </p:nvSpPr>
+          <p:spPr>
+            <a:xfrm>
+              <a:off x="3030578" y="2238102"/>
+              <a:ext cx="130629" cy="139330"/>
+            </a:xfrm>
+            <a:prstGeom prst="ellipse">
+              <a:avLst/>
+            </a:prstGeom>
+            <a:grpFill/>
+            <a:ln>
+              <a:solidFill>
+                <a:srgbClr val="00B050"/>
+              </a:solidFill>
+            </a:ln>
+          </p:spPr>
+          <p:style>
+            <a:lnRef idx="2">
+              <a:schemeClr val="accent1">
+                <a:shade val="50000"/>
+              </a:schemeClr>
+            </a:lnRef>
+            <a:fillRef idx="1">
+              <a:schemeClr val="accent1"/>
+            </a:fillRef>
+            <a:effectRef idx="0">
+              <a:schemeClr val="accent1"/>
+            </a:effectRef>
+            <a:fontRef idx="minor">
+              <a:schemeClr val="lt1"/>
+            </a:fontRef>
+          </p:style>
+          <p:txBody>
+            <a:bodyPr rtlCol="0" anchor="ctr"/>
+            <a:lstStyle/>
+            <a:p>
+              <a:pPr algn="ctr"/>
+              <a:endParaRPr lang="en-US"/>
+            </a:p>
+          </p:txBody>
+        </p:sp>
+        <p:sp>
+          <p:nvSpPr>
+            <p:cNvPr id="41" name="楕円 40">
+              <a:extLst>
+                <a:ext uri="{FF2B5EF4-FFF2-40B4-BE49-F238E27FC236}">
+                  <a16:creationId xmlns:a16="http://schemas.microsoft.com/office/drawing/2014/main" id="{0530CF63-C3B4-472D-800D-CA29D35A1107}"/>
+                </a:ext>
+              </a:extLst>
+            </p:cNvPr>
+            <p:cNvSpPr/>
+            <p:nvPr/>
+          </p:nvSpPr>
+          <p:spPr>
+            <a:xfrm>
+              <a:off x="3034928" y="2425338"/>
+              <a:ext cx="130629" cy="139330"/>
+            </a:xfrm>
+            <a:prstGeom prst="ellipse">
+              <a:avLst/>
+            </a:prstGeom>
+            <a:grpFill/>
+            <a:ln>
+              <a:solidFill>
+                <a:srgbClr val="00B050"/>
+              </a:solidFill>
+            </a:ln>
+          </p:spPr>
+          <p:style>
+            <a:lnRef idx="2">
+              <a:schemeClr val="accent1">
+                <a:shade val="50000"/>
+              </a:schemeClr>
+            </a:lnRef>
+            <a:fillRef idx="1">
+              <a:schemeClr val="accent1"/>
+            </a:fillRef>
+            <a:effectRef idx="0">
+              <a:schemeClr val="accent1"/>
+            </a:effectRef>
+            <a:fontRef idx="minor">
+              <a:schemeClr val="lt1"/>
+            </a:fontRef>
+          </p:style>
+          <p:txBody>
+            <a:bodyPr rtlCol="0" anchor="ctr"/>
+            <a:lstStyle/>
+            <a:p>
+              <a:pPr algn="ctr"/>
+              <a:endParaRPr lang="en-US"/>
+            </a:p>
+          </p:txBody>
+        </p:sp>
+        <p:sp>
+          <p:nvSpPr>
+            <p:cNvPr id="42" name="楕円 41">
+              <a:extLst>
+                <a:ext uri="{FF2B5EF4-FFF2-40B4-BE49-F238E27FC236}">
+                  <a16:creationId xmlns:a16="http://schemas.microsoft.com/office/drawing/2014/main" id="{7246B696-152A-4C62-B038-343221331490}"/>
+                </a:ext>
+              </a:extLst>
+            </p:cNvPr>
+            <p:cNvSpPr/>
+            <p:nvPr/>
+          </p:nvSpPr>
+          <p:spPr>
+            <a:xfrm>
+              <a:off x="3039281" y="2612574"/>
+              <a:ext cx="130629" cy="139330"/>
+            </a:xfrm>
+            <a:prstGeom prst="ellipse">
+              <a:avLst/>
+            </a:prstGeom>
+            <a:grpFill/>
+            <a:ln>
+              <a:solidFill>
+                <a:srgbClr val="00B050"/>
+              </a:solidFill>
+            </a:ln>
+          </p:spPr>
+          <p:style>
+            <a:lnRef idx="2">
+              <a:schemeClr val="accent1">
+                <a:shade val="50000"/>
+              </a:schemeClr>
+            </a:lnRef>
+            <a:fillRef idx="1">
+              <a:schemeClr val="accent1"/>
+            </a:fillRef>
+            <a:effectRef idx="0">
+              <a:schemeClr val="accent1"/>
+            </a:effectRef>
+            <a:fontRef idx="minor">
+              <a:schemeClr val="lt1"/>
+            </a:fontRef>
+          </p:style>
+          <p:txBody>
+            <a:bodyPr rtlCol="0" anchor="ctr"/>
+            <a:lstStyle/>
+            <a:p>
+              <a:pPr algn="ctr"/>
+              <a:endParaRPr lang="en-US"/>
+            </a:p>
+          </p:txBody>
+        </p:sp>
+      </p:grpSp>
+      <p:sp>
+        <p:nvSpPr>
+          <p:cNvPr id="43" name="正方形/長方形 42">
+            <a:extLst>
+              <a:ext uri="{FF2B5EF4-FFF2-40B4-BE49-F238E27FC236}">
+                <a16:creationId xmlns:a16="http://schemas.microsoft.com/office/drawing/2014/main" id="{CAE5D33A-3275-4065-B47B-FFCE1F685F67}"/>
+              </a:ext>
+            </a:extLst>
+          </p:cNvPr>
+          <p:cNvSpPr/>
+          <p:nvPr/>
+        </p:nvSpPr>
+        <p:spPr>
+          <a:xfrm>
+            <a:off x="434329" y="3265717"/>
+            <a:ext cx="313509" cy="304800"/>
+          </a:xfrm>
+          <a:prstGeom prst="rect">
+            <a:avLst/>
+          </a:prstGeom>
+          <a:solidFill>
+            <a:schemeClr val="bg2">
+              <a:lumMod val="50000"/>
+            </a:schemeClr>
+          </a:solidFill>
+        </p:spPr>
+        <p:style>
+          <a:lnRef idx="2">
+            <a:schemeClr val="accent1">
+              <a:shade val="50000"/>
+            </a:schemeClr>
+          </a:lnRef>
+          <a:fillRef idx="1">
+            <a:schemeClr val="accent1"/>
+          </a:fillRef>
+          <a:effectRef idx="0">
+            <a:schemeClr val="accent1"/>
+          </a:effectRef>
+          <a:fontRef idx="minor">
+            <a:schemeClr val="lt1"/>
+          </a:fontRef>
+        </p:style>
+        <p:txBody>
+          <a:bodyPr rtlCol="0" anchor="ctr"/>
+          <a:lstStyle/>
+          <a:p>
+            <a:pPr algn="ctr"/>
+            <a:endParaRPr lang="en-US"/>
+          </a:p>
+        </p:txBody>
+      </p:sp>
+      <p:cxnSp>
+        <p:nvCxnSpPr>
+          <p:cNvPr id="44" name="直線コネクタ 43">
+            <a:extLst>
+              <a:ext uri="{FF2B5EF4-FFF2-40B4-BE49-F238E27FC236}">
+                <a16:creationId xmlns:a16="http://schemas.microsoft.com/office/drawing/2014/main" id="{9ECF5493-8A17-4F18-A4CE-97D0BF38C4BA}"/>
+              </a:ext>
+            </a:extLst>
+          </p:cNvPr>
+          <p:cNvCxnSpPr>
+            <a:cxnSpLocks/>
+          </p:cNvCxnSpPr>
+          <p:nvPr/>
+        </p:nvCxnSpPr>
+        <p:spPr>
+          <a:xfrm flipV="1">
+            <a:off x="756541" y="3413761"/>
+            <a:ext cx="775061" cy="4352"/>
+          </a:xfrm>
+          <a:prstGeom prst="line">
+            <a:avLst/>
+          </a:prstGeom>
+          <a:ln w="38100">
+            <a:solidFill>
+              <a:schemeClr val="bg2">
+                <a:lumMod val="75000"/>
+              </a:schemeClr>
+            </a:solidFill>
+          </a:ln>
+        </p:spPr>
+        <p:style>
+          <a:lnRef idx="1">
+            <a:schemeClr val="accent1"/>
+          </a:lnRef>
+          <a:fillRef idx="0">
+            <a:schemeClr val="accent1"/>
+          </a:fillRef>
+          <a:effectRef idx="0">
+            <a:schemeClr val="accent1"/>
+          </a:effectRef>
+          <a:fontRef idx="minor">
+            <a:schemeClr val="tx1"/>
+          </a:fontRef>
+        </p:style>
+      </p:cxnSp>
+      <p:cxnSp>
+        <p:nvCxnSpPr>
+          <p:cNvPr id="45" name="直線コネクタ 44">
+            <a:extLst>
+              <a:ext uri="{FF2B5EF4-FFF2-40B4-BE49-F238E27FC236}">
+                <a16:creationId xmlns:a16="http://schemas.microsoft.com/office/drawing/2014/main" id="{A63A0ADD-EB9F-4F74-8ABB-7D09B3F15888}"/>
+              </a:ext>
+            </a:extLst>
+          </p:cNvPr>
+          <p:cNvCxnSpPr>
+            <a:cxnSpLocks/>
+          </p:cNvCxnSpPr>
+          <p:nvPr/>
+        </p:nvCxnSpPr>
+        <p:spPr>
+          <a:xfrm>
+            <a:off x="760896" y="3535677"/>
+            <a:ext cx="701039" cy="0"/>
+          </a:xfrm>
+          <a:prstGeom prst="line">
+            <a:avLst/>
+          </a:prstGeom>
+          <a:ln w="38100">
+            <a:solidFill>
+              <a:schemeClr val="bg2">
+                <a:lumMod val="75000"/>
+              </a:schemeClr>
+            </a:solidFill>
+          </a:ln>
+        </p:spPr>
+        <p:style>
+          <a:lnRef idx="1">
+            <a:schemeClr val="accent1"/>
+          </a:lnRef>
+          <a:fillRef idx="0">
+            <a:schemeClr val="accent1"/>
+          </a:fillRef>
+          <a:effectRef idx="0">
+            <a:schemeClr val="accent1"/>
+          </a:effectRef>
+          <a:fontRef idx="minor">
+            <a:schemeClr val="tx1"/>
+          </a:fontRef>
+        </p:style>
+      </p:cxnSp>
+      <p:cxnSp>
+        <p:nvCxnSpPr>
+          <p:cNvPr id="46" name="直線コネクタ 45">
+            <a:extLst>
+              <a:ext uri="{FF2B5EF4-FFF2-40B4-BE49-F238E27FC236}">
+                <a16:creationId xmlns:a16="http://schemas.microsoft.com/office/drawing/2014/main" id="{2EA5ADFE-631E-4185-8CA5-F6F9750ACBFF}"/>
+              </a:ext>
+            </a:extLst>
+          </p:cNvPr>
+          <p:cNvCxnSpPr>
+            <a:cxnSpLocks/>
+          </p:cNvCxnSpPr>
+          <p:nvPr/>
+        </p:nvCxnSpPr>
+        <p:spPr>
+          <a:xfrm flipV="1">
+            <a:off x="756539" y="3309256"/>
+            <a:ext cx="775061" cy="4352"/>
+          </a:xfrm>
+          <a:prstGeom prst="line">
+            <a:avLst/>
+          </a:prstGeom>
+          <a:ln w="38100">
+            <a:solidFill>
+              <a:schemeClr val="bg2">
+                <a:lumMod val="75000"/>
+              </a:schemeClr>
+            </a:solidFill>
+          </a:ln>
+        </p:spPr>
+        <p:style>
+          <a:lnRef idx="1">
+            <a:schemeClr val="accent1"/>
+          </a:lnRef>
+          <a:fillRef idx="0">
+            <a:schemeClr val="accent1"/>
+          </a:fillRef>
+          <a:effectRef idx="0">
+            <a:schemeClr val="accent1"/>
+          </a:effectRef>
+          <a:fontRef idx="minor">
+            <a:schemeClr val="tx1"/>
+          </a:fontRef>
+        </p:style>
+      </p:cxnSp>
+      <p:cxnSp>
+        <p:nvCxnSpPr>
+          <p:cNvPr id="47" name="直線コネクタ 46">
+            <a:extLst>
+              <a:ext uri="{FF2B5EF4-FFF2-40B4-BE49-F238E27FC236}">
+                <a16:creationId xmlns:a16="http://schemas.microsoft.com/office/drawing/2014/main" id="{C49B4EB6-F680-481F-BFCA-63404338A40F}"/>
+              </a:ext>
+            </a:extLst>
+          </p:cNvPr>
+          <p:cNvCxnSpPr>
+            <a:cxnSpLocks/>
+          </p:cNvCxnSpPr>
+          <p:nvPr/>
+        </p:nvCxnSpPr>
+        <p:spPr>
+          <a:xfrm>
+            <a:off x="1422746" y="3522616"/>
+            <a:ext cx="130630" cy="130632"/>
+          </a:xfrm>
+          <a:prstGeom prst="line">
+            <a:avLst/>
+          </a:prstGeom>
+          <a:ln w="38100">
+            <a:solidFill>
+              <a:schemeClr val="bg2">
+                <a:lumMod val="75000"/>
+              </a:schemeClr>
+            </a:solidFill>
+          </a:ln>
+        </p:spPr>
+        <p:style>
+          <a:lnRef idx="1">
+            <a:schemeClr val="accent1"/>
+          </a:lnRef>
+          <a:fillRef idx="0">
+            <a:schemeClr val="accent1"/>
+          </a:fillRef>
+          <a:effectRef idx="0">
+            <a:schemeClr val="accent1"/>
+          </a:effectRef>
+          <a:fontRef idx="minor">
+            <a:schemeClr val="tx1"/>
+          </a:fontRef>
+        </p:style>
+      </p:cxnSp>
+      <p:cxnSp>
+        <p:nvCxnSpPr>
+          <p:cNvPr id="48" name="直線コネクタ 47">
+            <a:extLst>
+              <a:ext uri="{FF2B5EF4-FFF2-40B4-BE49-F238E27FC236}">
+                <a16:creationId xmlns:a16="http://schemas.microsoft.com/office/drawing/2014/main" id="{C55BED48-3E9D-4B78-9056-3961ED5515C3}"/>
+              </a:ext>
+            </a:extLst>
+          </p:cNvPr>
+          <p:cNvCxnSpPr>
+            <a:cxnSpLocks/>
+            <a:endCxn id="40" idx="7"/>
+          </p:cNvCxnSpPr>
+          <p:nvPr/>
+        </p:nvCxnSpPr>
+        <p:spPr>
+          <a:xfrm flipV="1">
+            <a:off x="1522892" y="3181615"/>
+            <a:ext cx="46467" cy="118936"/>
+          </a:xfrm>
+          <a:prstGeom prst="line">
+            <a:avLst/>
+          </a:prstGeom>
+          <a:ln w="38100">
+            <a:solidFill>
+              <a:schemeClr val="bg2">
+                <a:lumMod val="75000"/>
+              </a:schemeClr>
+            </a:solidFill>
+          </a:ln>
+        </p:spPr>
+        <p:style>
+          <a:lnRef idx="1">
+            <a:schemeClr val="accent1"/>
+          </a:lnRef>
+          <a:fillRef idx="0">
+            <a:schemeClr val="accent1"/>
+          </a:fillRef>
+          <a:effectRef idx="0">
+            <a:schemeClr val="accent1"/>
+          </a:effectRef>
+          <a:fontRef idx="minor">
+            <a:schemeClr val="tx1"/>
+          </a:fontRef>
+        </p:style>
+      </p:cxnSp>
+      <p:cxnSp>
+        <p:nvCxnSpPr>
+          <p:cNvPr id="49" name="直線コネクタ 48">
+            <a:extLst>
+              <a:ext uri="{FF2B5EF4-FFF2-40B4-BE49-F238E27FC236}">
+                <a16:creationId xmlns:a16="http://schemas.microsoft.com/office/drawing/2014/main" id="{B138E808-6609-465A-A7FB-293A19055821}"/>
+              </a:ext>
+            </a:extLst>
+          </p:cNvPr>
+          <p:cNvCxnSpPr>
+            <a:cxnSpLocks/>
+          </p:cNvCxnSpPr>
+          <p:nvPr/>
+        </p:nvCxnSpPr>
+        <p:spPr>
+          <a:xfrm flipV="1">
+            <a:off x="1553377" y="3230874"/>
+            <a:ext cx="448499" cy="8"/>
+          </a:xfrm>
+          <a:prstGeom prst="line">
+            <a:avLst/>
+          </a:prstGeom>
+          <a:ln>
+            <a:headEnd type="oval" w="med" len="med"/>
+            <a:tailEnd type="oval" w="med" len="med"/>
+          </a:ln>
+        </p:spPr>
+        <p:style>
+          <a:lnRef idx="1">
+            <a:schemeClr val="accent1"/>
+          </a:lnRef>
+          <a:fillRef idx="0">
+            <a:schemeClr val="accent1"/>
+          </a:fillRef>
+          <a:effectRef idx="0">
+            <a:schemeClr val="accent1"/>
+          </a:effectRef>
+          <a:fontRef idx="minor">
+            <a:schemeClr val="tx1"/>
+          </a:fontRef>
+        </p:style>
+      </p:cxnSp>
+      <p:grpSp>
+        <p:nvGrpSpPr>
+          <p:cNvPr id="50" name="グループ化 49">
+            <a:extLst>
+              <a:ext uri="{FF2B5EF4-FFF2-40B4-BE49-F238E27FC236}">
+                <a16:creationId xmlns:a16="http://schemas.microsoft.com/office/drawing/2014/main" id="{9E0EF352-B6FD-4F26-A9BA-369A38D69B94}"/>
+              </a:ext>
+            </a:extLst>
+          </p:cNvPr>
+          <p:cNvGrpSpPr/>
+          <p:nvPr/>
+        </p:nvGrpSpPr>
+        <p:grpSpPr>
+          <a:xfrm>
+            <a:off x="2019280" y="3222159"/>
+            <a:ext cx="715184" cy="383187"/>
+            <a:chOff x="3605344" y="2299050"/>
+            <a:chExt cx="914399" cy="383187"/>
+          </a:xfrm>
+        </p:grpSpPr>
+        <p:cxnSp>
+          <p:nvCxnSpPr>
+            <p:cNvPr id="51" name="直線コネクタ 50">
+              <a:extLst>
+                <a:ext uri="{FF2B5EF4-FFF2-40B4-BE49-F238E27FC236}">
+                  <a16:creationId xmlns:a16="http://schemas.microsoft.com/office/drawing/2014/main" id="{2ADF611D-DA4E-4CC0-B064-CAB4682B3C75}"/>
+                </a:ext>
+              </a:extLst>
+            </p:cNvPr>
+            <p:cNvCxnSpPr>
+              <a:cxnSpLocks/>
+            </p:cNvCxnSpPr>
+            <p:nvPr/>
+          </p:nvCxnSpPr>
+          <p:spPr>
+            <a:xfrm flipV="1">
+              <a:off x="3605349" y="2682225"/>
+              <a:ext cx="910043" cy="12"/>
+            </a:xfrm>
+            <a:prstGeom prst="line">
+              <a:avLst/>
+            </a:prstGeom>
+            <a:ln w="57150">
+              <a:solidFill>
+                <a:schemeClr val="bg2">
+                  <a:lumMod val="50000"/>
+                </a:schemeClr>
+              </a:solidFill>
+            </a:ln>
+          </p:spPr>
+          <p:style>
+            <a:lnRef idx="1">
+              <a:schemeClr val="accent1"/>
+            </a:lnRef>
+            <a:fillRef idx="0">
+              <a:schemeClr val="accent1"/>
+            </a:fillRef>
+            <a:effectRef idx="0">
+              <a:schemeClr val="accent1"/>
+            </a:effectRef>
+            <a:fontRef idx="minor">
+              <a:schemeClr val="tx1"/>
+            </a:fontRef>
+          </p:style>
+        </p:cxnSp>
+        <p:cxnSp>
+          <p:nvCxnSpPr>
+            <p:cNvPr id="52" name="直線コネクタ 51">
+              <a:extLst>
+                <a:ext uri="{FF2B5EF4-FFF2-40B4-BE49-F238E27FC236}">
+                  <a16:creationId xmlns:a16="http://schemas.microsoft.com/office/drawing/2014/main" id="{65AB989A-94DF-4E5B-A464-36D8D3FC4C47}"/>
+                </a:ext>
+              </a:extLst>
+            </p:cNvPr>
+            <p:cNvCxnSpPr>
+              <a:cxnSpLocks/>
+            </p:cNvCxnSpPr>
+            <p:nvPr/>
+          </p:nvCxnSpPr>
+          <p:spPr>
+            <a:xfrm flipV="1">
+              <a:off x="3609700" y="2494994"/>
+              <a:ext cx="910043" cy="12"/>
+            </a:xfrm>
+            <a:prstGeom prst="line">
+              <a:avLst/>
+            </a:prstGeom>
+            <a:ln w="57150">
+              <a:solidFill>
+                <a:schemeClr val="bg2">
+                  <a:lumMod val="50000"/>
+                </a:schemeClr>
+              </a:solidFill>
+            </a:ln>
+          </p:spPr>
+          <p:style>
+            <a:lnRef idx="1">
+              <a:schemeClr val="accent1"/>
+            </a:lnRef>
+            <a:fillRef idx="0">
+              <a:schemeClr val="accent1"/>
+            </a:fillRef>
+            <a:effectRef idx="0">
+              <a:schemeClr val="accent1"/>
+            </a:effectRef>
+            <a:fontRef idx="minor">
+              <a:schemeClr val="tx1"/>
+            </a:fontRef>
+          </p:style>
+        </p:cxnSp>
+        <p:cxnSp>
+          <p:nvCxnSpPr>
+            <p:cNvPr id="53" name="直線コネクタ 52">
+              <a:extLst>
+                <a:ext uri="{FF2B5EF4-FFF2-40B4-BE49-F238E27FC236}">
+                  <a16:creationId xmlns:a16="http://schemas.microsoft.com/office/drawing/2014/main" id="{FFC2640D-8AD7-45AB-90CF-07031AFAC90C}"/>
+                </a:ext>
+              </a:extLst>
+            </p:cNvPr>
+            <p:cNvCxnSpPr>
+              <a:cxnSpLocks/>
+            </p:cNvCxnSpPr>
+            <p:nvPr/>
+          </p:nvCxnSpPr>
+          <p:spPr>
+            <a:xfrm flipV="1">
+              <a:off x="3605344" y="2299050"/>
+              <a:ext cx="910043" cy="12"/>
+            </a:xfrm>
+            <a:prstGeom prst="line">
+              <a:avLst/>
+            </a:prstGeom>
+            <a:ln w="57150">
+              <a:solidFill>
+                <a:schemeClr val="bg2">
+                  <a:lumMod val="50000"/>
+                </a:schemeClr>
+              </a:solidFill>
+            </a:ln>
+          </p:spPr>
+          <p:style>
+            <a:lnRef idx="1">
+              <a:schemeClr val="accent1"/>
+            </a:lnRef>
+            <a:fillRef idx="0">
+              <a:schemeClr val="accent1"/>
+            </a:fillRef>
+            <a:effectRef idx="0">
+              <a:schemeClr val="accent1"/>
+            </a:effectRef>
+            <a:fontRef idx="minor">
+              <a:schemeClr val="tx1"/>
+            </a:fontRef>
+          </p:style>
+        </p:cxnSp>
+      </p:grpSp>
+      <p:cxnSp>
+        <p:nvCxnSpPr>
+          <p:cNvPr id="54" name="直線コネクタ 53">
+            <a:extLst>
+              <a:ext uri="{FF2B5EF4-FFF2-40B4-BE49-F238E27FC236}">
+                <a16:creationId xmlns:a16="http://schemas.microsoft.com/office/drawing/2014/main" id="{24F43506-CFF8-4336-9ED6-1BACFA3263BD}"/>
+              </a:ext>
+            </a:extLst>
+          </p:cNvPr>
+          <p:cNvCxnSpPr>
+            <a:cxnSpLocks/>
+          </p:cNvCxnSpPr>
+          <p:nvPr/>
+        </p:nvCxnSpPr>
+        <p:spPr>
+          <a:xfrm flipV="1">
+            <a:off x="1566437" y="3418110"/>
+            <a:ext cx="448499" cy="8"/>
+          </a:xfrm>
+          <a:prstGeom prst="line">
+            <a:avLst/>
+          </a:prstGeom>
+          <a:ln>
+            <a:headEnd type="oval" w="med" len="med"/>
+            <a:tailEnd type="oval" w="med" len="med"/>
+          </a:ln>
+        </p:spPr>
+        <p:style>
+          <a:lnRef idx="1">
+            <a:schemeClr val="accent1"/>
+          </a:lnRef>
+          <a:fillRef idx="0">
+            <a:schemeClr val="accent1"/>
+          </a:fillRef>
+          <a:effectRef idx="0">
+            <a:schemeClr val="accent1"/>
+          </a:effectRef>
+          <a:fontRef idx="minor">
+            <a:schemeClr val="tx1"/>
+          </a:fontRef>
+        </p:style>
+      </p:cxnSp>
+      <p:cxnSp>
+        <p:nvCxnSpPr>
+          <p:cNvPr id="55" name="直線コネクタ 54">
+            <a:extLst>
+              <a:ext uri="{FF2B5EF4-FFF2-40B4-BE49-F238E27FC236}">
+                <a16:creationId xmlns:a16="http://schemas.microsoft.com/office/drawing/2014/main" id="{10227090-1460-4F82-875C-8BCB8232C755}"/>
+              </a:ext>
+            </a:extLst>
+          </p:cNvPr>
+          <p:cNvCxnSpPr>
+            <a:cxnSpLocks/>
+          </p:cNvCxnSpPr>
+          <p:nvPr/>
+        </p:nvCxnSpPr>
+        <p:spPr>
+          <a:xfrm flipV="1">
+            <a:off x="1579497" y="3605346"/>
+            <a:ext cx="448499" cy="8"/>
+          </a:xfrm>
+          <a:prstGeom prst="line">
+            <a:avLst/>
+          </a:prstGeom>
+          <a:ln>
+            <a:headEnd type="oval" w="med" len="med"/>
+            <a:tailEnd type="oval" w="med" len="med"/>
+          </a:ln>
+        </p:spPr>
+        <p:style>
+          <a:lnRef idx="1">
+            <a:schemeClr val="accent1"/>
+          </a:lnRef>
+          <a:fillRef idx="0">
+            <a:schemeClr val="accent1"/>
+          </a:fillRef>
+          <a:effectRef idx="0">
+            <a:schemeClr val="accent1"/>
+          </a:effectRef>
+          <a:fontRef idx="minor">
+            <a:schemeClr val="tx1"/>
+          </a:fontRef>
+        </p:style>
+      </p:cxnSp>
+      <p:sp>
+        <p:nvSpPr>
+          <p:cNvPr id="56" name="正方形/長方形 55">
+            <a:extLst>
+              <a:ext uri="{FF2B5EF4-FFF2-40B4-BE49-F238E27FC236}">
+                <a16:creationId xmlns:a16="http://schemas.microsoft.com/office/drawing/2014/main" id="{712F5620-C58D-4584-8B5A-6B8CC1A3F136}"/>
+              </a:ext>
+            </a:extLst>
+          </p:cNvPr>
+          <p:cNvSpPr/>
+          <p:nvPr/>
+        </p:nvSpPr>
+        <p:spPr>
+          <a:xfrm>
+            <a:off x="2106368" y="3143799"/>
+            <a:ext cx="200299" cy="557344"/>
+          </a:xfrm>
+          <a:prstGeom prst="rect">
+            <a:avLst/>
+          </a:prstGeom>
+          <a:solidFill>
+            <a:schemeClr val="bg2">
+              <a:lumMod val="50000"/>
+              <a:alpha val="95000"/>
+            </a:schemeClr>
+          </a:solidFill>
+        </p:spPr>
+        <p:style>
+          <a:lnRef idx="2">
+            <a:schemeClr val="accent1">
+              <a:shade val="50000"/>
+            </a:schemeClr>
+          </a:lnRef>
+          <a:fillRef idx="1">
+            <a:schemeClr val="accent1"/>
+          </a:fillRef>
+          <a:effectRef idx="0">
+            <a:schemeClr val="accent1"/>
+          </a:effectRef>
+          <a:fontRef idx="minor">
+            <a:schemeClr val="lt1"/>
+          </a:fontRef>
+        </p:style>
+        <p:txBody>
+          <a:bodyPr rtlCol="0" anchor="ctr"/>
+          <a:lstStyle/>
+          <a:p>
+            <a:pPr algn="ctr"/>
+            <a:endParaRPr lang="en-US"/>
+          </a:p>
+        </p:txBody>
+      </p:sp>
+      <p:grpSp>
+        <p:nvGrpSpPr>
+          <p:cNvPr id="57" name="グループ化 56">
+            <a:extLst>
+              <a:ext uri="{FF2B5EF4-FFF2-40B4-BE49-F238E27FC236}">
+                <a16:creationId xmlns:a16="http://schemas.microsoft.com/office/drawing/2014/main" id="{3B89B88C-3963-494E-99A5-2DBE099EEB30}"/>
+              </a:ext>
+            </a:extLst>
+          </p:cNvPr>
+          <p:cNvGrpSpPr/>
+          <p:nvPr/>
+        </p:nvGrpSpPr>
+        <p:grpSpPr>
+          <a:xfrm>
+            <a:off x="953068" y="5651844"/>
+            <a:ext cx="1402079" cy="801189"/>
+            <a:chOff x="2481944" y="1985554"/>
+            <a:chExt cx="1410789" cy="801189"/>
+          </a:xfrm>
+          <a:solidFill>
+            <a:schemeClr val="bg1"/>
+          </a:solidFill>
+        </p:grpSpPr>
+        <p:sp>
+          <p:nvSpPr>
+            <p:cNvPr id="58" name="正方形/長方形 57">
+              <a:extLst>
+                <a:ext uri="{FF2B5EF4-FFF2-40B4-BE49-F238E27FC236}">
+                  <a16:creationId xmlns:a16="http://schemas.microsoft.com/office/drawing/2014/main" id="{09709DC6-4DF6-4760-B52B-2401B951EBFB}"/>
+                </a:ext>
+              </a:extLst>
+            </p:cNvPr>
+            <p:cNvSpPr/>
+            <p:nvPr/>
+          </p:nvSpPr>
+          <p:spPr>
+            <a:xfrm>
+              <a:off x="2481944" y="1985554"/>
+              <a:ext cx="1410789" cy="801189"/>
+            </a:xfrm>
+            <a:prstGeom prst="rect">
+              <a:avLst/>
+            </a:prstGeom>
+            <a:grpFill/>
+            <a:ln>
+              <a:solidFill>
+                <a:srgbClr val="00B050"/>
+              </a:solidFill>
+            </a:ln>
+          </p:spPr>
+          <p:style>
+            <a:lnRef idx="2">
+              <a:schemeClr val="accent1">
+                <a:shade val="50000"/>
+              </a:schemeClr>
+            </a:lnRef>
+            <a:fillRef idx="1">
+              <a:schemeClr val="accent1"/>
+            </a:fillRef>
+            <a:effectRef idx="0">
+              <a:schemeClr val="accent1"/>
+            </a:effectRef>
+            <a:fontRef idx="minor">
+              <a:schemeClr val="lt1"/>
+            </a:fontRef>
+          </p:style>
+          <p:txBody>
+            <a:bodyPr rtlCol="0" anchor="ctr"/>
+            <a:lstStyle/>
+            <a:p>
+              <a:pPr algn="ctr"/>
+              <a:endParaRPr lang="en-US"/>
+            </a:p>
+          </p:txBody>
+        </p:sp>
+        <p:sp>
+          <p:nvSpPr>
+            <p:cNvPr id="59" name="楕円 58">
+              <a:extLst>
+                <a:ext uri="{FF2B5EF4-FFF2-40B4-BE49-F238E27FC236}">
+                  <a16:creationId xmlns:a16="http://schemas.microsoft.com/office/drawing/2014/main" id="{254F86C0-9738-49D4-80E9-59078A059F58}"/>
+                </a:ext>
+              </a:extLst>
+            </p:cNvPr>
+            <p:cNvSpPr/>
+            <p:nvPr/>
+          </p:nvSpPr>
+          <p:spPr>
+            <a:xfrm>
+              <a:off x="3204756" y="2046511"/>
+              <a:ext cx="130629" cy="139330"/>
+            </a:xfrm>
+            <a:prstGeom prst="ellipse">
+              <a:avLst/>
+            </a:prstGeom>
+            <a:grpFill/>
+            <a:ln>
+              <a:solidFill>
+                <a:srgbClr val="00B050"/>
+              </a:solidFill>
+            </a:ln>
+          </p:spPr>
+          <p:style>
+            <a:lnRef idx="2">
+              <a:schemeClr val="accent1">
+                <a:shade val="50000"/>
+              </a:schemeClr>
+            </a:lnRef>
+            <a:fillRef idx="1">
+              <a:schemeClr val="accent1"/>
+            </a:fillRef>
+            <a:effectRef idx="0">
+              <a:schemeClr val="accent1"/>
+            </a:effectRef>
+            <a:fontRef idx="minor">
+              <a:schemeClr val="lt1"/>
+            </a:fontRef>
+          </p:style>
+          <p:txBody>
+            <a:bodyPr rtlCol="0" anchor="ctr"/>
+            <a:lstStyle/>
+            <a:p>
+              <a:pPr algn="ctr"/>
+              <a:endParaRPr lang="en-US"/>
+            </a:p>
+          </p:txBody>
+        </p:sp>
+        <p:sp>
+          <p:nvSpPr>
+            <p:cNvPr id="60" name="楕円 59">
+              <a:extLst>
+                <a:ext uri="{FF2B5EF4-FFF2-40B4-BE49-F238E27FC236}">
+                  <a16:creationId xmlns:a16="http://schemas.microsoft.com/office/drawing/2014/main" id="{58B08729-4C83-41C4-9F45-70006148FDB0}"/>
+                </a:ext>
+              </a:extLst>
+            </p:cNvPr>
+            <p:cNvSpPr/>
+            <p:nvPr/>
+          </p:nvSpPr>
+          <p:spPr>
+            <a:xfrm>
+              <a:off x="3209108" y="2233747"/>
+              <a:ext cx="130629" cy="139330"/>
+            </a:xfrm>
+            <a:prstGeom prst="ellipse">
+              <a:avLst/>
+            </a:prstGeom>
+            <a:grpFill/>
+            <a:ln>
+              <a:solidFill>
+                <a:srgbClr val="00B050"/>
+              </a:solidFill>
+            </a:ln>
+          </p:spPr>
+          <p:style>
+            <a:lnRef idx="2">
+              <a:schemeClr val="accent1">
+                <a:shade val="50000"/>
+              </a:schemeClr>
+            </a:lnRef>
+            <a:fillRef idx="1">
+              <a:schemeClr val="accent1"/>
+            </a:fillRef>
+            <a:effectRef idx="0">
+              <a:schemeClr val="accent1"/>
+            </a:effectRef>
+            <a:fontRef idx="minor">
+              <a:schemeClr val="lt1"/>
+            </a:fontRef>
+          </p:style>
+          <p:txBody>
+            <a:bodyPr rtlCol="0" anchor="ctr"/>
+            <a:lstStyle/>
+            <a:p>
+              <a:pPr algn="ctr"/>
+              <a:endParaRPr lang="en-US"/>
+            </a:p>
+          </p:txBody>
+        </p:sp>
+        <p:sp>
+          <p:nvSpPr>
+            <p:cNvPr id="61" name="楕円 60">
+              <a:extLst>
+                <a:ext uri="{FF2B5EF4-FFF2-40B4-BE49-F238E27FC236}">
+                  <a16:creationId xmlns:a16="http://schemas.microsoft.com/office/drawing/2014/main" id="{776A8566-5B26-4303-ABC7-FAAA1475C3B5}"/>
+                </a:ext>
+              </a:extLst>
+            </p:cNvPr>
+            <p:cNvSpPr/>
+            <p:nvPr/>
+          </p:nvSpPr>
+          <p:spPr>
+            <a:xfrm>
+              <a:off x="3204749" y="2420983"/>
+              <a:ext cx="130629" cy="139330"/>
+            </a:xfrm>
+            <a:prstGeom prst="ellipse">
+              <a:avLst/>
+            </a:prstGeom>
+            <a:grpFill/>
+            <a:ln>
+              <a:solidFill>
+                <a:srgbClr val="00B050"/>
+              </a:solidFill>
+            </a:ln>
+          </p:spPr>
+          <p:style>
+            <a:lnRef idx="2">
+              <a:schemeClr val="accent1">
+                <a:shade val="50000"/>
+              </a:schemeClr>
+            </a:lnRef>
+            <a:fillRef idx="1">
+              <a:schemeClr val="accent1"/>
+            </a:fillRef>
+            <a:effectRef idx="0">
+              <a:schemeClr val="accent1"/>
+            </a:effectRef>
+            <a:fontRef idx="minor">
+              <a:schemeClr val="lt1"/>
+            </a:fontRef>
+          </p:style>
+          <p:txBody>
+            <a:bodyPr rtlCol="0" anchor="ctr"/>
+            <a:lstStyle/>
+            <a:p>
+              <a:pPr algn="ctr"/>
+              <a:endParaRPr lang="en-US"/>
+            </a:p>
+          </p:txBody>
+        </p:sp>
+        <p:sp>
+          <p:nvSpPr>
+            <p:cNvPr id="62" name="楕円 61">
+              <a:extLst>
+                <a:ext uri="{FF2B5EF4-FFF2-40B4-BE49-F238E27FC236}">
+                  <a16:creationId xmlns:a16="http://schemas.microsoft.com/office/drawing/2014/main" id="{C07E09B7-6216-4033-8AC1-C42245E88A6A}"/>
+                </a:ext>
+              </a:extLst>
+            </p:cNvPr>
+            <p:cNvSpPr/>
+            <p:nvPr/>
+          </p:nvSpPr>
+          <p:spPr>
+            <a:xfrm>
+              <a:off x="3209102" y="2608219"/>
+              <a:ext cx="130629" cy="139330"/>
+            </a:xfrm>
+            <a:prstGeom prst="ellipse">
+              <a:avLst/>
+            </a:prstGeom>
+            <a:grpFill/>
+            <a:ln>
+              <a:solidFill>
+                <a:srgbClr val="00B050"/>
+              </a:solidFill>
+            </a:ln>
+          </p:spPr>
+          <p:style>
+            <a:lnRef idx="2">
+              <a:schemeClr val="accent1">
+                <a:shade val="50000"/>
+              </a:schemeClr>
+            </a:lnRef>
+            <a:fillRef idx="1">
+              <a:schemeClr val="accent1"/>
+            </a:fillRef>
+            <a:effectRef idx="0">
+              <a:schemeClr val="accent1"/>
+            </a:effectRef>
+            <a:fontRef idx="minor">
+              <a:schemeClr val="lt1"/>
+            </a:fontRef>
+          </p:style>
+          <p:txBody>
+            <a:bodyPr rtlCol="0" anchor="ctr"/>
+            <a:lstStyle/>
+            <a:p>
+              <a:pPr algn="ctr"/>
+              <a:endParaRPr lang="en-US"/>
+            </a:p>
+          </p:txBody>
+        </p:sp>
+        <p:sp>
+          <p:nvSpPr>
+            <p:cNvPr id="63" name="楕円 62">
+              <a:extLst>
+                <a:ext uri="{FF2B5EF4-FFF2-40B4-BE49-F238E27FC236}">
+                  <a16:creationId xmlns:a16="http://schemas.microsoft.com/office/drawing/2014/main" id="{08927038-C845-4746-99C2-F515F8D7466A}"/>
+                </a:ext>
+              </a:extLst>
+            </p:cNvPr>
+            <p:cNvSpPr/>
+            <p:nvPr/>
+          </p:nvSpPr>
+          <p:spPr>
+            <a:xfrm>
+              <a:off x="3374574" y="2050861"/>
+              <a:ext cx="130629" cy="139330"/>
+            </a:xfrm>
+            <a:prstGeom prst="ellipse">
+              <a:avLst/>
+            </a:prstGeom>
+            <a:grpFill/>
+            <a:ln>
+              <a:solidFill>
+                <a:srgbClr val="00B050"/>
+              </a:solidFill>
+            </a:ln>
+          </p:spPr>
+          <p:style>
+            <a:lnRef idx="2">
+              <a:schemeClr val="accent1">
+                <a:shade val="50000"/>
+              </a:schemeClr>
+            </a:lnRef>
+            <a:fillRef idx="1">
+              <a:schemeClr val="accent1"/>
+            </a:fillRef>
+            <a:effectRef idx="0">
+              <a:schemeClr val="accent1"/>
+            </a:effectRef>
+            <a:fontRef idx="minor">
+              <a:schemeClr val="lt1"/>
+            </a:fontRef>
+          </p:style>
+          <p:txBody>
+            <a:bodyPr rtlCol="0" anchor="ctr"/>
+            <a:lstStyle/>
+            <a:p>
+              <a:pPr algn="ctr"/>
+              <a:endParaRPr lang="en-US"/>
+            </a:p>
+          </p:txBody>
+        </p:sp>
+        <p:sp>
+          <p:nvSpPr>
+            <p:cNvPr id="64" name="楕円 63">
+              <a:extLst>
+                <a:ext uri="{FF2B5EF4-FFF2-40B4-BE49-F238E27FC236}">
+                  <a16:creationId xmlns:a16="http://schemas.microsoft.com/office/drawing/2014/main" id="{4084117B-30CB-4FF7-B509-ED39E04E8398}"/>
+                </a:ext>
+              </a:extLst>
+            </p:cNvPr>
+            <p:cNvSpPr/>
+            <p:nvPr/>
+          </p:nvSpPr>
+          <p:spPr>
+            <a:xfrm>
+              <a:off x="3378926" y="2238097"/>
+              <a:ext cx="130629" cy="139330"/>
+            </a:xfrm>
+            <a:prstGeom prst="ellipse">
+              <a:avLst/>
+            </a:prstGeom>
+            <a:grpFill/>
+            <a:ln>
+              <a:solidFill>
+                <a:srgbClr val="00B050"/>
+              </a:solidFill>
+            </a:ln>
+          </p:spPr>
+          <p:style>
+            <a:lnRef idx="2">
+              <a:schemeClr val="accent1">
+                <a:shade val="50000"/>
+              </a:schemeClr>
+            </a:lnRef>
+            <a:fillRef idx="1">
+              <a:schemeClr val="accent1"/>
+            </a:fillRef>
+            <a:effectRef idx="0">
+              <a:schemeClr val="accent1"/>
+            </a:effectRef>
+            <a:fontRef idx="minor">
+              <a:schemeClr val="lt1"/>
+            </a:fontRef>
+          </p:style>
+          <p:txBody>
+            <a:bodyPr rtlCol="0" anchor="ctr"/>
+            <a:lstStyle/>
+            <a:p>
+              <a:pPr algn="ctr"/>
+              <a:endParaRPr lang="en-US"/>
+            </a:p>
+          </p:txBody>
+        </p:sp>
+        <p:sp>
+          <p:nvSpPr>
+            <p:cNvPr id="65" name="楕円 64">
+              <a:extLst>
+                <a:ext uri="{FF2B5EF4-FFF2-40B4-BE49-F238E27FC236}">
+                  <a16:creationId xmlns:a16="http://schemas.microsoft.com/office/drawing/2014/main" id="{FD2B2454-32C9-488B-9927-CD857C05DCF5}"/>
+                </a:ext>
+              </a:extLst>
+            </p:cNvPr>
+            <p:cNvSpPr/>
+            <p:nvPr/>
+          </p:nvSpPr>
+          <p:spPr>
+            <a:xfrm>
+              <a:off x="3383276" y="2425333"/>
+              <a:ext cx="130629" cy="139330"/>
+            </a:xfrm>
+            <a:prstGeom prst="ellipse">
+              <a:avLst/>
+            </a:prstGeom>
+            <a:grpFill/>
+            <a:ln>
+              <a:solidFill>
+                <a:srgbClr val="00B050"/>
+              </a:solidFill>
+            </a:ln>
+          </p:spPr>
+          <p:style>
+            <a:lnRef idx="2">
+              <a:schemeClr val="accent1">
+                <a:shade val="50000"/>
+              </a:schemeClr>
+            </a:lnRef>
+            <a:fillRef idx="1">
+              <a:schemeClr val="accent1"/>
+            </a:fillRef>
+            <a:effectRef idx="0">
+              <a:schemeClr val="accent1"/>
+            </a:effectRef>
+            <a:fontRef idx="minor">
+              <a:schemeClr val="lt1"/>
+            </a:fontRef>
+          </p:style>
+          <p:txBody>
+            <a:bodyPr rtlCol="0" anchor="ctr"/>
+            <a:lstStyle/>
+            <a:p>
+              <a:pPr algn="ctr"/>
+              <a:endParaRPr lang="en-US"/>
+            </a:p>
+          </p:txBody>
+        </p:sp>
+        <p:sp>
+          <p:nvSpPr>
+            <p:cNvPr id="66" name="楕円 65">
+              <a:extLst>
+                <a:ext uri="{FF2B5EF4-FFF2-40B4-BE49-F238E27FC236}">
+                  <a16:creationId xmlns:a16="http://schemas.microsoft.com/office/drawing/2014/main" id="{27D9CA98-1BF4-4E3A-85AD-92CD18703B6F}"/>
+                </a:ext>
+              </a:extLst>
+            </p:cNvPr>
+            <p:cNvSpPr/>
+            <p:nvPr/>
+          </p:nvSpPr>
+          <p:spPr>
+            <a:xfrm>
+              <a:off x="3378920" y="2612569"/>
+              <a:ext cx="130629" cy="139330"/>
+            </a:xfrm>
+            <a:prstGeom prst="ellipse">
+              <a:avLst/>
+            </a:prstGeom>
+            <a:grpFill/>
+            <a:ln>
+              <a:solidFill>
+                <a:srgbClr val="00B050"/>
+              </a:solidFill>
+            </a:ln>
+          </p:spPr>
+          <p:style>
+            <a:lnRef idx="2">
+              <a:schemeClr val="accent1">
+                <a:shade val="50000"/>
+              </a:schemeClr>
+            </a:lnRef>
+            <a:fillRef idx="1">
+              <a:schemeClr val="accent1"/>
+            </a:fillRef>
+            <a:effectRef idx="0">
+              <a:schemeClr val="accent1"/>
+            </a:effectRef>
+            <a:fontRef idx="minor">
+              <a:schemeClr val="lt1"/>
+            </a:fontRef>
+          </p:style>
+          <p:txBody>
+            <a:bodyPr rtlCol="0" anchor="ctr"/>
+            <a:lstStyle/>
+            <a:p>
+              <a:pPr algn="ctr"/>
+              <a:endParaRPr lang="en-US"/>
+            </a:p>
+          </p:txBody>
+        </p:sp>
+        <p:sp>
+          <p:nvSpPr>
+            <p:cNvPr id="67" name="楕円 66">
+              <a:extLst>
+                <a:ext uri="{FF2B5EF4-FFF2-40B4-BE49-F238E27FC236}">
+                  <a16:creationId xmlns:a16="http://schemas.microsoft.com/office/drawing/2014/main" id="{5AED5723-FE48-45EE-88CF-49EBFEF1C755}"/>
+                </a:ext>
+              </a:extLst>
+            </p:cNvPr>
+            <p:cNvSpPr/>
+            <p:nvPr/>
+          </p:nvSpPr>
+          <p:spPr>
+            <a:xfrm>
+              <a:off x="3548749" y="2050864"/>
+              <a:ext cx="130629" cy="139330"/>
+            </a:xfrm>
+            <a:prstGeom prst="ellipse">
+              <a:avLst/>
+            </a:prstGeom>
+            <a:grpFill/>
+            <a:ln>
+              <a:solidFill>
+                <a:srgbClr val="00B050"/>
+              </a:solidFill>
+            </a:ln>
+          </p:spPr>
+          <p:style>
+            <a:lnRef idx="2">
+              <a:schemeClr val="accent1">
+                <a:shade val="50000"/>
+              </a:schemeClr>
+            </a:lnRef>
+            <a:fillRef idx="1">
+              <a:schemeClr val="accent1"/>
+            </a:fillRef>
+            <a:effectRef idx="0">
+              <a:schemeClr val="accent1"/>
+            </a:effectRef>
+            <a:fontRef idx="minor">
+              <a:schemeClr val="lt1"/>
+            </a:fontRef>
+          </p:style>
+          <p:txBody>
+            <a:bodyPr rtlCol="0" anchor="ctr"/>
+            <a:lstStyle/>
+            <a:p>
+              <a:pPr algn="ctr"/>
+              <a:endParaRPr lang="en-US"/>
+            </a:p>
+          </p:txBody>
+        </p:sp>
+        <p:sp>
+          <p:nvSpPr>
+            <p:cNvPr id="68" name="楕円 67">
+              <a:extLst>
+                <a:ext uri="{FF2B5EF4-FFF2-40B4-BE49-F238E27FC236}">
+                  <a16:creationId xmlns:a16="http://schemas.microsoft.com/office/drawing/2014/main" id="{A81D2A6E-68B3-4D9A-A6A5-54414BE88DEC}"/>
+                </a:ext>
+              </a:extLst>
+            </p:cNvPr>
+            <p:cNvSpPr/>
+            <p:nvPr/>
+          </p:nvSpPr>
+          <p:spPr>
+            <a:xfrm>
+              <a:off x="3544392" y="2238100"/>
+              <a:ext cx="130629" cy="139330"/>
+            </a:xfrm>
+            <a:prstGeom prst="ellipse">
+              <a:avLst/>
+            </a:prstGeom>
+            <a:grpFill/>
+            <a:ln>
+              <a:solidFill>
+                <a:srgbClr val="00B050"/>
+              </a:solidFill>
+            </a:ln>
+          </p:spPr>
+          <p:style>
+            <a:lnRef idx="2">
+              <a:schemeClr val="accent1">
+                <a:shade val="50000"/>
+              </a:schemeClr>
+            </a:lnRef>
+            <a:fillRef idx="1">
+              <a:schemeClr val="accent1"/>
+            </a:fillRef>
+            <a:effectRef idx="0">
+              <a:schemeClr val="accent1"/>
+            </a:effectRef>
+            <a:fontRef idx="minor">
+              <a:schemeClr val="lt1"/>
+            </a:fontRef>
+          </p:style>
+          <p:txBody>
+            <a:bodyPr rtlCol="0" anchor="ctr"/>
+            <a:lstStyle/>
+            <a:p>
+              <a:pPr algn="ctr"/>
+              <a:endParaRPr lang="en-US"/>
+            </a:p>
+          </p:txBody>
+        </p:sp>
+        <p:sp>
+          <p:nvSpPr>
+            <p:cNvPr id="69" name="楕円 68">
+              <a:extLst>
+                <a:ext uri="{FF2B5EF4-FFF2-40B4-BE49-F238E27FC236}">
+                  <a16:creationId xmlns:a16="http://schemas.microsoft.com/office/drawing/2014/main" id="{9CC56F8C-E595-4E46-828C-8FF448A2C34E}"/>
+                </a:ext>
+              </a:extLst>
+            </p:cNvPr>
+            <p:cNvSpPr/>
+            <p:nvPr/>
+          </p:nvSpPr>
+          <p:spPr>
+            <a:xfrm>
+              <a:off x="3548742" y="2425336"/>
+              <a:ext cx="130629" cy="139330"/>
+            </a:xfrm>
+            <a:prstGeom prst="ellipse">
+              <a:avLst/>
+            </a:prstGeom>
+            <a:grpFill/>
+            <a:ln>
+              <a:solidFill>
+                <a:srgbClr val="00B050"/>
+              </a:solidFill>
+            </a:ln>
+          </p:spPr>
+          <p:style>
+            <a:lnRef idx="2">
+              <a:schemeClr val="accent1">
+                <a:shade val="50000"/>
+              </a:schemeClr>
+            </a:lnRef>
+            <a:fillRef idx="1">
+              <a:schemeClr val="accent1"/>
+            </a:fillRef>
+            <a:effectRef idx="0">
+              <a:schemeClr val="accent1"/>
+            </a:effectRef>
+            <a:fontRef idx="minor">
+              <a:schemeClr val="lt1"/>
+            </a:fontRef>
+          </p:style>
+          <p:txBody>
+            <a:bodyPr rtlCol="0" anchor="ctr"/>
+            <a:lstStyle/>
+            <a:p>
+              <a:pPr algn="ctr"/>
+              <a:endParaRPr lang="en-US"/>
+            </a:p>
+          </p:txBody>
+        </p:sp>
+        <p:sp>
+          <p:nvSpPr>
+            <p:cNvPr id="70" name="楕円 69">
+              <a:extLst>
+                <a:ext uri="{FF2B5EF4-FFF2-40B4-BE49-F238E27FC236}">
+                  <a16:creationId xmlns:a16="http://schemas.microsoft.com/office/drawing/2014/main" id="{B30A25DF-FB74-4BF7-9259-6234A742D1A1}"/>
+                </a:ext>
+              </a:extLst>
+            </p:cNvPr>
+            <p:cNvSpPr/>
+            <p:nvPr/>
+          </p:nvSpPr>
+          <p:spPr>
+            <a:xfrm>
+              <a:off x="3553095" y="2612572"/>
+              <a:ext cx="130629" cy="139330"/>
+            </a:xfrm>
+            <a:prstGeom prst="ellipse">
+              <a:avLst/>
+            </a:prstGeom>
+            <a:grpFill/>
+            <a:ln>
+              <a:solidFill>
+                <a:srgbClr val="00B050"/>
+              </a:solidFill>
+            </a:ln>
+          </p:spPr>
+          <p:style>
+            <a:lnRef idx="2">
+              <a:schemeClr val="accent1">
+                <a:shade val="50000"/>
+              </a:schemeClr>
+            </a:lnRef>
+            <a:fillRef idx="1">
+              <a:schemeClr val="accent1"/>
+            </a:fillRef>
+            <a:effectRef idx="0">
+              <a:schemeClr val="accent1"/>
+            </a:effectRef>
+            <a:fontRef idx="minor">
+              <a:schemeClr val="lt1"/>
+            </a:fontRef>
+          </p:style>
+          <p:txBody>
+            <a:bodyPr rtlCol="0" anchor="ctr"/>
+            <a:lstStyle/>
+            <a:p>
+              <a:pPr algn="ctr"/>
+              <a:endParaRPr lang="en-US"/>
+            </a:p>
+          </p:txBody>
+        </p:sp>
+        <p:sp>
+          <p:nvSpPr>
+            <p:cNvPr id="71" name="楕円 70">
+              <a:extLst>
+                <a:ext uri="{FF2B5EF4-FFF2-40B4-BE49-F238E27FC236}">
+                  <a16:creationId xmlns:a16="http://schemas.microsoft.com/office/drawing/2014/main" id="{F35D8803-1EDF-4115-94FC-4E122E2A01B3}"/>
+                </a:ext>
+              </a:extLst>
+            </p:cNvPr>
+            <p:cNvSpPr/>
+            <p:nvPr/>
+          </p:nvSpPr>
+          <p:spPr>
+            <a:xfrm>
+              <a:off x="3718567" y="2055214"/>
+              <a:ext cx="130629" cy="139330"/>
+            </a:xfrm>
+            <a:prstGeom prst="ellipse">
+              <a:avLst/>
+            </a:prstGeom>
+            <a:grpFill/>
+            <a:ln>
+              <a:solidFill>
+                <a:srgbClr val="00B050"/>
+              </a:solidFill>
+            </a:ln>
+          </p:spPr>
+          <p:style>
+            <a:lnRef idx="2">
+              <a:schemeClr val="accent1">
+                <a:shade val="50000"/>
+              </a:schemeClr>
+            </a:lnRef>
+            <a:fillRef idx="1">
+              <a:schemeClr val="accent1"/>
+            </a:fillRef>
+            <a:effectRef idx="0">
+              <a:schemeClr val="accent1"/>
+            </a:effectRef>
+            <a:fontRef idx="minor">
+              <a:schemeClr val="lt1"/>
+            </a:fontRef>
+          </p:style>
+          <p:txBody>
+            <a:bodyPr rtlCol="0" anchor="ctr"/>
+            <a:lstStyle/>
+            <a:p>
+              <a:pPr algn="ctr"/>
+              <a:endParaRPr lang="en-US"/>
+            </a:p>
+          </p:txBody>
+        </p:sp>
+        <p:sp>
+          <p:nvSpPr>
+            <p:cNvPr id="72" name="楕円 71">
+              <a:extLst>
+                <a:ext uri="{FF2B5EF4-FFF2-40B4-BE49-F238E27FC236}">
+                  <a16:creationId xmlns:a16="http://schemas.microsoft.com/office/drawing/2014/main" id="{8B828ABF-AC6A-4AE7-98FA-1539DB2E1E89}"/>
+                </a:ext>
+              </a:extLst>
+            </p:cNvPr>
+            <p:cNvSpPr/>
+            <p:nvPr/>
+          </p:nvSpPr>
+          <p:spPr>
+            <a:xfrm>
+              <a:off x="3714210" y="2242450"/>
+              <a:ext cx="130629" cy="139330"/>
+            </a:xfrm>
+            <a:prstGeom prst="ellipse">
+              <a:avLst/>
+            </a:prstGeom>
+            <a:grpFill/>
+            <a:ln>
+              <a:solidFill>
+                <a:srgbClr val="00B050"/>
+              </a:solidFill>
+            </a:ln>
+          </p:spPr>
+          <p:style>
+            <a:lnRef idx="2">
+              <a:schemeClr val="accent1">
+                <a:shade val="50000"/>
+              </a:schemeClr>
+            </a:lnRef>
+            <a:fillRef idx="1">
+              <a:schemeClr val="accent1"/>
+            </a:fillRef>
+            <a:effectRef idx="0">
+              <a:schemeClr val="accent1"/>
+            </a:effectRef>
+            <a:fontRef idx="minor">
+              <a:schemeClr val="lt1"/>
+            </a:fontRef>
+          </p:style>
+          <p:txBody>
+            <a:bodyPr rtlCol="0" anchor="ctr"/>
+            <a:lstStyle/>
+            <a:p>
+              <a:pPr algn="ctr"/>
+              <a:endParaRPr lang="en-US"/>
+            </a:p>
+          </p:txBody>
+        </p:sp>
+        <p:sp>
+          <p:nvSpPr>
+            <p:cNvPr id="73" name="楕円 72">
+              <a:extLst>
+                <a:ext uri="{FF2B5EF4-FFF2-40B4-BE49-F238E27FC236}">
+                  <a16:creationId xmlns:a16="http://schemas.microsoft.com/office/drawing/2014/main" id="{22B8D076-1EC5-403B-A351-FC3815BD05B5}"/>
+                </a:ext>
+              </a:extLst>
+            </p:cNvPr>
+            <p:cNvSpPr/>
+            <p:nvPr/>
+          </p:nvSpPr>
+          <p:spPr>
+            <a:xfrm>
+              <a:off x="3718560" y="2429686"/>
+              <a:ext cx="130629" cy="139330"/>
+            </a:xfrm>
+            <a:prstGeom prst="ellipse">
+              <a:avLst/>
+            </a:prstGeom>
+            <a:grpFill/>
+            <a:ln>
+              <a:solidFill>
+                <a:srgbClr val="00B050"/>
+              </a:solidFill>
+            </a:ln>
+          </p:spPr>
+          <p:style>
+            <a:lnRef idx="2">
+              <a:schemeClr val="accent1">
+                <a:shade val="50000"/>
+              </a:schemeClr>
+            </a:lnRef>
+            <a:fillRef idx="1">
+              <a:schemeClr val="accent1"/>
+            </a:fillRef>
+            <a:effectRef idx="0">
+              <a:schemeClr val="accent1"/>
+            </a:effectRef>
+            <a:fontRef idx="minor">
+              <a:schemeClr val="lt1"/>
+            </a:fontRef>
+          </p:style>
+          <p:txBody>
+            <a:bodyPr rtlCol="0" anchor="ctr"/>
+            <a:lstStyle/>
+            <a:p>
+              <a:pPr algn="ctr"/>
+              <a:endParaRPr lang="en-US"/>
+            </a:p>
+          </p:txBody>
+        </p:sp>
+        <p:sp>
+          <p:nvSpPr>
+            <p:cNvPr id="74" name="楕円 73">
+              <a:extLst>
+                <a:ext uri="{FF2B5EF4-FFF2-40B4-BE49-F238E27FC236}">
+                  <a16:creationId xmlns:a16="http://schemas.microsoft.com/office/drawing/2014/main" id="{ADFF617E-0A94-414C-97DA-EFC2A8090C42}"/>
+                </a:ext>
+              </a:extLst>
+            </p:cNvPr>
+            <p:cNvSpPr/>
+            <p:nvPr/>
+          </p:nvSpPr>
+          <p:spPr>
+            <a:xfrm>
+              <a:off x="3722913" y="2616922"/>
+              <a:ext cx="130629" cy="139330"/>
+            </a:xfrm>
+            <a:prstGeom prst="ellipse">
+              <a:avLst/>
+            </a:prstGeom>
+            <a:grpFill/>
+            <a:ln>
+              <a:solidFill>
+                <a:srgbClr val="00B050"/>
+              </a:solidFill>
+            </a:ln>
+          </p:spPr>
+          <p:style>
+            <a:lnRef idx="2">
+              <a:schemeClr val="accent1">
+                <a:shade val="50000"/>
+              </a:schemeClr>
+            </a:lnRef>
+            <a:fillRef idx="1">
+              <a:schemeClr val="accent1"/>
+            </a:fillRef>
+            <a:effectRef idx="0">
+              <a:schemeClr val="accent1"/>
+            </a:effectRef>
+            <a:fontRef idx="minor">
+              <a:schemeClr val="lt1"/>
+            </a:fontRef>
+          </p:style>
+          <p:txBody>
+            <a:bodyPr rtlCol="0" anchor="ctr"/>
+            <a:lstStyle/>
+            <a:p>
+              <a:pPr algn="ctr"/>
+              <a:endParaRPr lang="en-US"/>
+            </a:p>
+          </p:txBody>
+        </p:sp>
+        <p:sp>
+          <p:nvSpPr>
+            <p:cNvPr id="75" name="楕円 74">
+              <a:extLst>
+                <a:ext uri="{FF2B5EF4-FFF2-40B4-BE49-F238E27FC236}">
+                  <a16:creationId xmlns:a16="http://schemas.microsoft.com/office/drawing/2014/main" id="{4A46A919-2094-4BDD-B925-3E8DC12704B6}"/>
+                </a:ext>
+              </a:extLst>
+            </p:cNvPr>
+            <p:cNvSpPr/>
+            <p:nvPr/>
+          </p:nvSpPr>
+          <p:spPr>
+            <a:xfrm>
+              <a:off x="2521124" y="2042163"/>
+              <a:ext cx="130629" cy="139330"/>
+            </a:xfrm>
+            <a:prstGeom prst="ellipse">
+              <a:avLst/>
+            </a:prstGeom>
+            <a:grpFill/>
+            <a:ln>
+              <a:solidFill>
+                <a:srgbClr val="00B050"/>
+              </a:solidFill>
+            </a:ln>
+          </p:spPr>
+          <p:style>
+            <a:lnRef idx="2">
+              <a:schemeClr val="accent1">
+                <a:shade val="50000"/>
+              </a:schemeClr>
+            </a:lnRef>
+            <a:fillRef idx="1">
+              <a:schemeClr val="accent1"/>
+            </a:fillRef>
+            <a:effectRef idx="0">
+              <a:schemeClr val="accent1"/>
+            </a:effectRef>
+            <a:fontRef idx="minor">
+              <a:schemeClr val="lt1"/>
+            </a:fontRef>
+          </p:style>
+          <p:txBody>
+            <a:bodyPr rtlCol="0" anchor="ctr"/>
+            <a:lstStyle/>
+            <a:p>
+              <a:pPr algn="ctr"/>
+              <a:endParaRPr lang="en-US"/>
+            </a:p>
+          </p:txBody>
+        </p:sp>
+        <p:sp>
+          <p:nvSpPr>
+            <p:cNvPr id="76" name="楕円 75">
+              <a:extLst>
+                <a:ext uri="{FF2B5EF4-FFF2-40B4-BE49-F238E27FC236}">
+                  <a16:creationId xmlns:a16="http://schemas.microsoft.com/office/drawing/2014/main" id="{9F68D968-954F-4367-BAB4-BFFFA231A474}"/>
+                </a:ext>
+              </a:extLst>
+            </p:cNvPr>
+            <p:cNvSpPr/>
+            <p:nvPr/>
+          </p:nvSpPr>
+          <p:spPr>
+            <a:xfrm>
+              <a:off x="2525476" y="2229399"/>
+              <a:ext cx="130629" cy="139330"/>
+            </a:xfrm>
+            <a:prstGeom prst="ellipse">
+              <a:avLst/>
+            </a:prstGeom>
+            <a:grpFill/>
+            <a:ln>
+              <a:solidFill>
+                <a:srgbClr val="00B050"/>
+              </a:solidFill>
+            </a:ln>
+          </p:spPr>
+          <p:style>
+            <a:lnRef idx="2">
+              <a:schemeClr val="accent1">
+                <a:shade val="50000"/>
+              </a:schemeClr>
+            </a:lnRef>
+            <a:fillRef idx="1">
+              <a:schemeClr val="accent1"/>
+            </a:fillRef>
+            <a:effectRef idx="0">
+              <a:schemeClr val="accent1"/>
+            </a:effectRef>
+            <a:fontRef idx="minor">
+              <a:schemeClr val="lt1"/>
+            </a:fontRef>
+          </p:style>
+          <p:txBody>
+            <a:bodyPr rtlCol="0" anchor="ctr"/>
+            <a:lstStyle/>
+            <a:p>
+              <a:pPr algn="ctr"/>
+              <a:endParaRPr lang="en-US"/>
+            </a:p>
+          </p:txBody>
+        </p:sp>
+        <p:sp>
+          <p:nvSpPr>
+            <p:cNvPr id="77" name="楕円 76">
+              <a:extLst>
+                <a:ext uri="{FF2B5EF4-FFF2-40B4-BE49-F238E27FC236}">
+                  <a16:creationId xmlns:a16="http://schemas.microsoft.com/office/drawing/2014/main" id="{7BC06CC8-78B1-444B-A410-51DE24247C45}"/>
+                </a:ext>
+              </a:extLst>
+            </p:cNvPr>
+            <p:cNvSpPr/>
+            <p:nvPr/>
+          </p:nvSpPr>
+          <p:spPr>
+            <a:xfrm>
+              <a:off x="2521117" y="2416635"/>
+              <a:ext cx="130629" cy="139330"/>
+            </a:xfrm>
+            <a:prstGeom prst="ellipse">
+              <a:avLst/>
+            </a:prstGeom>
+            <a:grpFill/>
+            <a:ln>
+              <a:solidFill>
+                <a:srgbClr val="00B050"/>
+              </a:solidFill>
+            </a:ln>
+          </p:spPr>
+          <p:style>
+            <a:lnRef idx="2">
+              <a:schemeClr val="accent1">
+                <a:shade val="50000"/>
+              </a:schemeClr>
+            </a:lnRef>
+            <a:fillRef idx="1">
+              <a:schemeClr val="accent1"/>
+            </a:fillRef>
+            <a:effectRef idx="0">
+              <a:schemeClr val="accent1"/>
+            </a:effectRef>
+            <a:fontRef idx="minor">
+              <a:schemeClr val="lt1"/>
+            </a:fontRef>
+          </p:style>
+          <p:txBody>
+            <a:bodyPr rtlCol="0" anchor="ctr"/>
+            <a:lstStyle/>
+            <a:p>
+              <a:pPr algn="ctr"/>
+              <a:endParaRPr lang="en-US"/>
+            </a:p>
+          </p:txBody>
+        </p:sp>
+        <p:sp>
+          <p:nvSpPr>
+            <p:cNvPr id="78" name="楕円 77">
+              <a:extLst>
+                <a:ext uri="{FF2B5EF4-FFF2-40B4-BE49-F238E27FC236}">
+                  <a16:creationId xmlns:a16="http://schemas.microsoft.com/office/drawing/2014/main" id="{9972E73B-3E3A-4608-876B-C20504F325EF}"/>
+                </a:ext>
+              </a:extLst>
+            </p:cNvPr>
+            <p:cNvSpPr/>
+            <p:nvPr/>
+          </p:nvSpPr>
+          <p:spPr>
+            <a:xfrm>
+              <a:off x="2525470" y="2603871"/>
+              <a:ext cx="130629" cy="139330"/>
+            </a:xfrm>
+            <a:prstGeom prst="ellipse">
+              <a:avLst/>
+            </a:prstGeom>
+            <a:grpFill/>
+            <a:ln>
+              <a:solidFill>
+                <a:srgbClr val="00B050"/>
+              </a:solidFill>
+            </a:ln>
+          </p:spPr>
+          <p:style>
+            <a:lnRef idx="2">
+              <a:schemeClr val="accent1">
+                <a:shade val="50000"/>
+              </a:schemeClr>
+            </a:lnRef>
+            <a:fillRef idx="1">
+              <a:schemeClr val="accent1"/>
+            </a:fillRef>
+            <a:effectRef idx="0">
+              <a:schemeClr val="accent1"/>
+            </a:effectRef>
+            <a:fontRef idx="minor">
+              <a:schemeClr val="lt1"/>
+            </a:fontRef>
+          </p:style>
+          <p:txBody>
+            <a:bodyPr rtlCol="0" anchor="ctr"/>
+            <a:lstStyle/>
+            <a:p>
+              <a:pPr algn="ctr"/>
+              <a:endParaRPr lang="en-US"/>
+            </a:p>
+          </p:txBody>
+        </p:sp>
+        <p:sp>
+          <p:nvSpPr>
+            <p:cNvPr id="79" name="楕円 78">
+              <a:extLst>
+                <a:ext uri="{FF2B5EF4-FFF2-40B4-BE49-F238E27FC236}">
+                  <a16:creationId xmlns:a16="http://schemas.microsoft.com/office/drawing/2014/main" id="{55EEBA25-2CC5-4DC7-BCC1-070F54422D8B}"/>
+                </a:ext>
+              </a:extLst>
+            </p:cNvPr>
+            <p:cNvSpPr/>
+            <p:nvPr/>
+          </p:nvSpPr>
+          <p:spPr>
+            <a:xfrm>
+              <a:off x="2690942" y="2046513"/>
+              <a:ext cx="130629" cy="139330"/>
+            </a:xfrm>
+            <a:prstGeom prst="ellipse">
+              <a:avLst/>
+            </a:prstGeom>
+            <a:grpFill/>
+            <a:ln>
+              <a:solidFill>
+                <a:srgbClr val="00B050"/>
+              </a:solidFill>
+            </a:ln>
+          </p:spPr>
+          <p:style>
+            <a:lnRef idx="2">
+              <a:schemeClr val="accent1">
+                <a:shade val="50000"/>
+              </a:schemeClr>
+            </a:lnRef>
+            <a:fillRef idx="1">
+              <a:schemeClr val="accent1"/>
+            </a:fillRef>
+            <a:effectRef idx="0">
+              <a:schemeClr val="accent1"/>
+            </a:effectRef>
+            <a:fontRef idx="minor">
+              <a:schemeClr val="lt1"/>
+            </a:fontRef>
+          </p:style>
+          <p:txBody>
+            <a:bodyPr rtlCol="0" anchor="ctr"/>
+            <a:lstStyle/>
+            <a:p>
+              <a:pPr algn="ctr"/>
+              <a:endParaRPr lang="en-US"/>
+            </a:p>
+          </p:txBody>
+        </p:sp>
+        <p:sp>
+          <p:nvSpPr>
+            <p:cNvPr id="80" name="楕円 79">
+              <a:extLst>
+                <a:ext uri="{FF2B5EF4-FFF2-40B4-BE49-F238E27FC236}">
+                  <a16:creationId xmlns:a16="http://schemas.microsoft.com/office/drawing/2014/main" id="{FA1E9844-2CEE-4729-88B4-BB5D21ABFD03}"/>
+                </a:ext>
+              </a:extLst>
+            </p:cNvPr>
+            <p:cNvSpPr/>
+            <p:nvPr/>
+          </p:nvSpPr>
+          <p:spPr>
+            <a:xfrm>
+              <a:off x="2695294" y="2233749"/>
+              <a:ext cx="130629" cy="139330"/>
+            </a:xfrm>
+            <a:prstGeom prst="ellipse">
+              <a:avLst/>
+            </a:prstGeom>
+            <a:grpFill/>
+            <a:ln>
+              <a:solidFill>
+                <a:srgbClr val="00B050"/>
+              </a:solidFill>
+            </a:ln>
+          </p:spPr>
+          <p:style>
+            <a:lnRef idx="2">
+              <a:schemeClr val="accent1">
+                <a:shade val="50000"/>
+              </a:schemeClr>
+            </a:lnRef>
+            <a:fillRef idx="1">
+              <a:schemeClr val="accent1"/>
+            </a:fillRef>
+            <a:effectRef idx="0">
+              <a:schemeClr val="accent1"/>
+            </a:effectRef>
+            <a:fontRef idx="minor">
+              <a:schemeClr val="lt1"/>
+            </a:fontRef>
+          </p:style>
+          <p:txBody>
+            <a:bodyPr rtlCol="0" anchor="ctr"/>
+            <a:lstStyle/>
+            <a:p>
+              <a:pPr algn="ctr"/>
+              <a:endParaRPr lang="en-US"/>
+            </a:p>
+          </p:txBody>
+        </p:sp>
+        <p:sp>
+          <p:nvSpPr>
+            <p:cNvPr id="81" name="楕円 80">
+              <a:extLst>
+                <a:ext uri="{FF2B5EF4-FFF2-40B4-BE49-F238E27FC236}">
+                  <a16:creationId xmlns:a16="http://schemas.microsoft.com/office/drawing/2014/main" id="{4383082F-74F1-4E5A-B5FC-89B385D187FC}"/>
+                </a:ext>
+              </a:extLst>
+            </p:cNvPr>
+            <p:cNvSpPr/>
+            <p:nvPr/>
+          </p:nvSpPr>
+          <p:spPr>
+            <a:xfrm>
+              <a:off x="2699644" y="2420985"/>
+              <a:ext cx="130629" cy="139330"/>
+            </a:xfrm>
+            <a:prstGeom prst="ellipse">
+              <a:avLst/>
+            </a:prstGeom>
+            <a:grpFill/>
+            <a:ln>
+              <a:solidFill>
+                <a:srgbClr val="00B050"/>
+              </a:solidFill>
+            </a:ln>
+          </p:spPr>
+          <p:style>
+            <a:lnRef idx="2">
+              <a:schemeClr val="accent1">
+                <a:shade val="50000"/>
+              </a:schemeClr>
+            </a:lnRef>
+            <a:fillRef idx="1">
+              <a:schemeClr val="accent1"/>
+            </a:fillRef>
+            <a:effectRef idx="0">
+              <a:schemeClr val="accent1"/>
+            </a:effectRef>
+            <a:fontRef idx="minor">
+              <a:schemeClr val="lt1"/>
+            </a:fontRef>
+          </p:style>
+          <p:txBody>
+            <a:bodyPr rtlCol="0" anchor="ctr"/>
+            <a:lstStyle/>
+            <a:p>
+              <a:pPr algn="ctr"/>
+              <a:endParaRPr lang="en-US"/>
+            </a:p>
+          </p:txBody>
+        </p:sp>
+        <p:sp>
+          <p:nvSpPr>
+            <p:cNvPr id="82" name="楕円 81">
+              <a:extLst>
+                <a:ext uri="{FF2B5EF4-FFF2-40B4-BE49-F238E27FC236}">
+                  <a16:creationId xmlns:a16="http://schemas.microsoft.com/office/drawing/2014/main" id="{AEAD42C7-8AB2-4095-81DF-0545C2805127}"/>
+                </a:ext>
+              </a:extLst>
+            </p:cNvPr>
+            <p:cNvSpPr/>
+            <p:nvPr/>
+          </p:nvSpPr>
+          <p:spPr>
+            <a:xfrm>
+              <a:off x="2695288" y="2608221"/>
+              <a:ext cx="130629" cy="139330"/>
+            </a:xfrm>
+            <a:prstGeom prst="ellipse">
+              <a:avLst/>
+            </a:prstGeom>
+            <a:grpFill/>
+            <a:ln>
+              <a:solidFill>
+                <a:srgbClr val="00B050"/>
+              </a:solidFill>
+            </a:ln>
+          </p:spPr>
+          <p:style>
+            <a:lnRef idx="2">
+              <a:schemeClr val="accent1">
+                <a:shade val="50000"/>
+              </a:schemeClr>
+            </a:lnRef>
+            <a:fillRef idx="1">
+              <a:schemeClr val="accent1"/>
+            </a:fillRef>
+            <a:effectRef idx="0">
+              <a:schemeClr val="accent1"/>
+            </a:effectRef>
+            <a:fontRef idx="minor">
+              <a:schemeClr val="lt1"/>
+            </a:fontRef>
+          </p:style>
+          <p:txBody>
+            <a:bodyPr rtlCol="0" anchor="ctr"/>
+            <a:lstStyle/>
+            <a:p>
+              <a:pPr algn="ctr"/>
+              <a:endParaRPr lang="en-US"/>
+            </a:p>
+          </p:txBody>
+        </p:sp>
+        <p:sp>
+          <p:nvSpPr>
+            <p:cNvPr id="83" name="楕円 82">
+              <a:extLst>
+                <a:ext uri="{FF2B5EF4-FFF2-40B4-BE49-F238E27FC236}">
+                  <a16:creationId xmlns:a16="http://schemas.microsoft.com/office/drawing/2014/main" id="{855DC854-6E1A-4BAA-9EDD-6DFE2BF767DA}"/>
+                </a:ext>
+              </a:extLst>
+            </p:cNvPr>
+            <p:cNvSpPr/>
+            <p:nvPr/>
+          </p:nvSpPr>
+          <p:spPr>
+            <a:xfrm>
+              <a:off x="2865117" y="2046516"/>
+              <a:ext cx="130629" cy="139330"/>
+            </a:xfrm>
+            <a:prstGeom prst="ellipse">
+              <a:avLst/>
+            </a:prstGeom>
+            <a:grpFill/>
+            <a:ln>
+              <a:solidFill>
+                <a:srgbClr val="00B050"/>
+              </a:solidFill>
+            </a:ln>
+          </p:spPr>
+          <p:style>
+            <a:lnRef idx="2">
+              <a:schemeClr val="accent1">
+                <a:shade val="50000"/>
+              </a:schemeClr>
+            </a:lnRef>
+            <a:fillRef idx="1">
+              <a:schemeClr val="accent1"/>
+            </a:fillRef>
+            <a:effectRef idx="0">
+              <a:schemeClr val="accent1"/>
+            </a:effectRef>
+            <a:fontRef idx="minor">
+              <a:schemeClr val="lt1"/>
+            </a:fontRef>
+          </p:style>
+          <p:txBody>
+            <a:bodyPr rtlCol="0" anchor="ctr"/>
+            <a:lstStyle/>
+            <a:p>
+              <a:pPr algn="ctr"/>
+              <a:endParaRPr lang="en-US"/>
+            </a:p>
+          </p:txBody>
+        </p:sp>
+        <p:sp>
+          <p:nvSpPr>
+            <p:cNvPr id="84" name="楕円 83">
+              <a:extLst>
+                <a:ext uri="{FF2B5EF4-FFF2-40B4-BE49-F238E27FC236}">
+                  <a16:creationId xmlns:a16="http://schemas.microsoft.com/office/drawing/2014/main" id="{55362665-4278-4440-AE08-88624A2D8D09}"/>
+                </a:ext>
+              </a:extLst>
+            </p:cNvPr>
+            <p:cNvSpPr/>
+            <p:nvPr/>
+          </p:nvSpPr>
+          <p:spPr>
+            <a:xfrm>
+              <a:off x="2860760" y="2233752"/>
+              <a:ext cx="130629" cy="139330"/>
+            </a:xfrm>
+            <a:prstGeom prst="ellipse">
+              <a:avLst/>
+            </a:prstGeom>
+            <a:grpFill/>
+            <a:ln>
+              <a:solidFill>
+                <a:srgbClr val="00B050"/>
+              </a:solidFill>
+            </a:ln>
+          </p:spPr>
+          <p:style>
+            <a:lnRef idx="2">
+              <a:schemeClr val="accent1">
+                <a:shade val="50000"/>
+              </a:schemeClr>
+            </a:lnRef>
+            <a:fillRef idx="1">
+              <a:schemeClr val="accent1"/>
+            </a:fillRef>
+            <a:effectRef idx="0">
+              <a:schemeClr val="accent1"/>
+            </a:effectRef>
+            <a:fontRef idx="minor">
+              <a:schemeClr val="lt1"/>
+            </a:fontRef>
+          </p:style>
+          <p:txBody>
+            <a:bodyPr rtlCol="0" anchor="ctr"/>
+            <a:lstStyle/>
+            <a:p>
+              <a:pPr algn="ctr"/>
+              <a:endParaRPr lang="en-US"/>
+            </a:p>
+          </p:txBody>
+        </p:sp>
+        <p:sp>
+          <p:nvSpPr>
+            <p:cNvPr id="85" name="楕円 84">
+              <a:extLst>
+                <a:ext uri="{FF2B5EF4-FFF2-40B4-BE49-F238E27FC236}">
+                  <a16:creationId xmlns:a16="http://schemas.microsoft.com/office/drawing/2014/main" id="{642DBD1A-349C-453C-A4C4-075323AAE88E}"/>
+                </a:ext>
+              </a:extLst>
+            </p:cNvPr>
+            <p:cNvSpPr/>
+            <p:nvPr/>
+          </p:nvSpPr>
+          <p:spPr>
+            <a:xfrm>
+              <a:off x="2865110" y="2420988"/>
+              <a:ext cx="130629" cy="139330"/>
+            </a:xfrm>
+            <a:prstGeom prst="ellipse">
+              <a:avLst/>
+            </a:prstGeom>
+            <a:grpFill/>
+            <a:ln>
+              <a:solidFill>
+                <a:srgbClr val="00B050"/>
+              </a:solidFill>
+            </a:ln>
+          </p:spPr>
+          <p:style>
+            <a:lnRef idx="2">
+              <a:schemeClr val="accent1">
+                <a:shade val="50000"/>
+              </a:schemeClr>
+            </a:lnRef>
+            <a:fillRef idx="1">
+              <a:schemeClr val="accent1"/>
+            </a:fillRef>
+            <a:effectRef idx="0">
+              <a:schemeClr val="accent1"/>
+            </a:effectRef>
+            <a:fontRef idx="minor">
+              <a:schemeClr val="lt1"/>
+            </a:fontRef>
+          </p:style>
+          <p:txBody>
+            <a:bodyPr rtlCol="0" anchor="ctr"/>
+            <a:lstStyle/>
+            <a:p>
+              <a:pPr algn="ctr"/>
+              <a:endParaRPr lang="en-US"/>
+            </a:p>
+          </p:txBody>
+        </p:sp>
+        <p:sp>
+          <p:nvSpPr>
+            <p:cNvPr id="86" name="楕円 85">
+              <a:extLst>
+                <a:ext uri="{FF2B5EF4-FFF2-40B4-BE49-F238E27FC236}">
+                  <a16:creationId xmlns:a16="http://schemas.microsoft.com/office/drawing/2014/main" id="{6FB7EE0F-DD09-44DB-ADBC-C6BF3AAE897B}"/>
+                </a:ext>
+              </a:extLst>
+            </p:cNvPr>
+            <p:cNvSpPr/>
+            <p:nvPr/>
+          </p:nvSpPr>
+          <p:spPr>
+            <a:xfrm>
+              <a:off x="2869463" y="2608224"/>
+              <a:ext cx="130629" cy="139330"/>
+            </a:xfrm>
+            <a:prstGeom prst="ellipse">
+              <a:avLst/>
+            </a:prstGeom>
+            <a:grpFill/>
+            <a:ln>
+              <a:solidFill>
+                <a:srgbClr val="00B050"/>
+              </a:solidFill>
+            </a:ln>
+          </p:spPr>
+          <p:style>
+            <a:lnRef idx="2">
+              <a:schemeClr val="accent1">
+                <a:shade val="50000"/>
+              </a:schemeClr>
+            </a:lnRef>
+            <a:fillRef idx="1">
+              <a:schemeClr val="accent1"/>
+            </a:fillRef>
+            <a:effectRef idx="0">
+              <a:schemeClr val="accent1"/>
+            </a:effectRef>
+            <a:fontRef idx="minor">
+              <a:schemeClr val="lt1"/>
+            </a:fontRef>
+          </p:style>
+          <p:txBody>
+            <a:bodyPr rtlCol="0" anchor="ctr"/>
+            <a:lstStyle/>
+            <a:p>
+              <a:pPr algn="ctr"/>
+              <a:endParaRPr lang="en-US"/>
+            </a:p>
+          </p:txBody>
+        </p:sp>
+        <p:sp>
+          <p:nvSpPr>
+            <p:cNvPr id="87" name="楕円 86">
+              <a:extLst>
+                <a:ext uri="{FF2B5EF4-FFF2-40B4-BE49-F238E27FC236}">
+                  <a16:creationId xmlns:a16="http://schemas.microsoft.com/office/drawing/2014/main" id="{F2B0CBC3-6C3E-430C-B02B-9084BD01AFF8}"/>
+                </a:ext>
+              </a:extLst>
+            </p:cNvPr>
+            <p:cNvSpPr/>
+            <p:nvPr/>
+          </p:nvSpPr>
+          <p:spPr>
+            <a:xfrm>
+              <a:off x="3034935" y="2050866"/>
+              <a:ext cx="130629" cy="139330"/>
+            </a:xfrm>
+            <a:prstGeom prst="ellipse">
+              <a:avLst/>
+            </a:prstGeom>
+            <a:grpFill/>
+            <a:ln>
+              <a:solidFill>
+                <a:srgbClr val="00B050"/>
+              </a:solidFill>
+            </a:ln>
+          </p:spPr>
+          <p:style>
+            <a:lnRef idx="2">
+              <a:schemeClr val="accent1">
+                <a:shade val="50000"/>
+              </a:schemeClr>
+            </a:lnRef>
+            <a:fillRef idx="1">
+              <a:schemeClr val="accent1"/>
+            </a:fillRef>
+            <a:effectRef idx="0">
+              <a:schemeClr val="accent1"/>
+            </a:effectRef>
+            <a:fontRef idx="minor">
+              <a:schemeClr val="lt1"/>
+            </a:fontRef>
+          </p:style>
+          <p:txBody>
+            <a:bodyPr rtlCol="0" anchor="ctr"/>
+            <a:lstStyle/>
+            <a:p>
+              <a:pPr algn="ctr"/>
+              <a:endParaRPr lang="en-US"/>
+            </a:p>
+          </p:txBody>
+        </p:sp>
+        <p:sp>
+          <p:nvSpPr>
+            <p:cNvPr id="88" name="楕円 87">
+              <a:extLst>
+                <a:ext uri="{FF2B5EF4-FFF2-40B4-BE49-F238E27FC236}">
+                  <a16:creationId xmlns:a16="http://schemas.microsoft.com/office/drawing/2014/main" id="{66EBD41B-BF28-4A4C-9EF1-9E0B61833F9C}"/>
+                </a:ext>
+              </a:extLst>
+            </p:cNvPr>
+            <p:cNvSpPr/>
+            <p:nvPr/>
+          </p:nvSpPr>
+          <p:spPr>
+            <a:xfrm>
+              <a:off x="3030578" y="2238102"/>
+              <a:ext cx="130629" cy="139330"/>
+            </a:xfrm>
+            <a:prstGeom prst="ellipse">
+              <a:avLst/>
+            </a:prstGeom>
+            <a:grpFill/>
+            <a:ln>
+              <a:solidFill>
+                <a:srgbClr val="00B050"/>
+              </a:solidFill>
+            </a:ln>
+          </p:spPr>
+          <p:style>
+            <a:lnRef idx="2">
+              <a:schemeClr val="accent1">
+                <a:shade val="50000"/>
+              </a:schemeClr>
+            </a:lnRef>
+            <a:fillRef idx="1">
+              <a:schemeClr val="accent1"/>
+            </a:fillRef>
+            <a:effectRef idx="0">
+              <a:schemeClr val="accent1"/>
+            </a:effectRef>
+            <a:fontRef idx="minor">
+              <a:schemeClr val="lt1"/>
+            </a:fontRef>
+          </p:style>
+          <p:txBody>
+            <a:bodyPr rtlCol="0" anchor="ctr"/>
+            <a:lstStyle/>
+            <a:p>
+              <a:pPr algn="ctr"/>
+              <a:endParaRPr lang="en-US"/>
+            </a:p>
+          </p:txBody>
+        </p:sp>
+        <p:sp>
+          <p:nvSpPr>
+            <p:cNvPr id="89" name="楕円 88">
+              <a:extLst>
+                <a:ext uri="{FF2B5EF4-FFF2-40B4-BE49-F238E27FC236}">
+                  <a16:creationId xmlns:a16="http://schemas.microsoft.com/office/drawing/2014/main" id="{5F7C30FD-ED1F-4C79-B032-EE9AF6D31834}"/>
+                </a:ext>
+              </a:extLst>
+            </p:cNvPr>
+            <p:cNvSpPr/>
+            <p:nvPr/>
+          </p:nvSpPr>
+          <p:spPr>
+            <a:xfrm>
+              <a:off x="3034928" y="2425338"/>
+              <a:ext cx="130629" cy="139330"/>
+            </a:xfrm>
+            <a:prstGeom prst="ellipse">
+              <a:avLst/>
+            </a:prstGeom>
+            <a:grpFill/>
+            <a:ln>
+              <a:solidFill>
+                <a:srgbClr val="00B050"/>
+              </a:solidFill>
+            </a:ln>
+          </p:spPr>
+          <p:style>
+            <a:lnRef idx="2">
+              <a:schemeClr val="accent1">
+                <a:shade val="50000"/>
+              </a:schemeClr>
+            </a:lnRef>
+            <a:fillRef idx="1">
+              <a:schemeClr val="accent1"/>
+            </a:fillRef>
+            <a:effectRef idx="0">
+              <a:schemeClr val="accent1"/>
+            </a:effectRef>
+            <a:fontRef idx="minor">
+              <a:schemeClr val="lt1"/>
+            </a:fontRef>
+          </p:style>
+          <p:txBody>
+            <a:bodyPr rtlCol="0" anchor="ctr"/>
+            <a:lstStyle/>
+            <a:p>
+              <a:pPr algn="ctr"/>
+              <a:endParaRPr lang="en-US"/>
+            </a:p>
+          </p:txBody>
+        </p:sp>
+        <p:sp>
+          <p:nvSpPr>
+            <p:cNvPr id="90" name="楕円 89">
+              <a:extLst>
+                <a:ext uri="{FF2B5EF4-FFF2-40B4-BE49-F238E27FC236}">
+                  <a16:creationId xmlns:a16="http://schemas.microsoft.com/office/drawing/2014/main" id="{5248A538-4479-4FFB-8AB3-E30AA0FB8B09}"/>
+                </a:ext>
+              </a:extLst>
+            </p:cNvPr>
+            <p:cNvSpPr/>
+            <p:nvPr/>
+          </p:nvSpPr>
+          <p:spPr>
+            <a:xfrm>
+              <a:off x="3039281" y="2612574"/>
+              <a:ext cx="130629" cy="139330"/>
+            </a:xfrm>
+            <a:prstGeom prst="ellipse">
+              <a:avLst/>
+            </a:prstGeom>
+            <a:grpFill/>
+            <a:ln>
+              <a:solidFill>
+                <a:srgbClr val="00B050"/>
+              </a:solidFill>
+            </a:ln>
+          </p:spPr>
+          <p:style>
+            <a:lnRef idx="2">
+              <a:schemeClr val="accent1">
+                <a:shade val="50000"/>
+              </a:schemeClr>
+            </a:lnRef>
+            <a:fillRef idx="1">
+              <a:schemeClr val="accent1"/>
+            </a:fillRef>
+            <a:effectRef idx="0">
+              <a:schemeClr val="accent1"/>
+            </a:effectRef>
+            <a:fontRef idx="minor">
+              <a:schemeClr val="lt1"/>
+            </a:fontRef>
+          </p:style>
+          <p:txBody>
+            <a:bodyPr rtlCol="0" anchor="ctr"/>
+            <a:lstStyle/>
+            <a:p>
+              <a:pPr algn="ctr"/>
+              <a:endParaRPr lang="en-US"/>
+            </a:p>
+          </p:txBody>
+        </p:sp>
+      </p:grpSp>
+      <p:sp>
+        <p:nvSpPr>
+          <p:cNvPr id="91" name="正方形/長方形 90">
+            <a:extLst>
+              <a:ext uri="{FF2B5EF4-FFF2-40B4-BE49-F238E27FC236}">
+                <a16:creationId xmlns:a16="http://schemas.microsoft.com/office/drawing/2014/main" id="{2780EC25-66FE-41FB-8800-8E59E0075930}"/>
+              </a:ext>
+            </a:extLst>
+          </p:cNvPr>
+          <p:cNvSpPr/>
+          <p:nvPr/>
+        </p:nvSpPr>
+        <p:spPr>
+          <a:xfrm>
+            <a:off x="474096" y="6008898"/>
+            <a:ext cx="313509" cy="304800"/>
+          </a:xfrm>
+          <a:prstGeom prst="rect">
+            <a:avLst/>
+          </a:prstGeom>
+          <a:solidFill>
+            <a:schemeClr val="bg2">
+              <a:lumMod val="50000"/>
+            </a:schemeClr>
+          </a:solidFill>
+        </p:spPr>
+        <p:style>
+          <a:lnRef idx="2">
+            <a:schemeClr val="accent1">
+              <a:shade val="50000"/>
+            </a:schemeClr>
+          </a:lnRef>
+          <a:fillRef idx="1">
+            <a:schemeClr val="accent1"/>
+          </a:fillRef>
+          <a:effectRef idx="0">
+            <a:schemeClr val="accent1"/>
+          </a:effectRef>
+          <a:fontRef idx="minor">
+            <a:schemeClr val="lt1"/>
+          </a:fontRef>
+        </p:style>
+        <p:txBody>
+          <a:bodyPr rtlCol="0" anchor="ctr"/>
+          <a:lstStyle/>
+          <a:p>
+            <a:pPr algn="ctr"/>
+            <a:endParaRPr lang="en-US"/>
+          </a:p>
+        </p:txBody>
+      </p:sp>
+      <p:cxnSp>
+        <p:nvCxnSpPr>
+          <p:cNvPr id="92" name="直線コネクタ 91">
+            <a:extLst>
+              <a:ext uri="{FF2B5EF4-FFF2-40B4-BE49-F238E27FC236}">
+                <a16:creationId xmlns:a16="http://schemas.microsoft.com/office/drawing/2014/main" id="{A72A3941-C816-48A6-8EBB-D5A94FCB2433}"/>
+              </a:ext>
+            </a:extLst>
+          </p:cNvPr>
+          <p:cNvCxnSpPr>
+            <a:cxnSpLocks/>
+          </p:cNvCxnSpPr>
+          <p:nvPr/>
+        </p:nvCxnSpPr>
+        <p:spPr>
+          <a:xfrm flipV="1">
+            <a:off x="796308" y="6156942"/>
+            <a:ext cx="775061" cy="4352"/>
+          </a:xfrm>
+          <a:prstGeom prst="line">
+            <a:avLst/>
+          </a:prstGeom>
+          <a:ln w="38100">
+            <a:solidFill>
+              <a:schemeClr val="bg2">
+                <a:lumMod val="75000"/>
+              </a:schemeClr>
+            </a:solidFill>
+          </a:ln>
+        </p:spPr>
+        <p:style>
+          <a:lnRef idx="1">
+            <a:schemeClr val="accent1"/>
+          </a:lnRef>
+          <a:fillRef idx="0">
+            <a:schemeClr val="accent1"/>
+          </a:fillRef>
+          <a:effectRef idx="0">
+            <a:schemeClr val="accent1"/>
+          </a:effectRef>
+          <a:fontRef idx="minor">
+            <a:schemeClr val="tx1"/>
+          </a:fontRef>
+        </p:style>
+      </p:cxnSp>
+      <p:cxnSp>
+        <p:nvCxnSpPr>
+          <p:cNvPr id="93" name="直線コネクタ 92">
+            <a:extLst>
+              <a:ext uri="{FF2B5EF4-FFF2-40B4-BE49-F238E27FC236}">
+                <a16:creationId xmlns:a16="http://schemas.microsoft.com/office/drawing/2014/main" id="{A707E1BF-D4B8-4C3D-9EB3-EC4763C575F6}"/>
+              </a:ext>
+            </a:extLst>
+          </p:cNvPr>
+          <p:cNvCxnSpPr>
+            <a:cxnSpLocks/>
+          </p:cNvCxnSpPr>
+          <p:nvPr/>
+        </p:nvCxnSpPr>
+        <p:spPr>
+          <a:xfrm>
+            <a:off x="800663" y="6278858"/>
+            <a:ext cx="701039" cy="0"/>
+          </a:xfrm>
+          <a:prstGeom prst="line">
+            <a:avLst/>
+          </a:prstGeom>
+          <a:ln w="38100">
+            <a:solidFill>
+              <a:schemeClr val="bg2">
+                <a:lumMod val="75000"/>
+              </a:schemeClr>
+            </a:solidFill>
+          </a:ln>
+        </p:spPr>
+        <p:style>
+          <a:lnRef idx="1">
+            <a:schemeClr val="accent1"/>
+          </a:lnRef>
+          <a:fillRef idx="0">
+            <a:schemeClr val="accent1"/>
+          </a:fillRef>
+          <a:effectRef idx="0">
+            <a:schemeClr val="accent1"/>
+          </a:effectRef>
+          <a:fontRef idx="minor">
+            <a:schemeClr val="tx1"/>
+          </a:fontRef>
+        </p:style>
+      </p:cxnSp>
+      <p:cxnSp>
+        <p:nvCxnSpPr>
+          <p:cNvPr id="94" name="直線コネクタ 93">
+            <a:extLst>
+              <a:ext uri="{FF2B5EF4-FFF2-40B4-BE49-F238E27FC236}">
+                <a16:creationId xmlns:a16="http://schemas.microsoft.com/office/drawing/2014/main" id="{94B5AA8F-2839-4F10-AED3-C93F845AD798}"/>
+              </a:ext>
+            </a:extLst>
+          </p:cNvPr>
+          <p:cNvCxnSpPr>
+            <a:cxnSpLocks/>
+          </p:cNvCxnSpPr>
+          <p:nvPr/>
+        </p:nvCxnSpPr>
+        <p:spPr>
+          <a:xfrm flipV="1">
+            <a:off x="796306" y="6052437"/>
+            <a:ext cx="775061" cy="4352"/>
+          </a:xfrm>
+          <a:prstGeom prst="line">
+            <a:avLst/>
+          </a:prstGeom>
+          <a:ln w="38100">
+            <a:solidFill>
+              <a:schemeClr val="bg2">
+                <a:lumMod val="75000"/>
+              </a:schemeClr>
+            </a:solidFill>
+          </a:ln>
+        </p:spPr>
+        <p:style>
+          <a:lnRef idx="1">
+            <a:schemeClr val="accent1"/>
+          </a:lnRef>
+          <a:fillRef idx="0">
+            <a:schemeClr val="accent1"/>
+          </a:fillRef>
+          <a:effectRef idx="0">
+            <a:schemeClr val="accent1"/>
+          </a:effectRef>
+          <a:fontRef idx="minor">
+            <a:schemeClr val="tx1"/>
+          </a:fontRef>
+        </p:style>
+      </p:cxnSp>
+      <p:cxnSp>
+        <p:nvCxnSpPr>
+          <p:cNvPr id="95" name="直線コネクタ 94">
+            <a:extLst>
+              <a:ext uri="{FF2B5EF4-FFF2-40B4-BE49-F238E27FC236}">
+                <a16:creationId xmlns:a16="http://schemas.microsoft.com/office/drawing/2014/main" id="{E1104D32-1BD7-40E6-881D-94EC3A8D36CF}"/>
+              </a:ext>
+            </a:extLst>
+          </p:cNvPr>
+          <p:cNvCxnSpPr>
+            <a:cxnSpLocks/>
+          </p:cNvCxnSpPr>
+          <p:nvPr/>
+        </p:nvCxnSpPr>
+        <p:spPr>
+          <a:xfrm>
+            <a:off x="1462513" y="6265797"/>
+            <a:ext cx="130630" cy="130632"/>
+          </a:xfrm>
+          <a:prstGeom prst="line">
+            <a:avLst/>
+          </a:prstGeom>
+          <a:ln w="38100">
+            <a:solidFill>
+              <a:schemeClr val="bg2">
+                <a:lumMod val="75000"/>
+              </a:schemeClr>
+            </a:solidFill>
+          </a:ln>
+        </p:spPr>
+        <p:style>
+          <a:lnRef idx="1">
+            <a:schemeClr val="accent1"/>
+          </a:lnRef>
+          <a:fillRef idx="0">
+            <a:schemeClr val="accent1"/>
+          </a:fillRef>
+          <a:effectRef idx="0">
+            <a:schemeClr val="accent1"/>
+          </a:effectRef>
+          <a:fontRef idx="minor">
+            <a:schemeClr val="tx1"/>
+          </a:fontRef>
+        </p:style>
+      </p:cxnSp>
+      <p:cxnSp>
+        <p:nvCxnSpPr>
+          <p:cNvPr id="96" name="直線コネクタ 95">
+            <a:extLst>
+              <a:ext uri="{FF2B5EF4-FFF2-40B4-BE49-F238E27FC236}">
+                <a16:creationId xmlns:a16="http://schemas.microsoft.com/office/drawing/2014/main" id="{0CF98D3C-3656-4EC6-8801-812031F1D513}"/>
+              </a:ext>
+            </a:extLst>
+          </p:cNvPr>
+          <p:cNvCxnSpPr>
+            <a:cxnSpLocks/>
+            <a:endCxn id="88" idx="7"/>
+          </p:cNvCxnSpPr>
+          <p:nvPr/>
+        </p:nvCxnSpPr>
+        <p:spPr>
+          <a:xfrm flipV="1">
+            <a:off x="1562659" y="5924796"/>
+            <a:ext cx="46467" cy="118936"/>
+          </a:xfrm>
+          <a:prstGeom prst="line">
+            <a:avLst/>
+          </a:prstGeom>
+          <a:ln w="38100">
+            <a:solidFill>
+              <a:schemeClr val="bg2">
+                <a:lumMod val="75000"/>
+              </a:schemeClr>
+            </a:solidFill>
+          </a:ln>
+        </p:spPr>
+        <p:style>
+          <a:lnRef idx="1">
+            <a:schemeClr val="accent1"/>
+          </a:lnRef>
+          <a:fillRef idx="0">
+            <a:schemeClr val="accent1"/>
+          </a:fillRef>
+          <a:effectRef idx="0">
+            <a:schemeClr val="accent1"/>
+          </a:effectRef>
+          <a:fontRef idx="minor">
+            <a:schemeClr val="tx1"/>
+          </a:fontRef>
+        </p:style>
+      </p:cxnSp>
+      <p:cxnSp>
+        <p:nvCxnSpPr>
+          <p:cNvPr id="97" name="直線コネクタ 96">
+            <a:extLst>
+              <a:ext uri="{FF2B5EF4-FFF2-40B4-BE49-F238E27FC236}">
+                <a16:creationId xmlns:a16="http://schemas.microsoft.com/office/drawing/2014/main" id="{75E80341-E039-4483-9DB0-4141E64F7B8B}"/>
+              </a:ext>
+            </a:extLst>
+          </p:cNvPr>
+          <p:cNvCxnSpPr>
+            <a:cxnSpLocks/>
+          </p:cNvCxnSpPr>
+          <p:nvPr/>
+        </p:nvCxnSpPr>
+        <p:spPr>
+          <a:xfrm flipV="1">
+            <a:off x="1593144" y="5974055"/>
+            <a:ext cx="448499" cy="8"/>
+          </a:xfrm>
+          <a:prstGeom prst="line">
+            <a:avLst/>
+          </a:prstGeom>
+          <a:ln>
+            <a:headEnd type="oval" w="med" len="med"/>
+            <a:tailEnd type="oval" w="med" len="med"/>
+          </a:ln>
+        </p:spPr>
+        <p:style>
+          <a:lnRef idx="1">
+            <a:schemeClr val="accent1"/>
+          </a:lnRef>
+          <a:fillRef idx="0">
+            <a:schemeClr val="accent1"/>
+          </a:fillRef>
+          <a:effectRef idx="0">
+            <a:schemeClr val="accent1"/>
+          </a:effectRef>
+          <a:fontRef idx="minor">
+            <a:schemeClr val="tx1"/>
+          </a:fontRef>
+        </p:style>
+      </p:cxnSp>
+      <p:grpSp>
+        <p:nvGrpSpPr>
+          <p:cNvPr id="98" name="グループ化 97">
+            <a:extLst>
+              <a:ext uri="{FF2B5EF4-FFF2-40B4-BE49-F238E27FC236}">
+                <a16:creationId xmlns:a16="http://schemas.microsoft.com/office/drawing/2014/main" id="{CE8CAA6C-665C-4CFC-AAEA-038213C32E73}"/>
+              </a:ext>
+            </a:extLst>
+          </p:cNvPr>
+          <p:cNvGrpSpPr/>
+          <p:nvPr/>
+        </p:nvGrpSpPr>
+        <p:grpSpPr>
+          <a:xfrm>
+            <a:off x="2059047" y="5965340"/>
+            <a:ext cx="715184" cy="383187"/>
+            <a:chOff x="3605344" y="2299050"/>
+            <a:chExt cx="914399" cy="383187"/>
+          </a:xfrm>
+        </p:grpSpPr>
+        <p:cxnSp>
+          <p:nvCxnSpPr>
+            <p:cNvPr id="99" name="直線コネクタ 98">
+              <a:extLst>
+                <a:ext uri="{FF2B5EF4-FFF2-40B4-BE49-F238E27FC236}">
+                  <a16:creationId xmlns:a16="http://schemas.microsoft.com/office/drawing/2014/main" id="{FF994FB6-A984-4076-A0B1-F7207CBBC195}"/>
+                </a:ext>
+              </a:extLst>
+            </p:cNvPr>
+            <p:cNvCxnSpPr>
+              <a:cxnSpLocks/>
+            </p:cNvCxnSpPr>
+            <p:nvPr/>
+          </p:nvCxnSpPr>
+          <p:spPr>
+            <a:xfrm flipV="1">
+              <a:off x="3605349" y="2682225"/>
+              <a:ext cx="910043" cy="12"/>
+            </a:xfrm>
+            <a:prstGeom prst="line">
+              <a:avLst/>
+            </a:prstGeom>
+            <a:ln w="57150">
+              <a:solidFill>
+                <a:schemeClr val="bg2">
+                  <a:lumMod val="50000"/>
+                </a:schemeClr>
+              </a:solidFill>
+            </a:ln>
+          </p:spPr>
+          <p:style>
+            <a:lnRef idx="1">
+              <a:schemeClr val="accent1"/>
+            </a:lnRef>
+            <a:fillRef idx="0">
+              <a:schemeClr val="accent1"/>
+            </a:fillRef>
+            <a:effectRef idx="0">
+              <a:schemeClr val="accent1"/>
+            </a:effectRef>
+            <a:fontRef idx="minor">
+              <a:schemeClr val="tx1"/>
+            </a:fontRef>
+          </p:style>
+        </p:cxnSp>
+        <p:cxnSp>
+          <p:nvCxnSpPr>
+            <p:cNvPr id="100" name="直線コネクタ 99">
+              <a:extLst>
+                <a:ext uri="{FF2B5EF4-FFF2-40B4-BE49-F238E27FC236}">
+                  <a16:creationId xmlns:a16="http://schemas.microsoft.com/office/drawing/2014/main" id="{B0742161-024D-4AF1-90E7-D0244EEAAA33}"/>
+                </a:ext>
+              </a:extLst>
+            </p:cNvPr>
+            <p:cNvCxnSpPr>
+              <a:cxnSpLocks/>
+            </p:cNvCxnSpPr>
+            <p:nvPr/>
+          </p:nvCxnSpPr>
+          <p:spPr>
+            <a:xfrm flipV="1">
+              <a:off x="3609700" y="2494994"/>
+              <a:ext cx="910043" cy="12"/>
+            </a:xfrm>
+            <a:prstGeom prst="line">
+              <a:avLst/>
+            </a:prstGeom>
+            <a:ln w="57150">
+              <a:solidFill>
+                <a:schemeClr val="bg2">
+                  <a:lumMod val="50000"/>
+                </a:schemeClr>
+              </a:solidFill>
+            </a:ln>
+          </p:spPr>
+          <p:style>
+            <a:lnRef idx="1">
+              <a:schemeClr val="accent1"/>
+            </a:lnRef>
+            <a:fillRef idx="0">
+              <a:schemeClr val="accent1"/>
+            </a:fillRef>
+            <a:effectRef idx="0">
+              <a:schemeClr val="accent1"/>
+            </a:effectRef>
+            <a:fontRef idx="minor">
+              <a:schemeClr val="tx1"/>
+            </a:fontRef>
+          </p:style>
+        </p:cxnSp>
+        <p:cxnSp>
+          <p:nvCxnSpPr>
+            <p:cNvPr id="101" name="直線コネクタ 100">
+              <a:extLst>
+                <a:ext uri="{FF2B5EF4-FFF2-40B4-BE49-F238E27FC236}">
+                  <a16:creationId xmlns:a16="http://schemas.microsoft.com/office/drawing/2014/main" id="{ED15C70B-BA33-47FB-91AC-A9E4ED980F9A}"/>
+                </a:ext>
+              </a:extLst>
+            </p:cNvPr>
+            <p:cNvCxnSpPr>
+              <a:cxnSpLocks/>
+            </p:cNvCxnSpPr>
+            <p:nvPr/>
+          </p:nvCxnSpPr>
+          <p:spPr>
+            <a:xfrm flipV="1">
+              <a:off x="3605344" y="2299050"/>
+              <a:ext cx="910043" cy="12"/>
+            </a:xfrm>
+            <a:prstGeom prst="line">
+              <a:avLst/>
+            </a:prstGeom>
+            <a:ln w="57150">
+              <a:solidFill>
+                <a:schemeClr val="bg2">
+                  <a:lumMod val="50000"/>
+                </a:schemeClr>
+              </a:solidFill>
+            </a:ln>
+          </p:spPr>
+          <p:style>
+            <a:lnRef idx="1">
+              <a:schemeClr val="accent1"/>
+            </a:lnRef>
+            <a:fillRef idx="0">
+              <a:schemeClr val="accent1"/>
+            </a:fillRef>
+            <a:effectRef idx="0">
+              <a:schemeClr val="accent1"/>
+            </a:effectRef>
+            <a:fontRef idx="minor">
+              <a:schemeClr val="tx1"/>
+            </a:fontRef>
+          </p:style>
+        </p:cxnSp>
+      </p:grpSp>
+      <p:cxnSp>
+        <p:nvCxnSpPr>
+          <p:cNvPr id="102" name="直線コネクタ 101">
+            <a:extLst>
+              <a:ext uri="{FF2B5EF4-FFF2-40B4-BE49-F238E27FC236}">
+                <a16:creationId xmlns:a16="http://schemas.microsoft.com/office/drawing/2014/main" id="{C194C043-9ED9-4239-B7DD-D7C2C7848C66}"/>
+              </a:ext>
+            </a:extLst>
+          </p:cNvPr>
+          <p:cNvCxnSpPr>
+            <a:cxnSpLocks/>
+          </p:cNvCxnSpPr>
+          <p:nvPr/>
+        </p:nvCxnSpPr>
+        <p:spPr>
+          <a:xfrm flipV="1">
+            <a:off x="1606204" y="6161291"/>
+            <a:ext cx="448499" cy="8"/>
+          </a:xfrm>
+          <a:prstGeom prst="line">
+            <a:avLst/>
+          </a:prstGeom>
+          <a:ln>
+            <a:headEnd type="oval" w="med" len="med"/>
+            <a:tailEnd type="oval" w="med" len="med"/>
+          </a:ln>
+        </p:spPr>
+        <p:style>
+          <a:lnRef idx="1">
+            <a:schemeClr val="accent1"/>
+          </a:lnRef>
+          <a:fillRef idx="0">
+            <a:schemeClr val="accent1"/>
+          </a:fillRef>
+          <a:effectRef idx="0">
+            <a:schemeClr val="accent1"/>
+          </a:effectRef>
+          <a:fontRef idx="minor">
+            <a:schemeClr val="tx1"/>
+          </a:fontRef>
+        </p:style>
+      </p:cxnSp>
+      <p:cxnSp>
+        <p:nvCxnSpPr>
+          <p:cNvPr id="103" name="直線コネクタ 102">
+            <a:extLst>
+              <a:ext uri="{FF2B5EF4-FFF2-40B4-BE49-F238E27FC236}">
+                <a16:creationId xmlns:a16="http://schemas.microsoft.com/office/drawing/2014/main" id="{B7B9C94B-E437-4145-AFFC-31E965CE6EFE}"/>
+              </a:ext>
+            </a:extLst>
+          </p:cNvPr>
+          <p:cNvCxnSpPr>
+            <a:cxnSpLocks/>
+          </p:cNvCxnSpPr>
+          <p:nvPr/>
+        </p:nvCxnSpPr>
+        <p:spPr>
+          <a:xfrm flipV="1">
+            <a:off x="1619264" y="6348527"/>
+            <a:ext cx="448499" cy="8"/>
+          </a:xfrm>
+          <a:prstGeom prst="line">
+            <a:avLst/>
+          </a:prstGeom>
+          <a:ln>
+            <a:headEnd type="oval" w="med" len="med"/>
+            <a:tailEnd type="oval" w="med" len="med"/>
+          </a:ln>
+        </p:spPr>
+        <p:style>
+          <a:lnRef idx="1">
+            <a:schemeClr val="accent1"/>
+          </a:lnRef>
+          <a:fillRef idx="0">
+            <a:schemeClr val="accent1"/>
+          </a:fillRef>
+          <a:effectRef idx="0">
+            <a:schemeClr val="accent1"/>
+          </a:effectRef>
+          <a:fontRef idx="minor">
+            <a:schemeClr val="tx1"/>
+          </a:fontRef>
+        </p:style>
+      </p:cxnSp>
+      <p:sp>
+        <p:nvSpPr>
+          <p:cNvPr id="104" name="正方形/長方形 103">
+            <a:extLst>
+              <a:ext uri="{FF2B5EF4-FFF2-40B4-BE49-F238E27FC236}">
+                <a16:creationId xmlns:a16="http://schemas.microsoft.com/office/drawing/2014/main" id="{FEF56CB7-E198-486B-B7AE-AE4D1EB469C6}"/>
+              </a:ext>
+            </a:extLst>
+          </p:cNvPr>
+          <p:cNvSpPr/>
+          <p:nvPr/>
+        </p:nvSpPr>
+        <p:spPr>
+          <a:xfrm>
+            <a:off x="2146135" y="5886980"/>
+            <a:ext cx="200299" cy="557344"/>
+          </a:xfrm>
+          <a:prstGeom prst="rect">
+            <a:avLst/>
+          </a:prstGeom>
+          <a:solidFill>
+            <a:schemeClr val="bg2">
+              <a:lumMod val="50000"/>
+              <a:alpha val="95000"/>
+            </a:schemeClr>
+          </a:solidFill>
+        </p:spPr>
+        <p:style>
+          <a:lnRef idx="2">
+            <a:schemeClr val="accent1">
+              <a:shade val="50000"/>
+            </a:schemeClr>
+          </a:lnRef>
+          <a:fillRef idx="1">
+            <a:schemeClr val="accent1"/>
+          </a:fillRef>
+          <a:effectRef idx="0">
+            <a:schemeClr val="accent1"/>
+          </a:effectRef>
+          <a:fontRef idx="minor">
+            <a:schemeClr val="lt1"/>
+          </a:fontRef>
+        </p:style>
+        <p:txBody>
+          <a:bodyPr rtlCol="0" anchor="ctr"/>
+          <a:lstStyle/>
+          <a:p>
+            <a:pPr algn="ctr"/>
+            <a:endParaRPr lang="en-US"/>
+          </a:p>
+        </p:txBody>
+      </p:sp>
+      <p:sp>
+        <p:nvSpPr>
+          <p:cNvPr id="2" name="テキスト ボックス 1">
+            <a:extLst>
+              <a:ext uri="{FF2B5EF4-FFF2-40B4-BE49-F238E27FC236}">
+                <a16:creationId xmlns:a16="http://schemas.microsoft.com/office/drawing/2014/main" id="{A6F5F850-BFF7-4567-BD31-8BCF08A16146}"/>
+              </a:ext>
+            </a:extLst>
+          </p:cNvPr>
+          <p:cNvSpPr txBox="1"/>
+          <p:nvPr/>
+        </p:nvSpPr>
+        <p:spPr>
+          <a:xfrm>
+            <a:off x="1531600" y="4484914"/>
+            <a:ext cx="45719" cy="369332"/>
+          </a:xfrm>
+          <a:prstGeom prst="rect">
+            <a:avLst/>
+          </a:prstGeom>
+          <a:noFill/>
+        </p:spPr>
+        <p:txBody>
+          <a:bodyPr wrap="square" rtlCol="0">
+            <a:spAutoFit/>
+          </a:bodyPr>
+          <a:lstStyle/>
+          <a:p>
+            <a:r>
+              <a:rPr lang="en-US" dirty="0"/>
+              <a:t>:</a:t>
+            </a:r>
+          </a:p>
+        </p:txBody>
+      </p:sp>
+      <p:sp>
+        <p:nvSpPr>
+          <p:cNvPr id="3" name="テキスト ボックス 2">
+            <a:extLst>
+              <a:ext uri="{FF2B5EF4-FFF2-40B4-BE49-F238E27FC236}">
+                <a16:creationId xmlns:a16="http://schemas.microsoft.com/office/drawing/2014/main" id="{91D24B01-75EB-48B6-897B-D3685B6A043D}"/>
+              </a:ext>
+            </a:extLst>
+          </p:cNvPr>
+          <p:cNvSpPr txBox="1"/>
+          <p:nvPr/>
+        </p:nvSpPr>
+        <p:spPr>
+          <a:xfrm flipH="1">
+            <a:off x="952232" y="2412274"/>
+            <a:ext cx="2226397" cy="369332"/>
+          </a:xfrm>
+          <a:prstGeom prst="rect">
+            <a:avLst/>
+          </a:prstGeom>
+          <a:noFill/>
+        </p:spPr>
+        <p:txBody>
+          <a:bodyPr wrap="square" rtlCol="0">
+            <a:spAutoFit/>
+          </a:bodyPr>
+          <a:lstStyle/>
+          <a:p>
+            <a:r>
+              <a:rPr lang="en-US" dirty="0"/>
+              <a:t>8 pc</a:t>
+            </a:r>
+          </a:p>
+        </p:txBody>
+      </p:sp>
+      <p:sp>
+        <p:nvSpPr>
+          <p:cNvPr id="105" name="テキスト ボックス 104">
+            <a:extLst>
+              <a:ext uri="{FF2B5EF4-FFF2-40B4-BE49-F238E27FC236}">
+                <a16:creationId xmlns:a16="http://schemas.microsoft.com/office/drawing/2014/main" id="{83A274DE-B606-4247-82E9-CF41EDB6D536}"/>
+              </a:ext>
+            </a:extLst>
+          </p:cNvPr>
+          <p:cNvSpPr txBox="1"/>
+          <p:nvPr/>
+        </p:nvSpPr>
+        <p:spPr>
+          <a:xfrm flipH="1">
+            <a:off x="-1870" y="3697571"/>
+            <a:ext cx="1457031" cy="307777"/>
+          </a:xfrm>
+          <a:prstGeom prst="rect">
+            <a:avLst/>
+          </a:prstGeom>
+          <a:noFill/>
+        </p:spPr>
+        <p:txBody>
+          <a:bodyPr wrap="square" rtlCol="0">
+            <a:spAutoFit/>
+          </a:bodyPr>
+          <a:lstStyle/>
+          <a:p>
+            <a:r>
+              <a:rPr lang="en-US" sz="1400" dirty="0"/>
+              <a:t>A1324LUA-T</a:t>
+            </a:r>
+          </a:p>
+        </p:txBody>
+      </p:sp>
     </p:spTree>
     <p:extLst>
       <p:ext uri="{BB962C8B-B14F-4D97-AF65-F5344CB8AC3E}">
